--- a/City_health_ppt.pptx
+++ b/City_health_ppt.pptx
@@ -6,8 +6,14 @@
   </p:sldMasterIdLst>
   <p:sldIdLst>
     <p:sldId id="256" r:id="rId2"/>
-    <p:sldId id="257" r:id="rId3"/>
-    <p:sldId id="258" r:id="rId4"/>
+    <p:sldId id="259" r:id="rId3"/>
+    <p:sldId id="265" r:id="rId4"/>
+    <p:sldId id="261" r:id="rId5"/>
+    <p:sldId id="262" r:id="rId6"/>
+    <p:sldId id="263" r:id="rId7"/>
+    <p:sldId id="264" r:id="rId8"/>
+    <p:sldId id="266" r:id="rId9"/>
+    <p:sldId id="258" r:id="rId10"/>
   </p:sldIdLst>
   <p:sldSz cx="12192000" cy="6858000"/>
   <p:notesSz cx="6858000" cy="9144000"/>
@@ -3339,14 +3345,19 @@
             <p:ph type="ctrTitle"/>
           </p:nvPr>
         </p:nvSpPr>
-        <p:spPr/>
-        <p:txBody>
-          <a:bodyPr/>
-          <a:lstStyle/>
-          <a:p>
-            <a:r>
-              <a:rPr lang="en-US" dirty="0"/>
-              <a:t>Air Quality, Health by state</a:t>
+        <p:spPr>
+          <a:xfrm>
+            <a:off x="1479933" y="319488"/>
+            <a:ext cx="9144000" cy="1394723"/>
+          </a:xfrm>
+        </p:spPr>
+        <p:txBody>
+          <a:bodyPr/>
+          <a:lstStyle/>
+          <a:p>
+            <a:r>
+              <a:rPr lang="en-US" b="1" dirty="0"/>
+              <a:t>Air Quality, Health &amp; Census</a:t>
             </a:r>
           </a:p>
         </p:txBody>
@@ -3367,7 +3378,12 @@
             <p:ph type="subTitle" idx="1"/>
           </p:nvPr>
         </p:nvSpPr>
-        <p:spPr/>
+        <p:spPr>
+          <a:xfrm>
+            <a:off x="1182477" y="1841977"/>
+            <a:ext cx="9144000" cy="1655762"/>
+          </a:xfrm>
+        </p:spPr>
         <p:txBody>
           <a:bodyPr>
             <a:normAutofit lnSpcReduction="10000"/>
@@ -3401,6 +3417,96 @@
           </a:p>
         </p:txBody>
       </p:sp>
+      <p:pic>
+        <p:nvPicPr>
+          <p:cNvPr id="4" name="Content Placeholder 4">
+            <a:extLst>
+              <a:ext uri="{FF2B5EF4-FFF2-40B4-BE49-F238E27FC236}">
+                <a16:creationId xmlns:a16="http://schemas.microsoft.com/office/drawing/2014/main" id="{B65B8A39-F193-B841-AD79-2B8283A48E51}"/>
+              </a:ext>
+            </a:extLst>
+          </p:cNvPr>
+          <p:cNvPicPr>
+            <a:picLocks noChangeAspect="1"/>
+          </p:cNvPicPr>
+          <p:nvPr/>
+        </p:nvPicPr>
+        <p:blipFill>
+          <a:blip r:embed="rId2"/>
+          <a:stretch>
+            <a:fillRect/>
+          </a:stretch>
+        </p:blipFill>
+        <p:spPr>
+          <a:xfrm>
+            <a:off x="813488" y="3260516"/>
+            <a:ext cx="2623774" cy="1881044"/>
+          </a:xfrm>
+          <a:prstGeom prst="rect">
+            <a:avLst/>
+          </a:prstGeom>
+        </p:spPr>
+      </p:pic>
+      <p:pic>
+        <p:nvPicPr>
+          <p:cNvPr id="6" name="Picture 5">
+            <a:extLst>
+              <a:ext uri="{FF2B5EF4-FFF2-40B4-BE49-F238E27FC236}">
+                <a16:creationId xmlns:a16="http://schemas.microsoft.com/office/drawing/2014/main" id="{DC0FB01F-F84C-EB4C-A402-3E47585902ED}"/>
+              </a:ext>
+            </a:extLst>
+          </p:cNvPr>
+          <p:cNvPicPr>
+            <a:picLocks noChangeAspect="1"/>
+          </p:cNvPicPr>
+          <p:nvPr/>
+        </p:nvPicPr>
+        <p:blipFill>
+          <a:blip r:embed="rId3"/>
+          <a:stretch>
+            <a:fillRect/>
+          </a:stretch>
+        </p:blipFill>
+        <p:spPr>
+          <a:xfrm>
+            <a:off x="7855026" y="3260516"/>
+            <a:ext cx="3285476" cy="1848080"/>
+          </a:xfrm>
+          <a:prstGeom prst="rect">
+            <a:avLst/>
+          </a:prstGeom>
+        </p:spPr>
+      </p:pic>
+      <p:pic>
+        <p:nvPicPr>
+          <p:cNvPr id="8" name="Picture 7">
+            <a:extLst>
+              <a:ext uri="{FF2B5EF4-FFF2-40B4-BE49-F238E27FC236}">
+                <a16:creationId xmlns:a16="http://schemas.microsoft.com/office/drawing/2014/main" id="{60AD6C8A-FB60-914E-8750-F142A71552A1}"/>
+              </a:ext>
+            </a:extLst>
+          </p:cNvPr>
+          <p:cNvPicPr>
+            <a:picLocks noChangeAspect="1"/>
+          </p:cNvPicPr>
+          <p:nvPr/>
+        </p:nvPicPr>
+        <p:blipFill>
+          <a:blip r:embed="rId4"/>
+          <a:stretch>
+            <a:fillRect/>
+          </a:stretch>
+        </p:blipFill>
+        <p:spPr>
+          <a:xfrm>
+            <a:off x="4148461" y="4353814"/>
+            <a:ext cx="3608636" cy="2090814"/>
+          </a:xfrm>
+          <a:prstGeom prst="rect">
+            <a:avLst/>
+          </a:prstGeom>
+        </p:spPr>
+      </p:pic>
     </p:spTree>
     <p:extLst>
       <p:ext uri="{BB962C8B-B14F-4D97-AF65-F5344CB8AC3E}">
@@ -3436,7 +3542,7 @@
           <p:cNvPr id="2" name="Title 1">
             <a:extLst>
               <a:ext uri="{FF2B5EF4-FFF2-40B4-BE49-F238E27FC236}">
-                <a16:creationId xmlns:a16="http://schemas.microsoft.com/office/drawing/2014/main" id="{6C288B2E-614B-5248-8EF8-294FCE2FE8D7}"/>
+                <a16:creationId xmlns:a16="http://schemas.microsoft.com/office/drawing/2014/main" id="{DE82EF8E-871B-B64C-A8E2-324C38CE4DD7}"/>
               </a:ext>
             </a:extLst>
           </p:cNvPr>
@@ -3452,90 +3558,93 @@
           <a:bodyPr/>
           <a:lstStyle/>
           <a:p>
-            <a:pPr algn="ctr"/>
-            <a:r>
-              <a:rPr lang="en-US" b="1" dirty="0"/>
-              <a:t>Air Quality Index</a:t>
-            </a:r>
-          </a:p>
-        </p:txBody>
-      </p:sp>
-      <p:pic>
-        <p:nvPicPr>
-          <p:cNvPr id="5" name="Content Placeholder 4">
-            <a:extLst>
-              <a:ext uri="{FF2B5EF4-FFF2-40B4-BE49-F238E27FC236}">
-                <a16:creationId xmlns:a16="http://schemas.microsoft.com/office/drawing/2014/main" id="{AB0CB5A3-78EE-C24A-BDB4-86C556736D11}"/>
-              </a:ext>
-            </a:extLst>
-          </p:cNvPr>
-          <p:cNvPicPr>
-            <a:picLocks noGrp="1" noChangeAspect="1"/>
-          </p:cNvPicPr>
+            <a:r>
+              <a:rPr lang="en-US" dirty="0"/>
+              <a:t>Project Scope</a:t>
+            </a:r>
+          </a:p>
+        </p:txBody>
+      </p:sp>
+      <p:sp>
+        <p:nvSpPr>
+          <p:cNvPr id="3" name="Content Placeholder 2">
+            <a:extLst>
+              <a:ext uri="{FF2B5EF4-FFF2-40B4-BE49-F238E27FC236}">
+                <a16:creationId xmlns:a16="http://schemas.microsoft.com/office/drawing/2014/main" id="{EBD4BB73-E0C0-AA41-A234-5AE493F76391}"/>
+              </a:ext>
+            </a:extLst>
+          </p:cNvPr>
+          <p:cNvSpPr>
+            <a:spLocks noGrp="1"/>
+          </p:cNvSpPr>
           <p:nvPr>
             <p:ph idx="1"/>
           </p:nvPr>
-        </p:nvPicPr>
-        <p:blipFill>
-          <a:blip r:embed="rId2"/>
-          <a:stretch>
-            <a:fillRect/>
-          </a:stretch>
-        </p:blipFill>
-        <p:spPr>
-          <a:xfrm>
-            <a:off x="1441450" y="1966572"/>
-            <a:ext cx="4127500" cy="2959100"/>
-          </a:xfrm>
-        </p:spPr>
-      </p:pic>
-      <p:sp>
-        <p:nvSpPr>
-          <p:cNvPr id="8" name="TextBox 7">
-            <a:extLst>
-              <a:ext uri="{FF2B5EF4-FFF2-40B4-BE49-F238E27FC236}">
-                <a16:creationId xmlns:a16="http://schemas.microsoft.com/office/drawing/2014/main" id="{3DAB2CFA-0513-AB46-8961-E626A64818C7}"/>
-              </a:ext>
-            </a:extLst>
-          </p:cNvPr>
-          <p:cNvSpPr txBox="1"/>
-          <p:nvPr/>
-        </p:nvSpPr>
-        <p:spPr>
-          <a:xfrm>
-            <a:off x="1441450" y="6379030"/>
-            <a:ext cx="8203293" cy="276999"/>
-          </a:xfrm>
-          <a:prstGeom prst="rect">
-            <a:avLst/>
-          </a:prstGeom>
-          <a:noFill/>
-        </p:spPr>
-        <p:txBody>
-          <a:bodyPr wrap="square" rtlCol="0">
-            <a:spAutoFit/>
-          </a:bodyPr>
-          <a:lstStyle/>
-          <a:p>
-            <a:r>
-              <a:rPr lang="en-US" sz="1200" dirty="0"/>
-              <a:t>https://</a:t>
-            </a:r>
-            <a:r>
-              <a:rPr lang="en-US" sz="1200" dirty="0" err="1"/>
-              <a:t>airmega.com</a:t>
-            </a:r>
-            <a:r>
-              <a:rPr lang="en-US" sz="1200" dirty="0"/>
-              <a:t>/air-quality-index/</a:t>
-            </a:r>
+        </p:nvSpPr>
+        <p:spPr/>
+        <p:txBody>
+          <a:bodyPr/>
+          <a:lstStyle/>
+          <a:p>
+            <a:r>
+              <a:rPr lang="en-US" dirty="0"/>
+              <a:t>Correlation between </a:t>
+            </a:r>
+          </a:p>
+          <a:p>
+            <a:pPr marL="0" indent="0">
+              <a:buNone/>
+            </a:pPr>
+            <a:r>
+              <a:rPr lang="en-US" dirty="0"/>
+              <a:t> 	-Air quality </a:t>
+            </a:r>
+          </a:p>
+          <a:p>
+            <a:pPr marL="0" indent="0">
+              <a:buNone/>
+            </a:pPr>
+            <a:r>
+              <a:rPr lang="en-US" dirty="0"/>
+              <a:t>	-Health</a:t>
+            </a:r>
+          </a:p>
+          <a:p>
+            <a:pPr marL="0" indent="0">
+              <a:buNone/>
+            </a:pPr>
+            <a:r>
+              <a:rPr lang="en-US" dirty="0"/>
+              <a:t>	-Geographic</a:t>
+            </a:r>
+          </a:p>
+          <a:p>
+            <a:pPr marL="0" indent="0">
+              <a:buNone/>
+            </a:pPr>
+            <a:r>
+              <a:rPr lang="en-US" dirty="0"/>
+              <a:t>	-Economic</a:t>
+            </a:r>
+          </a:p>
+          <a:p>
+            <a:pPr marL="0" indent="0">
+              <a:buNone/>
+            </a:pPr>
+            <a:endParaRPr lang="en-US" dirty="0"/>
+          </a:p>
+          <a:p>
+            <a:endParaRPr lang="en-US" dirty="0"/>
+          </a:p>
+          <a:p>
+            <a:endParaRPr lang="en-US" dirty="0"/>
           </a:p>
         </p:txBody>
       </p:sp>
     </p:spTree>
     <p:extLst>
       <p:ext uri="{BB962C8B-B14F-4D97-AF65-F5344CB8AC3E}">
-        <p14:creationId xmlns:p14="http://schemas.microsoft.com/office/powerpoint/2010/main" val="1494214561"/>
+        <p14:creationId xmlns:p14="http://schemas.microsoft.com/office/powerpoint/2010/main" val="1596815690"/>
       </p:ext>
     </p:extLst>
   </p:cSld>
@@ -3562,6 +3671,574 @@
           <a:chExt cx="0" cy="0"/>
         </a:xfrm>
       </p:grpSpPr>
+      <p:sp>
+        <p:nvSpPr>
+          <p:cNvPr id="2" name="Title 1">
+            <a:extLst>
+              <a:ext uri="{FF2B5EF4-FFF2-40B4-BE49-F238E27FC236}">
+                <a16:creationId xmlns:a16="http://schemas.microsoft.com/office/drawing/2014/main" id="{4A9FEF1B-F02C-1D4C-A8A0-61EEEDEFB10A}"/>
+              </a:ext>
+            </a:extLst>
+          </p:cNvPr>
+          <p:cNvSpPr>
+            <a:spLocks noGrp="1"/>
+          </p:cNvSpPr>
+          <p:nvPr>
+            <p:ph type="title"/>
+          </p:nvPr>
+        </p:nvSpPr>
+        <p:spPr/>
+        <p:txBody>
+          <a:bodyPr/>
+          <a:lstStyle/>
+          <a:p>
+            <a:r>
+              <a:rPr lang="en-US" dirty="0"/>
+              <a:t>Data Sources</a:t>
+            </a:r>
+          </a:p>
+        </p:txBody>
+      </p:sp>
+      <p:sp>
+        <p:nvSpPr>
+          <p:cNvPr id="3" name="Content Placeholder 2">
+            <a:extLst>
+              <a:ext uri="{FF2B5EF4-FFF2-40B4-BE49-F238E27FC236}">
+                <a16:creationId xmlns:a16="http://schemas.microsoft.com/office/drawing/2014/main" id="{CBF80364-4233-E248-8706-D0A914AB68AE}"/>
+              </a:ext>
+            </a:extLst>
+          </p:cNvPr>
+          <p:cNvSpPr>
+            <a:spLocks noGrp="1"/>
+          </p:cNvSpPr>
+          <p:nvPr>
+            <p:ph idx="1"/>
+          </p:nvPr>
+        </p:nvSpPr>
+        <p:spPr/>
+        <p:txBody>
+          <a:bodyPr/>
+          <a:lstStyle/>
+          <a:p>
+            <a:r>
+              <a:rPr lang="en-US" dirty="0"/>
+              <a:t>U.S. Census Data</a:t>
+            </a:r>
+          </a:p>
+          <a:p>
+            <a:r>
+              <a:rPr lang="en-US" dirty="0"/>
+              <a:t>County Health Data</a:t>
+            </a:r>
+          </a:p>
+          <a:p>
+            <a:r>
+              <a:rPr lang="en-US" dirty="0"/>
+              <a:t>Air Quality Data</a:t>
+            </a:r>
+          </a:p>
+          <a:p>
+            <a:endParaRPr lang="en-US" dirty="0"/>
+          </a:p>
+        </p:txBody>
+      </p:sp>
+    </p:spTree>
+    <p:extLst>
+      <p:ext uri="{BB962C8B-B14F-4D97-AF65-F5344CB8AC3E}">
+        <p14:creationId xmlns:p14="http://schemas.microsoft.com/office/powerpoint/2010/main" val="1960726041"/>
+      </p:ext>
+    </p:extLst>
+  </p:cSld>
+  <p:clrMapOvr>
+    <a:masterClrMapping/>
+  </p:clrMapOvr>
+</p:sld>
+</file>
+
+<file path=ppt/slides/slide4.xml><?xml version="1.0" encoding="utf-8"?>
+<p:sld xmlns:a="http://schemas.openxmlformats.org/drawingml/2006/main" xmlns:r="http://schemas.openxmlformats.org/officeDocument/2006/relationships" xmlns:p="http://schemas.openxmlformats.org/presentationml/2006/main">
+  <p:cSld>
+    <p:spTree>
+      <p:nvGrpSpPr>
+        <p:cNvPr id="1" name=""/>
+        <p:cNvGrpSpPr/>
+        <p:nvPr/>
+      </p:nvGrpSpPr>
+      <p:grpSpPr>
+        <a:xfrm>
+          <a:off x="0" y="0"/>
+          <a:ext cx="0" cy="0"/>
+          <a:chOff x="0" y="0"/>
+          <a:chExt cx="0" cy="0"/>
+        </a:xfrm>
+      </p:grpSpPr>
+      <p:sp>
+        <p:nvSpPr>
+          <p:cNvPr id="2" name="Title 1">
+            <a:extLst>
+              <a:ext uri="{FF2B5EF4-FFF2-40B4-BE49-F238E27FC236}">
+                <a16:creationId xmlns:a16="http://schemas.microsoft.com/office/drawing/2014/main" id="{80999772-6DB8-394E-903D-A0C0B7F192CC}"/>
+              </a:ext>
+            </a:extLst>
+          </p:cNvPr>
+          <p:cNvSpPr>
+            <a:spLocks noGrp="1"/>
+          </p:cNvSpPr>
+          <p:nvPr>
+            <p:ph type="title"/>
+          </p:nvPr>
+        </p:nvSpPr>
+        <p:spPr/>
+        <p:txBody>
+          <a:bodyPr/>
+          <a:lstStyle/>
+          <a:p>
+            <a:r>
+              <a:rPr lang="en-US" dirty="0"/>
+              <a:t>Key take </a:t>
+            </a:r>
+            <a:r>
+              <a:rPr lang="en-US" dirty="0" err="1"/>
+              <a:t>aways</a:t>
+            </a:r>
+            <a:r>
+              <a:rPr lang="en-US" dirty="0"/>
+              <a:t> [Adam]</a:t>
+            </a:r>
+          </a:p>
+        </p:txBody>
+      </p:sp>
+      <p:sp>
+        <p:nvSpPr>
+          <p:cNvPr id="3" name="Content Placeholder 2">
+            <a:extLst>
+              <a:ext uri="{FF2B5EF4-FFF2-40B4-BE49-F238E27FC236}">
+                <a16:creationId xmlns:a16="http://schemas.microsoft.com/office/drawing/2014/main" id="{67D83CFD-FDAE-9F44-9300-D077904D56B0}"/>
+              </a:ext>
+            </a:extLst>
+          </p:cNvPr>
+          <p:cNvSpPr>
+            <a:spLocks noGrp="1"/>
+          </p:cNvSpPr>
+          <p:nvPr>
+            <p:ph idx="1"/>
+          </p:nvPr>
+        </p:nvSpPr>
+        <p:spPr/>
+        <p:txBody>
+          <a:bodyPr/>
+          <a:lstStyle/>
+          <a:p>
+            <a:endParaRPr lang="en-US"/>
+          </a:p>
+        </p:txBody>
+      </p:sp>
+    </p:spTree>
+    <p:extLst>
+      <p:ext uri="{BB962C8B-B14F-4D97-AF65-F5344CB8AC3E}">
+        <p14:creationId xmlns:p14="http://schemas.microsoft.com/office/powerpoint/2010/main" val="3492367607"/>
+      </p:ext>
+    </p:extLst>
+  </p:cSld>
+  <p:clrMapOvr>
+    <a:masterClrMapping/>
+  </p:clrMapOvr>
+</p:sld>
+</file>
+
+<file path=ppt/slides/slide5.xml><?xml version="1.0" encoding="utf-8"?>
+<p:sld xmlns:a="http://schemas.openxmlformats.org/drawingml/2006/main" xmlns:r="http://schemas.openxmlformats.org/officeDocument/2006/relationships" xmlns:p="http://schemas.openxmlformats.org/presentationml/2006/main">
+  <p:cSld>
+    <p:spTree>
+      <p:nvGrpSpPr>
+        <p:cNvPr id="1" name=""/>
+        <p:cNvGrpSpPr/>
+        <p:nvPr/>
+      </p:nvGrpSpPr>
+      <p:grpSpPr>
+        <a:xfrm>
+          <a:off x="0" y="0"/>
+          <a:ext cx="0" cy="0"/>
+          <a:chOff x="0" y="0"/>
+          <a:chExt cx="0" cy="0"/>
+        </a:xfrm>
+      </p:grpSpPr>
+      <p:sp>
+        <p:nvSpPr>
+          <p:cNvPr id="2" name="Title 1">
+            <a:extLst>
+              <a:ext uri="{FF2B5EF4-FFF2-40B4-BE49-F238E27FC236}">
+                <a16:creationId xmlns:a16="http://schemas.microsoft.com/office/drawing/2014/main" id="{80999772-6DB8-394E-903D-A0C0B7F192CC}"/>
+              </a:ext>
+            </a:extLst>
+          </p:cNvPr>
+          <p:cNvSpPr>
+            <a:spLocks noGrp="1"/>
+          </p:cNvSpPr>
+          <p:nvPr>
+            <p:ph type="title"/>
+          </p:nvPr>
+        </p:nvSpPr>
+        <p:spPr/>
+        <p:txBody>
+          <a:bodyPr/>
+          <a:lstStyle/>
+          <a:p>
+            <a:r>
+              <a:rPr lang="en-US" dirty="0"/>
+              <a:t>Key take </a:t>
+            </a:r>
+            <a:r>
+              <a:rPr lang="en-US" dirty="0" err="1"/>
+              <a:t>aways</a:t>
+            </a:r>
+            <a:r>
+              <a:rPr lang="en-US" dirty="0"/>
+              <a:t> [Brian]</a:t>
+            </a:r>
+          </a:p>
+        </p:txBody>
+      </p:sp>
+      <p:sp>
+        <p:nvSpPr>
+          <p:cNvPr id="3" name="Content Placeholder 2">
+            <a:extLst>
+              <a:ext uri="{FF2B5EF4-FFF2-40B4-BE49-F238E27FC236}">
+                <a16:creationId xmlns:a16="http://schemas.microsoft.com/office/drawing/2014/main" id="{67D83CFD-FDAE-9F44-9300-D077904D56B0}"/>
+              </a:ext>
+            </a:extLst>
+          </p:cNvPr>
+          <p:cNvSpPr>
+            <a:spLocks noGrp="1"/>
+          </p:cNvSpPr>
+          <p:nvPr>
+            <p:ph idx="1"/>
+          </p:nvPr>
+        </p:nvSpPr>
+        <p:spPr/>
+        <p:txBody>
+          <a:bodyPr/>
+          <a:lstStyle/>
+          <a:p>
+            <a:endParaRPr lang="en-US"/>
+          </a:p>
+        </p:txBody>
+      </p:sp>
+    </p:spTree>
+    <p:extLst>
+      <p:ext uri="{BB962C8B-B14F-4D97-AF65-F5344CB8AC3E}">
+        <p14:creationId xmlns:p14="http://schemas.microsoft.com/office/powerpoint/2010/main" val="3898227677"/>
+      </p:ext>
+    </p:extLst>
+  </p:cSld>
+  <p:clrMapOvr>
+    <a:masterClrMapping/>
+  </p:clrMapOvr>
+</p:sld>
+</file>
+
+<file path=ppt/slides/slide6.xml><?xml version="1.0" encoding="utf-8"?>
+<p:sld xmlns:a="http://schemas.openxmlformats.org/drawingml/2006/main" xmlns:r="http://schemas.openxmlformats.org/officeDocument/2006/relationships" xmlns:p="http://schemas.openxmlformats.org/presentationml/2006/main">
+  <p:cSld>
+    <p:spTree>
+      <p:nvGrpSpPr>
+        <p:cNvPr id="1" name=""/>
+        <p:cNvGrpSpPr/>
+        <p:nvPr/>
+      </p:nvGrpSpPr>
+      <p:grpSpPr>
+        <a:xfrm>
+          <a:off x="0" y="0"/>
+          <a:ext cx="0" cy="0"/>
+          <a:chOff x="0" y="0"/>
+          <a:chExt cx="0" cy="0"/>
+        </a:xfrm>
+      </p:grpSpPr>
+      <p:sp>
+        <p:nvSpPr>
+          <p:cNvPr id="2" name="Title 1">
+            <a:extLst>
+              <a:ext uri="{FF2B5EF4-FFF2-40B4-BE49-F238E27FC236}">
+                <a16:creationId xmlns:a16="http://schemas.microsoft.com/office/drawing/2014/main" id="{80999772-6DB8-394E-903D-A0C0B7F192CC}"/>
+              </a:ext>
+            </a:extLst>
+          </p:cNvPr>
+          <p:cNvSpPr>
+            <a:spLocks noGrp="1"/>
+          </p:cNvSpPr>
+          <p:nvPr>
+            <p:ph type="title"/>
+          </p:nvPr>
+        </p:nvSpPr>
+        <p:spPr/>
+        <p:txBody>
+          <a:bodyPr/>
+          <a:lstStyle/>
+          <a:p>
+            <a:r>
+              <a:rPr lang="en-US" dirty="0"/>
+              <a:t>Key take </a:t>
+            </a:r>
+            <a:r>
+              <a:rPr lang="en-US" dirty="0" err="1"/>
+              <a:t>aways</a:t>
+            </a:r>
+            <a:r>
+              <a:rPr lang="en-US" dirty="0"/>
+              <a:t> [Yam]</a:t>
+            </a:r>
+          </a:p>
+        </p:txBody>
+      </p:sp>
+      <p:sp>
+        <p:nvSpPr>
+          <p:cNvPr id="3" name="Content Placeholder 2">
+            <a:extLst>
+              <a:ext uri="{FF2B5EF4-FFF2-40B4-BE49-F238E27FC236}">
+                <a16:creationId xmlns:a16="http://schemas.microsoft.com/office/drawing/2014/main" id="{67D83CFD-FDAE-9F44-9300-D077904D56B0}"/>
+              </a:ext>
+            </a:extLst>
+          </p:cNvPr>
+          <p:cNvSpPr>
+            <a:spLocks noGrp="1"/>
+          </p:cNvSpPr>
+          <p:nvPr>
+            <p:ph idx="1"/>
+          </p:nvPr>
+        </p:nvSpPr>
+        <p:spPr/>
+        <p:txBody>
+          <a:bodyPr/>
+          <a:lstStyle/>
+          <a:p>
+            <a:endParaRPr lang="en-US"/>
+          </a:p>
+        </p:txBody>
+      </p:sp>
+    </p:spTree>
+    <p:extLst>
+      <p:ext uri="{BB962C8B-B14F-4D97-AF65-F5344CB8AC3E}">
+        <p14:creationId xmlns:p14="http://schemas.microsoft.com/office/powerpoint/2010/main" val="1789689188"/>
+      </p:ext>
+    </p:extLst>
+  </p:cSld>
+  <p:clrMapOvr>
+    <a:masterClrMapping/>
+  </p:clrMapOvr>
+</p:sld>
+</file>
+
+<file path=ppt/slides/slide7.xml><?xml version="1.0" encoding="utf-8"?>
+<p:sld xmlns:a="http://schemas.openxmlformats.org/drawingml/2006/main" xmlns:r="http://schemas.openxmlformats.org/officeDocument/2006/relationships" xmlns:p="http://schemas.openxmlformats.org/presentationml/2006/main">
+  <p:cSld>
+    <p:spTree>
+      <p:nvGrpSpPr>
+        <p:cNvPr id="1" name=""/>
+        <p:cNvGrpSpPr/>
+        <p:nvPr/>
+      </p:nvGrpSpPr>
+      <p:grpSpPr>
+        <a:xfrm>
+          <a:off x="0" y="0"/>
+          <a:ext cx="0" cy="0"/>
+          <a:chOff x="0" y="0"/>
+          <a:chExt cx="0" cy="0"/>
+        </a:xfrm>
+      </p:grpSpPr>
+      <p:sp>
+        <p:nvSpPr>
+          <p:cNvPr id="2" name="Title 1">
+            <a:extLst>
+              <a:ext uri="{FF2B5EF4-FFF2-40B4-BE49-F238E27FC236}">
+                <a16:creationId xmlns:a16="http://schemas.microsoft.com/office/drawing/2014/main" id="{80999772-6DB8-394E-903D-A0C0B7F192CC}"/>
+              </a:ext>
+            </a:extLst>
+          </p:cNvPr>
+          <p:cNvSpPr>
+            <a:spLocks noGrp="1"/>
+          </p:cNvSpPr>
+          <p:nvPr>
+            <p:ph type="title"/>
+          </p:nvPr>
+        </p:nvSpPr>
+        <p:spPr/>
+        <p:txBody>
+          <a:bodyPr/>
+          <a:lstStyle/>
+          <a:p>
+            <a:r>
+              <a:rPr lang="en-US" dirty="0"/>
+              <a:t>Key take </a:t>
+            </a:r>
+            <a:r>
+              <a:rPr lang="en-US" dirty="0" err="1"/>
+              <a:t>aways</a:t>
+            </a:r>
+            <a:r>
+              <a:rPr lang="en-US" dirty="0"/>
+              <a:t> [</a:t>
+            </a:r>
+            <a:r>
+              <a:rPr lang="en-US" dirty="0" err="1"/>
+              <a:t>Vinu</a:t>
+            </a:r>
+            <a:r>
+              <a:rPr lang="en-US" dirty="0"/>
+              <a:t>]</a:t>
+            </a:r>
+          </a:p>
+        </p:txBody>
+      </p:sp>
+      <p:sp>
+        <p:nvSpPr>
+          <p:cNvPr id="3" name="Content Placeholder 2">
+            <a:extLst>
+              <a:ext uri="{FF2B5EF4-FFF2-40B4-BE49-F238E27FC236}">
+                <a16:creationId xmlns:a16="http://schemas.microsoft.com/office/drawing/2014/main" id="{67D83CFD-FDAE-9F44-9300-D077904D56B0}"/>
+              </a:ext>
+            </a:extLst>
+          </p:cNvPr>
+          <p:cNvSpPr>
+            <a:spLocks noGrp="1"/>
+          </p:cNvSpPr>
+          <p:nvPr>
+            <p:ph idx="1"/>
+          </p:nvPr>
+        </p:nvSpPr>
+        <p:spPr/>
+        <p:txBody>
+          <a:bodyPr/>
+          <a:lstStyle/>
+          <a:p>
+            <a:endParaRPr lang="en-US"/>
+          </a:p>
+        </p:txBody>
+      </p:sp>
+    </p:spTree>
+    <p:extLst>
+      <p:ext uri="{BB962C8B-B14F-4D97-AF65-F5344CB8AC3E}">
+        <p14:creationId xmlns:p14="http://schemas.microsoft.com/office/powerpoint/2010/main" val="2063517021"/>
+      </p:ext>
+    </p:extLst>
+  </p:cSld>
+  <p:clrMapOvr>
+    <a:masterClrMapping/>
+  </p:clrMapOvr>
+</p:sld>
+</file>
+
+<file path=ppt/slides/slide8.xml><?xml version="1.0" encoding="utf-8"?>
+<p:sld xmlns:a="http://schemas.openxmlformats.org/drawingml/2006/main" xmlns:r="http://schemas.openxmlformats.org/officeDocument/2006/relationships" xmlns:p="http://schemas.openxmlformats.org/presentationml/2006/main">
+  <p:cSld>
+    <p:spTree>
+      <p:nvGrpSpPr>
+        <p:cNvPr id="1" name=""/>
+        <p:cNvGrpSpPr/>
+        <p:nvPr/>
+      </p:nvGrpSpPr>
+      <p:grpSpPr>
+        <a:xfrm>
+          <a:off x="0" y="0"/>
+          <a:ext cx="0" cy="0"/>
+          <a:chOff x="0" y="0"/>
+          <a:chExt cx="0" cy="0"/>
+        </a:xfrm>
+      </p:grpSpPr>
+      <p:sp>
+        <p:nvSpPr>
+          <p:cNvPr id="2" name="Title 1">
+            <a:extLst>
+              <a:ext uri="{FF2B5EF4-FFF2-40B4-BE49-F238E27FC236}">
+                <a16:creationId xmlns:a16="http://schemas.microsoft.com/office/drawing/2014/main" id="{DABCC3E3-E243-AD42-B10E-C07AB97B5A91}"/>
+              </a:ext>
+            </a:extLst>
+          </p:cNvPr>
+          <p:cNvSpPr>
+            <a:spLocks noGrp="1"/>
+          </p:cNvSpPr>
+          <p:nvPr>
+            <p:ph type="title"/>
+          </p:nvPr>
+        </p:nvSpPr>
+        <p:spPr/>
+        <p:txBody>
+          <a:bodyPr/>
+          <a:lstStyle/>
+          <a:p>
+            <a:r>
+              <a:rPr lang="en-US" dirty="0"/>
+              <a:t>Summary of all outputs</a:t>
+            </a:r>
+          </a:p>
+        </p:txBody>
+      </p:sp>
+      <p:sp>
+        <p:nvSpPr>
+          <p:cNvPr id="3" name="Content Placeholder 2">
+            <a:extLst>
+              <a:ext uri="{FF2B5EF4-FFF2-40B4-BE49-F238E27FC236}">
+                <a16:creationId xmlns:a16="http://schemas.microsoft.com/office/drawing/2014/main" id="{C5145D40-1BF8-FC49-8996-000AEFBE3D12}"/>
+              </a:ext>
+            </a:extLst>
+          </p:cNvPr>
+          <p:cNvSpPr>
+            <a:spLocks noGrp="1"/>
+          </p:cNvSpPr>
+          <p:nvPr>
+            <p:ph idx="1"/>
+          </p:nvPr>
+        </p:nvSpPr>
+        <p:spPr/>
+        <p:txBody>
+          <a:bodyPr/>
+          <a:lstStyle/>
+          <a:p>
+            <a:pPr marL="457200" indent="-457200">
+              <a:buAutoNum type="arabicPeriod"/>
+            </a:pPr>
+            <a:r>
+              <a:rPr lang="en-US" sz="2400" dirty="0"/>
+              <a:t>Incomplete data from one source (Air Quality) made it difficult to find relationships between more complete data sets (census), but the data that we found showed that generally the more populous areas had worse air quality</a:t>
+            </a:r>
+          </a:p>
+          <a:p>
+            <a:pPr marL="514350" indent="-514350">
+              <a:buAutoNum type="arabicPeriod"/>
+            </a:pPr>
+            <a:endParaRPr lang="en-US" dirty="0"/>
+          </a:p>
+        </p:txBody>
+      </p:sp>
+    </p:spTree>
+    <p:extLst>
+      <p:ext uri="{BB962C8B-B14F-4D97-AF65-F5344CB8AC3E}">
+        <p14:creationId xmlns:p14="http://schemas.microsoft.com/office/powerpoint/2010/main" val="2020607231"/>
+      </p:ext>
+    </p:extLst>
+  </p:cSld>
+  <p:clrMapOvr>
+    <a:masterClrMapping/>
+  </p:clrMapOvr>
+</p:sld>
+</file>
+
+<file path=ppt/slides/slide9.xml><?xml version="1.0" encoding="utf-8"?>
+<p:sld xmlns:a="http://schemas.openxmlformats.org/drawingml/2006/main" xmlns:r="http://schemas.openxmlformats.org/officeDocument/2006/relationships" xmlns:p="http://schemas.openxmlformats.org/presentationml/2006/main">
+  <p:cSld>
+    <p:spTree>
+      <p:nvGrpSpPr>
+        <p:cNvPr id="1" name=""/>
+        <p:cNvGrpSpPr/>
+        <p:nvPr/>
+      </p:nvGrpSpPr>
+      <p:grpSpPr>
+        <a:xfrm>
+          <a:off x="0" y="0"/>
+          <a:ext cx="0" cy="0"/>
+          <a:chOff x="0" y="0"/>
+          <a:chExt cx="0" cy="0"/>
+        </a:xfrm>
+      </p:grpSpPr>
       <p:pic>
         <p:nvPicPr>
           <p:cNvPr id="5" name="Content Placeholder 4">
@@ -3586,8 +4263,8 @@
         </p:blipFill>
         <p:spPr>
           <a:xfrm>
-            <a:off x="2275115" y="670268"/>
-            <a:ext cx="7587342" cy="4900158"/>
+            <a:off x="2599979" y="1362752"/>
+            <a:ext cx="6634515" cy="4284791"/>
           </a:xfrm>
         </p:spPr>
       </p:pic>
@@ -3605,8 +4282,8 @@
         </p:nvSpPr>
         <p:spPr>
           <a:xfrm>
-            <a:off x="2394857" y="6302829"/>
-            <a:ext cx="7358743" cy="276999"/>
+            <a:off x="4212640" y="6468082"/>
+            <a:ext cx="7358743" cy="246221"/>
           </a:xfrm>
           <a:prstGeom prst="rect">
             <a:avLst/>
@@ -3620,22 +4297,64 @@
           <a:lstStyle/>
           <a:p>
             <a:r>
-              <a:rPr lang="en-US" sz="1200" dirty="0"/>
+              <a:rPr lang="en-US" sz="1000" dirty="0"/>
               <a:t>http://</a:t>
             </a:r>
             <a:r>
-              <a:rPr lang="en-US" sz="1200" dirty="0" err="1"/>
+              <a:rPr lang="en-US" sz="1000" dirty="0" err="1"/>
               <a:t>www.dnrec.delaware.gov</a:t>
             </a:r>
             <a:r>
-              <a:rPr lang="en-US" sz="1200" dirty="0"/>
+              <a:rPr lang="en-US" sz="1000" dirty="0"/>
               <a:t>/volunteer/Pages/</a:t>
             </a:r>
             <a:r>
-              <a:rPr lang="en-US" sz="1200" dirty="0" err="1"/>
+              <a:rPr lang="en-US" sz="1000" dirty="0" err="1"/>
               <a:t>AQvolunteers.aspx</a:t>
             </a:r>
-            <a:endParaRPr lang="en-US" sz="1200" dirty="0"/>
+            <a:endParaRPr lang="en-US" sz="1000" dirty="0"/>
+          </a:p>
+        </p:txBody>
+      </p:sp>
+      <p:sp>
+        <p:nvSpPr>
+          <p:cNvPr id="7" name="TextBox 6">
+            <a:extLst>
+              <a:ext uri="{FF2B5EF4-FFF2-40B4-BE49-F238E27FC236}">
+                <a16:creationId xmlns:a16="http://schemas.microsoft.com/office/drawing/2014/main" id="{0502ECD0-6ADE-E04F-A440-F894834D72AB}"/>
+              </a:ext>
+            </a:extLst>
+          </p:cNvPr>
+          <p:cNvSpPr txBox="1"/>
+          <p:nvPr/>
+        </p:nvSpPr>
+        <p:spPr>
+          <a:xfrm>
+            <a:off x="4792337" y="1630496"/>
+            <a:ext cx="2677099" cy="492443"/>
+          </a:xfrm>
+          <a:prstGeom prst="rect">
+            <a:avLst/>
+          </a:prstGeom>
+          <a:noFill/>
+        </p:spPr>
+        <p:txBody>
+          <a:bodyPr wrap="square" rtlCol="0">
+            <a:spAutoFit/>
+          </a:bodyPr>
+          <a:lstStyle/>
+          <a:p>
+            <a:pPr algn="ctr"/>
+            <a:r>
+              <a:rPr lang="en-US" sz="2600" b="1" i="1" dirty="0">
+                <a:solidFill>
+                  <a:srgbClr val="C00000"/>
+                </a:solidFill>
+                <a:latin typeface="Apple Chancery" panose="03020702040506060504" pitchFamily="66" charset="-79"/>
+                <a:cs typeface="Apple Chancery" panose="03020702040506060504" pitchFamily="66" charset="-79"/>
+              </a:rPr>
+              <a:t>Q &amp; A</a:t>
+            </a:r>
           </a:p>
         </p:txBody>
       </p:sp>

--- a/City_health_ppt.pptx
+++ b/City_health_ppt.pptx
@@ -2,18 +2,25 @@
 <file path=ppt/presentation.xml><?xml version="1.0" encoding="utf-8"?>
 <p:presentation xmlns:a="http://schemas.openxmlformats.org/drawingml/2006/main" xmlns:r="http://schemas.openxmlformats.org/officeDocument/2006/relationships" xmlns:p="http://schemas.openxmlformats.org/presentationml/2006/main" saveSubsetFonts="1" autoCompressPictures="0">
   <p:sldMasterIdLst>
-    <p:sldMasterId id="2147483648" r:id="rId1"/>
+    <p:sldMasterId id="2147483660" r:id="rId1"/>
   </p:sldMasterIdLst>
+  <p:notesMasterIdLst>
+    <p:notesMasterId r:id="rId12"/>
+  </p:notesMasterIdLst>
+  <p:handoutMasterIdLst>
+    <p:handoutMasterId r:id="rId13"/>
+  </p:handoutMasterIdLst>
   <p:sldIdLst>
     <p:sldId id="256" r:id="rId2"/>
     <p:sldId id="259" r:id="rId3"/>
     <p:sldId id="265" r:id="rId4"/>
     <p:sldId id="261" r:id="rId5"/>
     <p:sldId id="262" r:id="rId6"/>
-    <p:sldId id="263" r:id="rId7"/>
-    <p:sldId id="264" r:id="rId8"/>
-    <p:sldId id="266" r:id="rId9"/>
-    <p:sldId id="258" r:id="rId10"/>
+    <p:sldId id="264" r:id="rId7"/>
+    <p:sldId id="267" r:id="rId8"/>
+    <p:sldId id="268" r:id="rId9"/>
+    <p:sldId id="266" r:id="rId10"/>
+    <p:sldId id="258" r:id="rId11"/>
   </p:sldIdLst>
   <p:sldSz cx="12192000" cy="6858000"/>
   <p:notesSz cx="6858000" cy="9144000"/>
@@ -21,7 +28,7 @@
     <a:defPPr>
       <a:defRPr lang="en-US"/>
     </a:defPPr>
-    <a:lvl1pPr marL="0" algn="l" defTabSz="914400" rtl="0" eaLnBrk="1" latinLnBrk="0" hangingPunct="1">
+    <a:lvl1pPr marL="0" algn="l" defTabSz="457200" rtl="0" eaLnBrk="1" latinLnBrk="0" hangingPunct="1">
       <a:defRPr sz="1800" kern="1200">
         <a:solidFill>
           <a:schemeClr val="tx1"/>
@@ -31,7 +38,7 @@
         <a:cs typeface="+mn-cs"/>
       </a:defRPr>
     </a:lvl1pPr>
-    <a:lvl2pPr marL="457200" algn="l" defTabSz="914400" rtl="0" eaLnBrk="1" latinLnBrk="0" hangingPunct="1">
+    <a:lvl2pPr marL="457200" algn="l" defTabSz="457200" rtl="0" eaLnBrk="1" latinLnBrk="0" hangingPunct="1">
       <a:defRPr sz="1800" kern="1200">
         <a:solidFill>
           <a:schemeClr val="tx1"/>
@@ -41,7 +48,7 @@
         <a:cs typeface="+mn-cs"/>
       </a:defRPr>
     </a:lvl2pPr>
-    <a:lvl3pPr marL="914400" algn="l" defTabSz="914400" rtl="0" eaLnBrk="1" latinLnBrk="0" hangingPunct="1">
+    <a:lvl3pPr marL="914400" algn="l" defTabSz="457200" rtl="0" eaLnBrk="1" latinLnBrk="0" hangingPunct="1">
       <a:defRPr sz="1800" kern="1200">
         <a:solidFill>
           <a:schemeClr val="tx1"/>
@@ -51,7 +58,7 @@
         <a:cs typeface="+mn-cs"/>
       </a:defRPr>
     </a:lvl3pPr>
-    <a:lvl4pPr marL="1371600" algn="l" defTabSz="914400" rtl="0" eaLnBrk="1" latinLnBrk="0" hangingPunct="1">
+    <a:lvl4pPr marL="1371600" algn="l" defTabSz="457200" rtl="0" eaLnBrk="1" latinLnBrk="0" hangingPunct="1">
       <a:defRPr sz="1800" kern="1200">
         <a:solidFill>
           <a:schemeClr val="tx1"/>
@@ -61,7 +68,7 @@
         <a:cs typeface="+mn-cs"/>
       </a:defRPr>
     </a:lvl4pPr>
-    <a:lvl5pPr marL="1828800" algn="l" defTabSz="914400" rtl="0" eaLnBrk="1" latinLnBrk="0" hangingPunct="1">
+    <a:lvl5pPr marL="1828800" algn="l" defTabSz="457200" rtl="0" eaLnBrk="1" latinLnBrk="0" hangingPunct="1">
       <a:defRPr sz="1800" kern="1200">
         <a:solidFill>
           <a:schemeClr val="tx1"/>
@@ -71,7 +78,7 @@
         <a:cs typeface="+mn-cs"/>
       </a:defRPr>
     </a:lvl5pPr>
-    <a:lvl6pPr marL="2286000" algn="l" defTabSz="914400" rtl="0" eaLnBrk="1" latinLnBrk="0" hangingPunct="1">
+    <a:lvl6pPr marL="2286000" algn="l" defTabSz="457200" rtl="0" eaLnBrk="1" latinLnBrk="0" hangingPunct="1">
       <a:defRPr sz="1800" kern="1200">
         <a:solidFill>
           <a:schemeClr val="tx1"/>
@@ -81,7 +88,7 @@
         <a:cs typeface="+mn-cs"/>
       </a:defRPr>
     </a:lvl6pPr>
-    <a:lvl7pPr marL="2743200" algn="l" defTabSz="914400" rtl="0" eaLnBrk="1" latinLnBrk="0" hangingPunct="1">
+    <a:lvl7pPr marL="2743200" algn="l" defTabSz="457200" rtl="0" eaLnBrk="1" latinLnBrk="0" hangingPunct="1">
       <a:defRPr sz="1800" kern="1200">
         <a:solidFill>
           <a:schemeClr val="tx1"/>
@@ -91,7 +98,7 @@
         <a:cs typeface="+mn-cs"/>
       </a:defRPr>
     </a:lvl7pPr>
-    <a:lvl8pPr marL="3200400" algn="l" defTabSz="914400" rtl="0" eaLnBrk="1" latinLnBrk="0" hangingPunct="1">
+    <a:lvl8pPr marL="3200400" algn="l" defTabSz="457200" rtl="0" eaLnBrk="1" latinLnBrk="0" hangingPunct="1">
       <a:defRPr sz="1800" kern="1200">
         <a:solidFill>
           <a:schemeClr val="tx1"/>
@@ -101,7 +108,7 @@
         <a:cs typeface="+mn-cs"/>
       </a:defRPr>
     </a:lvl8pPr>
-    <a:lvl9pPr marL="3657600" algn="l" defTabSz="914400" rtl="0" eaLnBrk="1" latinLnBrk="0" hangingPunct="1">
+    <a:lvl9pPr marL="3657600" algn="l" defTabSz="457200" rtl="0" eaLnBrk="1" latinLnBrk="0" hangingPunct="1">
       <a:defRPr sz="1800" kern="1200">
         <a:solidFill>
           <a:schemeClr val="tx1"/>
@@ -112,11 +119,554 @@
       </a:defRPr>
     </a:lvl9pPr>
   </p:defaultTextStyle>
+  <p:extLst>
+    <p:ext uri="{EFAFB233-063F-42B5-8137-9DF3F51BA10A}">
+      <p15:sldGuideLst xmlns:p15="http://schemas.microsoft.com/office/powerpoint/2012/main"/>
+    </p:ext>
+  </p:extLst>
 </p:presentation>
 </file>
 
+<file path=ppt/handoutMasters/handoutMaster1.xml><?xml version="1.0" encoding="utf-8"?>
+<p:handoutMaster xmlns:a="http://schemas.openxmlformats.org/drawingml/2006/main" xmlns:r="http://schemas.openxmlformats.org/officeDocument/2006/relationships" xmlns:p="http://schemas.openxmlformats.org/presentationml/2006/main">
+  <p:cSld>
+    <p:bg>
+      <p:bgRef idx="1001">
+        <a:schemeClr val="bg1"/>
+      </p:bgRef>
+    </p:bg>
+    <p:spTree>
+      <p:nvGrpSpPr>
+        <p:cNvPr id="1" name=""/>
+        <p:cNvGrpSpPr/>
+        <p:nvPr/>
+      </p:nvGrpSpPr>
+      <p:grpSpPr>
+        <a:xfrm>
+          <a:off x="0" y="0"/>
+          <a:ext cx="0" cy="0"/>
+          <a:chOff x="0" y="0"/>
+          <a:chExt cx="0" cy="0"/>
+        </a:xfrm>
+      </p:grpSpPr>
+      <p:sp>
+        <p:nvSpPr>
+          <p:cNvPr id="2" name="Header Placeholder 1">
+            <a:extLst>
+              <a:ext uri="{FF2B5EF4-FFF2-40B4-BE49-F238E27FC236}">
+                <a16:creationId xmlns:a16="http://schemas.microsoft.com/office/drawing/2014/main" id="{D410C7F9-899E-4CFD-91E2-95CDA174B130}"/>
+              </a:ext>
+            </a:extLst>
+          </p:cNvPr>
+          <p:cNvSpPr>
+            <a:spLocks noGrp="1"/>
+          </p:cNvSpPr>
+          <p:nvPr>
+            <p:ph type="hdr" sz="quarter"/>
+          </p:nvPr>
+        </p:nvSpPr>
+        <p:spPr>
+          <a:xfrm>
+            <a:off x="0" y="0"/>
+            <a:ext cx="2971800" cy="458788"/>
+          </a:xfrm>
+          <a:prstGeom prst="rect">
+            <a:avLst/>
+          </a:prstGeom>
+        </p:spPr>
+        <p:txBody>
+          <a:bodyPr vert="horz" lIns="91440" tIns="45720" rIns="91440" bIns="45720" rtlCol="0"/>
+          <a:lstStyle>
+            <a:lvl1pPr algn="l">
+              <a:defRPr sz="1200"/>
+            </a:lvl1pPr>
+          </a:lstStyle>
+          <a:p>
+            <a:endParaRPr lang="en-US"/>
+          </a:p>
+        </p:txBody>
+      </p:sp>
+      <p:sp>
+        <p:nvSpPr>
+          <p:cNvPr id="3" name="Date Placeholder 2">
+            <a:extLst>
+              <a:ext uri="{FF2B5EF4-FFF2-40B4-BE49-F238E27FC236}">
+                <a16:creationId xmlns:a16="http://schemas.microsoft.com/office/drawing/2014/main" id="{43B46195-6C6D-42B9-B0C0-64B01F1376AE}"/>
+              </a:ext>
+            </a:extLst>
+          </p:cNvPr>
+          <p:cNvSpPr>
+            <a:spLocks noGrp="1"/>
+          </p:cNvSpPr>
+          <p:nvPr>
+            <p:ph type="dt" sz="quarter" idx="1"/>
+          </p:nvPr>
+        </p:nvSpPr>
+        <p:spPr>
+          <a:xfrm>
+            <a:off x="3884613" y="0"/>
+            <a:ext cx="2971800" cy="458788"/>
+          </a:xfrm>
+          <a:prstGeom prst="rect">
+            <a:avLst/>
+          </a:prstGeom>
+        </p:spPr>
+        <p:txBody>
+          <a:bodyPr vert="horz" lIns="91440" tIns="45720" rIns="91440" bIns="45720" rtlCol="0"/>
+          <a:lstStyle>
+            <a:lvl1pPr algn="r">
+              <a:defRPr sz="1200"/>
+            </a:lvl1pPr>
+          </a:lstStyle>
+          <a:p>
+            <a:fld id="{7851F205-2BEC-449A-988F-2E1A37870CD0}" type="datetimeFigureOut">
+              <a:rPr lang="en-US" smtClean="0"/>
+              <a:t>3/20/2018</a:t>
+            </a:fld>
+            <a:endParaRPr lang="en-US"/>
+          </a:p>
+        </p:txBody>
+      </p:sp>
+      <p:sp>
+        <p:nvSpPr>
+          <p:cNvPr id="4" name="Footer Placeholder 3">
+            <a:extLst>
+              <a:ext uri="{FF2B5EF4-FFF2-40B4-BE49-F238E27FC236}">
+                <a16:creationId xmlns:a16="http://schemas.microsoft.com/office/drawing/2014/main" id="{9DA8D180-CD0C-4023-A607-06A1A5D5BE57}"/>
+              </a:ext>
+            </a:extLst>
+          </p:cNvPr>
+          <p:cNvSpPr>
+            <a:spLocks noGrp="1"/>
+          </p:cNvSpPr>
+          <p:nvPr>
+            <p:ph type="ftr" sz="quarter" idx="2"/>
+          </p:nvPr>
+        </p:nvSpPr>
+        <p:spPr>
+          <a:xfrm>
+            <a:off x="0" y="8685213"/>
+            <a:ext cx="2971800" cy="458787"/>
+          </a:xfrm>
+          <a:prstGeom prst="rect">
+            <a:avLst/>
+          </a:prstGeom>
+        </p:spPr>
+        <p:txBody>
+          <a:bodyPr vert="horz" lIns="91440" tIns="45720" rIns="91440" bIns="45720" rtlCol="0" anchor="b"/>
+          <a:lstStyle>
+            <a:lvl1pPr algn="l">
+              <a:defRPr sz="1200"/>
+            </a:lvl1pPr>
+          </a:lstStyle>
+          <a:p>
+            <a:endParaRPr lang="en-US"/>
+          </a:p>
+        </p:txBody>
+      </p:sp>
+      <p:sp>
+        <p:nvSpPr>
+          <p:cNvPr id="5" name="Slide Number Placeholder 4">
+            <a:extLst>
+              <a:ext uri="{FF2B5EF4-FFF2-40B4-BE49-F238E27FC236}">
+                <a16:creationId xmlns:a16="http://schemas.microsoft.com/office/drawing/2014/main" id="{E294435A-6B41-41A9-BF26-16C29BA92774}"/>
+              </a:ext>
+            </a:extLst>
+          </p:cNvPr>
+          <p:cNvSpPr>
+            <a:spLocks noGrp="1"/>
+          </p:cNvSpPr>
+          <p:nvPr>
+            <p:ph type="sldNum" sz="quarter" idx="3"/>
+          </p:nvPr>
+        </p:nvSpPr>
+        <p:spPr>
+          <a:xfrm>
+            <a:off x="3884613" y="8685213"/>
+            <a:ext cx="2971800" cy="458787"/>
+          </a:xfrm>
+          <a:prstGeom prst="rect">
+            <a:avLst/>
+          </a:prstGeom>
+        </p:spPr>
+        <p:txBody>
+          <a:bodyPr vert="horz" lIns="91440" tIns="45720" rIns="91440" bIns="45720" rtlCol="0" anchor="b"/>
+          <a:lstStyle>
+            <a:lvl1pPr algn="r">
+              <a:defRPr sz="1200"/>
+            </a:lvl1pPr>
+          </a:lstStyle>
+          <a:p>
+            <a:fld id="{F934156D-FCA3-47FB-B4BF-206EBE17322D}" type="slidenum">
+              <a:rPr lang="en-US" smtClean="0"/>
+              <a:t>‹#›</a:t>
+            </a:fld>
+            <a:endParaRPr lang="en-US"/>
+          </a:p>
+        </p:txBody>
+      </p:sp>
+    </p:spTree>
+    <p:extLst>
+      <p:ext uri="{BB962C8B-B14F-4D97-AF65-F5344CB8AC3E}">
+        <p14:creationId xmlns:p14="http://schemas.microsoft.com/office/powerpoint/2010/main" val="356649423"/>
+      </p:ext>
+    </p:extLst>
+  </p:cSld>
+  <p:clrMap bg1="lt1" tx1="dk1" bg2="lt2" tx2="dk2" accent1="accent1" accent2="accent2" accent3="accent3" accent4="accent4" accent5="accent5" accent6="accent6" hlink="hlink" folHlink="folHlink"/>
+</p:handoutMaster>
+</file>
+
+<file path=ppt/notesMasters/notesMaster1.xml><?xml version="1.0" encoding="utf-8"?>
+<p:notesMaster xmlns:a="http://schemas.openxmlformats.org/drawingml/2006/main" xmlns:r="http://schemas.openxmlformats.org/officeDocument/2006/relationships" xmlns:p="http://schemas.openxmlformats.org/presentationml/2006/main">
+  <p:cSld>
+    <p:bg>
+      <p:bgRef idx="1001">
+        <a:schemeClr val="bg1"/>
+      </p:bgRef>
+    </p:bg>
+    <p:spTree>
+      <p:nvGrpSpPr>
+        <p:cNvPr id="1" name=""/>
+        <p:cNvGrpSpPr/>
+        <p:nvPr/>
+      </p:nvGrpSpPr>
+      <p:grpSpPr>
+        <a:xfrm>
+          <a:off x="0" y="0"/>
+          <a:ext cx="0" cy="0"/>
+          <a:chOff x="0" y="0"/>
+          <a:chExt cx="0" cy="0"/>
+        </a:xfrm>
+      </p:grpSpPr>
+      <p:sp>
+        <p:nvSpPr>
+          <p:cNvPr id="2" name="Header Placeholder 1"/>
+          <p:cNvSpPr>
+            <a:spLocks noGrp="1"/>
+          </p:cNvSpPr>
+          <p:nvPr>
+            <p:ph type="hdr" sz="quarter"/>
+          </p:nvPr>
+        </p:nvSpPr>
+        <p:spPr>
+          <a:xfrm>
+            <a:off x="0" y="0"/>
+            <a:ext cx="2971800" cy="458788"/>
+          </a:xfrm>
+          <a:prstGeom prst="rect">
+            <a:avLst/>
+          </a:prstGeom>
+        </p:spPr>
+        <p:txBody>
+          <a:bodyPr vert="horz" lIns="91440" tIns="45720" rIns="91440" bIns="45720" rtlCol="0"/>
+          <a:lstStyle>
+            <a:lvl1pPr algn="l">
+              <a:defRPr sz="1200"/>
+            </a:lvl1pPr>
+          </a:lstStyle>
+          <a:p>
+            <a:endParaRPr lang="en-US"/>
+          </a:p>
+        </p:txBody>
+      </p:sp>
+      <p:sp>
+        <p:nvSpPr>
+          <p:cNvPr id="3" name="Date Placeholder 2"/>
+          <p:cNvSpPr>
+            <a:spLocks noGrp="1"/>
+          </p:cNvSpPr>
+          <p:nvPr>
+            <p:ph type="dt" idx="1"/>
+          </p:nvPr>
+        </p:nvSpPr>
+        <p:spPr>
+          <a:xfrm>
+            <a:off x="3884613" y="0"/>
+            <a:ext cx="2971800" cy="458788"/>
+          </a:xfrm>
+          <a:prstGeom prst="rect">
+            <a:avLst/>
+          </a:prstGeom>
+        </p:spPr>
+        <p:txBody>
+          <a:bodyPr vert="horz" lIns="91440" tIns="45720" rIns="91440" bIns="45720" rtlCol="0"/>
+          <a:lstStyle>
+            <a:lvl1pPr algn="r">
+              <a:defRPr sz="1200"/>
+            </a:lvl1pPr>
+          </a:lstStyle>
+          <a:p>
+            <a:fld id="{AF8A2882-7FFE-4622-B8B7-57A4A43DE946}" type="datetimeFigureOut">
+              <a:rPr lang="en-US" smtClean="0"/>
+              <a:t>3/20/2018</a:t>
+            </a:fld>
+            <a:endParaRPr lang="en-US"/>
+          </a:p>
+        </p:txBody>
+      </p:sp>
+      <p:sp>
+        <p:nvSpPr>
+          <p:cNvPr id="4" name="Slide Image Placeholder 3"/>
+          <p:cNvSpPr>
+            <a:spLocks noGrp="1" noRot="1" noChangeAspect="1"/>
+          </p:cNvSpPr>
+          <p:nvPr>
+            <p:ph type="sldImg" idx="2"/>
+          </p:nvPr>
+        </p:nvSpPr>
+        <p:spPr>
+          <a:xfrm>
+            <a:off x="685800" y="1143000"/>
+            <a:ext cx="5486400" cy="3086100"/>
+          </a:xfrm>
+          <a:prstGeom prst="rect">
+            <a:avLst/>
+          </a:prstGeom>
+          <a:noFill/>
+          <a:ln w="12700">
+            <a:solidFill>
+              <a:prstClr val="black"/>
+            </a:solidFill>
+          </a:ln>
+        </p:spPr>
+        <p:txBody>
+          <a:bodyPr vert="horz" lIns="91440" tIns="45720" rIns="91440" bIns="45720" rtlCol="0" anchor="ctr"/>
+          <a:lstStyle/>
+          <a:p>
+            <a:endParaRPr lang="en-US"/>
+          </a:p>
+        </p:txBody>
+      </p:sp>
+      <p:sp>
+        <p:nvSpPr>
+          <p:cNvPr id="5" name="Notes Placeholder 4"/>
+          <p:cNvSpPr>
+            <a:spLocks noGrp="1"/>
+          </p:cNvSpPr>
+          <p:nvPr>
+            <p:ph type="body" sz="quarter" idx="3"/>
+          </p:nvPr>
+        </p:nvSpPr>
+        <p:spPr>
+          <a:xfrm>
+            <a:off x="685800" y="4400550"/>
+            <a:ext cx="5486400" cy="3600450"/>
+          </a:xfrm>
+          <a:prstGeom prst="rect">
+            <a:avLst/>
+          </a:prstGeom>
+        </p:spPr>
+        <p:txBody>
+          <a:bodyPr vert="horz" lIns="91440" tIns="45720" rIns="91440" bIns="45720" rtlCol="0"/>
+          <a:lstStyle/>
+          <a:p>
+            <a:pPr lvl="0"/>
+            <a:r>
+              <a:rPr lang="en-US"/>
+              <a:t>Edit Master text styles</a:t>
+            </a:r>
+          </a:p>
+          <a:p>
+            <a:pPr lvl="1"/>
+            <a:r>
+              <a:rPr lang="en-US"/>
+              <a:t>Second level</a:t>
+            </a:r>
+          </a:p>
+          <a:p>
+            <a:pPr lvl="2"/>
+            <a:r>
+              <a:rPr lang="en-US"/>
+              <a:t>Third level</a:t>
+            </a:r>
+          </a:p>
+          <a:p>
+            <a:pPr lvl="3"/>
+            <a:r>
+              <a:rPr lang="en-US"/>
+              <a:t>Fourth level</a:t>
+            </a:r>
+          </a:p>
+          <a:p>
+            <a:pPr lvl="4"/>
+            <a:r>
+              <a:rPr lang="en-US"/>
+              <a:t>Fifth level</a:t>
+            </a:r>
+          </a:p>
+        </p:txBody>
+      </p:sp>
+      <p:sp>
+        <p:nvSpPr>
+          <p:cNvPr id="6" name="Footer Placeholder 5"/>
+          <p:cNvSpPr>
+            <a:spLocks noGrp="1"/>
+          </p:cNvSpPr>
+          <p:nvPr>
+            <p:ph type="ftr" sz="quarter" idx="4"/>
+          </p:nvPr>
+        </p:nvSpPr>
+        <p:spPr>
+          <a:xfrm>
+            <a:off x="0" y="8685213"/>
+            <a:ext cx="2971800" cy="458787"/>
+          </a:xfrm>
+          <a:prstGeom prst="rect">
+            <a:avLst/>
+          </a:prstGeom>
+        </p:spPr>
+        <p:txBody>
+          <a:bodyPr vert="horz" lIns="91440" tIns="45720" rIns="91440" bIns="45720" rtlCol="0" anchor="b"/>
+          <a:lstStyle>
+            <a:lvl1pPr algn="l">
+              <a:defRPr sz="1200"/>
+            </a:lvl1pPr>
+          </a:lstStyle>
+          <a:p>
+            <a:endParaRPr lang="en-US"/>
+          </a:p>
+        </p:txBody>
+      </p:sp>
+      <p:sp>
+        <p:nvSpPr>
+          <p:cNvPr id="7" name="Slide Number Placeholder 6"/>
+          <p:cNvSpPr>
+            <a:spLocks noGrp="1"/>
+          </p:cNvSpPr>
+          <p:nvPr>
+            <p:ph type="sldNum" sz="quarter" idx="5"/>
+          </p:nvPr>
+        </p:nvSpPr>
+        <p:spPr>
+          <a:xfrm>
+            <a:off x="3884613" y="8685213"/>
+            <a:ext cx="2971800" cy="458787"/>
+          </a:xfrm>
+          <a:prstGeom prst="rect">
+            <a:avLst/>
+          </a:prstGeom>
+        </p:spPr>
+        <p:txBody>
+          <a:bodyPr vert="horz" lIns="91440" tIns="45720" rIns="91440" bIns="45720" rtlCol="0" anchor="b"/>
+          <a:lstStyle>
+            <a:lvl1pPr algn="r">
+              <a:defRPr sz="1200"/>
+            </a:lvl1pPr>
+          </a:lstStyle>
+          <a:p>
+            <a:fld id="{AF44B7E5-A828-48BF-B709-B208F7BE8874}" type="slidenum">
+              <a:rPr lang="en-US" smtClean="0"/>
+              <a:t>‹#›</a:t>
+            </a:fld>
+            <a:endParaRPr lang="en-US"/>
+          </a:p>
+        </p:txBody>
+      </p:sp>
+    </p:spTree>
+    <p:extLst>
+      <p:ext uri="{BB962C8B-B14F-4D97-AF65-F5344CB8AC3E}">
+        <p14:creationId xmlns:p14="http://schemas.microsoft.com/office/powerpoint/2010/main" val="520505798"/>
+      </p:ext>
+    </p:extLst>
+  </p:cSld>
+  <p:clrMap bg1="lt1" tx1="dk1" bg2="lt2" tx2="dk2" accent1="accent1" accent2="accent2" accent3="accent3" accent4="accent4" accent5="accent5" accent6="accent6" hlink="hlink" folHlink="folHlink"/>
+  <p:notesStyle>
+    <a:lvl1pPr marL="0" algn="l" defTabSz="914400" rtl="0" eaLnBrk="1" latinLnBrk="0" hangingPunct="1">
+      <a:defRPr sz="1200" kern="1200">
+        <a:solidFill>
+          <a:schemeClr val="tx1"/>
+        </a:solidFill>
+        <a:latin typeface="+mn-lt"/>
+        <a:ea typeface="+mn-ea"/>
+        <a:cs typeface="+mn-cs"/>
+      </a:defRPr>
+    </a:lvl1pPr>
+    <a:lvl2pPr marL="457200" algn="l" defTabSz="914400" rtl="0" eaLnBrk="1" latinLnBrk="0" hangingPunct="1">
+      <a:defRPr sz="1200" kern="1200">
+        <a:solidFill>
+          <a:schemeClr val="tx1"/>
+        </a:solidFill>
+        <a:latin typeface="+mn-lt"/>
+        <a:ea typeface="+mn-ea"/>
+        <a:cs typeface="+mn-cs"/>
+      </a:defRPr>
+    </a:lvl2pPr>
+    <a:lvl3pPr marL="914400" algn="l" defTabSz="914400" rtl="0" eaLnBrk="1" latinLnBrk="0" hangingPunct="1">
+      <a:defRPr sz="1200" kern="1200">
+        <a:solidFill>
+          <a:schemeClr val="tx1"/>
+        </a:solidFill>
+        <a:latin typeface="+mn-lt"/>
+        <a:ea typeface="+mn-ea"/>
+        <a:cs typeface="+mn-cs"/>
+      </a:defRPr>
+    </a:lvl3pPr>
+    <a:lvl4pPr marL="1371600" algn="l" defTabSz="914400" rtl="0" eaLnBrk="1" latinLnBrk="0" hangingPunct="1">
+      <a:defRPr sz="1200" kern="1200">
+        <a:solidFill>
+          <a:schemeClr val="tx1"/>
+        </a:solidFill>
+        <a:latin typeface="+mn-lt"/>
+        <a:ea typeface="+mn-ea"/>
+        <a:cs typeface="+mn-cs"/>
+      </a:defRPr>
+    </a:lvl4pPr>
+    <a:lvl5pPr marL="1828800" algn="l" defTabSz="914400" rtl="0" eaLnBrk="1" latinLnBrk="0" hangingPunct="1">
+      <a:defRPr sz="1200" kern="1200">
+        <a:solidFill>
+          <a:schemeClr val="tx1"/>
+        </a:solidFill>
+        <a:latin typeface="+mn-lt"/>
+        <a:ea typeface="+mn-ea"/>
+        <a:cs typeface="+mn-cs"/>
+      </a:defRPr>
+    </a:lvl5pPr>
+    <a:lvl6pPr marL="2286000" algn="l" defTabSz="914400" rtl="0" eaLnBrk="1" latinLnBrk="0" hangingPunct="1">
+      <a:defRPr sz="1200" kern="1200">
+        <a:solidFill>
+          <a:schemeClr val="tx1"/>
+        </a:solidFill>
+        <a:latin typeface="+mn-lt"/>
+        <a:ea typeface="+mn-ea"/>
+        <a:cs typeface="+mn-cs"/>
+      </a:defRPr>
+    </a:lvl6pPr>
+    <a:lvl7pPr marL="2743200" algn="l" defTabSz="914400" rtl="0" eaLnBrk="1" latinLnBrk="0" hangingPunct="1">
+      <a:defRPr sz="1200" kern="1200">
+        <a:solidFill>
+          <a:schemeClr val="tx1"/>
+        </a:solidFill>
+        <a:latin typeface="+mn-lt"/>
+        <a:ea typeface="+mn-ea"/>
+        <a:cs typeface="+mn-cs"/>
+      </a:defRPr>
+    </a:lvl7pPr>
+    <a:lvl8pPr marL="3200400" algn="l" defTabSz="914400" rtl="0" eaLnBrk="1" latinLnBrk="0" hangingPunct="1">
+      <a:defRPr sz="1200" kern="1200">
+        <a:solidFill>
+          <a:schemeClr val="tx1"/>
+        </a:solidFill>
+        <a:latin typeface="+mn-lt"/>
+        <a:ea typeface="+mn-ea"/>
+        <a:cs typeface="+mn-cs"/>
+      </a:defRPr>
+    </a:lvl8pPr>
+    <a:lvl9pPr marL="3657600" algn="l" defTabSz="914400" rtl="0" eaLnBrk="1" latinLnBrk="0" hangingPunct="1">
+      <a:defRPr sz="1200" kern="1200">
+        <a:solidFill>
+          <a:schemeClr val="tx1"/>
+        </a:solidFill>
+        <a:latin typeface="+mn-lt"/>
+        <a:ea typeface="+mn-ea"/>
+        <a:cs typeface="+mn-cs"/>
+      </a:defRPr>
+    </a:lvl9pPr>
+  </p:notesStyle>
+</p:notesMaster>
+</file>
+
 <file path=ppt/slideLayouts/slideLayout1.xml><?xml version="1.0" encoding="utf-8"?>
-<p:sldLayout xmlns:a="http://schemas.openxmlformats.org/drawingml/2006/main" xmlns:r="http://schemas.openxmlformats.org/officeDocument/2006/relationships" xmlns:p="http://schemas.openxmlformats.org/presentationml/2006/main" type="title" preserve="1">
+<p:sldLayout xmlns:a="http://schemas.openxmlformats.org/drawingml/2006/main" xmlns:r="http://schemas.openxmlformats.org/officeDocument/2006/relationships" xmlns:p="http://schemas.openxmlformats.org/presentationml/2006/main" showMasterSp="0" type="title" preserve="1">
   <p:cSld name="Title Slide">
     <p:spTree>
       <p:nvGrpSpPr>
@@ -132,15 +682,539 @@
           <a:chExt cx="0" cy="0"/>
         </a:xfrm>
       </p:grpSpPr>
-      <p:sp>
-        <p:nvSpPr>
-          <p:cNvPr id="2" name="Title 1">
-            <a:extLst>
-              <a:ext uri="{FF2B5EF4-FFF2-40B4-BE49-F238E27FC236}">
-                <a16:creationId xmlns:a16="http://schemas.microsoft.com/office/drawing/2014/main" id="{F074295A-E2FC-B44E-B3CB-85916300FB7E}"/>
-              </a:ext>
-            </a:extLst>
-          </p:cNvPr>
+      <p:grpSp>
+        <p:nvGrpSpPr>
+          <p:cNvPr id="7" name="Group 6"/>
+          <p:cNvGrpSpPr/>
+          <p:nvPr/>
+        </p:nvGrpSpPr>
+        <p:grpSpPr>
+          <a:xfrm>
+            <a:off x="0" y="-8467"/>
+            <a:ext cx="12192000" cy="6866467"/>
+            <a:chOff x="0" y="-8467"/>
+            <a:chExt cx="12192000" cy="6866467"/>
+          </a:xfrm>
+        </p:grpSpPr>
+        <p:cxnSp>
+          <p:nvCxnSpPr>
+            <p:cNvPr id="32" name="Straight Connector 31"/>
+            <p:cNvCxnSpPr/>
+            <p:nvPr/>
+          </p:nvCxnSpPr>
+          <p:spPr>
+            <a:xfrm>
+              <a:off x="9371012" y="0"/>
+              <a:ext cx="1219200" cy="6858000"/>
+            </a:xfrm>
+            <a:prstGeom prst="line">
+              <a:avLst/>
+            </a:prstGeom>
+            <a:ln w="9525">
+              <a:solidFill>
+                <a:schemeClr val="bg1">
+                  <a:lumMod val="75000"/>
+                </a:schemeClr>
+              </a:solidFill>
+            </a:ln>
+          </p:spPr>
+          <p:style>
+            <a:lnRef idx="2">
+              <a:schemeClr val="accent1"/>
+            </a:lnRef>
+            <a:fillRef idx="0">
+              <a:schemeClr val="accent1"/>
+            </a:fillRef>
+            <a:effectRef idx="1">
+              <a:schemeClr val="accent1"/>
+            </a:effectRef>
+            <a:fontRef idx="minor">
+              <a:schemeClr val="tx1"/>
+            </a:fontRef>
+          </p:style>
+        </p:cxnSp>
+        <p:cxnSp>
+          <p:nvCxnSpPr>
+            <p:cNvPr id="21" name="Straight Connector 20"/>
+            <p:cNvCxnSpPr/>
+            <p:nvPr/>
+          </p:nvCxnSpPr>
+          <p:spPr>
+            <a:xfrm flipH="1">
+              <a:off x="7425267" y="3681413"/>
+              <a:ext cx="4763558" cy="3176587"/>
+            </a:xfrm>
+            <a:prstGeom prst="line">
+              <a:avLst/>
+            </a:prstGeom>
+            <a:ln w="9525">
+              <a:solidFill>
+                <a:schemeClr val="bg1">
+                  <a:lumMod val="85000"/>
+                </a:schemeClr>
+              </a:solidFill>
+            </a:ln>
+          </p:spPr>
+          <p:style>
+            <a:lnRef idx="2">
+              <a:schemeClr val="accent1"/>
+            </a:lnRef>
+            <a:fillRef idx="0">
+              <a:schemeClr val="accent1"/>
+            </a:fillRef>
+            <a:effectRef idx="1">
+              <a:schemeClr val="accent1"/>
+            </a:effectRef>
+            <a:fontRef idx="minor">
+              <a:schemeClr val="tx1"/>
+            </a:fontRef>
+          </p:style>
+        </p:cxnSp>
+        <p:sp>
+          <p:nvSpPr>
+            <p:cNvPr id="24" name="Rectangle 23"/>
+            <p:cNvSpPr/>
+            <p:nvPr/>
+          </p:nvSpPr>
+          <p:spPr>
+            <a:xfrm>
+              <a:off x="9181476" y="-8467"/>
+              <a:ext cx="3007349" cy="6866467"/>
+            </a:xfrm>
+            <a:custGeom>
+              <a:avLst/>
+              <a:gdLst/>
+              <a:ahLst/>
+              <a:cxnLst/>
+              <a:rect l="l" t="t" r="r" b="b"/>
+              <a:pathLst>
+                <a:path w="3007349" h="6866467">
+                  <a:moveTo>
+                    <a:pt x="2045532" y="0"/>
+                  </a:moveTo>
+                  <a:lnTo>
+                    <a:pt x="3007349" y="0"/>
+                  </a:lnTo>
+                  <a:lnTo>
+                    <a:pt x="3007349" y="6866467"/>
+                  </a:lnTo>
+                  <a:lnTo>
+                    <a:pt x="0" y="6866467"/>
+                  </a:lnTo>
+                  <a:lnTo>
+                    <a:pt x="2045532" y="0"/>
+                  </a:lnTo>
+                  <a:close/>
+                </a:path>
+              </a:pathLst>
+            </a:custGeom>
+            <a:solidFill>
+              <a:schemeClr val="accent1">
+                <a:alpha val="30000"/>
+              </a:schemeClr>
+            </a:solidFill>
+            <a:ln>
+              <a:noFill/>
+            </a:ln>
+            <a:effectLst/>
+          </p:spPr>
+          <p:style>
+            <a:lnRef idx="1">
+              <a:schemeClr val="accent1"/>
+            </a:lnRef>
+            <a:fillRef idx="3">
+              <a:schemeClr val="accent1"/>
+            </a:fillRef>
+            <a:effectRef idx="2">
+              <a:schemeClr val="accent1"/>
+            </a:effectRef>
+            <a:fontRef idx="minor">
+              <a:schemeClr val="lt1"/>
+            </a:fontRef>
+          </p:style>
+        </p:sp>
+        <p:sp>
+          <p:nvSpPr>
+            <p:cNvPr id="26" name="Rectangle 25"/>
+            <p:cNvSpPr/>
+            <p:nvPr/>
+          </p:nvSpPr>
+          <p:spPr>
+            <a:xfrm>
+              <a:off x="9603442" y="-8467"/>
+              <a:ext cx="2588558" cy="6866467"/>
+            </a:xfrm>
+            <a:custGeom>
+              <a:avLst/>
+              <a:gdLst/>
+              <a:ahLst/>
+              <a:cxnLst/>
+              <a:rect l="l" t="t" r="r" b="b"/>
+              <a:pathLst>
+                <a:path w="2573311" h="6866467">
+                  <a:moveTo>
+                    <a:pt x="0" y="0"/>
+                  </a:moveTo>
+                  <a:lnTo>
+                    <a:pt x="2573311" y="0"/>
+                  </a:lnTo>
+                  <a:lnTo>
+                    <a:pt x="2573311" y="6866467"/>
+                  </a:lnTo>
+                  <a:lnTo>
+                    <a:pt x="1202336" y="6866467"/>
+                  </a:lnTo>
+                  <a:lnTo>
+                    <a:pt x="0" y="0"/>
+                  </a:lnTo>
+                  <a:close/>
+                </a:path>
+              </a:pathLst>
+            </a:custGeom>
+            <a:solidFill>
+              <a:schemeClr val="accent1">
+                <a:alpha val="20000"/>
+              </a:schemeClr>
+            </a:solidFill>
+            <a:ln>
+              <a:noFill/>
+            </a:ln>
+            <a:effectLst/>
+          </p:spPr>
+          <p:style>
+            <a:lnRef idx="1">
+              <a:schemeClr val="accent1"/>
+            </a:lnRef>
+            <a:fillRef idx="3">
+              <a:schemeClr val="accent1"/>
+            </a:fillRef>
+            <a:effectRef idx="2">
+              <a:schemeClr val="accent1"/>
+            </a:effectRef>
+            <a:fontRef idx="minor">
+              <a:schemeClr val="lt1"/>
+            </a:fontRef>
+          </p:style>
+        </p:sp>
+        <p:sp>
+          <p:nvSpPr>
+            <p:cNvPr id="27" name="Isosceles Triangle 26"/>
+            <p:cNvSpPr/>
+            <p:nvPr/>
+          </p:nvSpPr>
+          <p:spPr>
+            <a:xfrm>
+              <a:off x="8932333" y="3048000"/>
+              <a:ext cx="3259667" cy="3810000"/>
+            </a:xfrm>
+            <a:prstGeom prst="triangle">
+              <a:avLst>
+                <a:gd name="adj" fmla="val 100000"/>
+              </a:avLst>
+            </a:prstGeom>
+            <a:solidFill>
+              <a:schemeClr val="accent2">
+                <a:alpha val="72000"/>
+              </a:schemeClr>
+            </a:solidFill>
+            <a:ln>
+              <a:noFill/>
+            </a:ln>
+            <a:effectLst/>
+          </p:spPr>
+          <p:style>
+            <a:lnRef idx="1">
+              <a:schemeClr val="accent1"/>
+            </a:lnRef>
+            <a:fillRef idx="3">
+              <a:schemeClr val="accent1"/>
+            </a:fillRef>
+            <a:effectRef idx="2">
+              <a:schemeClr val="accent1"/>
+            </a:effectRef>
+            <a:fontRef idx="minor">
+              <a:schemeClr val="lt1"/>
+            </a:fontRef>
+          </p:style>
+        </p:sp>
+        <p:sp>
+          <p:nvSpPr>
+            <p:cNvPr id="28" name="Rectangle 27"/>
+            <p:cNvSpPr/>
+            <p:nvPr/>
+          </p:nvSpPr>
+          <p:spPr>
+            <a:xfrm>
+              <a:off x="9334500" y="-8467"/>
+              <a:ext cx="2854326" cy="6866467"/>
+            </a:xfrm>
+            <a:custGeom>
+              <a:avLst/>
+              <a:gdLst/>
+              <a:ahLst/>
+              <a:cxnLst/>
+              <a:rect l="l" t="t" r="r" b="b"/>
+              <a:pathLst>
+                <a:path w="2858013" h="6866467">
+                  <a:moveTo>
+                    <a:pt x="0" y="0"/>
+                  </a:moveTo>
+                  <a:lnTo>
+                    <a:pt x="2858013" y="0"/>
+                  </a:lnTo>
+                  <a:lnTo>
+                    <a:pt x="2858013" y="6866467"/>
+                  </a:lnTo>
+                  <a:lnTo>
+                    <a:pt x="2473942" y="6866467"/>
+                  </a:lnTo>
+                  <a:lnTo>
+                    <a:pt x="0" y="0"/>
+                  </a:lnTo>
+                  <a:close/>
+                </a:path>
+              </a:pathLst>
+            </a:custGeom>
+            <a:solidFill>
+              <a:schemeClr val="accent2">
+                <a:lumMod val="75000"/>
+                <a:alpha val="70000"/>
+              </a:schemeClr>
+            </a:solidFill>
+            <a:ln>
+              <a:noFill/>
+            </a:ln>
+            <a:effectLst/>
+          </p:spPr>
+          <p:style>
+            <a:lnRef idx="1">
+              <a:schemeClr val="accent1"/>
+            </a:lnRef>
+            <a:fillRef idx="3">
+              <a:schemeClr val="accent1"/>
+            </a:fillRef>
+            <a:effectRef idx="2">
+              <a:schemeClr val="accent1"/>
+            </a:effectRef>
+            <a:fontRef idx="minor">
+              <a:schemeClr val="lt1"/>
+            </a:fontRef>
+          </p:style>
+        </p:sp>
+        <p:sp>
+          <p:nvSpPr>
+            <p:cNvPr id="29" name="Rectangle 28"/>
+            <p:cNvSpPr/>
+            <p:nvPr/>
+          </p:nvSpPr>
+          <p:spPr>
+            <a:xfrm>
+              <a:off x="10898730" y="-8467"/>
+              <a:ext cx="1290094" cy="6866467"/>
+            </a:xfrm>
+            <a:custGeom>
+              <a:avLst/>
+              <a:gdLst/>
+              <a:ahLst/>
+              <a:cxnLst/>
+              <a:rect l="l" t="t" r="r" b="b"/>
+              <a:pathLst>
+                <a:path w="1290094" h="6858000">
+                  <a:moveTo>
+                    <a:pt x="1019735" y="0"/>
+                  </a:moveTo>
+                  <a:lnTo>
+                    <a:pt x="1290094" y="0"/>
+                  </a:lnTo>
+                  <a:lnTo>
+                    <a:pt x="1290094" y="6858000"/>
+                  </a:lnTo>
+                  <a:lnTo>
+                    <a:pt x="0" y="6858000"/>
+                  </a:lnTo>
+                  <a:lnTo>
+                    <a:pt x="1019735" y="0"/>
+                  </a:lnTo>
+                  <a:close/>
+                </a:path>
+              </a:pathLst>
+            </a:custGeom>
+            <a:solidFill>
+              <a:schemeClr val="accent1">
+                <a:lumMod val="60000"/>
+                <a:lumOff val="40000"/>
+                <a:alpha val="70000"/>
+              </a:schemeClr>
+            </a:solidFill>
+            <a:ln>
+              <a:noFill/>
+            </a:ln>
+            <a:effectLst/>
+          </p:spPr>
+          <p:style>
+            <a:lnRef idx="1">
+              <a:schemeClr val="accent1"/>
+            </a:lnRef>
+            <a:fillRef idx="3">
+              <a:schemeClr val="accent1"/>
+            </a:fillRef>
+            <a:effectRef idx="2">
+              <a:schemeClr val="accent1"/>
+            </a:effectRef>
+            <a:fontRef idx="minor">
+              <a:schemeClr val="lt1"/>
+            </a:fontRef>
+          </p:style>
+        </p:sp>
+        <p:sp>
+          <p:nvSpPr>
+            <p:cNvPr id="30" name="Rectangle 29"/>
+            <p:cNvSpPr/>
+            <p:nvPr/>
+          </p:nvSpPr>
+          <p:spPr>
+            <a:xfrm>
+              <a:off x="10938999" y="-8467"/>
+              <a:ext cx="1249825" cy="6866467"/>
+            </a:xfrm>
+            <a:custGeom>
+              <a:avLst/>
+              <a:gdLst/>
+              <a:ahLst/>
+              <a:cxnLst/>
+              <a:rect l="l" t="t" r="r" b="b"/>
+              <a:pathLst>
+                <a:path w="1249825" h="6858000">
+                  <a:moveTo>
+                    <a:pt x="0" y="0"/>
+                  </a:moveTo>
+                  <a:lnTo>
+                    <a:pt x="1249825" y="0"/>
+                  </a:lnTo>
+                  <a:lnTo>
+                    <a:pt x="1249825" y="6858000"/>
+                  </a:lnTo>
+                  <a:lnTo>
+                    <a:pt x="1109382" y="6858000"/>
+                  </a:lnTo>
+                  <a:lnTo>
+                    <a:pt x="0" y="0"/>
+                  </a:lnTo>
+                  <a:close/>
+                </a:path>
+              </a:pathLst>
+            </a:custGeom>
+            <a:solidFill>
+              <a:schemeClr val="accent1">
+                <a:alpha val="65000"/>
+              </a:schemeClr>
+            </a:solidFill>
+            <a:ln>
+              <a:noFill/>
+            </a:ln>
+            <a:effectLst/>
+          </p:spPr>
+          <p:style>
+            <a:lnRef idx="1">
+              <a:schemeClr val="accent1"/>
+            </a:lnRef>
+            <a:fillRef idx="3">
+              <a:schemeClr val="accent1"/>
+            </a:fillRef>
+            <a:effectRef idx="2">
+              <a:schemeClr val="accent1"/>
+            </a:effectRef>
+            <a:fontRef idx="minor">
+              <a:schemeClr val="lt1"/>
+            </a:fontRef>
+          </p:style>
+        </p:sp>
+        <p:sp>
+          <p:nvSpPr>
+            <p:cNvPr id="31" name="Isosceles Triangle 30"/>
+            <p:cNvSpPr/>
+            <p:nvPr/>
+          </p:nvSpPr>
+          <p:spPr>
+            <a:xfrm>
+              <a:off x="10371666" y="3589867"/>
+              <a:ext cx="1817159" cy="3268133"/>
+            </a:xfrm>
+            <a:prstGeom prst="triangle">
+              <a:avLst>
+                <a:gd name="adj" fmla="val 100000"/>
+              </a:avLst>
+            </a:prstGeom>
+            <a:solidFill>
+              <a:schemeClr val="accent1">
+                <a:alpha val="80000"/>
+              </a:schemeClr>
+            </a:solidFill>
+            <a:ln>
+              <a:noFill/>
+            </a:ln>
+            <a:effectLst/>
+          </p:spPr>
+          <p:style>
+            <a:lnRef idx="1">
+              <a:schemeClr val="accent1"/>
+            </a:lnRef>
+            <a:fillRef idx="3">
+              <a:schemeClr val="accent1"/>
+            </a:fillRef>
+            <a:effectRef idx="2">
+              <a:schemeClr val="accent1"/>
+            </a:effectRef>
+            <a:fontRef idx="minor">
+              <a:schemeClr val="lt1"/>
+            </a:fontRef>
+          </p:style>
+        </p:sp>
+        <p:sp>
+          <p:nvSpPr>
+            <p:cNvPr id="19" name="Isosceles Triangle 18"/>
+            <p:cNvSpPr/>
+            <p:nvPr/>
+          </p:nvSpPr>
+          <p:spPr>
+            <a:xfrm rot="10800000">
+              <a:off x="0" y="0"/>
+              <a:ext cx="842596" cy="5666154"/>
+            </a:xfrm>
+            <a:prstGeom prst="triangle">
+              <a:avLst>
+                <a:gd name="adj" fmla="val 100000"/>
+              </a:avLst>
+            </a:prstGeom>
+            <a:solidFill>
+              <a:schemeClr val="accent1">
+                <a:alpha val="85000"/>
+              </a:schemeClr>
+            </a:solidFill>
+            <a:ln>
+              <a:noFill/>
+            </a:ln>
+            <a:effectLst/>
+          </p:spPr>
+          <p:style>
+            <a:lnRef idx="1">
+              <a:schemeClr val="accent1"/>
+            </a:lnRef>
+            <a:fillRef idx="3">
+              <a:schemeClr val="accent1"/>
+            </a:fillRef>
+            <a:effectRef idx="2">
+              <a:schemeClr val="accent1"/>
+            </a:effectRef>
+            <a:fontRef idx="minor">
+              <a:schemeClr val="lt1"/>
+            </a:fontRef>
+          </p:style>
+        </p:sp>
+      </p:grpSp>
+      <p:sp>
+        <p:nvSpPr>
+          <p:cNvPr id="2" name="Title 1"/>
           <p:cNvSpPr>
             <a:spLocks noGrp="1"/>
           </p:cNvSpPr>
@@ -150,15 +1224,21 @@
         </p:nvSpPr>
         <p:spPr>
           <a:xfrm>
-            <a:off x="1524000" y="1122363"/>
-            <a:ext cx="9144000" cy="2387600"/>
+            <a:off x="1507067" y="2404534"/>
+            <a:ext cx="7766936" cy="1646302"/>
           </a:xfrm>
         </p:spPr>
         <p:txBody>
-          <a:bodyPr anchor="b"/>
+          <a:bodyPr anchor="b">
+            <a:noAutofit/>
+          </a:bodyPr>
           <a:lstStyle>
-            <a:lvl1pPr algn="ctr">
-              <a:defRPr sz="6000"/>
+            <a:lvl1pPr algn="r">
+              <a:defRPr sz="5400">
+                <a:solidFill>
+                  <a:schemeClr val="accent1"/>
+                </a:solidFill>
+              </a:defRPr>
             </a:lvl1pPr>
           </a:lstStyle>
           <a:p>
@@ -166,18 +1246,13 @@
               <a:rPr lang="en-US"/>
               <a:t>Click to edit Master title style</a:t>
             </a:r>
-          </a:p>
-        </p:txBody>
-      </p:sp>
-      <p:sp>
-        <p:nvSpPr>
-          <p:cNvPr id="3" name="Subtitle 2">
-            <a:extLst>
-              <a:ext uri="{FF2B5EF4-FFF2-40B4-BE49-F238E27FC236}">
-                <a16:creationId xmlns:a16="http://schemas.microsoft.com/office/drawing/2014/main" id="{391452C8-E58A-674C-B57E-BBF1A3AC08D9}"/>
-              </a:ext>
-            </a:extLst>
-          </p:cNvPr>
+            <a:endParaRPr lang="en-US" dirty="0"/>
+          </a:p>
+        </p:txBody>
+      </p:sp>
+      <p:sp>
+        <p:nvSpPr>
+          <p:cNvPr id="3" name="Subtitle 2"/>
           <p:cNvSpPr>
             <a:spLocks noGrp="1"/>
           </p:cNvSpPr>
@@ -187,48 +1262,103 @@
         </p:nvSpPr>
         <p:spPr>
           <a:xfrm>
-            <a:off x="1524000" y="3602038"/>
-            <a:ext cx="9144000" cy="1655762"/>
+            <a:off x="1507067" y="4050833"/>
+            <a:ext cx="7766936" cy="1096899"/>
           </a:xfrm>
         </p:spPr>
         <p:txBody>
-          <a:bodyPr/>
+          <a:bodyPr anchor="t"/>
           <a:lstStyle>
-            <a:lvl1pPr marL="0" indent="0" algn="ctr">
-              <a:buNone/>
-              <a:defRPr sz="2400"/>
+            <a:lvl1pPr marL="0" indent="0" algn="r">
+              <a:buNone/>
+              <a:defRPr>
+                <a:solidFill>
+                  <a:schemeClr val="tx1">
+                    <a:lumMod val="50000"/>
+                    <a:lumOff val="50000"/>
+                  </a:schemeClr>
+                </a:solidFill>
+              </a:defRPr>
             </a:lvl1pPr>
             <a:lvl2pPr marL="457200" indent="0" algn="ctr">
               <a:buNone/>
-              <a:defRPr sz="2000"/>
+              <a:defRPr>
+                <a:solidFill>
+                  <a:schemeClr val="tx1">
+                    <a:tint val="75000"/>
+                  </a:schemeClr>
+                </a:solidFill>
+              </a:defRPr>
             </a:lvl2pPr>
             <a:lvl3pPr marL="914400" indent="0" algn="ctr">
               <a:buNone/>
-              <a:defRPr sz="1800"/>
+              <a:defRPr>
+                <a:solidFill>
+                  <a:schemeClr val="tx1">
+                    <a:tint val="75000"/>
+                  </a:schemeClr>
+                </a:solidFill>
+              </a:defRPr>
             </a:lvl3pPr>
             <a:lvl4pPr marL="1371600" indent="0" algn="ctr">
               <a:buNone/>
-              <a:defRPr sz="1600"/>
+              <a:defRPr>
+                <a:solidFill>
+                  <a:schemeClr val="tx1">
+                    <a:tint val="75000"/>
+                  </a:schemeClr>
+                </a:solidFill>
+              </a:defRPr>
             </a:lvl4pPr>
             <a:lvl5pPr marL="1828800" indent="0" algn="ctr">
               <a:buNone/>
-              <a:defRPr sz="1600"/>
+              <a:defRPr>
+                <a:solidFill>
+                  <a:schemeClr val="tx1">
+                    <a:tint val="75000"/>
+                  </a:schemeClr>
+                </a:solidFill>
+              </a:defRPr>
             </a:lvl5pPr>
             <a:lvl6pPr marL="2286000" indent="0" algn="ctr">
               <a:buNone/>
-              <a:defRPr sz="1600"/>
+              <a:defRPr>
+                <a:solidFill>
+                  <a:schemeClr val="tx1">
+                    <a:tint val="75000"/>
+                  </a:schemeClr>
+                </a:solidFill>
+              </a:defRPr>
             </a:lvl6pPr>
             <a:lvl7pPr marL="2743200" indent="0" algn="ctr">
               <a:buNone/>
-              <a:defRPr sz="1600"/>
+              <a:defRPr>
+                <a:solidFill>
+                  <a:schemeClr val="tx1">
+                    <a:tint val="75000"/>
+                  </a:schemeClr>
+                </a:solidFill>
+              </a:defRPr>
             </a:lvl7pPr>
             <a:lvl8pPr marL="3200400" indent="0" algn="ctr">
               <a:buNone/>
-              <a:defRPr sz="1600"/>
+              <a:defRPr>
+                <a:solidFill>
+                  <a:schemeClr val="tx1">
+                    <a:tint val="75000"/>
+                  </a:schemeClr>
+                </a:solidFill>
+              </a:defRPr>
             </a:lvl8pPr>
             <a:lvl9pPr marL="3657600" indent="0" algn="ctr">
               <a:buNone/>
-              <a:defRPr sz="1600"/>
+              <a:defRPr>
+                <a:solidFill>
+                  <a:schemeClr val="tx1">
+                    <a:tint val="75000"/>
+                  </a:schemeClr>
+                </a:solidFill>
+              </a:defRPr>
             </a:lvl9pPr>
           </a:lstStyle>
           <a:p>
@@ -236,18 +1366,13 @@
               <a:rPr lang="en-US"/>
               <a:t>Click to edit Master subtitle style</a:t>
             </a:r>
-          </a:p>
-        </p:txBody>
-      </p:sp>
-      <p:sp>
-        <p:nvSpPr>
-          <p:cNvPr id="4" name="Date Placeholder 3">
-            <a:extLst>
-              <a:ext uri="{FF2B5EF4-FFF2-40B4-BE49-F238E27FC236}">
-                <a16:creationId xmlns:a16="http://schemas.microsoft.com/office/drawing/2014/main" id="{367E7D1B-F256-2F4D-836A-56249E25454B}"/>
-              </a:ext>
-            </a:extLst>
-          </p:cNvPr>
+            <a:endParaRPr lang="en-US" dirty="0"/>
+          </a:p>
+        </p:txBody>
+      </p:sp>
+      <p:sp>
+        <p:nvSpPr>
+          <p:cNvPr id="4" name="Date Placeholder 3"/>
           <p:cNvSpPr>
             <a:spLocks noGrp="1"/>
           </p:cNvSpPr>
@@ -262,7 +1387,7 @@
           <a:p>
             <a:fld id="{85B944F4-E588-A043-A758-57DBD1F647E3}" type="datetimeFigureOut">
               <a:rPr lang="en-US" smtClean="0"/>
-              <a:t>3/17/18</a:t>
+              <a:t>3/19/2018</a:t>
             </a:fld>
             <a:endParaRPr lang="en-US"/>
           </a:p>
@@ -270,13 +1395,7 @@
       </p:sp>
       <p:sp>
         <p:nvSpPr>
-          <p:cNvPr id="5" name="Footer Placeholder 4">
-            <a:extLst>
-              <a:ext uri="{FF2B5EF4-FFF2-40B4-BE49-F238E27FC236}">
-                <a16:creationId xmlns:a16="http://schemas.microsoft.com/office/drawing/2014/main" id="{C64AC326-AF20-C149-9CD2-4C8898486A28}"/>
-              </a:ext>
-            </a:extLst>
-          </p:cNvPr>
+          <p:cNvPr id="5" name="Footer Placeholder 4"/>
           <p:cNvSpPr>
             <a:spLocks noGrp="1"/>
           </p:cNvSpPr>
@@ -295,13 +1414,7 @@
       </p:sp>
       <p:sp>
         <p:nvSpPr>
-          <p:cNvPr id="6" name="Slide Number Placeholder 5">
-            <a:extLst>
-              <a:ext uri="{FF2B5EF4-FFF2-40B4-BE49-F238E27FC236}">
-                <a16:creationId xmlns:a16="http://schemas.microsoft.com/office/drawing/2014/main" id="{6CE309D1-80B5-6643-A61D-44AB2E508266}"/>
-              </a:ext>
-            </a:extLst>
-          </p:cNvPr>
+          <p:cNvPr id="6" name="Slide Number Placeholder 5"/>
           <p:cNvSpPr>
             <a:spLocks noGrp="1"/>
           </p:cNvSpPr>
@@ -325,7 +1438,7 @@
     </p:spTree>
     <p:extLst>
       <p:ext uri="{BB962C8B-B14F-4D97-AF65-F5344CB8AC3E}">
-        <p14:creationId xmlns:p14="http://schemas.microsoft.com/office/powerpoint/2010/main" val="2188032602"/>
+        <p14:creationId xmlns:p14="http://schemas.microsoft.com/office/powerpoint/2010/main" val="2332268368"/>
       </p:ext>
     </p:extLst>
   </p:cSld>
@@ -336,6 +1449,1619 @@
 </file>
 
 <file path=ppt/slideLayouts/slideLayout10.xml><?xml version="1.0" encoding="utf-8"?>
+<p:sldLayout xmlns:a="http://schemas.openxmlformats.org/drawingml/2006/main" xmlns:r="http://schemas.openxmlformats.org/officeDocument/2006/relationships" xmlns:p="http://schemas.openxmlformats.org/presentationml/2006/main" preserve="1">
+  <p:cSld name="Title and Caption">
+    <p:spTree>
+      <p:nvGrpSpPr>
+        <p:cNvPr id="1" name=""/>
+        <p:cNvGrpSpPr/>
+        <p:nvPr/>
+      </p:nvGrpSpPr>
+      <p:grpSpPr>
+        <a:xfrm>
+          <a:off x="0" y="0"/>
+          <a:ext cx="0" cy="0"/>
+          <a:chOff x="0" y="0"/>
+          <a:chExt cx="0" cy="0"/>
+        </a:xfrm>
+      </p:grpSpPr>
+      <p:sp>
+        <p:nvSpPr>
+          <p:cNvPr id="2" name="Title 1"/>
+          <p:cNvSpPr>
+            <a:spLocks noGrp="1"/>
+          </p:cNvSpPr>
+          <p:nvPr>
+            <p:ph type="title"/>
+          </p:nvPr>
+        </p:nvSpPr>
+        <p:spPr>
+          <a:xfrm>
+            <a:off x="677335" y="609600"/>
+            <a:ext cx="8596668" cy="3403600"/>
+          </a:xfrm>
+        </p:spPr>
+        <p:txBody>
+          <a:bodyPr anchor="ctr">
+            <a:normAutofit/>
+          </a:bodyPr>
+          <a:lstStyle>
+            <a:lvl1pPr algn="l">
+              <a:defRPr sz="4400" b="0" cap="none"/>
+            </a:lvl1pPr>
+          </a:lstStyle>
+          <a:p>
+            <a:r>
+              <a:rPr lang="en-US"/>
+              <a:t>Click to edit Master title style</a:t>
+            </a:r>
+            <a:endParaRPr lang="en-US" dirty="0"/>
+          </a:p>
+        </p:txBody>
+      </p:sp>
+      <p:sp>
+        <p:nvSpPr>
+          <p:cNvPr id="3" name="Text Placeholder 2"/>
+          <p:cNvSpPr>
+            <a:spLocks noGrp="1"/>
+          </p:cNvSpPr>
+          <p:nvPr>
+            <p:ph type="body" idx="1"/>
+          </p:nvPr>
+        </p:nvSpPr>
+        <p:spPr>
+          <a:xfrm>
+            <a:off x="677335" y="4470400"/>
+            <a:ext cx="8596668" cy="1570962"/>
+          </a:xfrm>
+        </p:spPr>
+        <p:txBody>
+          <a:bodyPr anchor="ctr">
+            <a:normAutofit/>
+          </a:bodyPr>
+          <a:lstStyle>
+            <a:lvl1pPr marL="0" indent="0" algn="l">
+              <a:buNone/>
+              <a:defRPr sz="1800">
+                <a:solidFill>
+                  <a:schemeClr val="tx1">
+                    <a:lumMod val="75000"/>
+                    <a:lumOff val="25000"/>
+                  </a:schemeClr>
+                </a:solidFill>
+              </a:defRPr>
+            </a:lvl1pPr>
+            <a:lvl2pPr marL="457200" indent="0">
+              <a:buNone/>
+              <a:defRPr sz="1800">
+                <a:solidFill>
+                  <a:schemeClr val="tx1">
+                    <a:tint val="75000"/>
+                  </a:schemeClr>
+                </a:solidFill>
+              </a:defRPr>
+            </a:lvl2pPr>
+            <a:lvl3pPr marL="914400" indent="0">
+              <a:buNone/>
+              <a:defRPr sz="1600">
+                <a:solidFill>
+                  <a:schemeClr val="tx1">
+                    <a:tint val="75000"/>
+                  </a:schemeClr>
+                </a:solidFill>
+              </a:defRPr>
+            </a:lvl3pPr>
+            <a:lvl4pPr marL="1371600" indent="0">
+              <a:buNone/>
+              <a:defRPr sz="1400">
+                <a:solidFill>
+                  <a:schemeClr val="tx1">
+                    <a:tint val="75000"/>
+                  </a:schemeClr>
+                </a:solidFill>
+              </a:defRPr>
+            </a:lvl4pPr>
+            <a:lvl5pPr marL="1828800" indent="0">
+              <a:buNone/>
+              <a:defRPr sz="1400">
+                <a:solidFill>
+                  <a:schemeClr val="tx1">
+                    <a:tint val="75000"/>
+                  </a:schemeClr>
+                </a:solidFill>
+              </a:defRPr>
+            </a:lvl5pPr>
+            <a:lvl6pPr marL="2286000" indent="0">
+              <a:buNone/>
+              <a:defRPr sz="1400">
+                <a:solidFill>
+                  <a:schemeClr val="tx1">
+                    <a:tint val="75000"/>
+                  </a:schemeClr>
+                </a:solidFill>
+              </a:defRPr>
+            </a:lvl6pPr>
+            <a:lvl7pPr marL="2743200" indent="0">
+              <a:buNone/>
+              <a:defRPr sz="1400">
+                <a:solidFill>
+                  <a:schemeClr val="tx1">
+                    <a:tint val="75000"/>
+                  </a:schemeClr>
+                </a:solidFill>
+              </a:defRPr>
+            </a:lvl7pPr>
+            <a:lvl8pPr marL="3200400" indent="0">
+              <a:buNone/>
+              <a:defRPr sz="1400">
+                <a:solidFill>
+                  <a:schemeClr val="tx1">
+                    <a:tint val="75000"/>
+                  </a:schemeClr>
+                </a:solidFill>
+              </a:defRPr>
+            </a:lvl8pPr>
+            <a:lvl9pPr marL="3657600" indent="0">
+              <a:buNone/>
+              <a:defRPr sz="1400">
+                <a:solidFill>
+                  <a:schemeClr val="tx1">
+                    <a:tint val="75000"/>
+                  </a:schemeClr>
+                </a:solidFill>
+              </a:defRPr>
+            </a:lvl9pPr>
+          </a:lstStyle>
+          <a:p>
+            <a:pPr lvl="0"/>
+            <a:r>
+              <a:rPr lang="en-US"/>
+              <a:t>Edit Master text styles</a:t>
+            </a:r>
+          </a:p>
+        </p:txBody>
+      </p:sp>
+      <p:sp>
+        <p:nvSpPr>
+          <p:cNvPr id="4" name="Date Placeholder 3"/>
+          <p:cNvSpPr>
+            <a:spLocks noGrp="1"/>
+          </p:cNvSpPr>
+          <p:nvPr>
+            <p:ph type="dt" sz="half" idx="10"/>
+          </p:nvPr>
+        </p:nvSpPr>
+        <p:spPr/>
+        <p:txBody>
+          <a:bodyPr/>
+          <a:lstStyle/>
+          <a:p>
+            <a:fld id="{85B944F4-E588-A043-A758-57DBD1F647E3}" type="datetimeFigureOut">
+              <a:rPr lang="en-US" smtClean="0"/>
+              <a:t>3/19/2018</a:t>
+            </a:fld>
+            <a:endParaRPr lang="en-US"/>
+          </a:p>
+        </p:txBody>
+      </p:sp>
+      <p:sp>
+        <p:nvSpPr>
+          <p:cNvPr id="5" name="Footer Placeholder 4"/>
+          <p:cNvSpPr>
+            <a:spLocks noGrp="1"/>
+          </p:cNvSpPr>
+          <p:nvPr>
+            <p:ph type="ftr" sz="quarter" idx="11"/>
+          </p:nvPr>
+        </p:nvSpPr>
+        <p:spPr/>
+        <p:txBody>
+          <a:bodyPr/>
+          <a:lstStyle/>
+          <a:p>
+            <a:endParaRPr lang="en-US"/>
+          </a:p>
+        </p:txBody>
+      </p:sp>
+      <p:sp>
+        <p:nvSpPr>
+          <p:cNvPr id="6" name="Slide Number Placeholder 5"/>
+          <p:cNvSpPr>
+            <a:spLocks noGrp="1"/>
+          </p:cNvSpPr>
+          <p:nvPr>
+            <p:ph type="sldNum" sz="quarter" idx="12"/>
+          </p:nvPr>
+        </p:nvSpPr>
+        <p:spPr/>
+        <p:txBody>
+          <a:bodyPr/>
+          <a:lstStyle/>
+          <a:p>
+            <a:fld id="{699B8134-69FD-EA40-9AD3-B0AFF1BD1285}" type="slidenum">
+              <a:rPr lang="en-US" smtClean="0"/>
+              <a:t>‹#›</a:t>
+            </a:fld>
+            <a:endParaRPr lang="en-US"/>
+          </a:p>
+        </p:txBody>
+      </p:sp>
+    </p:spTree>
+    <p:extLst>
+      <p:ext uri="{BB962C8B-B14F-4D97-AF65-F5344CB8AC3E}">
+        <p14:creationId xmlns:p14="http://schemas.microsoft.com/office/powerpoint/2010/main" val="2764893240"/>
+      </p:ext>
+    </p:extLst>
+  </p:cSld>
+  <p:clrMapOvr>
+    <a:masterClrMapping/>
+  </p:clrMapOvr>
+</p:sldLayout>
+</file>
+
+<file path=ppt/slideLayouts/slideLayout11.xml><?xml version="1.0" encoding="utf-8"?>
+<p:sldLayout xmlns:a="http://schemas.openxmlformats.org/drawingml/2006/main" xmlns:r="http://schemas.openxmlformats.org/officeDocument/2006/relationships" xmlns:p="http://schemas.openxmlformats.org/presentationml/2006/main" preserve="1">
+  <p:cSld name="Quote with Caption">
+    <p:spTree>
+      <p:nvGrpSpPr>
+        <p:cNvPr id="1" name=""/>
+        <p:cNvGrpSpPr/>
+        <p:nvPr/>
+      </p:nvGrpSpPr>
+      <p:grpSpPr>
+        <a:xfrm>
+          <a:off x="0" y="0"/>
+          <a:ext cx="0" cy="0"/>
+          <a:chOff x="0" y="0"/>
+          <a:chExt cx="0" cy="0"/>
+        </a:xfrm>
+      </p:grpSpPr>
+      <p:sp>
+        <p:nvSpPr>
+          <p:cNvPr id="2" name="Title 1"/>
+          <p:cNvSpPr>
+            <a:spLocks noGrp="1"/>
+          </p:cNvSpPr>
+          <p:nvPr>
+            <p:ph type="title"/>
+          </p:nvPr>
+        </p:nvSpPr>
+        <p:spPr>
+          <a:xfrm>
+            <a:off x="931334" y="609600"/>
+            <a:ext cx="8094134" cy="3022600"/>
+          </a:xfrm>
+        </p:spPr>
+        <p:txBody>
+          <a:bodyPr anchor="ctr">
+            <a:normAutofit/>
+          </a:bodyPr>
+          <a:lstStyle>
+            <a:lvl1pPr algn="l">
+              <a:defRPr sz="4400" b="0" cap="none"/>
+            </a:lvl1pPr>
+          </a:lstStyle>
+          <a:p>
+            <a:r>
+              <a:rPr lang="en-US"/>
+              <a:t>Click to edit Master title style</a:t>
+            </a:r>
+            <a:endParaRPr lang="en-US" dirty="0"/>
+          </a:p>
+        </p:txBody>
+      </p:sp>
+      <p:sp>
+        <p:nvSpPr>
+          <p:cNvPr id="23" name="Text Placeholder 9"/>
+          <p:cNvSpPr>
+            <a:spLocks noGrp="1"/>
+          </p:cNvSpPr>
+          <p:nvPr>
+            <p:ph type="body" sz="quarter" idx="13"/>
+          </p:nvPr>
+        </p:nvSpPr>
+        <p:spPr>
+          <a:xfrm>
+            <a:off x="1366139" y="3632200"/>
+            <a:ext cx="7224524" cy="381000"/>
+          </a:xfrm>
+        </p:spPr>
+        <p:txBody>
+          <a:bodyPr anchor="ctr">
+            <a:noAutofit/>
+          </a:bodyPr>
+          <a:lstStyle>
+            <a:lvl1pPr marL="0" indent="0">
+              <a:buFontTx/>
+              <a:buNone/>
+              <a:defRPr sz="1600">
+                <a:solidFill>
+                  <a:schemeClr val="tx1">
+                    <a:lumMod val="50000"/>
+                    <a:lumOff val="50000"/>
+                  </a:schemeClr>
+                </a:solidFill>
+              </a:defRPr>
+            </a:lvl1pPr>
+            <a:lvl2pPr marL="457200" indent="0">
+              <a:buFontTx/>
+              <a:buNone/>
+              <a:defRPr/>
+            </a:lvl2pPr>
+            <a:lvl3pPr marL="914400" indent="0">
+              <a:buFontTx/>
+              <a:buNone/>
+              <a:defRPr/>
+            </a:lvl3pPr>
+            <a:lvl4pPr marL="1371600" indent="0">
+              <a:buFontTx/>
+              <a:buNone/>
+              <a:defRPr/>
+            </a:lvl4pPr>
+            <a:lvl5pPr marL="1828800" indent="0">
+              <a:buFontTx/>
+              <a:buNone/>
+              <a:defRPr/>
+            </a:lvl5pPr>
+          </a:lstStyle>
+          <a:p>
+            <a:pPr lvl="0"/>
+            <a:r>
+              <a:rPr lang="en-US"/>
+              <a:t>Edit Master text styles</a:t>
+            </a:r>
+          </a:p>
+        </p:txBody>
+      </p:sp>
+      <p:sp>
+        <p:nvSpPr>
+          <p:cNvPr id="3" name="Text Placeholder 2"/>
+          <p:cNvSpPr>
+            <a:spLocks noGrp="1"/>
+          </p:cNvSpPr>
+          <p:nvPr>
+            <p:ph type="body" idx="1"/>
+          </p:nvPr>
+        </p:nvSpPr>
+        <p:spPr>
+          <a:xfrm>
+            <a:off x="677335" y="4470400"/>
+            <a:ext cx="8596668" cy="1570962"/>
+          </a:xfrm>
+        </p:spPr>
+        <p:txBody>
+          <a:bodyPr anchor="ctr">
+            <a:normAutofit/>
+          </a:bodyPr>
+          <a:lstStyle>
+            <a:lvl1pPr marL="0" indent="0" algn="l">
+              <a:buNone/>
+              <a:defRPr sz="1800">
+                <a:solidFill>
+                  <a:schemeClr val="tx1">
+                    <a:lumMod val="75000"/>
+                    <a:lumOff val="25000"/>
+                  </a:schemeClr>
+                </a:solidFill>
+              </a:defRPr>
+            </a:lvl1pPr>
+            <a:lvl2pPr marL="457200" indent="0">
+              <a:buNone/>
+              <a:defRPr sz="1800">
+                <a:solidFill>
+                  <a:schemeClr val="tx1">
+                    <a:tint val="75000"/>
+                  </a:schemeClr>
+                </a:solidFill>
+              </a:defRPr>
+            </a:lvl2pPr>
+            <a:lvl3pPr marL="914400" indent="0">
+              <a:buNone/>
+              <a:defRPr sz="1600">
+                <a:solidFill>
+                  <a:schemeClr val="tx1">
+                    <a:tint val="75000"/>
+                  </a:schemeClr>
+                </a:solidFill>
+              </a:defRPr>
+            </a:lvl3pPr>
+            <a:lvl4pPr marL="1371600" indent="0">
+              <a:buNone/>
+              <a:defRPr sz="1400">
+                <a:solidFill>
+                  <a:schemeClr val="tx1">
+                    <a:tint val="75000"/>
+                  </a:schemeClr>
+                </a:solidFill>
+              </a:defRPr>
+            </a:lvl4pPr>
+            <a:lvl5pPr marL="1828800" indent="0">
+              <a:buNone/>
+              <a:defRPr sz="1400">
+                <a:solidFill>
+                  <a:schemeClr val="tx1">
+                    <a:tint val="75000"/>
+                  </a:schemeClr>
+                </a:solidFill>
+              </a:defRPr>
+            </a:lvl5pPr>
+            <a:lvl6pPr marL="2286000" indent="0">
+              <a:buNone/>
+              <a:defRPr sz="1400">
+                <a:solidFill>
+                  <a:schemeClr val="tx1">
+                    <a:tint val="75000"/>
+                  </a:schemeClr>
+                </a:solidFill>
+              </a:defRPr>
+            </a:lvl6pPr>
+            <a:lvl7pPr marL="2743200" indent="0">
+              <a:buNone/>
+              <a:defRPr sz="1400">
+                <a:solidFill>
+                  <a:schemeClr val="tx1">
+                    <a:tint val="75000"/>
+                  </a:schemeClr>
+                </a:solidFill>
+              </a:defRPr>
+            </a:lvl7pPr>
+            <a:lvl8pPr marL="3200400" indent="0">
+              <a:buNone/>
+              <a:defRPr sz="1400">
+                <a:solidFill>
+                  <a:schemeClr val="tx1">
+                    <a:tint val="75000"/>
+                  </a:schemeClr>
+                </a:solidFill>
+              </a:defRPr>
+            </a:lvl8pPr>
+            <a:lvl9pPr marL="3657600" indent="0">
+              <a:buNone/>
+              <a:defRPr sz="1400">
+                <a:solidFill>
+                  <a:schemeClr val="tx1">
+                    <a:tint val="75000"/>
+                  </a:schemeClr>
+                </a:solidFill>
+              </a:defRPr>
+            </a:lvl9pPr>
+          </a:lstStyle>
+          <a:p>
+            <a:pPr lvl="0"/>
+            <a:r>
+              <a:rPr lang="en-US"/>
+              <a:t>Edit Master text styles</a:t>
+            </a:r>
+          </a:p>
+        </p:txBody>
+      </p:sp>
+      <p:sp>
+        <p:nvSpPr>
+          <p:cNvPr id="4" name="Date Placeholder 3"/>
+          <p:cNvSpPr>
+            <a:spLocks noGrp="1"/>
+          </p:cNvSpPr>
+          <p:nvPr>
+            <p:ph type="dt" sz="half" idx="10"/>
+          </p:nvPr>
+        </p:nvSpPr>
+        <p:spPr/>
+        <p:txBody>
+          <a:bodyPr/>
+          <a:lstStyle/>
+          <a:p>
+            <a:fld id="{85B944F4-E588-A043-A758-57DBD1F647E3}" type="datetimeFigureOut">
+              <a:rPr lang="en-US" smtClean="0"/>
+              <a:t>3/19/2018</a:t>
+            </a:fld>
+            <a:endParaRPr lang="en-US"/>
+          </a:p>
+        </p:txBody>
+      </p:sp>
+      <p:sp>
+        <p:nvSpPr>
+          <p:cNvPr id="5" name="Footer Placeholder 4"/>
+          <p:cNvSpPr>
+            <a:spLocks noGrp="1"/>
+          </p:cNvSpPr>
+          <p:nvPr>
+            <p:ph type="ftr" sz="quarter" idx="11"/>
+          </p:nvPr>
+        </p:nvSpPr>
+        <p:spPr/>
+        <p:txBody>
+          <a:bodyPr/>
+          <a:lstStyle/>
+          <a:p>
+            <a:endParaRPr lang="en-US"/>
+          </a:p>
+        </p:txBody>
+      </p:sp>
+      <p:sp>
+        <p:nvSpPr>
+          <p:cNvPr id="6" name="Slide Number Placeholder 5"/>
+          <p:cNvSpPr>
+            <a:spLocks noGrp="1"/>
+          </p:cNvSpPr>
+          <p:nvPr>
+            <p:ph type="sldNum" sz="quarter" idx="12"/>
+          </p:nvPr>
+        </p:nvSpPr>
+        <p:spPr/>
+        <p:txBody>
+          <a:bodyPr/>
+          <a:lstStyle/>
+          <a:p>
+            <a:fld id="{699B8134-69FD-EA40-9AD3-B0AFF1BD1285}" type="slidenum">
+              <a:rPr lang="en-US" smtClean="0"/>
+              <a:t>‹#›</a:t>
+            </a:fld>
+            <a:endParaRPr lang="en-US"/>
+          </a:p>
+        </p:txBody>
+      </p:sp>
+      <p:sp>
+        <p:nvSpPr>
+          <p:cNvPr id="20" name="TextBox 19"/>
+          <p:cNvSpPr txBox="1"/>
+          <p:nvPr/>
+        </p:nvSpPr>
+        <p:spPr>
+          <a:xfrm>
+            <a:off x="541870" y="790378"/>
+            <a:ext cx="609600" cy="584776"/>
+          </a:xfrm>
+          <a:prstGeom prst="rect">
+            <a:avLst/>
+          </a:prstGeom>
+        </p:spPr>
+        <p:txBody>
+          <a:bodyPr vert="horz" lIns="91440" tIns="45720" rIns="91440" bIns="45720" rtlCol="0" anchor="ctr">
+            <a:noAutofit/>
+          </a:bodyPr>
+          <a:lstStyle/>
+          <a:p>
+            <a:pPr lvl="0"/>
+            <a:r>
+              <a:rPr lang="en-US" sz="8000" baseline="0" dirty="0">
+                <a:ln w="3175" cmpd="sng">
+                  <a:noFill/>
+                </a:ln>
+                <a:solidFill>
+                  <a:schemeClr val="accent1">
+                    <a:lumMod val="60000"/>
+                    <a:lumOff val="40000"/>
+                  </a:schemeClr>
+                </a:solidFill>
+                <a:effectLst/>
+                <a:latin typeface="Arial"/>
+              </a:rPr>
+              <a:t>“</a:t>
+            </a:r>
+          </a:p>
+        </p:txBody>
+      </p:sp>
+      <p:sp>
+        <p:nvSpPr>
+          <p:cNvPr id="22" name="TextBox 21"/>
+          <p:cNvSpPr txBox="1"/>
+          <p:nvPr/>
+        </p:nvSpPr>
+        <p:spPr>
+          <a:xfrm>
+            <a:off x="8893011" y="2886556"/>
+            <a:ext cx="609600" cy="584776"/>
+          </a:xfrm>
+          <a:prstGeom prst="rect">
+            <a:avLst/>
+          </a:prstGeom>
+        </p:spPr>
+        <p:txBody>
+          <a:bodyPr vert="horz" lIns="91440" tIns="45720" rIns="91440" bIns="45720" rtlCol="0" anchor="ctr">
+            <a:noAutofit/>
+          </a:bodyPr>
+          <a:lstStyle/>
+          <a:p>
+            <a:pPr lvl="0"/>
+            <a:r>
+              <a:rPr lang="en-US" sz="8000" baseline="0" dirty="0">
+                <a:ln w="3175" cmpd="sng">
+                  <a:noFill/>
+                </a:ln>
+                <a:solidFill>
+                  <a:schemeClr val="accent1">
+                    <a:lumMod val="60000"/>
+                    <a:lumOff val="40000"/>
+                  </a:schemeClr>
+                </a:solidFill>
+                <a:latin typeface="Arial"/>
+              </a:rPr>
+              <a:t>”</a:t>
+            </a:r>
+            <a:endParaRPr lang="en-US" dirty="0">
+              <a:solidFill>
+                <a:schemeClr val="accent1">
+                  <a:lumMod val="60000"/>
+                  <a:lumOff val="40000"/>
+                </a:schemeClr>
+              </a:solidFill>
+              <a:latin typeface="Arial"/>
+            </a:endParaRPr>
+          </a:p>
+        </p:txBody>
+      </p:sp>
+    </p:spTree>
+    <p:extLst>
+      <p:ext uri="{BB962C8B-B14F-4D97-AF65-F5344CB8AC3E}">
+        <p14:creationId xmlns:p14="http://schemas.microsoft.com/office/powerpoint/2010/main" val="1206660794"/>
+      </p:ext>
+    </p:extLst>
+  </p:cSld>
+  <p:clrMapOvr>
+    <a:masterClrMapping/>
+  </p:clrMapOvr>
+</p:sldLayout>
+</file>
+
+<file path=ppt/slideLayouts/slideLayout12.xml><?xml version="1.0" encoding="utf-8"?>
+<p:sldLayout xmlns:a="http://schemas.openxmlformats.org/drawingml/2006/main" xmlns:r="http://schemas.openxmlformats.org/officeDocument/2006/relationships" xmlns:p="http://schemas.openxmlformats.org/presentationml/2006/main" preserve="1">
+  <p:cSld name="Name Card">
+    <p:spTree>
+      <p:nvGrpSpPr>
+        <p:cNvPr id="1" name=""/>
+        <p:cNvGrpSpPr/>
+        <p:nvPr/>
+      </p:nvGrpSpPr>
+      <p:grpSpPr>
+        <a:xfrm>
+          <a:off x="0" y="0"/>
+          <a:ext cx="0" cy="0"/>
+          <a:chOff x="0" y="0"/>
+          <a:chExt cx="0" cy="0"/>
+        </a:xfrm>
+      </p:grpSpPr>
+      <p:sp>
+        <p:nvSpPr>
+          <p:cNvPr id="2" name="Title 1"/>
+          <p:cNvSpPr>
+            <a:spLocks noGrp="1"/>
+          </p:cNvSpPr>
+          <p:nvPr>
+            <p:ph type="title"/>
+          </p:nvPr>
+        </p:nvSpPr>
+        <p:spPr>
+          <a:xfrm>
+            <a:off x="677335" y="1931988"/>
+            <a:ext cx="8596668" cy="2595460"/>
+          </a:xfrm>
+        </p:spPr>
+        <p:txBody>
+          <a:bodyPr anchor="b">
+            <a:normAutofit/>
+          </a:bodyPr>
+          <a:lstStyle>
+            <a:lvl1pPr algn="l">
+              <a:defRPr sz="4400" b="0" cap="none"/>
+            </a:lvl1pPr>
+          </a:lstStyle>
+          <a:p>
+            <a:r>
+              <a:rPr lang="en-US"/>
+              <a:t>Click to edit Master title style</a:t>
+            </a:r>
+            <a:endParaRPr lang="en-US" dirty="0"/>
+          </a:p>
+        </p:txBody>
+      </p:sp>
+      <p:sp>
+        <p:nvSpPr>
+          <p:cNvPr id="3" name="Text Placeholder 2"/>
+          <p:cNvSpPr>
+            <a:spLocks noGrp="1"/>
+          </p:cNvSpPr>
+          <p:nvPr>
+            <p:ph type="body" idx="1"/>
+          </p:nvPr>
+        </p:nvSpPr>
+        <p:spPr>
+          <a:xfrm>
+            <a:off x="677335" y="4527448"/>
+            <a:ext cx="8596668" cy="1513914"/>
+          </a:xfrm>
+        </p:spPr>
+        <p:txBody>
+          <a:bodyPr anchor="t">
+            <a:normAutofit/>
+          </a:bodyPr>
+          <a:lstStyle>
+            <a:lvl1pPr marL="0" indent="0" algn="l">
+              <a:buNone/>
+              <a:defRPr sz="1800">
+                <a:solidFill>
+                  <a:schemeClr val="tx1">
+                    <a:lumMod val="75000"/>
+                    <a:lumOff val="25000"/>
+                  </a:schemeClr>
+                </a:solidFill>
+              </a:defRPr>
+            </a:lvl1pPr>
+            <a:lvl2pPr marL="457200" indent="0">
+              <a:buNone/>
+              <a:defRPr sz="1800">
+                <a:solidFill>
+                  <a:schemeClr val="tx1">
+                    <a:tint val="75000"/>
+                  </a:schemeClr>
+                </a:solidFill>
+              </a:defRPr>
+            </a:lvl2pPr>
+            <a:lvl3pPr marL="914400" indent="0">
+              <a:buNone/>
+              <a:defRPr sz="1600">
+                <a:solidFill>
+                  <a:schemeClr val="tx1">
+                    <a:tint val="75000"/>
+                  </a:schemeClr>
+                </a:solidFill>
+              </a:defRPr>
+            </a:lvl3pPr>
+            <a:lvl4pPr marL="1371600" indent="0">
+              <a:buNone/>
+              <a:defRPr sz="1400">
+                <a:solidFill>
+                  <a:schemeClr val="tx1">
+                    <a:tint val="75000"/>
+                  </a:schemeClr>
+                </a:solidFill>
+              </a:defRPr>
+            </a:lvl4pPr>
+            <a:lvl5pPr marL="1828800" indent="0">
+              <a:buNone/>
+              <a:defRPr sz="1400">
+                <a:solidFill>
+                  <a:schemeClr val="tx1">
+                    <a:tint val="75000"/>
+                  </a:schemeClr>
+                </a:solidFill>
+              </a:defRPr>
+            </a:lvl5pPr>
+            <a:lvl6pPr marL="2286000" indent="0">
+              <a:buNone/>
+              <a:defRPr sz="1400">
+                <a:solidFill>
+                  <a:schemeClr val="tx1">
+                    <a:tint val="75000"/>
+                  </a:schemeClr>
+                </a:solidFill>
+              </a:defRPr>
+            </a:lvl6pPr>
+            <a:lvl7pPr marL="2743200" indent="0">
+              <a:buNone/>
+              <a:defRPr sz="1400">
+                <a:solidFill>
+                  <a:schemeClr val="tx1">
+                    <a:tint val="75000"/>
+                  </a:schemeClr>
+                </a:solidFill>
+              </a:defRPr>
+            </a:lvl7pPr>
+            <a:lvl8pPr marL="3200400" indent="0">
+              <a:buNone/>
+              <a:defRPr sz="1400">
+                <a:solidFill>
+                  <a:schemeClr val="tx1">
+                    <a:tint val="75000"/>
+                  </a:schemeClr>
+                </a:solidFill>
+              </a:defRPr>
+            </a:lvl8pPr>
+            <a:lvl9pPr marL="3657600" indent="0">
+              <a:buNone/>
+              <a:defRPr sz="1400">
+                <a:solidFill>
+                  <a:schemeClr val="tx1">
+                    <a:tint val="75000"/>
+                  </a:schemeClr>
+                </a:solidFill>
+              </a:defRPr>
+            </a:lvl9pPr>
+          </a:lstStyle>
+          <a:p>
+            <a:pPr lvl="0"/>
+            <a:r>
+              <a:rPr lang="en-US"/>
+              <a:t>Edit Master text styles</a:t>
+            </a:r>
+          </a:p>
+        </p:txBody>
+      </p:sp>
+      <p:sp>
+        <p:nvSpPr>
+          <p:cNvPr id="4" name="Date Placeholder 3"/>
+          <p:cNvSpPr>
+            <a:spLocks noGrp="1"/>
+          </p:cNvSpPr>
+          <p:nvPr>
+            <p:ph type="dt" sz="half" idx="10"/>
+          </p:nvPr>
+        </p:nvSpPr>
+        <p:spPr/>
+        <p:txBody>
+          <a:bodyPr/>
+          <a:lstStyle/>
+          <a:p>
+            <a:fld id="{85B944F4-E588-A043-A758-57DBD1F647E3}" type="datetimeFigureOut">
+              <a:rPr lang="en-US" smtClean="0"/>
+              <a:t>3/19/2018</a:t>
+            </a:fld>
+            <a:endParaRPr lang="en-US"/>
+          </a:p>
+        </p:txBody>
+      </p:sp>
+      <p:sp>
+        <p:nvSpPr>
+          <p:cNvPr id="5" name="Footer Placeholder 4"/>
+          <p:cNvSpPr>
+            <a:spLocks noGrp="1"/>
+          </p:cNvSpPr>
+          <p:nvPr>
+            <p:ph type="ftr" sz="quarter" idx="11"/>
+          </p:nvPr>
+        </p:nvSpPr>
+        <p:spPr/>
+        <p:txBody>
+          <a:bodyPr/>
+          <a:lstStyle/>
+          <a:p>
+            <a:endParaRPr lang="en-US"/>
+          </a:p>
+        </p:txBody>
+      </p:sp>
+      <p:sp>
+        <p:nvSpPr>
+          <p:cNvPr id="6" name="Slide Number Placeholder 5"/>
+          <p:cNvSpPr>
+            <a:spLocks noGrp="1"/>
+          </p:cNvSpPr>
+          <p:nvPr>
+            <p:ph type="sldNum" sz="quarter" idx="12"/>
+          </p:nvPr>
+        </p:nvSpPr>
+        <p:spPr/>
+        <p:txBody>
+          <a:bodyPr/>
+          <a:lstStyle/>
+          <a:p>
+            <a:fld id="{699B8134-69FD-EA40-9AD3-B0AFF1BD1285}" type="slidenum">
+              <a:rPr lang="en-US" smtClean="0"/>
+              <a:t>‹#›</a:t>
+            </a:fld>
+            <a:endParaRPr lang="en-US"/>
+          </a:p>
+        </p:txBody>
+      </p:sp>
+    </p:spTree>
+    <p:extLst>
+      <p:ext uri="{BB962C8B-B14F-4D97-AF65-F5344CB8AC3E}">
+        <p14:creationId xmlns:p14="http://schemas.microsoft.com/office/powerpoint/2010/main" val="268500850"/>
+      </p:ext>
+    </p:extLst>
+  </p:cSld>
+  <p:clrMapOvr>
+    <a:masterClrMapping/>
+  </p:clrMapOvr>
+</p:sldLayout>
+</file>
+
+<file path=ppt/slideLayouts/slideLayout13.xml><?xml version="1.0" encoding="utf-8"?>
+<p:sldLayout xmlns:a="http://schemas.openxmlformats.org/drawingml/2006/main" xmlns:r="http://schemas.openxmlformats.org/officeDocument/2006/relationships" xmlns:p="http://schemas.openxmlformats.org/presentationml/2006/main" preserve="1">
+  <p:cSld name="Quote Name Card">
+    <p:spTree>
+      <p:nvGrpSpPr>
+        <p:cNvPr id="1" name=""/>
+        <p:cNvGrpSpPr/>
+        <p:nvPr/>
+      </p:nvGrpSpPr>
+      <p:grpSpPr>
+        <a:xfrm>
+          <a:off x="0" y="0"/>
+          <a:ext cx="0" cy="0"/>
+          <a:chOff x="0" y="0"/>
+          <a:chExt cx="0" cy="0"/>
+        </a:xfrm>
+      </p:grpSpPr>
+      <p:sp>
+        <p:nvSpPr>
+          <p:cNvPr id="2" name="Title 1"/>
+          <p:cNvSpPr>
+            <a:spLocks noGrp="1"/>
+          </p:cNvSpPr>
+          <p:nvPr>
+            <p:ph type="title"/>
+          </p:nvPr>
+        </p:nvSpPr>
+        <p:spPr>
+          <a:xfrm>
+            <a:off x="931334" y="609600"/>
+            <a:ext cx="8094134" cy="3022600"/>
+          </a:xfrm>
+        </p:spPr>
+        <p:txBody>
+          <a:bodyPr anchor="ctr">
+            <a:normAutofit/>
+          </a:bodyPr>
+          <a:lstStyle>
+            <a:lvl1pPr algn="l">
+              <a:defRPr sz="4400" b="0" cap="none"/>
+            </a:lvl1pPr>
+          </a:lstStyle>
+          <a:p>
+            <a:r>
+              <a:rPr lang="en-US"/>
+              <a:t>Click to edit Master title style</a:t>
+            </a:r>
+            <a:endParaRPr lang="en-US" dirty="0"/>
+          </a:p>
+        </p:txBody>
+      </p:sp>
+      <p:sp>
+        <p:nvSpPr>
+          <p:cNvPr id="23" name="Text Placeholder 9"/>
+          <p:cNvSpPr>
+            <a:spLocks noGrp="1"/>
+          </p:cNvSpPr>
+          <p:nvPr>
+            <p:ph type="body" sz="quarter" idx="13"/>
+          </p:nvPr>
+        </p:nvSpPr>
+        <p:spPr>
+          <a:xfrm>
+            <a:off x="677332" y="4013200"/>
+            <a:ext cx="8596669" cy="514248"/>
+          </a:xfrm>
+        </p:spPr>
+        <p:txBody>
+          <a:bodyPr anchor="b">
+            <a:noAutofit/>
+          </a:bodyPr>
+          <a:lstStyle>
+            <a:lvl1pPr marL="0" indent="0">
+              <a:buFontTx/>
+              <a:buNone/>
+              <a:defRPr sz="2400">
+                <a:solidFill>
+                  <a:schemeClr val="tx1">
+                    <a:lumMod val="75000"/>
+                    <a:lumOff val="25000"/>
+                  </a:schemeClr>
+                </a:solidFill>
+              </a:defRPr>
+            </a:lvl1pPr>
+            <a:lvl2pPr marL="457200" indent="0">
+              <a:buFontTx/>
+              <a:buNone/>
+              <a:defRPr/>
+            </a:lvl2pPr>
+            <a:lvl3pPr marL="914400" indent="0">
+              <a:buFontTx/>
+              <a:buNone/>
+              <a:defRPr/>
+            </a:lvl3pPr>
+            <a:lvl4pPr marL="1371600" indent="0">
+              <a:buFontTx/>
+              <a:buNone/>
+              <a:defRPr/>
+            </a:lvl4pPr>
+            <a:lvl5pPr marL="1828800" indent="0">
+              <a:buFontTx/>
+              <a:buNone/>
+              <a:defRPr/>
+            </a:lvl5pPr>
+          </a:lstStyle>
+          <a:p>
+            <a:pPr lvl="0"/>
+            <a:r>
+              <a:rPr lang="en-US"/>
+              <a:t>Edit Master text styles</a:t>
+            </a:r>
+          </a:p>
+        </p:txBody>
+      </p:sp>
+      <p:sp>
+        <p:nvSpPr>
+          <p:cNvPr id="3" name="Text Placeholder 2"/>
+          <p:cNvSpPr>
+            <a:spLocks noGrp="1"/>
+          </p:cNvSpPr>
+          <p:nvPr>
+            <p:ph type="body" idx="1"/>
+          </p:nvPr>
+        </p:nvSpPr>
+        <p:spPr>
+          <a:xfrm>
+            <a:off x="677335" y="4527448"/>
+            <a:ext cx="8596668" cy="1513914"/>
+          </a:xfrm>
+        </p:spPr>
+        <p:txBody>
+          <a:bodyPr anchor="t">
+            <a:normAutofit/>
+          </a:bodyPr>
+          <a:lstStyle>
+            <a:lvl1pPr marL="0" indent="0" algn="l">
+              <a:buNone/>
+              <a:defRPr sz="1800">
+                <a:solidFill>
+                  <a:schemeClr val="tx1">
+                    <a:lumMod val="50000"/>
+                    <a:lumOff val="50000"/>
+                  </a:schemeClr>
+                </a:solidFill>
+              </a:defRPr>
+            </a:lvl1pPr>
+            <a:lvl2pPr marL="457200" indent="0">
+              <a:buNone/>
+              <a:defRPr sz="1800">
+                <a:solidFill>
+                  <a:schemeClr val="tx1">
+                    <a:tint val="75000"/>
+                  </a:schemeClr>
+                </a:solidFill>
+              </a:defRPr>
+            </a:lvl2pPr>
+            <a:lvl3pPr marL="914400" indent="0">
+              <a:buNone/>
+              <a:defRPr sz="1600">
+                <a:solidFill>
+                  <a:schemeClr val="tx1">
+                    <a:tint val="75000"/>
+                  </a:schemeClr>
+                </a:solidFill>
+              </a:defRPr>
+            </a:lvl3pPr>
+            <a:lvl4pPr marL="1371600" indent="0">
+              <a:buNone/>
+              <a:defRPr sz="1400">
+                <a:solidFill>
+                  <a:schemeClr val="tx1">
+                    <a:tint val="75000"/>
+                  </a:schemeClr>
+                </a:solidFill>
+              </a:defRPr>
+            </a:lvl4pPr>
+            <a:lvl5pPr marL="1828800" indent="0">
+              <a:buNone/>
+              <a:defRPr sz="1400">
+                <a:solidFill>
+                  <a:schemeClr val="tx1">
+                    <a:tint val="75000"/>
+                  </a:schemeClr>
+                </a:solidFill>
+              </a:defRPr>
+            </a:lvl5pPr>
+            <a:lvl6pPr marL="2286000" indent="0">
+              <a:buNone/>
+              <a:defRPr sz="1400">
+                <a:solidFill>
+                  <a:schemeClr val="tx1">
+                    <a:tint val="75000"/>
+                  </a:schemeClr>
+                </a:solidFill>
+              </a:defRPr>
+            </a:lvl6pPr>
+            <a:lvl7pPr marL="2743200" indent="0">
+              <a:buNone/>
+              <a:defRPr sz="1400">
+                <a:solidFill>
+                  <a:schemeClr val="tx1">
+                    <a:tint val="75000"/>
+                  </a:schemeClr>
+                </a:solidFill>
+              </a:defRPr>
+            </a:lvl7pPr>
+            <a:lvl8pPr marL="3200400" indent="0">
+              <a:buNone/>
+              <a:defRPr sz="1400">
+                <a:solidFill>
+                  <a:schemeClr val="tx1">
+                    <a:tint val="75000"/>
+                  </a:schemeClr>
+                </a:solidFill>
+              </a:defRPr>
+            </a:lvl8pPr>
+            <a:lvl9pPr marL="3657600" indent="0">
+              <a:buNone/>
+              <a:defRPr sz="1400">
+                <a:solidFill>
+                  <a:schemeClr val="tx1">
+                    <a:tint val="75000"/>
+                  </a:schemeClr>
+                </a:solidFill>
+              </a:defRPr>
+            </a:lvl9pPr>
+          </a:lstStyle>
+          <a:p>
+            <a:pPr lvl="0"/>
+            <a:r>
+              <a:rPr lang="en-US"/>
+              <a:t>Edit Master text styles</a:t>
+            </a:r>
+          </a:p>
+        </p:txBody>
+      </p:sp>
+      <p:sp>
+        <p:nvSpPr>
+          <p:cNvPr id="4" name="Date Placeholder 3"/>
+          <p:cNvSpPr>
+            <a:spLocks noGrp="1"/>
+          </p:cNvSpPr>
+          <p:nvPr>
+            <p:ph type="dt" sz="half" idx="10"/>
+          </p:nvPr>
+        </p:nvSpPr>
+        <p:spPr/>
+        <p:txBody>
+          <a:bodyPr/>
+          <a:lstStyle/>
+          <a:p>
+            <a:fld id="{85B944F4-E588-A043-A758-57DBD1F647E3}" type="datetimeFigureOut">
+              <a:rPr lang="en-US" smtClean="0"/>
+              <a:t>3/19/2018</a:t>
+            </a:fld>
+            <a:endParaRPr lang="en-US"/>
+          </a:p>
+        </p:txBody>
+      </p:sp>
+      <p:sp>
+        <p:nvSpPr>
+          <p:cNvPr id="5" name="Footer Placeholder 4"/>
+          <p:cNvSpPr>
+            <a:spLocks noGrp="1"/>
+          </p:cNvSpPr>
+          <p:nvPr>
+            <p:ph type="ftr" sz="quarter" idx="11"/>
+          </p:nvPr>
+        </p:nvSpPr>
+        <p:spPr/>
+        <p:txBody>
+          <a:bodyPr/>
+          <a:lstStyle/>
+          <a:p>
+            <a:endParaRPr lang="en-US"/>
+          </a:p>
+        </p:txBody>
+      </p:sp>
+      <p:sp>
+        <p:nvSpPr>
+          <p:cNvPr id="6" name="Slide Number Placeholder 5"/>
+          <p:cNvSpPr>
+            <a:spLocks noGrp="1"/>
+          </p:cNvSpPr>
+          <p:nvPr>
+            <p:ph type="sldNum" sz="quarter" idx="12"/>
+          </p:nvPr>
+        </p:nvSpPr>
+        <p:spPr/>
+        <p:txBody>
+          <a:bodyPr/>
+          <a:lstStyle/>
+          <a:p>
+            <a:fld id="{699B8134-69FD-EA40-9AD3-B0AFF1BD1285}" type="slidenum">
+              <a:rPr lang="en-US" smtClean="0"/>
+              <a:t>‹#›</a:t>
+            </a:fld>
+            <a:endParaRPr lang="en-US"/>
+          </a:p>
+        </p:txBody>
+      </p:sp>
+      <p:sp>
+        <p:nvSpPr>
+          <p:cNvPr id="24" name="TextBox 23"/>
+          <p:cNvSpPr txBox="1"/>
+          <p:nvPr/>
+        </p:nvSpPr>
+        <p:spPr>
+          <a:xfrm>
+            <a:off x="541870" y="790378"/>
+            <a:ext cx="609600" cy="584776"/>
+          </a:xfrm>
+          <a:prstGeom prst="rect">
+            <a:avLst/>
+          </a:prstGeom>
+        </p:spPr>
+        <p:txBody>
+          <a:bodyPr vert="horz" lIns="91440" tIns="45720" rIns="91440" bIns="45720" rtlCol="0" anchor="ctr">
+            <a:noAutofit/>
+          </a:bodyPr>
+          <a:lstStyle/>
+          <a:p>
+            <a:pPr lvl="0"/>
+            <a:r>
+              <a:rPr lang="en-US" sz="8000" baseline="0" dirty="0">
+                <a:ln w="3175" cmpd="sng">
+                  <a:noFill/>
+                </a:ln>
+                <a:solidFill>
+                  <a:schemeClr val="accent1">
+                    <a:lumMod val="60000"/>
+                    <a:lumOff val="40000"/>
+                  </a:schemeClr>
+                </a:solidFill>
+                <a:effectLst/>
+                <a:latin typeface="Arial"/>
+              </a:rPr>
+              <a:t>“</a:t>
+            </a:r>
+          </a:p>
+        </p:txBody>
+      </p:sp>
+      <p:sp>
+        <p:nvSpPr>
+          <p:cNvPr id="25" name="TextBox 24"/>
+          <p:cNvSpPr txBox="1"/>
+          <p:nvPr/>
+        </p:nvSpPr>
+        <p:spPr>
+          <a:xfrm>
+            <a:off x="8893011" y="2886556"/>
+            <a:ext cx="609600" cy="584776"/>
+          </a:xfrm>
+          <a:prstGeom prst="rect">
+            <a:avLst/>
+          </a:prstGeom>
+        </p:spPr>
+        <p:txBody>
+          <a:bodyPr vert="horz" lIns="91440" tIns="45720" rIns="91440" bIns="45720" rtlCol="0" anchor="ctr">
+            <a:noAutofit/>
+          </a:bodyPr>
+          <a:lstStyle/>
+          <a:p>
+            <a:pPr lvl="0"/>
+            <a:r>
+              <a:rPr lang="en-US" sz="8000" baseline="0" dirty="0">
+                <a:ln w="3175" cmpd="sng">
+                  <a:noFill/>
+                </a:ln>
+                <a:solidFill>
+                  <a:schemeClr val="accent1">
+                    <a:lumMod val="60000"/>
+                    <a:lumOff val="40000"/>
+                  </a:schemeClr>
+                </a:solidFill>
+                <a:effectLst/>
+                <a:latin typeface="Arial"/>
+              </a:rPr>
+              <a:t>”</a:t>
+            </a:r>
+          </a:p>
+        </p:txBody>
+      </p:sp>
+    </p:spTree>
+    <p:extLst>
+      <p:ext uri="{BB962C8B-B14F-4D97-AF65-F5344CB8AC3E}">
+        <p14:creationId xmlns:p14="http://schemas.microsoft.com/office/powerpoint/2010/main" val="1359131375"/>
+      </p:ext>
+    </p:extLst>
+  </p:cSld>
+  <p:clrMapOvr>
+    <a:masterClrMapping/>
+  </p:clrMapOvr>
+</p:sldLayout>
+</file>
+
+<file path=ppt/slideLayouts/slideLayout14.xml><?xml version="1.0" encoding="utf-8"?>
+<p:sldLayout xmlns:a="http://schemas.openxmlformats.org/drawingml/2006/main" xmlns:r="http://schemas.openxmlformats.org/officeDocument/2006/relationships" xmlns:p="http://schemas.openxmlformats.org/presentationml/2006/main" preserve="1">
+  <p:cSld name="True or False">
+    <p:spTree>
+      <p:nvGrpSpPr>
+        <p:cNvPr id="1" name=""/>
+        <p:cNvGrpSpPr/>
+        <p:nvPr/>
+      </p:nvGrpSpPr>
+      <p:grpSpPr>
+        <a:xfrm>
+          <a:off x="0" y="0"/>
+          <a:ext cx="0" cy="0"/>
+          <a:chOff x="0" y="0"/>
+          <a:chExt cx="0" cy="0"/>
+        </a:xfrm>
+      </p:grpSpPr>
+      <p:sp>
+        <p:nvSpPr>
+          <p:cNvPr id="2" name="Title 1"/>
+          <p:cNvSpPr>
+            <a:spLocks noGrp="1"/>
+          </p:cNvSpPr>
+          <p:nvPr>
+            <p:ph type="title"/>
+          </p:nvPr>
+        </p:nvSpPr>
+        <p:spPr>
+          <a:xfrm>
+            <a:off x="685799" y="609600"/>
+            <a:ext cx="8588203" cy="3022600"/>
+          </a:xfrm>
+        </p:spPr>
+        <p:txBody>
+          <a:bodyPr anchor="ctr">
+            <a:normAutofit/>
+          </a:bodyPr>
+          <a:lstStyle>
+            <a:lvl1pPr algn="l">
+              <a:defRPr sz="4400" b="0" cap="none"/>
+            </a:lvl1pPr>
+          </a:lstStyle>
+          <a:p>
+            <a:r>
+              <a:rPr lang="en-US"/>
+              <a:t>Click to edit Master title style</a:t>
+            </a:r>
+            <a:endParaRPr lang="en-US" dirty="0"/>
+          </a:p>
+        </p:txBody>
+      </p:sp>
+      <p:sp>
+        <p:nvSpPr>
+          <p:cNvPr id="23" name="Text Placeholder 9"/>
+          <p:cNvSpPr>
+            <a:spLocks noGrp="1"/>
+          </p:cNvSpPr>
+          <p:nvPr>
+            <p:ph type="body" sz="quarter" idx="13"/>
+          </p:nvPr>
+        </p:nvSpPr>
+        <p:spPr>
+          <a:xfrm>
+            <a:off x="677332" y="4013200"/>
+            <a:ext cx="8596669" cy="514248"/>
+          </a:xfrm>
+        </p:spPr>
+        <p:txBody>
+          <a:bodyPr anchor="b">
+            <a:noAutofit/>
+          </a:bodyPr>
+          <a:lstStyle>
+            <a:lvl1pPr marL="0" indent="0">
+              <a:buFontTx/>
+              <a:buNone/>
+              <a:defRPr sz="2400">
+                <a:solidFill>
+                  <a:schemeClr val="accent1"/>
+                </a:solidFill>
+              </a:defRPr>
+            </a:lvl1pPr>
+            <a:lvl2pPr marL="457200" indent="0">
+              <a:buFontTx/>
+              <a:buNone/>
+              <a:defRPr/>
+            </a:lvl2pPr>
+            <a:lvl3pPr marL="914400" indent="0">
+              <a:buFontTx/>
+              <a:buNone/>
+              <a:defRPr/>
+            </a:lvl3pPr>
+            <a:lvl4pPr marL="1371600" indent="0">
+              <a:buFontTx/>
+              <a:buNone/>
+              <a:defRPr/>
+            </a:lvl4pPr>
+            <a:lvl5pPr marL="1828800" indent="0">
+              <a:buFontTx/>
+              <a:buNone/>
+              <a:defRPr/>
+            </a:lvl5pPr>
+          </a:lstStyle>
+          <a:p>
+            <a:pPr lvl="0"/>
+            <a:r>
+              <a:rPr lang="en-US"/>
+              <a:t>Edit Master text styles</a:t>
+            </a:r>
+          </a:p>
+        </p:txBody>
+      </p:sp>
+      <p:sp>
+        <p:nvSpPr>
+          <p:cNvPr id="3" name="Text Placeholder 2"/>
+          <p:cNvSpPr>
+            <a:spLocks noGrp="1"/>
+          </p:cNvSpPr>
+          <p:nvPr>
+            <p:ph type="body" idx="1"/>
+          </p:nvPr>
+        </p:nvSpPr>
+        <p:spPr>
+          <a:xfrm>
+            <a:off x="677335" y="4527448"/>
+            <a:ext cx="8596668" cy="1513914"/>
+          </a:xfrm>
+        </p:spPr>
+        <p:txBody>
+          <a:bodyPr anchor="t">
+            <a:normAutofit/>
+          </a:bodyPr>
+          <a:lstStyle>
+            <a:lvl1pPr marL="0" indent="0" algn="l">
+              <a:buNone/>
+              <a:defRPr sz="1800">
+                <a:solidFill>
+                  <a:schemeClr val="tx1">
+                    <a:lumMod val="50000"/>
+                    <a:lumOff val="50000"/>
+                  </a:schemeClr>
+                </a:solidFill>
+              </a:defRPr>
+            </a:lvl1pPr>
+            <a:lvl2pPr marL="457200" indent="0">
+              <a:buNone/>
+              <a:defRPr sz="1800">
+                <a:solidFill>
+                  <a:schemeClr val="tx1">
+                    <a:tint val="75000"/>
+                  </a:schemeClr>
+                </a:solidFill>
+              </a:defRPr>
+            </a:lvl2pPr>
+            <a:lvl3pPr marL="914400" indent="0">
+              <a:buNone/>
+              <a:defRPr sz="1600">
+                <a:solidFill>
+                  <a:schemeClr val="tx1">
+                    <a:tint val="75000"/>
+                  </a:schemeClr>
+                </a:solidFill>
+              </a:defRPr>
+            </a:lvl3pPr>
+            <a:lvl4pPr marL="1371600" indent="0">
+              <a:buNone/>
+              <a:defRPr sz="1400">
+                <a:solidFill>
+                  <a:schemeClr val="tx1">
+                    <a:tint val="75000"/>
+                  </a:schemeClr>
+                </a:solidFill>
+              </a:defRPr>
+            </a:lvl4pPr>
+            <a:lvl5pPr marL="1828800" indent="0">
+              <a:buNone/>
+              <a:defRPr sz="1400">
+                <a:solidFill>
+                  <a:schemeClr val="tx1">
+                    <a:tint val="75000"/>
+                  </a:schemeClr>
+                </a:solidFill>
+              </a:defRPr>
+            </a:lvl5pPr>
+            <a:lvl6pPr marL="2286000" indent="0">
+              <a:buNone/>
+              <a:defRPr sz="1400">
+                <a:solidFill>
+                  <a:schemeClr val="tx1">
+                    <a:tint val="75000"/>
+                  </a:schemeClr>
+                </a:solidFill>
+              </a:defRPr>
+            </a:lvl6pPr>
+            <a:lvl7pPr marL="2743200" indent="0">
+              <a:buNone/>
+              <a:defRPr sz="1400">
+                <a:solidFill>
+                  <a:schemeClr val="tx1">
+                    <a:tint val="75000"/>
+                  </a:schemeClr>
+                </a:solidFill>
+              </a:defRPr>
+            </a:lvl7pPr>
+            <a:lvl8pPr marL="3200400" indent="0">
+              <a:buNone/>
+              <a:defRPr sz="1400">
+                <a:solidFill>
+                  <a:schemeClr val="tx1">
+                    <a:tint val="75000"/>
+                  </a:schemeClr>
+                </a:solidFill>
+              </a:defRPr>
+            </a:lvl8pPr>
+            <a:lvl9pPr marL="3657600" indent="0">
+              <a:buNone/>
+              <a:defRPr sz="1400">
+                <a:solidFill>
+                  <a:schemeClr val="tx1">
+                    <a:tint val="75000"/>
+                  </a:schemeClr>
+                </a:solidFill>
+              </a:defRPr>
+            </a:lvl9pPr>
+          </a:lstStyle>
+          <a:p>
+            <a:pPr lvl="0"/>
+            <a:r>
+              <a:rPr lang="en-US"/>
+              <a:t>Edit Master text styles</a:t>
+            </a:r>
+          </a:p>
+        </p:txBody>
+      </p:sp>
+      <p:sp>
+        <p:nvSpPr>
+          <p:cNvPr id="4" name="Date Placeholder 3"/>
+          <p:cNvSpPr>
+            <a:spLocks noGrp="1"/>
+          </p:cNvSpPr>
+          <p:nvPr>
+            <p:ph type="dt" sz="half" idx="10"/>
+          </p:nvPr>
+        </p:nvSpPr>
+        <p:spPr/>
+        <p:txBody>
+          <a:bodyPr/>
+          <a:lstStyle/>
+          <a:p>
+            <a:fld id="{85B944F4-E588-A043-A758-57DBD1F647E3}" type="datetimeFigureOut">
+              <a:rPr lang="en-US" smtClean="0"/>
+              <a:t>3/19/2018</a:t>
+            </a:fld>
+            <a:endParaRPr lang="en-US"/>
+          </a:p>
+        </p:txBody>
+      </p:sp>
+      <p:sp>
+        <p:nvSpPr>
+          <p:cNvPr id="5" name="Footer Placeholder 4"/>
+          <p:cNvSpPr>
+            <a:spLocks noGrp="1"/>
+          </p:cNvSpPr>
+          <p:nvPr>
+            <p:ph type="ftr" sz="quarter" idx="11"/>
+          </p:nvPr>
+        </p:nvSpPr>
+        <p:spPr/>
+        <p:txBody>
+          <a:bodyPr/>
+          <a:lstStyle/>
+          <a:p>
+            <a:endParaRPr lang="en-US"/>
+          </a:p>
+        </p:txBody>
+      </p:sp>
+      <p:sp>
+        <p:nvSpPr>
+          <p:cNvPr id="6" name="Slide Number Placeholder 5"/>
+          <p:cNvSpPr>
+            <a:spLocks noGrp="1"/>
+          </p:cNvSpPr>
+          <p:nvPr>
+            <p:ph type="sldNum" sz="quarter" idx="12"/>
+          </p:nvPr>
+        </p:nvSpPr>
+        <p:spPr/>
+        <p:txBody>
+          <a:bodyPr/>
+          <a:lstStyle/>
+          <a:p>
+            <a:fld id="{699B8134-69FD-EA40-9AD3-B0AFF1BD1285}" type="slidenum">
+              <a:rPr lang="en-US" smtClean="0"/>
+              <a:t>‹#›</a:t>
+            </a:fld>
+            <a:endParaRPr lang="en-US"/>
+          </a:p>
+        </p:txBody>
+      </p:sp>
+    </p:spTree>
+    <p:extLst>
+      <p:ext uri="{BB962C8B-B14F-4D97-AF65-F5344CB8AC3E}">
+        <p14:creationId xmlns:p14="http://schemas.microsoft.com/office/powerpoint/2010/main" val="893418001"/>
+      </p:ext>
+    </p:extLst>
+  </p:cSld>
+  <p:clrMapOvr>
+    <a:masterClrMapping/>
+  </p:clrMapOvr>
+</p:sldLayout>
+</file>
+
+<file path=ppt/slideLayouts/slideLayout15.xml><?xml version="1.0" encoding="utf-8"?>
 <p:sldLayout xmlns:a="http://schemas.openxmlformats.org/drawingml/2006/main" xmlns:r="http://schemas.openxmlformats.org/officeDocument/2006/relationships" xmlns:p="http://schemas.openxmlformats.org/presentationml/2006/main" type="vertTx" preserve="1">
   <p:cSld name="Title and Vertical Text">
     <p:spTree>
@@ -354,13 +3080,7 @@
       </p:grpSpPr>
       <p:sp>
         <p:nvSpPr>
-          <p:cNvPr id="2" name="Title 1">
-            <a:extLst>
-              <a:ext uri="{FF2B5EF4-FFF2-40B4-BE49-F238E27FC236}">
-                <a16:creationId xmlns:a16="http://schemas.microsoft.com/office/drawing/2014/main" id="{9813F76E-8267-2B45-AA97-B754AE3F3D58}"/>
-              </a:ext>
-            </a:extLst>
-          </p:cNvPr>
+          <p:cNvPr id="2" name="Title 1"/>
           <p:cNvSpPr>
             <a:spLocks noGrp="1"/>
           </p:cNvSpPr>
@@ -377,18 +3097,13 @@
               <a:rPr lang="en-US"/>
               <a:t>Click to edit Master title style</a:t>
             </a:r>
-          </a:p>
-        </p:txBody>
-      </p:sp>
-      <p:sp>
-        <p:nvSpPr>
-          <p:cNvPr id="3" name="Vertical Text Placeholder 2">
-            <a:extLst>
-              <a:ext uri="{FF2B5EF4-FFF2-40B4-BE49-F238E27FC236}">
-                <a16:creationId xmlns:a16="http://schemas.microsoft.com/office/drawing/2014/main" id="{78F92D0D-272B-0642-9097-908437FFA46D}"/>
-              </a:ext>
-            </a:extLst>
-          </p:cNvPr>
+            <a:endParaRPr lang="en-US" dirty="0"/>
+          </a:p>
+        </p:txBody>
+      </p:sp>
+      <p:sp>
+        <p:nvSpPr>
+          <p:cNvPr id="3" name="Vertical Text Placeholder 2"/>
           <p:cNvSpPr>
             <a:spLocks noGrp="1"/>
           </p:cNvSpPr>
@@ -434,18 +3149,13 @@
               <a:rPr lang="en-US"/>
               <a:t>Fifth level</a:t>
             </a:r>
-          </a:p>
-        </p:txBody>
-      </p:sp>
-      <p:sp>
-        <p:nvSpPr>
-          <p:cNvPr id="4" name="Date Placeholder 3">
-            <a:extLst>
-              <a:ext uri="{FF2B5EF4-FFF2-40B4-BE49-F238E27FC236}">
-                <a16:creationId xmlns:a16="http://schemas.microsoft.com/office/drawing/2014/main" id="{1A6A1D73-80A1-7842-9983-76A470851C39}"/>
-              </a:ext>
-            </a:extLst>
-          </p:cNvPr>
+            <a:endParaRPr lang="en-US" dirty="0"/>
+          </a:p>
+        </p:txBody>
+      </p:sp>
+      <p:sp>
+        <p:nvSpPr>
+          <p:cNvPr id="4" name="Date Placeholder 3"/>
           <p:cNvSpPr>
             <a:spLocks noGrp="1"/>
           </p:cNvSpPr>
@@ -460,7 +3170,7 @@
           <a:p>
             <a:fld id="{85B944F4-E588-A043-A758-57DBD1F647E3}" type="datetimeFigureOut">
               <a:rPr lang="en-US" smtClean="0"/>
-              <a:t>3/17/18</a:t>
+              <a:t>3/19/2018</a:t>
             </a:fld>
             <a:endParaRPr lang="en-US"/>
           </a:p>
@@ -468,13 +3178,7 @@
       </p:sp>
       <p:sp>
         <p:nvSpPr>
-          <p:cNvPr id="5" name="Footer Placeholder 4">
-            <a:extLst>
-              <a:ext uri="{FF2B5EF4-FFF2-40B4-BE49-F238E27FC236}">
-                <a16:creationId xmlns:a16="http://schemas.microsoft.com/office/drawing/2014/main" id="{CA3B0E8A-D2DD-2347-8A0D-905057ACE317}"/>
-              </a:ext>
-            </a:extLst>
-          </p:cNvPr>
+          <p:cNvPr id="5" name="Footer Placeholder 4"/>
           <p:cNvSpPr>
             <a:spLocks noGrp="1"/>
           </p:cNvSpPr>
@@ -493,13 +3197,7 @@
       </p:sp>
       <p:sp>
         <p:nvSpPr>
-          <p:cNvPr id="6" name="Slide Number Placeholder 5">
-            <a:extLst>
-              <a:ext uri="{FF2B5EF4-FFF2-40B4-BE49-F238E27FC236}">
-                <a16:creationId xmlns:a16="http://schemas.microsoft.com/office/drawing/2014/main" id="{0B43D456-30AC-A047-A509-2FFFE8D5F4A4}"/>
-              </a:ext>
-            </a:extLst>
-          </p:cNvPr>
+          <p:cNvPr id="6" name="Slide Number Placeholder 5"/>
           <p:cNvSpPr>
             <a:spLocks noGrp="1"/>
           </p:cNvSpPr>
@@ -523,7 +3221,7 @@
     </p:spTree>
     <p:extLst>
       <p:ext uri="{BB962C8B-B14F-4D97-AF65-F5344CB8AC3E}">
-        <p14:creationId xmlns:p14="http://schemas.microsoft.com/office/powerpoint/2010/main" val="1103535459"/>
+        <p14:creationId xmlns:p14="http://schemas.microsoft.com/office/powerpoint/2010/main" val="3056865224"/>
       </p:ext>
     </p:extLst>
   </p:cSld>
@@ -533,7 +3231,7 @@
 </p:sldLayout>
 </file>
 
-<file path=ppt/slideLayouts/slideLayout11.xml><?xml version="1.0" encoding="utf-8"?>
+<file path=ppt/slideLayouts/slideLayout16.xml><?xml version="1.0" encoding="utf-8"?>
 <p:sldLayout xmlns:a="http://schemas.openxmlformats.org/drawingml/2006/main" xmlns:r="http://schemas.openxmlformats.org/officeDocument/2006/relationships" xmlns:p="http://schemas.openxmlformats.org/presentationml/2006/main" type="vertTitleAndTx" preserve="1">
   <p:cSld name="Vertical Title and Text">
     <p:spTree>
@@ -552,13 +3250,7 @@
       </p:grpSpPr>
       <p:sp>
         <p:nvSpPr>
-          <p:cNvPr id="2" name="Vertical Title 1">
-            <a:extLst>
-              <a:ext uri="{FF2B5EF4-FFF2-40B4-BE49-F238E27FC236}">
-                <a16:creationId xmlns:a16="http://schemas.microsoft.com/office/drawing/2014/main" id="{2A58F3A0-5C1A-1C4A-8426-167BF05A25DF}"/>
-              </a:ext>
-            </a:extLst>
-          </p:cNvPr>
+          <p:cNvPr id="2" name="Vertical Title 1"/>
           <p:cNvSpPr>
             <a:spLocks noGrp="1"/>
           </p:cNvSpPr>
@@ -568,47 +3260,42 @@
         </p:nvSpPr>
         <p:spPr>
           <a:xfrm>
-            <a:off x="8724900" y="365125"/>
-            <a:ext cx="2628900" cy="5811838"/>
+            <a:off x="7967673" y="609599"/>
+            <a:ext cx="1304743" cy="5251451"/>
           </a:xfrm>
         </p:spPr>
         <p:txBody>
+          <a:bodyPr vert="eaVert" anchor="ctr"/>
+          <a:lstStyle/>
+          <a:p>
+            <a:r>
+              <a:rPr lang="en-US"/>
+              <a:t>Click to edit Master title style</a:t>
+            </a:r>
+            <a:endParaRPr lang="en-US" dirty="0"/>
+          </a:p>
+        </p:txBody>
+      </p:sp>
+      <p:sp>
+        <p:nvSpPr>
+          <p:cNvPr id="3" name="Vertical Text Placeholder 2"/>
+          <p:cNvSpPr>
+            <a:spLocks noGrp="1"/>
+          </p:cNvSpPr>
+          <p:nvPr>
+            <p:ph type="body" orient="vert" idx="1"/>
+          </p:nvPr>
+        </p:nvSpPr>
+        <p:spPr>
+          <a:xfrm>
+            <a:off x="677335" y="609600"/>
+            <a:ext cx="7060150" cy="5251450"/>
+          </a:xfrm>
+        </p:spPr>
+        <p:txBody>
           <a:bodyPr vert="eaVert"/>
           <a:lstStyle/>
           <a:p>
-            <a:r>
-              <a:rPr lang="en-US"/>
-              <a:t>Click to edit Master title style</a:t>
-            </a:r>
-          </a:p>
-        </p:txBody>
-      </p:sp>
-      <p:sp>
-        <p:nvSpPr>
-          <p:cNvPr id="3" name="Vertical Text Placeholder 2">
-            <a:extLst>
-              <a:ext uri="{FF2B5EF4-FFF2-40B4-BE49-F238E27FC236}">
-                <a16:creationId xmlns:a16="http://schemas.microsoft.com/office/drawing/2014/main" id="{2E656AC3-9E18-9449-AB09-8524D02D1448}"/>
-              </a:ext>
-            </a:extLst>
-          </p:cNvPr>
-          <p:cNvSpPr>
-            <a:spLocks noGrp="1"/>
-          </p:cNvSpPr>
-          <p:nvPr>
-            <p:ph type="body" orient="vert" idx="1"/>
-          </p:nvPr>
-        </p:nvSpPr>
-        <p:spPr>
-          <a:xfrm>
-            <a:off x="838200" y="365125"/>
-            <a:ext cx="7734300" cy="5811838"/>
-          </a:xfrm>
-        </p:spPr>
-        <p:txBody>
-          <a:bodyPr vert="eaVert"/>
-          <a:lstStyle/>
-          <a:p>
             <a:pPr lvl="0"/>
             <a:r>
               <a:rPr lang="en-US"/>
@@ -642,18 +3329,13 @@
               <a:rPr lang="en-US"/>
               <a:t>Fifth level</a:t>
             </a:r>
-          </a:p>
-        </p:txBody>
-      </p:sp>
-      <p:sp>
-        <p:nvSpPr>
-          <p:cNvPr id="4" name="Date Placeholder 3">
-            <a:extLst>
-              <a:ext uri="{FF2B5EF4-FFF2-40B4-BE49-F238E27FC236}">
-                <a16:creationId xmlns:a16="http://schemas.microsoft.com/office/drawing/2014/main" id="{DA37B01F-63F9-F742-A70F-1EA00D724FB5}"/>
-              </a:ext>
-            </a:extLst>
-          </p:cNvPr>
+            <a:endParaRPr lang="en-US" dirty="0"/>
+          </a:p>
+        </p:txBody>
+      </p:sp>
+      <p:sp>
+        <p:nvSpPr>
+          <p:cNvPr id="4" name="Date Placeholder 3"/>
           <p:cNvSpPr>
             <a:spLocks noGrp="1"/>
           </p:cNvSpPr>
@@ -668,7 +3350,7 @@
           <a:p>
             <a:fld id="{85B944F4-E588-A043-A758-57DBD1F647E3}" type="datetimeFigureOut">
               <a:rPr lang="en-US" smtClean="0"/>
-              <a:t>3/17/18</a:t>
+              <a:t>3/19/2018</a:t>
             </a:fld>
             <a:endParaRPr lang="en-US"/>
           </a:p>
@@ -676,13 +3358,7 @@
       </p:sp>
       <p:sp>
         <p:nvSpPr>
-          <p:cNvPr id="5" name="Footer Placeholder 4">
-            <a:extLst>
-              <a:ext uri="{FF2B5EF4-FFF2-40B4-BE49-F238E27FC236}">
-                <a16:creationId xmlns:a16="http://schemas.microsoft.com/office/drawing/2014/main" id="{AA10F46D-BEC5-9346-AD3A-4E820916BA39}"/>
-              </a:ext>
-            </a:extLst>
-          </p:cNvPr>
+          <p:cNvPr id="5" name="Footer Placeholder 4"/>
           <p:cNvSpPr>
             <a:spLocks noGrp="1"/>
           </p:cNvSpPr>
@@ -701,13 +3377,7 @@
       </p:sp>
       <p:sp>
         <p:nvSpPr>
-          <p:cNvPr id="6" name="Slide Number Placeholder 5">
-            <a:extLst>
-              <a:ext uri="{FF2B5EF4-FFF2-40B4-BE49-F238E27FC236}">
-                <a16:creationId xmlns:a16="http://schemas.microsoft.com/office/drawing/2014/main" id="{CD4FD3BF-DAED-2948-988B-D0BC18464E90}"/>
-              </a:ext>
-            </a:extLst>
-          </p:cNvPr>
+          <p:cNvPr id="6" name="Slide Number Placeholder 5"/>
           <p:cNvSpPr>
             <a:spLocks noGrp="1"/>
           </p:cNvSpPr>
@@ -731,7 +3401,7 @@
     </p:spTree>
     <p:extLst>
       <p:ext uri="{BB962C8B-B14F-4D97-AF65-F5344CB8AC3E}">
-        <p14:creationId xmlns:p14="http://schemas.microsoft.com/office/powerpoint/2010/main" val="3342365468"/>
+        <p14:creationId xmlns:p14="http://schemas.microsoft.com/office/powerpoint/2010/main" val="256678330"/>
       </p:ext>
     </p:extLst>
   </p:cSld>
@@ -760,18 +3430,41 @@
       </p:grpSpPr>
       <p:sp>
         <p:nvSpPr>
-          <p:cNvPr id="2" name="Title 1">
-            <a:extLst>
-              <a:ext uri="{FF2B5EF4-FFF2-40B4-BE49-F238E27FC236}">
-                <a16:creationId xmlns:a16="http://schemas.microsoft.com/office/drawing/2014/main" id="{1157A222-05D7-1147-B756-6BE06C25A73F}"/>
-              </a:ext>
-            </a:extLst>
-          </p:cNvPr>
+          <p:cNvPr id="2" name="Title 1"/>
           <p:cNvSpPr>
             <a:spLocks noGrp="1"/>
           </p:cNvSpPr>
           <p:nvPr>
             <p:ph type="title"/>
+          </p:nvPr>
+        </p:nvSpPr>
+        <p:spPr/>
+        <p:txBody>
+          <a:bodyPr>
+            <a:normAutofit/>
+          </a:bodyPr>
+          <a:lstStyle>
+            <a:lvl1pPr>
+              <a:defRPr sz="3600"/>
+            </a:lvl1pPr>
+          </a:lstStyle>
+          <a:p>
+            <a:r>
+              <a:rPr lang="en-US"/>
+              <a:t>Click to edit Master title style</a:t>
+            </a:r>
+            <a:endParaRPr lang="en-US" dirty="0"/>
+          </a:p>
+        </p:txBody>
+      </p:sp>
+      <p:sp>
+        <p:nvSpPr>
+          <p:cNvPr id="3" name="Content Placeholder 2"/>
+          <p:cNvSpPr>
+            <a:spLocks noGrp="1"/>
+          </p:cNvSpPr>
+          <p:nvPr>
+            <p:ph idx="1"/>
           </p:nvPr>
         </p:nvSpPr>
         <p:spPr/>
@@ -779,27 +3472,51 @@
           <a:bodyPr/>
           <a:lstStyle/>
           <a:p>
+            <a:pPr lvl="0"/>
             <a:r>
               <a:rPr lang="en-US"/>
-              <a:t>Click to edit Master title style</a:t>
-            </a:r>
-          </a:p>
-        </p:txBody>
-      </p:sp>
-      <p:sp>
-        <p:nvSpPr>
-          <p:cNvPr id="3" name="Content Placeholder 2">
-            <a:extLst>
-              <a:ext uri="{FF2B5EF4-FFF2-40B4-BE49-F238E27FC236}">
-                <a16:creationId xmlns:a16="http://schemas.microsoft.com/office/drawing/2014/main" id="{8BA55DF6-59C7-2142-A179-C71629404EE8}"/>
-              </a:ext>
-            </a:extLst>
-          </p:cNvPr>
-          <p:cNvSpPr>
-            <a:spLocks noGrp="1"/>
-          </p:cNvSpPr>
-          <p:nvPr>
-            <p:ph idx="1"/>
+              <a:t>Edit Master text styles</a:t>
+            </a:r>
+          </a:p>
+          <a:p>
+            <a:pPr lvl="1"/>
+            <a:r>
+              <a:rPr lang="en-US"/>
+              <a:t>Second level</a:t>
+            </a:r>
+          </a:p>
+          <a:p>
+            <a:pPr lvl="2"/>
+            <a:r>
+              <a:rPr lang="en-US"/>
+              <a:t>Third level</a:t>
+            </a:r>
+          </a:p>
+          <a:p>
+            <a:pPr lvl="3"/>
+            <a:r>
+              <a:rPr lang="en-US"/>
+              <a:t>Fourth level</a:t>
+            </a:r>
+          </a:p>
+          <a:p>
+            <a:pPr lvl="4"/>
+            <a:r>
+              <a:rPr lang="en-US"/>
+              <a:t>Fifth level</a:t>
+            </a:r>
+            <a:endParaRPr lang="en-US" dirty="0"/>
+          </a:p>
+        </p:txBody>
+      </p:sp>
+      <p:sp>
+        <p:nvSpPr>
+          <p:cNvPr id="4" name="Date Placeholder 3"/>
+          <p:cNvSpPr>
+            <a:spLocks noGrp="1"/>
+          </p:cNvSpPr>
+          <p:nvPr>
+            <p:ph type="dt" sz="half" idx="10"/>
           </p:nvPr>
         </p:nvSpPr>
         <p:spPr/>
@@ -807,56 +3524,22 @@
           <a:bodyPr/>
           <a:lstStyle/>
           <a:p>
-            <a:pPr lvl="0"/>
-            <a:r>
-              <a:rPr lang="en-US"/>
-              <a:t>Edit Master text styles</a:t>
-            </a:r>
-          </a:p>
-          <a:p>
-            <a:pPr lvl="1"/>
-            <a:r>
-              <a:rPr lang="en-US"/>
-              <a:t>Second level</a:t>
-            </a:r>
-          </a:p>
-          <a:p>
-            <a:pPr lvl="2"/>
-            <a:r>
-              <a:rPr lang="en-US"/>
-              <a:t>Third level</a:t>
-            </a:r>
-          </a:p>
-          <a:p>
-            <a:pPr lvl="3"/>
-            <a:r>
-              <a:rPr lang="en-US"/>
-              <a:t>Fourth level</a:t>
-            </a:r>
-          </a:p>
-          <a:p>
-            <a:pPr lvl="4"/>
-            <a:r>
-              <a:rPr lang="en-US"/>
-              <a:t>Fifth level</a:t>
-            </a:r>
-          </a:p>
-        </p:txBody>
-      </p:sp>
-      <p:sp>
-        <p:nvSpPr>
-          <p:cNvPr id="4" name="Date Placeholder 3">
-            <a:extLst>
-              <a:ext uri="{FF2B5EF4-FFF2-40B4-BE49-F238E27FC236}">
-                <a16:creationId xmlns:a16="http://schemas.microsoft.com/office/drawing/2014/main" id="{4971D635-90FC-9A43-8437-E0BE6DEBAE7C}"/>
-              </a:ext>
-            </a:extLst>
-          </p:cNvPr>
-          <p:cNvSpPr>
-            <a:spLocks noGrp="1"/>
-          </p:cNvSpPr>
-          <p:nvPr>
-            <p:ph type="dt" sz="half" idx="10"/>
+            <a:fld id="{85B944F4-E588-A043-A758-57DBD1F647E3}" type="datetimeFigureOut">
+              <a:rPr lang="en-US" smtClean="0"/>
+              <a:t>3/19/2018</a:t>
+            </a:fld>
+            <a:endParaRPr lang="en-US"/>
+          </a:p>
+        </p:txBody>
+      </p:sp>
+      <p:sp>
+        <p:nvSpPr>
+          <p:cNvPr id="5" name="Footer Placeholder 4"/>
+          <p:cNvSpPr>
+            <a:spLocks noGrp="1"/>
+          </p:cNvSpPr>
+          <p:nvPr>
+            <p:ph type="ftr" sz="quarter" idx="11"/>
           </p:nvPr>
         </p:nvSpPr>
         <p:spPr/>
@@ -864,48 +3547,13 @@
           <a:bodyPr/>
           <a:lstStyle/>
           <a:p>
-            <a:fld id="{85B944F4-E588-A043-A758-57DBD1F647E3}" type="datetimeFigureOut">
-              <a:rPr lang="en-US" smtClean="0"/>
-              <a:t>3/17/18</a:t>
-            </a:fld>
             <a:endParaRPr lang="en-US"/>
           </a:p>
         </p:txBody>
       </p:sp>
       <p:sp>
         <p:nvSpPr>
-          <p:cNvPr id="5" name="Footer Placeholder 4">
-            <a:extLst>
-              <a:ext uri="{FF2B5EF4-FFF2-40B4-BE49-F238E27FC236}">
-                <a16:creationId xmlns:a16="http://schemas.microsoft.com/office/drawing/2014/main" id="{4114E3CD-1BD8-5F4C-A171-750E205AAA05}"/>
-              </a:ext>
-            </a:extLst>
-          </p:cNvPr>
-          <p:cNvSpPr>
-            <a:spLocks noGrp="1"/>
-          </p:cNvSpPr>
-          <p:nvPr>
-            <p:ph type="ftr" sz="quarter" idx="11"/>
-          </p:nvPr>
-        </p:nvSpPr>
-        <p:spPr/>
-        <p:txBody>
-          <a:bodyPr/>
-          <a:lstStyle/>
-          <a:p>
-            <a:endParaRPr lang="en-US"/>
-          </a:p>
-        </p:txBody>
-      </p:sp>
-      <p:sp>
-        <p:nvSpPr>
-          <p:cNvPr id="6" name="Slide Number Placeholder 5">
-            <a:extLst>
-              <a:ext uri="{FF2B5EF4-FFF2-40B4-BE49-F238E27FC236}">
-                <a16:creationId xmlns:a16="http://schemas.microsoft.com/office/drawing/2014/main" id="{343CC96C-1D9F-004B-B710-7545EC99FC12}"/>
-              </a:ext>
-            </a:extLst>
-          </p:cNvPr>
+          <p:cNvPr id="6" name="Slide Number Placeholder 5"/>
           <p:cNvSpPr>
             <a:spLocks noGrp="1"/>
           </p:cNvSpPr>
@@ -929,7 +3577,7 @@
     </p:spTree>
     <p:extLst>
       <p:ext uri="{BB962C8B-B14F-4D97-AF65-F5344CB8AC3E}">
-        <p14:creationId xmlns:p14="http://schemas.microsoft.com/office/powerpoint/2010/main" val="2210847427"/>
+        <p14:creationId xmlns:p14="http://schemas.microsoft.com/office/powerpoint/2010/main" val="2507265420"/>
       </p:ext>
     </p:extLst>
   </p:cSld>
@@ -958,13 +3606,7 @@
       </p:grpSpPr>
       <p:sp>
         <p:nvSpPr>
-          <p:cNvPr id="2" name="Title 1">
-            <a:extLst>
-              <a:ext uri="{FF2B5EF4-FFF2-40B4-BE49-F238E27FC236}">
-                <a16:creationId xmlns:a16="http://schemas.microsoft.com/office/drawing/2014/main" id="{E65E27BC-257B-8444-9EA3-3644DDDF2387}"/>
-              </a:ext>
-            </a:extLst>
-          </p:cNvPr>
+          <p:cNvPr id="2" name="Title 1"/>
           <p:cNvSpPr>
             <a:spLocks noGrp="1"/>
           </p:cNvSpPr>
@@ -974,15 +3616,15 @@
         </p:nvSpPr>
         <p:spPr>
           <a:xfrm>
-            <a:off x="831850" y="1709738"/>
-            <a:ext cx="10515600" cy="2852737"/>
+            <a:off x="677335" y="2700867"/>
+            <a:ext cx="8596668" cy="1826581"/>
           </a:xfrm>
         </p:spPr>
         <p:txBody>
           <a:bodyPr anchor="b"/>
           <a:lstStyle>
-            <a:lvl1pPr>
-              <a:defRPr sz="6000"/>
+            <a:lvl1pPr algn="l">
+              <a:defRPr sz="4000" b="0" cap="none"/>
             </a:lvl1pPr>
           </a:lstStyle>
           <a:p>
@@ -990,18 +3632,13 @@
               <a:rPr lang="en-US"/>
               <a:t>Click to edit Master title style</a:t>
             </a:r>
-          </a:p>
-        </p:txBody>
-      </p:sp>
-      <p:sp>
-        <p:nvSpPr>
-          <p:cNvPr id="3" name="Text Placeholder 2">
-            <a:extLst>
-              <a:ext uri="{FF2B5EF4-FFF2-40B4-BE49-F238E27FC236}">
-                <a16:creationId xmlns:a16="http://schemas.microsoft.com/office/drawing/2014/main" id="{E369AF9F-3C25-1A48-BFD1-AA5812BA0021}"/>
-              </a:ext>
-            </a:extLst>
-          </p:cNvPr>
+            <a:endParaRPr lang="en-US" dirty="0"/>
+          </a:p>
+        </p:txBody>
+      </p:sp>
+      <p:sp>
+        <p:nvSpPr>
+          <p:cNvPr id="3" name="Text Placeholder 2"/>
           <p:cNvSpPr>
             <a:spLocks noGrp="1"/>
           </p:cNvSpPr>
@@ -1011,26 +3648,27 @@
         </p:nvSpPr>
         <p:spPr>
           <a:xfrm>
-            <a:off x="831850" y="4589463"/>
-            <a:ext cx="10515600" cy="1500187"/>
+            <a:off x="677335" y="4527448"/>
+            <a:ext cx="8596668" cy="860400"/>
           </a:xfrm>
         </p:spPr>
         <p:txBody>
-          <a:bodyPr/>
+          <a:bodyPr anchor="t"/>
           <a:lstStyle>
-            <a:lvl1pPr marL="0" indent="0">
-              <a:buNone/>
-              <a:defRPr sz="2400">
+            <a:lvl1pPr marL="0" indent="0" algn="l">
+              <a:buNone/>
+              <a:defRPr sz="2000">
                 <a:solidFill>
                   <a:schemeClr val="tx1">
-                    <a:tint val="75000"/>
+                    <a:lumMod val="50000"/>
+                    <a:lumOff val="50000"/>
                   </a:schemeClr>
                 </a:solidFill>
               </a:defRPr>
             </a:lvl1pPr>
             <a:lvl2pPr marL="457200" indent="0">
               <a:buNone/>
-              <a:defRPr sz="2000">
+              <a:defRPr sz="1800">
                 <a:solidFill>
                   <a:schemeClr val="tx1">
                     <a:tint val="75000"/>
@@ -1040,7 +3678,7 @@
             </a:lvl2pPr>
             <a:lvl3pPr marL="914400" indent="0">
               <a:buNone/>
-              <a:defRPr sz="1800">
+              <a:defRPr sz="1600">
                 <a:solidFill>
                   <a:schemeClr val="tx1">
                     <a:tint val="75000"/>
@@ -1050,7 +3688,7 @@
             </a:lvl3pPr>
             <a:lvl4pPr marL="1371600" indent="0">
               <a:buNone/>
-              <a:defRPr sz="1600">
+              <a:defRPr sz="1400">
                 <a:solidFill>
                   <a:schemeClr val="tx1">
                     <a:tint val="75000"/>
@@ -1060,7 +3698,7 @@
             </a:lvl4pPr>
             <a:lvl5pPr marL="1828800" indent="0">
               <a:buNone/>
-              <a:defRPr sz="1600">
+              <a:defRPr sz="1400">
                 <a:solidFill>
                   <a:schemeClr val="tx1">
                     <a:tint val="75000"/>
@@ -1070,7 +3708,7 @@
             </a:lvl5pPr>
             <a:lvl6pPr marL="2286000" indent="0">
               <a:buNone/>
-              <a:defRPr sz="1600">
+              <a:defRPr sz="1400">
                 <a:solidFill>
                   <a:schemeClr val="tx1">
                     <a:tint val="75000"/>
@@ -1080,7 +3718,7 @@
             </a:lvl6pPr>
             <a:lvl7pPr marL="2743200" indent="0">
               <a:buNone/>
-              <a:defRPr sz="1600">
+              <a:defRPr sz="1400">
                 <a:solidFill>
                   <a:schemeClr val="tx1">
                     <a:tint val="75000"/>
@@ -1090,7 +3728,7 @@
             </a:lvl7pPr>
             <a:lvl8pPr marL="3200400" indent="0">
               <a:buNone/>
-              <a:defRPr sz="1600">
+              <a:defRPr sz="1400">
                 <a:solidFill>
                   <a:schemeClr val="tx1">
                     <a:tint val="75000"/>
@@ -1100,7 +3738,7 @@
             </a:lvl8pPr>
             <a:lvl9pPr marL="3657600" indent="0">
               <a:buNone/>
-              <a:defRPr sz="1600">
+              <a:defRPr sz="1400">
                 <a:solidFill>
                   <a:schemeClr val="tx1">
                     <a:tint val="75000"/>
@@ -1120,13 +3758,7 @@
       </p:sp>
       <p:sp>
         <p:nvSpPr>
-          <p:cNvPr id="4" name="Date Placeholder 3">
-            <a:extLst>
-              <a:ext uri="{FF2B5EF4-FFF2-40B4-BE49-F238E27FC236}">
-                <a16:creationId xmlns:a16="http://schemas.microsoft.com/office/drawing/2014/main" id="{88CC686B-41B3-AB41-BD30-727A0C84CE7C}"/>
-              </a:ext>
-            </a:extLst>
-          </p:cNvPr>
+          <p:cNvPr id="4" name="Date Placeholder 3"/>
           <p:cNvSpPr>
             <a:spLocks noGrp="1"/>
           </p:cNvSpPr>
@@ -1141,7 +3773,7 @@
           <a:p>
             <a:fld id="{85B944F4-E588-A043-A758-57DBD1F647E3}" type="datetimeFigureOut">
               <a:rPr lang="en-US" smtClean="0"/>
-              <a:t>3/17/18</a:t>
+              <a:t>3/19/2018</a:t>
             </a:fld>
             <a:endParaRPr lang="en-US"/>
           </a:p>
@@ -1149,13 +3781,7 @@
       </p:sp>
       <p:sp>
         <p:nvSpPr>
-          <p:cNvPr id="5" name="Footer Placeholder 4">
-            <a:extLst>
-              <a:ext uri="{FF2B5EF4-FFF2-40B4-BE49-F238E27FC236}">
-                <a16:creationId xmlns:a16="http://schemas.microsoft.com/office/drawing/2014/main" id="{D633EEA1-C307-564B-B738-A373ADA955C9}"/>
-              </a:ext>
-            </a:extLst>
-          </p:cNvPr>
+          <p:cNvPr id="5" name="Footer Placeholder 4"/>
           <p:cNvSpPr>
             <a:spLocks noGrp="1"/>
           </p:cNvSpPr>
@@ -1174,13 +3800,7 @@
       </p:sp>
       <p:sp>
         <p:nvSpPr>
-          <p:cNvPr id="6" name="Slide Number Placeholder 5">
-            <a:extLst>
-              <a:ext uri="{FF2B5EF4-FFF2-40B4-BE49-F238E27FC236}">
-                <a16:creationId xmlns:a16="http://schemas.microsoft.com/office/drawing/2014/main" id="{15C16119-77F8-354B-9EC3-27C788FDDB61}"/>
-              </a:ext>
-            </a:extLst>
-          </p:cNvPr>
+          <p:cNvPr id="6" name="Slide Number Placeholder 5"/>
           <p:cNvSpPr>
             <a:spLocks noGrp="1"/>
           </p:cNvSpPr>
@@ -1204,7 +3824,7 @@
     </p:spTree>
     <p:extLst>
       <p:ext uri="{BB962C8B-B14F-4D97-AF65-F5344CB8AC3E}">
-        <p14:creationId xmlns:p14="http://schemas.microsoft.com/office/powerpoint/2010/main" val="571828820"/>
+        <p14:creationId xmlns:p14="http://schemas.microsoft.com/office/powerpoint/2010/main" val="208339380"/>
       </p:ext>
     </p:extLst>
   </p:cSld>
@@ -1233,13 +3853,7 @@
       </p:grpSpPr>
       <p:sp>
         <p:nvSpPr>
-          <p:cNvPr id="2" name="Title 1">
-            <a:extLst>
-              <a:ext uri="{FF2B5EF4-FFF2-40B4-BE49-F238E27FC236}">
-                <a16:creationId xmlns:a16="http://schemas.microsoft.com/office/drawing/2014/main" id="{17D1197A-B344-A040-A77A-BCCEA954618B}"/>
-              </a:ext>
-            </a:extLst>
-          </p:cNvPr>
+          <p:cNvPr id="2" name="Title 1"/>
           <p:cNvSpPr>
             <a:spLocks noGrp="1"/>
           </p:cNvSpPr>
@@ -1256,18 +3870,13 @@
               <a:rPr lang="en-US"/>
               <a:t>Click to edit Master title style</a:t>
             </a:r>
-          </a:p>
-        </p:txBody>
-      </p:sp>
-      <p:sp>
-        <p:nvSpPr>
-          <p:cNvPr id="3" name="Content Placeholder 2">
-            <a:extLst>
-              <a:ext uri="{FF2B5EF4-FFF2-40B4-BE49-F238E27FC236}">
-                <a16:creationId xmlns:a16="http://schemas.microsoft.com/office/drawing/2014/main" id="{D1E804BD-0F52-6E4A-A815-0591B09D3787}"/>
-              </a:ext>
-            </a:extLst>
-          </p:cNvPr>
+            <a:endParaRPr lang="en-US" dirty="0"/>
+          </a:p>
+        </p:txBody>
+      </p:sp>
+      <p:sp>
+        <p:nvSpPr>
+          <p:cNvPr id="3" name="Content Placeholder 2"/>
           <p:cNvSpPr>
             <a:spLocks noGrp="1"/>
           </p:cNvSpPr>
@@ -1277,8 +3886,8 @@
         </p:nvSpPr>
         <p:spPr>
           <a:xfrm>
-            <a:off x="838200" y="1825625"/>
-            <a:ext cx="5181600" cy="4351338"/>
+            <a:off x="677334" y="2160589"/>
+            <a:ext cx="4184035" cy="3880772"/>
           </a:xfrm>
         </p:spPr>
         <p:txBody>
@@ -1318,18 +3927,13 @@
               <a:rPr lang="en-US"/>
               <a:t>Fifth level</a:t>
             </a:r>
-          </a:p>
-        </p:txBody>
-      </p:sp>
-      <p:sp>
-        <p:nvSpPr>
-          <p:cNvPr id="4" name="Content Placeholder 3">
-            <a:extLst>
-              <a:ext uri="{FF2B5EF4-FFF2-40B4-BE49-F238E27FC236}">
-                <a16:creationId xmlns:a16="http://schemas.microsoft.com/office/drawing/2014/main" id="{DF955E93-7559-AE4D-BF5B-7F56266E8C41}"/>
-              </a:ext>
-            </a:extLst>
-          </p:cNvPr>
+            <a:endParaRPr lang="en-US" dirty="0"/>
+          </a:p>
+        </p:txBody>
+      </p:sp>
+      <p:sp>
+        <p:nvSpPr>
+          <p:cNvPr id="4" name="Content Placeholder 3"/>
           <p:cNvSpPr>
             <a:spLocks noGrp="1"/>
           </p:cNvSpPr>
@@ -1339,8 +3943,8 @@
         </p:nvSpPr>
         <p:spPr>
           <a:xfrm>
-            <a:off x="6172200" y="1825625"/>
-            <a:ext cx="5181600" cy="4351338"/>
+            <a:off x="5089970" y="2160589"/>
+            <a:ext cx="4184034" cy="3880773"/>
           </a:xfrm>
         </p:spPr>
         <p:txBody>
@@ -1380,18 +3984,13 @@
               <a:rPr lang="en-US"/>
               <a:t>Fifth level</a:t>
             </a:r>
-          </a:p>
-        </p:txBody>
-      </p:sp>
-      <p:sp>
-        <p:nvSpPr>
-          <p:cNvPr id="5" name="Date Placeholder 4">
-            <a:extLst>
-              <a:ext uri="{FF2B5EF4-FFF2-40B4-BE49-F238E27FC236}">
-                <a16:creationId xmlns:a16="http://schemas.microsoft.com/office/drawing/2014/main" id="{3FE0634B-E064-AC4D-AE8E-7F171BAC4332}"/>
-              </a:ext>
-            </a:extLst>
-          </p:cNvPr>
+            <a:endParaRPr lang="en-US" dirty="0"/>
+          </a:p>
+        </p:txBody>
+      </p:sp>
+      <p:sp>
+        <p:nvSpPr>
+          <p:cNvPr id="5" name="Date Placeholder 4"/>
           <p:cNvSpPr>
             <a:spLocks noGrp="1"/>
           </p:cNvSpPr>
@@ -1406,7 +4005,7 @@
           <a:p>
             <a:fld id="{85B944F4-E588-A043-A758-57DBD1F647E3}" type="datetimeFigureOut">
               <a:rPr lang="en-US" smtClean="0"/>
-              <a:t>3/17/18</a:t>
+              <a:t>3/19/2018</a:t>
             </a:fld>
             <a:endParaRPr lang="en-US"/>
           </a:p>
@@ -1414,13 +4013,7 @@
       </p:sp>
       <p:sp>
         <p:nvSpPr>
-          <p:cNvPr id="6" name="Footer Placeholder 5">
-            <a:extLst>
-              <a:ext uri="{FF2B5EF4-FFF2-40B4-BE49-F238E27FC236}">
-                <a16:creationId xmlns:a16="http://schemas.microsoft.com/office/drawing/2014/main" id="{EF0B6889-F79D-424F-A522-3B5E3B9EB9F2}"/>
-              </a:ext>
-            </a:extLst>
-          </p:cNvPr>
+          <p:cNvPr id="6" name="Footer Placeholder 5"/>
           <p:cNvSpPr>
             <a:spLocks noGrp="1"/>
           </p:cNvSpPr>
@@ -1439,13 +4032,7 @@
       </p:sp>
       <p:sp>
         <p:nvSpPr>
-          <p:cNvPr id="7" name="Slide Number Placeholder 6">
-            <a:extLst>
-              <a:ext uri="{FF2B5EF4-FFF2-40B4-BE49-F238E27FC236}">
-                <a16:creationId xmlns:a16="http://schemas.microsoft.com/office/drawing/2014/main" id="{80F5090E-A180-AE46-A025-71636555E199}"/>
-              </a:ext>
-            </a:extLst>
-          </p:cNvPr>
+          <p:cNvPr id="7" name="Slide Number Placeholder 6"/>
           <p:cNvSpPr>
             <a:spLocks noGrp="1"/>
           </p:cNvSpPr>
@@ -1469,7 +4056,7 @@
     </p:spTree>
     <p:extLst>
       <p:ext uri="{BB962C8B-B14F-4D97-AF65-F5344CB8AC3E}">
-        <p14:creationId xmlns:p14="http://schemas.microsoft.com/office/powerpoint/2010/main" val="879921128"/>
+        <p14:creationId xmlns:p14="http://schemas.microsoft.com/office/powerpoint/2010/main" val="3831542271"/>
       </p:ext>
     </p:extLst>
   </p:cSld>
@@ -1498,65 +4085,55 @@
       </p:grpSpPr>
       <p:sp>
         <p:nvSpPr>
-          <p:cNvPr id="2" name="Title 1">
-            <a:extLst>
-              <a:ext uri="{FF2B5EF4-FFF2-40B4-BE49-F238E27FC236}">
-                <a16:creationId xmlns:a16="http://schemas.microsoft.com/office/drawing/2014/main" id="{80D6AB5E-8ACA-E843-A5D8-D382F43DDF6B}"/>
-              </a:ext>
-            </a:extLst>
-          </p:cNvPr>
+          <p:cNvPr id="2" name="Title 1"/>
           <p:cNvSpPr>
             <a:spLocks noGrp="1"/>
           </p:cNvSpPr>
           <p:nvPr>
             <p:ph type="title"/>
+          </p:nvPr>
+        </p:nvSpPr>
+        <p:spPr/>
+        <p:txBody>
+          <a:bodyPr/>
+          <a:lstStyle>
+            <a:lvl1pPr>
+              <a:defRPr/>
+            </a:lvl1pPr>
+          </a:lstStyle>
+          <a:p>
+            <a:r>
+              <a:rPr lang="en-US"/>
+              <a:t>Click to edit Master title style</a:t>
+            </a:r>
+            <a:endParaRPr lang="en-US" dirty="0"/>
+          </a:p>
+        </p:txBody>
+      </p:sp>
+      <p:sp>
+        <p:nvSpPr>
+          <p:cNvPr id="3" name="Text Placeholder 2"/>
+          <p:cNvSpPr>
+            <a:spLocks noGrp="1"/>
+          </p:cNvSpPr>
+          <p:nvPr>
+            <p:ph type="body" idx="1"/>
           </p:nvPr>
         </p:nvSpPr>
         <p:spPr>
           <a:xfrm>
-            <a:off x="839788" y="365125"/>
-            <a:ext cx="10515600" cy="1325563"/>
+            <a:off x="675745" y="2160983"/>
+            <a:ext cx="4185623" cy="576262"/>
           </a:xfrm>
         </p:spPr>
         <p:txBody>
-          <a:bodyPr/>
-          <a:lstStyle/>
-          <a:p>
-            <a:r>
-              <a:rPr lang="en-US"/>
-              <a:t>Click to edit Master title style</a:t>
-            </a:r>
-          </a:p>
-        </p:txBody>
-      </p:sp>
-      <p:sp>
-        <p:nvSpPr>
-          <p:cNvPr id="3" name="Text Placeholder 2">
-            <a:extLst>
-              <a:ext uri="{FF2B5EF4-FFF2-40B4-BE49-F238E27FC236}">
-                <a16:creationId xmlns:a16="http://schemas.microsoft.com/office/drawing/2014/main" id="{E7A76759-AF31-AD48-ABA8-5A21E3991195}"/>
-              </a:ext>
-            </a:extLst>
-          </p:cNvPr>
-          <p:cNvSpPr>
-            <a:spLocks noGrp="1"/>
-          </p:cNvSpPr>
-          <p:nvPr>
-            <p:ph type="body" idx="1"/>
-          </p:nvPr>
-        </p:nvSpPr>
-        <p:spPr>
-          <a:xfrm>
-            <a:off x="839788" y="1681163"/>
-            <a:ext cx="5157787" cy="823912"/>
-          </a:xfrm>
-        </p:spPr>
-        <p:txBody>
-          <a:bodyPr anchor="b"/>
+          <a:bodyPr anchor="b">
+            <a:noAutofit/>
+          </a:bodyPr>
           <a:lstStyle>
             <a:lvl1pPr marL="0" indent="0">
               <a:buNone/>
-              <a:defRPr sz="2400" b="1"/>
+              <a:defRPr sz="2400" b="0"/>
             </a:lvl1pPr>
             <a:lvl2pPr marL="457200" indent="0">
               <a:buNone/>
@@ -1602,13 +4179,7 @@
       </p:sp>
       <p:sp>
         <p:nvSpPr>
-          <p:cNvPr id="4" name="Content Placeholder 3">
-            <a:extLst>
-              <a:ext uri="{FF2B5EF4-FFF2-40B4-BE49-F238E27FC236}">
-                <a16:creationId xmlns:a16="http://schemas.microsoft.com/office/drawing/2014/main" id="{50D7D4AE-1767-FC4D-A683-2099C20CA129}"/>
-              </a:ext>
-            </a:extLst>
-          </p:cNvPr>
+          <p:cNvPr id="4" name="Content Placeholder 3"/>
           <p:cNvSpPr>
             <a:spLocks noGrp="1"/>
           </p:cNvSpPr>
@@ -1618,12 +4189,14 @@
         </p:nvSpPr>
         <p:spPr>
           <a:xfrm>
-            <a:off x="839788" y="2505075"/>
-            <a:ext cx="5157787" cy="3684588"/>
+            <a:off x="675745" y="2737245"/>
+            <a:ext cx="4185623" cy="3304117"/>
           </a:xfrm>
         </p:spPr>
         <p:txBody>
-          <a:bodyPr/>
+          <a:bodyPr>
+            <a:normAutofit/>
+          </a:bodyPr>
           <a:lstStyle/>
           <a:p>
             <a:pPr lvl="0"/>
@@ -1659,18 +4232,13 @@
               <a:rPr lang="en-US"/>
               <a:t>Fifth level</a:t>
             </a:r>
-          </a:p>
-        </p:txBody>
-      </p:sp>
-      <p:sp>
-        <p:nvSpPr>
-          <p:cNvPr id="5" name="Text Placeholder 4">
-            <a:extLst>
-              <a:ext uri="{FF2B5EF4-FFF2-40B4-BE49-F238E27FC236}">
-                <a16:creationId xmlns:a16="http://schemas.microsoft.com/office/drawing/2014/main" id="{2322AE7E-65E6-9249-903E-239DFEC36EF4}"/>
-              </a:ext>
-            </a:extLst>
-          </p:cNvPr>
+            <a:endParaRPr lang="en-US" dirty="0"/>
+          </a:p>
+        </p:txBody>
+      </p:sp>
+      <p:sp>
+        <p:nvSpPr>
+          <p:cNvPr id="5" name="Text Placeholder 4"/>
           <p:cNvSpPr>
             <a:spLocks noGrp="1"/>
           </p:cNvSpPr>
@@ -1680,16 +4248,18 @@
         </p:nvSpPr>
         <p:spPr>
           <a:xfrm>
-            <a:off x="6172200" y="1681163"/>
-            <a:ext cx="5183188" cy="823912"/>
+            <a:off x="5088383" y="2160983"/>
+            <a:ext cx="4185618" cy="576262"/>
           </a:xfrm>
         </p:spPr>
         <p:txBody>
-          <a:bodyPr anchor="b"/>
+          <a:bodyPr anchor="b">
+            <a:noAutofit/>
+          </a:bodyPr>
           <a:lstStyle>
             <a:lvl1pPr marL="0" indent="0">
               <a:buNone/>
-              <a:defRPr sz="2400" b="1"/>
+              <a:defRPr sz="2400" b="0"/>
             </a:lvl1pPr>
             <a:lvl2pPr marL="457200" indent="0">
               <a:buNone/>
@@ -1735,13 +4305,7 @@
       </p:sp>
       <p:sp>
         <p:nvSpPr>
-          <p:cNvPr id="6" name="Content Placeholder 5">
-            <a:extLst>
-              <a:ext uri="{FF2B5EF4-FFF2-40B4-BE49-F238E27FC236}">
-                <a16:creationId xmlns:a16="http://schemas.microsoft.com/office/drawing/2014/main" id="{2BBE6AA6-E0DA-1B4C-B308-65B51838FC56}"/>
-              </a:ext>
-            </a:extLst>
-          </p:cNvPr>
+          <p:cNvPr id="6" name="Content Placeholder 5"/>
           <p:cNvSpPr>
             <a:spLocks noGrp="1"/>
           </p:cNvSpPr>
@@ -1751,64 +4315,84 @@
         </p:nvSpPr>
         <p:spPr>
           <a:xfrm>
-            <a:off x="6172200" y="2505075"/>
-            <a:ext cx="5183188" cy="3684588"/>
+            <a:off x="5088384" y="2737245"/>
+            <a:ext cx="4185617" cy="3304117"/>
           </a:xfrm>
         </p:spPr>
         <p:txBody>
+          <a:bodyPr>
+            <a:normAutofit/>
+          </a:bodyPr>
+          <a:lstStyle/>
+          <a:p>
+            <a:pPr lvl="0"/>
+            <a:r>
+              <a:rPr lang="en-US"/>
+              <a:t>Edit Master text styles</a:t>
+            </a:r>
+          </a:p>
+          <a:p>
+            <a:pPr lvl="1"/>
+            <a:r>
+              <a:rPr lang="en-US"/>
+              <a:t>Second level</a:t>
+            </a:r>
+          </a:p>
+          <a:p>
+            <a:pPr lvl="2"/>
+            <a:r>
+              <a:rPr lang="en-US"/>
+              <a:t>Third level</a:t>
+            </a:r>
+          </a:p>
+          <a:p>
+            <a:pPr lvl="3"/>
+            <a:r>
+              <a:rPr lang="en-US"/>
+              <a:t>Fourth level</a:t>
+            </a:r>
+          </a:p>
+          <a:p>
+            <a:pPr lvl="4"/>
+            <a:r>
+              <a:rPr lang="en-US"/>
+              <a:t>Fifth level</a:t>
+            </a:r>
+            <a:endParaRPr lang="en-US" dirty="0"/>
+          </a:p>
+        </p:txBody>
+      </p:sp>
+      <p:sp>
+        <p:nvSpPr>
+          <p:cNvPr id="7" name="Date Placeholder 6"/>
+          <p:cNvSpPr>
+            <a:spLocks noGrp="1"/>
+          </p:cNvSpPr>
+          <p:nvPr>
+            <p:ph type="dt" sz="half" idx="10"/>
+          </p:nvPr>
+        </p:nvSpPr>
+        <p:spPr/>
+        <p:txBody>
           <a:bodyPr/>
           <a:lstStyle/>
           <a:p>
-            <a:pPr lvl="0"/>
-            <a:r>
-              <a:rPr lang="en-US"/>
-              <a:t>Edit Master text styles</a:t>
-            </a:r>
-          </a:p>
-          <a:p>
-            <a:pPr lvl="1"/>
-            <a:r>
-              <a:rPr lang="en-US"/>
-              <a:t>Second level</a:t>
-            </a:r>
-          </a:p>
-          <a:p>
-            <a:pPr lvl="2"/>
-            <a:r>
-              <a:rPr lang="en-US"/>
-              <a:t>Third level</a:t>
-            </a:r>
-          </a:p>
-          <a:p>
-            <a:pPr lvl="3"/>
-            <a:r>
-              <a:rPr lang="en-US"/>
-              <a:t>Fourth level</a:t>
-            </a:r>
-          </a:p>
-          <a:p>
-            <a:pPr lvl="4"/>
-            <a:r>
-              <a:rPr lang="en-US"/>
-              <a:t>Fifth level</a:t>
-            </a:r>
-          </a:p>
-        </p:txBody>
-      </p:sp>
-      <p:sp>
-        <p:nvSpPr>
-          <p:cNvPr id="7" name="Date Placeholder 6">
-            <a:extLst>
-              <a:ext uri="{FF2B5EF4-FFF2-40B4-BE49-F238E27FC236}">
-                <a16:creationId xmlns:a16="http://schemas.microsoft.com/office/drawing/2014/main" id="{4CF95B71-B096-794F-B1DF-58FCACA00C6B}"/>
-              </a:ext>
-            </a:extLst>
-          </p:cNvPr>
-          <p:cNvSpPr>
-            <a:spLocks noGrp="1"/>
-          </p:cNvSpPr>
-          <p:nvPr>
-            <p:ph type="dt" sz="half" idx="10"/>
+            <a:fld id="{85B944F4-E588-A043-A758-57DBD1F647E3}" type="datetimeFigureOut">
+              <a:rPr lang="en-US" smtClean="0"/>
+              <a:t>3/19/2018</a:t>
+            </a:fld>
+            <a:endParaRPr lang="en-US"/>
+          </a:p>
+        </p:txBody>
+      </p:sp>
+      <p:sp>
+        <p:nvSpPr>
+          <p:cNvPr id="8" name="Footer Placeholder 7"/>
+          <p:cNvSpPr>
+            <a:spLocks noGrp="1"/>
+          </p:cNvSpPr>
+          <p:nvPr>
+            <p:ph type="ftr" sz="quarter" idx="11"/>
           </p:nvPr>
         </p:nvSpPr>
         <p:spPr/>
@@ -1816,48 +4400,13 @@
           <a:bodyPr/>
           <a:lstStyle/>
           <a:p>
-            <a:fld id="{85B944F4-E588-A043-A758-57DBD1F647E3}" type="datetimeFigureOut">
-              <a:rPr lang="en-US" smtClean="0"/>
-              <a:t>3/17/18</a:t>
-            </a:fld>
             <a:endParaRPr lang="en-US"/>
           </a:p>
         </p:txBody>
       </p:sp>
       <p:sp>
         <p:nvSpPr>
-          <p:cNvPr id="8" name="Footer Placeholder 7">
-            <a:extLst>
-              <a:ext uri="{FF2B5EF4-FFF2-40B4-BE49-F238E27FC236}">
-                <a16:creationId xmlns:a16="http://schemas.microsoft.com/office/drawing/2014/main" id="{C1069791-8585-EF48-ACC8-0C6BF9E6CADE}"/>
-              </a:ext>
-            </a:extLst>
-          </p:cNvPr>
-          <p:cNvSpPr>
-            <a:spLocks noGrp="1"/>
-          </p:cNvSpPr>
-          <p:nvPr>
-            <p:ph type="ftr" sz="quarter" idx="11"/>
-          </p:nvPr>
-        </p:nvSpPr>
-        <p:spPr/>
-        <p:txBody>
-          <a:bodyPr/>
-          <a:lstStyle/>
-          <a:p>
-            <a:endParaRPr lang="en-US"/>
-          </a:p>
-        </p:txBody>
-      </p:sp>
-      <p:sp>
-        <p:nvSpPr>
-          <p:cNvPr id="9" name="Slide Number Placeholder 8">
-            <a:extLst>
-              <a:ext uri="{FF2B5EF4-FFF2-40B4-BE49-F238E27FC236}">
-                <a16:creationId xmlns:a16="http://schemas.microsoft.com/office/drawing/2014/main" id="{3F057DE0-4E22-1548-8535-1E221AAB7CC5}"/>
-              </a:ext>
-            </a:extLst>
-          </p:cNvPr>
+          <p:cNvPr id="9" name="Slide Number Placeholder 8"/>
           <p:cNvSpPr>
             <a:spLocks noGrp="1"/>
           </p:cNvSpPr>
@@ -1881,7 +4430,7 @@
     </p:spTree>
     <p:extLst>
       <p:ext uri="{BB962C8B-B14F-4D97-AF65-F5344CB8AC3E}">
-        <p14:creationId xmlns:p14="http://schemas.microsoft.com/office/powerpoint/2010/main" val="3568808298"/>
+        <p14:creationId xmlns:p14="http://schemas.microsoft.com/office/powerpoint/2010/main" val="755313968"/>
       </p:ext>
     </p:extLst>
   </p:cSld>
@@ -1910,13 +4459,7 @@
       </p:grpSpPr>
       <p:sp>
         <p:nvSpPr>
-          <p:cNvPr id="2" name="Title 1">
-            <a:extLst>
-              <a:ext uri="{FF2B5EF4-FFF2-40B4-BE49-F238E27FC236}">
-                <a16:creationId xmlns:a16="http://schemas.microsoft.com/office/drawing/2014/main" id="{15A7DA47-B123-7143-AC00-58FFF4E94F50}"/>
-              </a:ext>
-            </a:extLst>
-          </p:cNvPr>
+          <p:cNvPr id="2" name="Title 1"/>
           <p:cNvSpPr>
             <a:spLocks noGrp="1"/>
           </p:cNvSpPr>
@@ -1924,7 +4467,12 @@
             <p:ph type="title"/>
           </p:nvPr>
         </p:nvSpPr>
-        <p:spPr/>
+        <p:spPr>
+          <a:xfrm>
+            <a:off x="677334" y="609600"/>
+            <a:ext cx="8596668" cy="1320800"/>
+          </a:xfrm>
+        </p:spPr>
         <p:txBody>
           <a:bodyPr/>
           <a:lstStyle/>
@@ -1933,18 +4481,13 @@
               <a:rPr lang="en-US"/>
               <a:t>Click to edit Master title style</a:t>
             </a:r>
-          </a:p>
-        </p:txBody>
-      </p:sp>
-      <p:sp>
-        <p:nvSpPr>
-          <p:cNvPr id="3" name="Date Placeholder 2">
-            <a:extLst>
-              <a:ext uri="{FF2B5EF4-FFF2-40B4-BE49-F238E27FC236}">
-                <a16:creationId xmlns:a16="http://schemas.microsoft.com/office/drawing/2014/main" id="{1A8ECC58-D1AB-364D-8A4C-DDA780B72E97}"/>
-              </a:ext>
-            </a:extLst>
-          </p:cNvPr>
+            <a:endParaRPr lang="en-US" dirty="0"/>
+          </a:p>
+        </p:txBody>
+      </p:sp>
+      <p:sp>
+        <p:nvSpPr>
+          <p:cNvPr id="3" name="Date Placeholder 2"/>
           <p:cNvSpPr>
             <a:spLocks noGrp="1"/>
           </p:cNvSpPr>
@@ -1959,7 +4502,7 @@
           <a:p>
             <a:fld id="{85B944F4-E588-A043-A758-57DBD1F647E3}" type="datetimeFigureOut">
               <a:rPr lang="en-US" smtClean="0"/>
-              <a:t>3/17/18</a:t>
+              <a:t>3/19/2018</a:t>
             </a:fld>
             <a:endParaRPr lang="en-US"/>
           </a:p>
@@ -1967,13 +4510,7 @@
       </p:sp>
       <p:sp>
         <p:nvSpPr>
-          <p:cNvPr id="4" name="Footer Placeholder 3">
-            <a:extLst>
-              <a:ext uri="{FF2B5EF4-FFF2-40B4-BE49-F238E27FC236}">
-                <a16:creationId xmlns:a16="http://schemas.microsoft.com/office/drawing/2014/main" id="{5BB41722-DCEF-0A44-A1CC-500ECE4C71AE}"/>
-              </a:ext>
-            </a:extLst>
-          </p:cNvPr>
+          <p:cNvPr id="4" name="Footer Placeholder 3"/>
           <p:cNvSpPr>
             <a:spLocks noGrp="1"/>
           </p:cNvSpPr>
@@ -1992,13 +4529,7 @@
       </p:sp>
       <p:sp>
         <p:nvSpPr>
-          <p:cNvPr id="5" name="Slide Number Placeholder 4">
-            <a:extLst>
-              <a:ext uri="{FF2B5EF4-FFF2-40B4-BE49-F238E27FC236}">
-                <a16:creationId xmlns:a16="http://schemas.microsoft.com/office/drawing/2014/main" id="{8B9AA276-CC88-E441-848E-15CD61C28EBC}"/>
-              </a:ext>
-            </a:extLst>
-          </p:cNvPr>
+          <p:cNvPr id="5" name="Slide Number Placeholder 4"/>
           <p:cNvSpPr>
             <a:spLocks noGrp="1"/>
           </p:cNvSpPr>
@@ -2022,7 +4553,7 @@
     </p:spTree>
     <p:extLst>
       <p:ext uri="{BB962C8B-B14F-4D97-AF65-F5344CB8AC3E}">
-        <p14:creationId xmlns:p14="http://schemas.microsoft.com/office/powerpoint/2010/main" val="4015839077"/>
+        <p14:creationId xmlns:p14="http://schemas.microsoft.com/office/powerpoint/2010/main" val="2334908764"/>
       </p:ext>
     </p:extLst>
   </p:cSld>
@@ -2051,13 +4582,7 @@
       </p:grpSpPr>
       <p:sp>
         <p:nvSpPr>
-          <p:cNvPr id="2" name="Date Placeholder 1">
-            <a:extLst>
-              <a:ext uri="{FF2B5EF4-FFF2-40B4-BE49-F238E27FC236}">
-                <a16:creationId xmlns:a16="http://schemas.microsoft.com/office/drawing/2014/main" id="{F1974993-D89B-7440-8F3C-4D917DDAAFC3}"/>
-              </a:ext>
-            </a:extLst>
-          </p:cNvPr>
+          <p:cNvPr id="2" name="Date Placeholder 1"/>
           <p:cNvSpPr>
             <a:spLocks noGrp="1"/>
           </p:cNvSpPr>
@@ -2072,7 +4597,7 @@
           <a:p>
             <a:fld id="{85B944F4-E588-A043-A758-57DBD1F647E3}" type="datetimeFigureOut">
               <a:rPr lang="en-US" smtClean="0"/>
-              <a:t>3/17/18</a:t>
+              <a:t>3/19/2018</a:t>
             </a:fld>
             <a:endParaRPr lang="en-US"/>
           </a:p>
@@ -2080,13 +4605,7 @@
       </p:sp>
       <p:sp>
         <p:nvSpPr>
-          <p:cNvPr id="3" name="Footer Placeholder 2">
-            <a:extLst>
-              <a:ext uri="{FF2B5EF4-FFF2-40B4-BE49-F238E27FC236}">
-                <a16:creationId xmlns:a16="http://schemas.microsoft.com/office/drawing/2014/main" id="{C86B3B13-A037-7845-B183-8F48BCF7940F}"/>
-              </a:ext>
-            </a:extLst>
-          </p:cNvPr>
+          <p:cNvPr id="3" name="Footer Placeholder 2"/>
           <p:cNvSpPr>
             <a:spLocks noGrp="1"/>
           </p:cNvSpPr>
@@ -2105,13 +4624,7 @@
       </p:sp>
       <p:sp>
         <p:nvSpPr>
-          <p:cNvPr id="4" name="Slide Number Placeholder 3">
-            <a:extLst>
-              <a:ext uri="{FF2B5EF4-FFF2-40B4-BE49-F238E27FC236}">
-                <a16:creationId xmlns:a16="http://schemas.microsoft.com/office/drawing/2014/main" id="{15D27127-4DE0-734B-9DBD-FF9475740692}"/>
-              </a:ext>
-            </a:extLst>
-          </p:cNvPr>
+          <p:cNvPr id="4" name="Slide Number Placeholder 3"/>
           <p:cNvSpPr>
             <a:spLocks noGrp="1"/>
           </p:cNvSpPr>
@@ -2135,7 +4648,7 @@
     </p:spTree>
     <p:extLst>
       <p:ext uri="{BB962C8B-B14F-4D97-AF65-F5344CB8AC3E}">
-        <p14:creationId xmlns:p14="http://schemas.microsoft.com/office/powerpoint/2010/main" val="2312909779"/>
+        <p14:creationId xmlns:p14="http://schemas.microsoft.com/office/powerpoint/2010/main" val="1203811377"/>
       </p:ext>
     </p:extLst>
   </p:cSld>
@@ -2164,13 +4677,7 @@
       </p:grpSpPr>
       <p:sp>
         <p:nvSpPr>
-          <p:cNvPr id="2" name="Title 1">
-            <a:extLst>
-              <a:ext uri="{FF2B5EF4-FFF2-40B4-BE49-F238E27FC236}">
-                <a16:creationId xmlns:a16="http://schemas.microsoft.com/office/drawing/2014/main" id="{39E468E7-BC21-F94C-A9D6-9E45D19A3604}"/>
-              </a:ext>
-            </a:extLst>
-          </p:cNvPr>
+          <p:cNvPr id="2" name="Title 1"/>
           <p:cNvSpPr>
             <a:spLocks noGrp="1"/>
           </p:cNvSpPr>
@@ -2180,15 +4687,17 @@
         </p:nvSpPr>
         <p:spPr>
           <a:xfrm>
-            <a:off x="839788" y="457200"/>
-            <a:ext cx="3932237" cy="1600200"/>
+            <a:off x="677334" y="1498604"/>
+            <a:ext cx="3854528" cy="1278466"/>
           </a:xfrm>
         </p:spPr>
         <p:txBody>
-          <a:bodyPr anchor="b"/>
+          <a:bodyPr anchor="b">
+            <a:normAutofit/>
+          </a:bodyPr>
           <a:lstStyle>
             <a:lvl1pPr>
-              <a:defRPr sz="3200"/>
+              <a:defRPr sz="2000"/>
             </a:lvl1pPr>
           </a:lstStyle>
           <a:p>
@@ -2196,18 +4705,13 @@
               <a:rPr lang="en-US"/>
               <a:t>Click to edit Master title style</a:t>
             </a:r>
-          </a:p>
-        </p:txBody>
-      </p:sp>
-      <p:sp>
-        <p:nvSpPr>
-          <p:cNvPr id="3" name="Content Placeholder 2">
-            <a:extLst>
-              <a:ext uri="{FF2B5EF4-FFF2-40B4-BE49-F238E27FC236}">
-                <a16:creationId xmlns:a16="http://schemas.microsoft.com/office/drawing/2014/main" id="{460F517A-5D9F-3746-99A7-B1E824651E04}"/>
-              </a:ext>
-            </a:extLst>
-          </p:cNvPr>
+            <a:endParaRPr lang="en-US" dirty="0"/>
+          </a:p>
+        </p:txBody>
+      </p:sp>
+      <p:sp>
+        <p:nvSpPr>
+          <p:cNvPr id="3" name="Content Placeholder 2"/>
           <p:cNvSpPr>
             <a:spLocks noGrp="1"/>
           </p:cNvSpPr>
@@ -2217,41 +4721,15 @@
         </p:nvSpPr>
         <p:spPr>
           <a:xfrm>
-            <a:off x="5183188" y="987425"/>
-            <a:ext cx="6172200" cy="4873625"/>
+            <a:off x="4760461" y="514924"/>
+            <a:ext cx="4513541" cy="5526437"/>
           </a:xfrm>
         </p:spPr>
         <p:txBody>
-          <a:bodyPr/>
-          <a:lstStyle>
-            <a:lvl1pPr>
-              <a:defRPr sz="3200"/>
-            </a:lvl1pPr>
-            <a:lvl2pPr>
-              <a:defRPr sz="2800"/>
-            </a:lvl2pPr>
-            <a:lvl3pPr>
-              <a:defRPr sz="2400"/>
-            </a:lvl3pPr>
-            <a:lvl4pPr>
-              <a:defRPr sz="2000"/>
-            </a:lvl4pPr>
-            <a:lvl5pPr>
-              <a:defRPr sz="2000"/>
-            </a:lvl5pPr>
-            <a:lvl6pPr>
-              <a:defRPr sz="2000"/>
-            </a:lvl6pPr>
-            <a:lvl7pPr>
-              <a:defRPr sz="2000"/>
-            </a:lvl7pPr>
-            <a:lvl8pPr>
-              <a:defRPr sz="2000"/>
-            </a:lvl8pPr>
-            <a:lvl9pPr>
-              <a:defRPr sz="2000"/>
-            </a:lvl9pPr>
-          </a:lstStyle>
+          <a:bodyPr>
+            <a:normAutofit/>
+          </a:bodyPr>
+          <a:lstStyle/>
           <a:p>
             <a:pPr lvl="0"/>
             <a:r>
@@ -2286,18 +4764,13 @@
               <a:rPr lang="en-US"/>
               <a:t>Fifth level</a:t>
             </a:r>
-          </a:p>
-        </p:txBody>
-      </p:sp>
-      <p:sp>
-        <p:nvSpPr>
-          <p:cNvPr id="4" name="Text Placeholder 3">
-            <a:extLst>
-              <a:ext uri="{FF2B5EF4-FFF2-40B4-BE49-F238E27FC236}">
-                <a16:creationId xmlns:a16="http://schemas.microsoft.com/office/drawing/2014/main" id="{001CEA2F-F748-E04E-9393-AB764ADC30C0}"/>
-              </a:ext>
-            </a:extLst>
-          </p:cNvPr>
+            <a:endParaRPr lang="en-US" dirty="0"/>
+          </a:p>
+        </p:txBody>
+      </p:sp>
+      <p:sp>
+        <p:nvSpPr>
+          <p:cNvPr id="4" name="Text Placeholder 3"/>
           <p:cNvSpPr>
             <a:spLocks noGrp="1"/>
           </p:cNvSpPr>
@@ -2307,46 +4780,48 @@
         </p:nvSpPr>
         <p:spPr>
           <a:xfrm>
-            <a:off x="839788" y="2057400"/>
-            <a:ext cx="3932237" cy="3811588"/>
+            <a:off x="677334" y="2777069"/>
+            <a:ext cx="3854528" cy="2584449"/>
           </a:xfrm>
         </p:spPr>
         <p:txBody>
-          <a:bodyPr/>
+          <a:bodyPr>
+            <a:normAutofit/>
+          </a:bodyPr>
           <a:lstStyle>
             <a:lvl1pPr marL="0" indent="0">
               <a:buNone/>
-              <a:defRPr sz="1600"/>
+              <a:defRPr sz="1400"/>
             </a:lvl1pPr>
-            <a:lvl2pPr marL="457200" indent="0">
+            <a:lvl2pPr marL="457063" indent="0">
               <a:buNone/>
               <a:defRPr sz="1400"/>
             </a:lvl2pPr>
-            <a:lvl3pPr marL="914400" indent="0">
+            <a:lvl3pPr marL="914126" indent="0">
               <a:buNone/>
               <a:defRPr sz="1200"/>
             </a:lvl3pPr>
-            <a:lvl4pPr marL="1371600" indent="0">
+            <a:lvl4pPr marL="1371189" indent="0">
               <a:buNone/>
               <a:defRPr sz="1000"/>
             </a:lvl4pPr>
-            <a:lvl5pPr marL="1828800" indent="0">
+            <a:lvl5pPr marL="1828251" indent="0">
               <a:buNone/>
               <a:defRPr sz="1000"/>
             </a:lvl5pPr>
-            <a:lvl6pPr marL="2286000" indent="0">
+            <a:lvl6pPr marL="2285314" indent="0">
               <a:buNone/>
               <a:defRPr sz="1000"/>
             </a:lvl6pPr>
-            <a:lvl7pPr marL="2743200" indent="0">
+            <a:lvl7pPr marL="2742377" indent="0">
               <a:buNone/>
               <a:defRPr sz="1000"/>
             </a:lvl7pPr>
-            <a:lvl8pPr marL="3200400" indent="0">
+            <a:lvl8pPr marL="3199440" indent="0">
               <a:buNone/>
               <a:defRPr sz="1000"/>
             </a:lvl8pPr>
-            <a:lvl9pPr marL="3657600" indent="0">
+            <a:lvl9pPr marL="3656503" indent="0">
               <a:buNone/>
               <a:defRPr sz="1000"/>
             </a:lvl9pPr>
@@ -2362,13 +4837,7 @@
       </p:sp>
       <p:sp>
         <p:nvSpPr>
-          <p:cNvPr id="5" name="Date Placeholder 4">
-            <a:extLst>
-              <a:ext uri="{FF2B5EF4-FFF2-40B4-BE49-F238E27FC236}">
-                <a16:creationId xmlns:a16="http://schemas.microsoft.com/office/drawing/2014/main" id="{96B0FA4C-A945-C344-8B4E-99989AF54542}"/>
-              </a:ext>
-            </a:extLst>
-          </p:cNvPr>
+          <p:cNvPr id="5" name="Date Placeholder 4"/>
           <p:cNvSpPr>
             <a:spLocks noGrp="1"/>
           </p:cNvSpPr>
@@ -2383,7 +4852,7 @@
           <a:p>
             <a:fld id="{85B944F4-E588-A043-A758-57DBD1F647E3}" type="datetimeFigureOut">
               <a:rPr lang="en-US" smtClean="0"/>
-              <a:t>3/17/18</a:t>
+              <a:t>3/19/2018</a:t>
             </a:fld>
             <a:endParaRPr lang="en-US"/>
           </a:p>
@@ -2391,13 +4860,7 @@
       </p:sp>
       <p:sp>
         <p:nvSpPr>
-          <p:cNvPr id="6" name="Footer Placeholder 5">
-            <a:extLst>
-              <a:ext uri="{FF2B5EF4-FFF2-40B4-BE49-F238E27FC236}">
-                <a16:creationId xmlns:a16="http://schemas.microsoft.com/office/drawing/2014/main" id="{E914BC5E-B54F-6540-A72B-EDA0B3B925B5}"/>
-              </a:ext>
-            </a:extLst>
-          </p:cNvPr>
+          <p:cNvPr id="6" name="Footer Placeholder 5"/>
           <p:cNvSpPr>
             <a:spLocks noGrp="1"/>
           </p:cNvSpPr>
@@ -2416,13 +4879,7 @@
       </p:sp>
       <p:sp>
         <p:nvSpPr>
-          <p:cNvPr id="7" name="Slide Number Placeholder 6">
-            <a:extLst>
-              <a:ext uri="{FF2B5EF4-FFF2-40B4-BE49-F238E27FC236}">
-                <a16:creationId xmlns:a16="http://schemas.microsoft.com/office/drawing/2014/main" id="{E5D2D91E-A50C-EC4D-A41C-3B40884CA850}"/>
-              </a:ext>
-            </a:extLst>
-          </p:cNvPr>
+          <p:cNvPr id="7" name="Slide Number Placeholder 6"/>
           <p:cNvSpPr>
             <a:spLocks noGrp="1"/>
           </p:cNvSpPr>
@@ -2446,7 +4903,7 @@
     </p:spTree>
     <p:extLst>
       <p:ext uri="{BB962C8B-B14F-4D97-AF65-F5344CB8AC3E}">
-        <p14:creationId xmlns:p14="http://schemas.microsoft.com/office/powerpoint/2010/main" val="2754716007"/>
+        <p14:creationId xmlns:p14="http://schemas.microsoft.com/office/powerpoint/2010/main" val="2358950942"/>
       </p:ext>
     </p:extLst>
   </p:cSld>
@@ -2475,13 +4932,7 @@
       </p:grpSpPr>
       <p:sp>
         <p:nvSpPr>
-          <p:cNvPr id="2" name="Title 1">
-            <a:extLst>
-              <a:ext uri="{FF2B5EF4-FFF2-40B4-BE49-F238E27FC236}">
-                <a16:creationId xmlns:a16="http://schemas.microsoft.com/office/drawing/2014/main" id="{0C39DCF3-8789-7747-BB7B-2095B84E3549}"/>
-              </a:ext>
-            </a:extLst>
-          </p:cNvPr>
+          <p:cNvPr id="2" name="Title 1"/>
           <p:cNvSpPr>
             <a:spLocks noGrp="1"/>
           </p:cNvSpPr>
@@ -2491,15 +4942,17 @@
         </p:nvSpPr>
         <p:spPr>
           <a:xfrm>
-            <a:off x="839788" y="457200"/>
-            <a:ext cx="3932237" cy="1600200"/>
+            <a:off x="677334" y="4800600"/>
+            <a:ext cx="8596667" cy="566738"/>
           </a:xfrm>
         </p:spPr>
         <p:txBody>
-          <a:bodyPr anchor="b"/>
+          <a:bodyPr anchor="b">
+            <a:normAutofit/>
+          </a:bodyPr>
           <a:lstStyle>
-            <a:lvl1pPr>
-              <a:defRPr sz="3200"/>
+            <a:lvl1pPr algn="l">
+              <a:defRPr sz="2400" b="0"/>
             </a:lvl1pPr>
           </a:lstStyle>
           <a:p>
@@ -2507,20 +4960,15 @@
               <a:rPr lang="en-US"/>
               <a:t>Click to edit Master title style</a:t>
             </a:r>
-          </a:p>
-        </p:txBody>
-      </p:sp>
-      <p:sp>
-        <p:nvSpPr>
-          <p:cNvPr id="3" name="Picture Placeholder 2">
-            <a:extLst>
-              <a:ext uri="{FF2B5EF4-FFF2-40B4-BE49-F238E27FC236}">
-                <a16:creationId xmlns:a16="http://schemas.microsoft.com/office/drawing/2014/main" id="{8F230B50-6BCC-8849-B7F4-36F17B01037F}"/>
-              </a:ext>
-            </a:extLst>
-          </p:cNvPr>
-          <p:cNvSpPr>
-            <a:spLocks noGrp="1"/>
+            <a:endParaRPr lang="en-US" dirty="0"/>
+          </a:p>
+        </p:txBody>
+      </p:sp>
+      <p:sp>
+        <p:nvSpPr>
+          <p:cNvPr id="3" name="Picture Placeholder 2"/>
+          <p:cNvSpPr>
+            <a:spLocks noGrp="1" noChangeAspect="1"/>
           </p:cNvSpPr>
           <p:nvPr>
             <p:ph type="pic" idx="1"/>
@@ -2528,118 +4976,120 @@
         </p:nvSpPr>
         <p:spPr>
           <a:xfrm>
-            <a:off x="5183188" y="987425"/>
-            <a:ext cx="6172200" cy="4873625"/>
+            <a:off x="677334" y="609600"/>
+            <a:ext cx="8596668" cy="3845718"/>
           </a:xfrm>
         </p:spPr>
         <p:txBody>
-          <a:bodyPr/>
+          <a:bodyPr anchor="t">
+            <a:normAutofit/>
+          </a:bodyPr>
           <a:lstStyle>
-            <a:lvl1pPr marL="0" indent="0">
-              <a:buNone/>
-              <a:defRPr sz="3200"/>
-            </a:lvl1pPr>
-            <a:lvl2pPr marL="457200" indent="0">
-              <a:buNone/>
-              <a:defRPr sz="2800"/>
-            </a:lvl2pPr>
-            <a:lvl3pPr marL="914400" indent="0">
-              <a:buNone/>
-              <a:defRPr sz="2400"/>
-            </a:lvl3pPr>
-            <a:lvl4pPr marL="1371600" indent="0">
-              <a:buNone/>
-              <a:defRPr sz="2000"/>
-            </a:lvl4pPr>
-            <a:lvl5pPr marL="1828800" indent="0">
-              <a:buNone/>
-              <a:defRPr sz="2000"/>
-            </a:lvl5pPr>
-            <a:lvl6pPr marL="2286000" indent="0">
-              <a:buNone/>
-              <a:defRPr sz="2000"/>
-            </a:lvl6pPr>
-            <a:lvl7pPr marL="2743200" indent="0">
-              <a:buNone/>
-              <a:defRPr sz="2000"/>
-            </a:lvl7pPr>
-            <a:lvl8pPr marL="3200400" indent="0">
-              <a:buNone/>
-              <a:defRPr sz="2000"/>
-            </a:lvl8pPr>
-            <a:lvl9pPr marL="3657600" indent="0">
-              <a:buNone/>
-              <a:defRPr sz="2000"/>
-            </a:lvl9pPr>
-          </a:lstStyle>
-          <a:p>
-            <a:endParaRPr lang="en-US"/>
-          </a:p>
-        </p:txBody>
-      </p:sp>
-      <p:sp>
-        <p:nvSpPr>
-          <p:cNvPr id="4" name="Text Placeholder 3">
-            <a:extLst>
-              <a:ext uri="{FF2B5EF4-FFF2-40B4-BE49-F238E27FC236}">
-                <a16:creationId xmlns:a16="http://schemas.microsoft.com/office/drawing/2014/main" id="{A5C8C642-D72A-EA49-9F74-5A2A9AB99D9E}"/>
-              </a:ext>
-            </a:extLst>
-          </p:cNvPr>
-          <p:cNvSpPr>
-            <a:spLocks noGrp="1"/>
-          </p:cNvSpPr>
-          <p:nvPr>
-            <p:ph type="body" sz="half" idx="2"/>
-          </p:nvPr>
-        </p:nvSpPr>
-        <p:spPr>
-          <a:xfrm>
-            <a:off x="839788" y="2057400"/>
-            <a:ext cx="3932237" cy="3811588"/>
-          </a:xfrm>
-        </p:spPr>
-        <p:txBody>
-          <a:bodyPr/>
-          <a:lstStyle>
-            <a:lvl1pPr marL="0" indent="0">
+            <a:lvl1pPr marL="0" indent="0" algn="ctr">
               <a:buNone/>
               <a:defRPr sz="1600"/>
             </a:lvl1pPr>
             <a:lvl2pPr marL="457200" indent="0">
               <a:buNone/>
-              <a:defRPr sz="1400"/>
+              <a:defRPr sz="1600"/>
             </a:lvl2pPr>
             <a:lvl3pPr marL="914400" indent="0">
               <a:buNone/>
-              <a:defRPr sz="1200"/>
+              <a:defRPr sz="1600"/>
             </a:lvl3pPr>
             <a:lvl4pPr marL="1371600" indent="0">
               <a:buNone/>
-              <a:defRPr sz="1000"/>
+              <a:defRPr sz="1600"/>
             </a:lvl4pPr>
             <a:lvl5pPr marL="1828800" indent="0">
               <a:buNone/>
-              <a:defRPr sz="1000"/>
+              <a:defRPr sz="1600"/>
             </a:lvl5pPr>
             <a:lvl6pPr marL="2286000" indent="0">
               <a:buNone/>
-              <a:defRPr sz="1000"/>
+              <a:defRPr sz="1600"/>
             </a:lvl6pPr>
             <a:lvl7pPr marL="2743200" indent="0">
               <a:buNone/>
-              <a:defRPr sz="1000"/>
+              <a:defRPr sz="1600"/>
             </a:lvl7pPr>
             <a:lvl8pPr marL="3200400" indent="0">
               <a:buNone/>
-              <a:defRPr sz="1000"/>
+              <a:defRPr sz="1600"/>
             </a:lvl8pPr>
             <a:lvl9pPr marL="3657600" indent="0">
               <a:buNone/>
-              <a:defRPr sz="1000"/>
+              <a:defRPr sz="1600"/>
             </a:lvl9pPr>
           </a:lstStyle>
           <a:p>
+            <a:r>
+              <a:rPr lang="en-US"/>
+              <a:t>Click icon to add picture</a:t>
+            </a:r>
+            <a:endParaRPr lang="en-US" dirty="0"/>
+          </a:p>
+        </p:txBody>
+      </p:sp>
+      <p:sp>
+        <p:nvSpPr>
+          <p:cNvPr id="4" name="Text Placeholder 3"/>
+          <p:cNvSpPr>
+            <a:spLocks noGrp="1"/>
+          </p:cNvSpPr>
+          <p:nvPr>
+            <p:ph type="body" sz="half" idx="2"/>
+          </p:nvPr>
+        </p:nvSpPr>
+        <p:spPr>
+          <a:xfrm>
+            <a:off x="677334" y="5367338"/>
+            <a:ext cx="8596667" cy="674024"/>
+          </a:xfrm>
+        </p:spPr>
+        <p:txBody>
+          <a:bodyPr>
+            <a:normAutofit/>
+          </a:bodyPr>
+          <a:lstStyle>
+            <a:lvl1pPr marL="0" indent="0">
+              <a:buNone/>
+              <a:defRPr sz="1200"/>
+            </a:lvl1pPr>
+            <a:lvl2pPr marL="457200" indent="0">
+              <a:buNone/>
+              <a:defRPr sz="1200"/>
+            </a:lvl2pPr>
+            <a:lvl3pPr marL="914400" indent="0">
+              <a:buNone/>
+              <a:defRPr sz="1000"/>
+            </a:lvl3pPr>
+            <a:lvl4pPr marL="1371600" indent="0">
+              <a:buNone/>
+              <a:defRPr sz="900"/>
+            </a:lvl4pPr>
+            <a:lvl5pPr marL="1828800" indent="0">
+              <a:buNone/>
+              <a:defRPr sz="900"/>
+            </a:lvl5pPr>
+            <a:lvl6pPr marL="2286000" indent="0">
+              <a:buNone/>
+              <a:defRPr sz="900"/>
+            </a:lvl6pPr>
+            <a:lvl7pPr marL="2743200" indent="0">
+              <a:buNone/>
+              <a:defRPr sz="900"/>
+            </a:lvl7pPr>
+            <a:lvl8pPr marL="3200400" indent="0">
+              <a:buNone/>
+              <a:defRPr sz="900"/>
+            </a:lvl8pPr>
+            <a:lvl9pPr marL="3657600" indent="0">
+              <a:buNone/>
+              <a:defRPr sz="900"/>
+            </a:lvl9pPr>
+          </a:lstStyle>
+          <a:p>
             <a:pPr lvl="0"/>
             <a:r>
               <a:rPr lang="en-US"/>
@@ -2650,13 +5100,7 @@
       </p:sp>
       <p:sp>
         <p:nvSpPr>
-          <p:cNvPr id="5" name="Date Placeholder 4">
-            <a:extLst>
-              <a:ext uri="{FF2B5EF4-FFF2-40B4-BE49-F238E27FC236}">
-                <a16:creationId xmlns:a16="http://schemas.microsoft.com/office/drawing/2014/main" id="{CD0B2436-4BB7-5F41-9284-E5EAF967F70F}"/>
-              </a:ext>
-            </a:extLst>
-          </p:cNvPr>
+          <p:cNvPr id="5" name="Date Placeholder 4"/>
           <p:cNvSpPr>
             <a:spLocks noGrp="1"/>
           </p:cNvSpPr>
@@ -2671,7 +5115,7 @@
           <a:p>
             <a:fld id="{85B944F4-E588-A043-A758-57DBD1F647E3}" type="datetimeFigureOut">
               <a:rPr lang="en-US" smtClean="0"/>
-              <a:t>3/17/18</a:t>
+              <a:t>3/19/2018</a:t>
             </a:fld>
             <a:endParaRPr lang="en-US"/>
           </a:p>
@@ -2679,13 +5123,7 @@
       </p:sp>
       <p:sp>
         <p:nvSpPr>
-          <p:cNvPr id="6" name="Footer Placeholder 5">
-            <a:extLst>
-              <a:ext uri="{FF2B5EF4-FFF2-40B4-BE49-F238E27FC236}">
-                <a16:creationId xmlns:a16="http://schemas.microsoft.com/office/drawing/2014/main" id="{AEB6CE2A-F57D-9E41-AB87-2C373AC4DFBD}"/>
-              </a:ext>
-            </a:extLst>
-          </p:cNvPr>
+          <p:cNvPr id="6" name="Footer Placeholder 5"/>
           <p:cNvSpPr>
             <a:spLocks noGrp="1"/>
           </p:cNvSpPr>
@@ -2704,13 +5142,7 @@
       </p:sp>
       <p:sp>
         <p:nvSpPr>
-          <p:cNvPr id="7" name="Slide Number Placeholder 6">
-            <a:extLst>
-              <a:ext uri="{FF2B5EF4-FFF2-40B4-BE49-F238E27FC236}">
-                <a16:creationId xmlns:a16="http://schemas.microsoft.com/office/drawing/2014/main" id="{F26C27A9-0AAF-1144-93D8-A472D70FDA8F}"/>
-              </a:ext>
-            </a:extLst>
-          </p:cNvPr>
+          <p:cNvPr id="7" name="Slide Number Placeholder 6"/>
           <p:cNvSpPr>
             <a:spLocks noGrp="1"/>
           </p:cNvSpPr>
@@ -2734,7 +5166,7 @@
     </p:spTree>
     <p:extLst>
       <p:ext uri="{BB962C8B-B14F-4D97-AF65-F5344CB8AC3E}">
-        <p14:creationId xmlns:p14="http://schemas.microsoft.com/office/powerpoint/2010/main" val="2621720872"/>
+        <p14:creationId xmlns:p14="http://schemas.microsoft.com/office/powerpoint/2010/main" val="1527048931"/>
       </p:ext>
     </p:extLst>
   </p:cSld>
@@ -2766,15 +5198,539 @@
           <a:chExt cx="0" cy="0"/>
         </a:xfrm>
       </p:grpSpPr>
-      <p:sp>
-        <p:nvSpPr>
-          <p:cNvPr id="2" name="Title Placeholder 1">
-            <a:extLst>
-              <a:ext uri="{FF2B5EF4-FFF2-40B4-BE49-F238E27FC236}">
-                <a16:creationId xmlns:a16="http://schemas.microsoft.com/office/drawing/2014/main" id="{DDA95382-C87E-EA46-B8EC-FF621A8C78B6}"/>
-              </a:ext>
-            </a:extLst>
-          </p:cNvPr>
+      <p:grpSp>
+        <p:nvGrpSpPr>
+          <p:cNvPr id="7" name="Group 6"/>
+          <p:cNvGrpSpPr/>
+          <p:nvPr/>
+        </p:nvGrpSpPr>
+        <p:grpSpPr>
+          <a:xfrm>
+            <a:off x="0" y="-8467"/>
+            <a:ext cx="12192000" cy="6866467"/>
+            <a:chOff x="0" y="-8467"/>
+            <a:chExt cx="12192000" cy="6866467"/>
+          </a:xfrm>
+        </p:grpSpPr>
+        <p:cxnSp>
+          <p:nvCxnSpPr>
+            <p:cNvPr id="20" name="Straight Connector 19"/>
+            <p:cNvCxnSpPr/>
+            <p:nvPr/>
+          </p:nvCxnSpPr>
+          <p:spPr>
+            <a:xfrm>
+              <a:off x="9371012" y="0"/>
+              <a:ext cx="1219200" cy="6858000"/>
+            </a:xfrm>
+            <a:prstGeom prst="line">
+              <a:avLst/>
+            </a:prstGeom>
+            <a:ln w="9525">
+              <a:solidFill>
+                <a:schemeClr val="bg1">
+                  <a:lumMod val="75000"/>
+                </a:schemeClr>
+              </a:solidFill>
+            </a:ln>
+          </p:spPr>
+          <p:style>
+            <a:lnRef idx="2">
+              <a:schemeClr val="accent1"/>
+            </a:lnRef>
+            <a:fillRef idx="0">
+              <a:schemeClr val="accent1"/>
+            </a:fillRef>
+            <a:effectRef idx="1">
+              <a:schemeClr val="accent1"/>
+            </a:effectRef>
+            <a:fontRef idx="minor">
+              <a:schemeClr val="tx1"/>
+            </a:fontRef>
+          </p:style>
+        </p:cxnSp>
+        <p:cxnSp>
+          <p:nvCxnSpPr>
+            <p:cNvPr id="21" name="Straight Connector 20"/>
+            <p:cNvCxnSpPr/>
+            <p:nvPr/>
+          </p:nvCxnSpPr>
+          <p:spPr>
+            <a:xfrm flipH="1">
+              <a:off x="7425267" y="3681413"/>
+              <a:ext cx="4763558" cy="3176587"/>
+            </a:xfrm>
+            <a:prstGeom prst="line">
+              <a:avLst/>
+            </a:prstGeom>
+            <a:ln w="9525">
+              <a:solidFill>
+                <a:schemeClr val="bg1">
+                  <a:lumMod val="85000"/>
+                </a:schemeClr>
+              </a:solidFill>
+            </a:ln>
+          </p:spPr>
+          <p:style>
+            <a:lnRef idx="2">
+              <a:schemeClr val="accent1"/>
+            </a:lnRef>
+            <a:fillRef idx="0">
+              <a:schemeClr val="accent1"/>
+            </a:fillRef>
+            <a:effectRef idx="1">
+              <a:schemeClr val="accent1"/>
+            </a:effectRef>
+            <a:fontRef idx="minor">
+              <a:schemeClr val="tx1"/>
+            </a:fontRef>
+          </p:style>
+        </p:cxnSp>
+        <p:sp>
+          <p:nvSpPr>
+            <p:cNvPr id="22" name="Rectangle 23"/>
+            <p:cNvSpPr/>
+            <p:nvPr/>
+          </p:nvSpPr>
+          <p:spPr>
+            <a:xfrm>
+              <a:off x="9181476" y="-8467"/>
+              <a:ext cx="3007349" cy="6866467"/>
+            </a:xfrm>
+            <a:custGeom>
+              <a:avLst/>
+              <a:gdLst/>
+              <a:ahLst/>
+              <a:cxnLst/>
+              <a:rect l="l" t="t" r="r" b="b"/>
+              <a:pathLst>
+                <a:path w="3007349" h="6866467">
+                  <a:moveTo>
+                    <a:pt x="2045532" y="0"/>
+                  </a:moveTo>
+                  <a:lnTo>
+                    <a:pt x="3007349" y="0"/>
+                  </a:lnTo>
+                  <a:lnTo>
+                    <a:pt x="3007349" y="6866467"/>
+                  </a:lnTo>
+                  <a:lnTo>
+                    <a:pt x="0" y="6866467"/>
+                  </a:lnTo>
+                  <a:lnTo>
+                    <a:pt x="2045532" y="0"/>
+                  </a:lnTo>
+                  <a:close/>
+                </a:path>
+              </a:pathLst>
+            </a:custGeom>
+            <a:solidFill>
+              <a:schemeClr val="accent1">
+                <a:alpha val="30000"/>
+              </a:schemeClr>
+            </a:solidFill>
+            <a:ln>
+              <a:noFill/>
+            </a:ln>
+            <a:effectLst/>
+          </p:spPr>
+          <p:style>
+            <a:lnRef idx="1">
+              <a:schemeClr val="accent1"/>
+            </a:lnRef>
+            <a:fillRef idx="3">
+              <a:schemeClr val="accent1"/>
+            </a:fillRef>
+            <a:effectRef idx="2">
+              <a:schemeClr val="accent1"/>
+            </a:effectRef>
+            <a:fontRef idx="minor">
+              <a:schemeClr val="lt1"/>
+            </a:fontRef>
+          </p:style>
+        </p:sp>
+        <p:sp>
+          <p:nvSpPr>
+            <p:cNvPr id="23" name="Rectangle 25"/>
+            <p:cNvSpPr/>
+            <p:nvPr/>
+          </p:nvSpPr>
+          <p:spPr>
+            <a:xfrm>
+              <a:off x="9603442" y="-8467"/>
+              <a:ext cx="2588558" cy="6866467"/>
+            </a:xfrm>
+            <a:custGeom>
+              <a:avLst/>
+              <a:gdLst/>
+              <a:ahLst/>
+              <a:cxnLst/>
+              <a:rect l="l" t="t" r="r" b="b"/>
+              <a:pathLst>
+                <a:path w="2573311" h="6866467">
+                  <a:moveTo>
+                    <a:pt x="0" y="0"/>
+                  </a:moveTo>
+                  <a:lnTo>
+                    <a:pt x="2573311" y="0"/>
+                  </a:lnTo>
+                  <a:lnTo>
+                    <a:pt x="2573311" y="6866467"/>
+                  </a:lnTo>
+                  <a:lnTo>
+                    <a:pt x="1202336" y="6866467"/>
+                  </a:lnTo>
+                  <a:lnTo>
+                    <a:pt x="0" y="0"/>
+                  </a:lnTo>
+                  <a:close/>
+                </a:path>
+              </a:pathLst>
+            </a:custGeom>
+            <a:solidFill>
+              <a:schemeClr val="accent1">
+                <a:alpha val="20000"/>
+              </a:schemeClr>
+            </a:solidFill>
+            <a:ln>
+              <a:noFill/>
+            </a:ln>
+            <a:effectLst/>
+          </p:spPr>
+          <p:style>
+            <a:lnRef idx="1">
+              <a:schemeClr val="accent1"/>
+            </a:lnRef>
+            <a:fillRef idx="3">
+              <a:schemeClr val="accent1"/>
+            </a:fillRef>
+            <a:effectRef idx="2">
+              <a:schemeClr val="accent1"/>
+            </a:effectRef>
+            <a:fontRef idx="minor">
+              <a:schemeClr val="lt1"/>
+            </a:fontRef>
+          </p:style>
+        </p:sp>
+        <p:sp>
+          <p:nvSpPr>
+            <p:cNvPr id="24" name="Isosceles Triangle 23"/>
+            <p:cNvSpPr/>
+            <p:nvPr/>
+          </p:nvSpPr>
+          <p:spPr>
+            <a:xfrm>
+              <a:off x="8932333" y="3048000"/>
+              <a:ext cx="3259667" cy="3810000"/>
+            </a:xfrm>
+            <a:prstGeom prst="triangle">
+              <a:avLst>
+                <a:gd name="adj" fmla="val 100000"/>
+              </a:avLst>
+            </a:prstGeom>
+            <a:solidFill>
+              <a:schemeClr val="accent2">
+                <a:alpha val="72000"/>
+              </a:schemeClr>
+            </a:solidFill>
+            <a:ln>
+              <a:noFill/>
+            </a:ln>
+            <a:effectLst/>
+          </p:spPr>
+          <p:style>
+            <a:lnRef idx="1">
+              <a:schemeClr val="accent1"/>
+            </a:lnRef>
+            <a:fillRef idx="3">
+              <a:schemeClr val="accent1"/>
+            </a:fillRef>
+            <a:effectRef idx="2">
+              <a:schemeClr val="accent1"/>
+            </a:effectRef>
+            <a:fontRef idx="minor">
+              <a:schemeClr val="lt1"/>
+            </a:fontRef>
+          </p:style>
+        </p:sp>
+        <p:sp>
+          <p:nvSpPr>
+            <p:cNvPr id="25" name="Rectangle 27"/>
+            <p:cNvSpPr/>
+            <p:nvPr/>
+          </p:nvSpPr>
+          <p:spPr>
+            <a:xfrm>
+              <a:off x="9334500" y="-8467"/>
+              <a:ext cx="2854326" cy="6866467"/>
+            </a:xfrm>
+            <a:custGeom>
+              <a:avLst/>
+              <a:gdLst/>
+              <a:ahLst/>
+              <a:cxnLst/>
+              <a:rect l="l" t="t" r="r" b="b"/>
+              <a:pathLst>
+                <a:path w="2858013" h="6866467">
+                  <a:moveTo>
+                    <a:pt x="0" y="0"/>
+                  </a:moveTo>
+                  <a:lnTo>
+                    <a:pt x="2858013" y="0"/>
+                  </a:lnTo>
+                  <a:lnTo>
+                    <a:pt x="2858013" y="6866467"/>
+                  </a:lnTo>
+                  <a:lnTo>
+                    <a:pt x="2473942" y="6866467"/>
+                  </a:lnTo>
+                  <a:lnTo>
+                    <a:pt x="0" y="0"/>
+                  </a:lnTo>
+                  <a:close/>
+                </a:path>
+              </a:pathLst>
+            </a:custGeom>
+            <a:solidFill>
+              <a:schemeClr val="accent2">
+                <a:lumMod val="75000"/>
+                <a:alpha val="70000"/>
+              </a:schemeClr>
+            </a:solidFill>
+            <a:ln>
+              <a:noFill/>
+            </a:ln>
+            <a:effectLst/>
+          </p:spPr>
+          <p:style>
+            <a:lnRef idx="1">
+              <a:schemeClr val="accent1"/>
+            </a:lnRef>
+            <a:fillRef idx="3">
+              <a:schemeClr val="accent1"/>
+            </a:fillRef>
+            <a:effectRef idx="2">
+              <a:schemeClr val="accent1"/>
+            </a:effectRef>
+            <a:fontRef idx="minor">
+              <a:schemeClr val="lt1"/>
+            </a:fontRef>
+          </p:style>
+        </p:sp>
+        <p:sp>
+          <p:nvSpPr>
+            <p:cNvPr id="26" name="Rectangle 28"/>
+            <p:cNvSpPr/>
+            <p:nvPr/>
+          </p:nvSpPr>
+          <p:spPr>
+            <a:xfrm>
+              <a:off x="10898730" y="-8467"/>
+              <a:ext cx="1290094" cy="6866467"/>
+            </a:xfrm>
+            <a:custGeom>
+              <a:avLst/>
+              <a:gdLst/>
+              <a:ahLst/>
+              <a:cxnLst/>
+              <a:rect l="l" t="t" r="r" b="b"/>
+              <a:pathLst>
+                <a:path w="1290094" h="6858000">
+                  <a:moveTo>
+                    <a:pt x="1019735" y="0"/>
+                  </a:moveTo>
+                  <a:lnTo>
+                    <a:pt x="1290094" y="0"/>
+                  </a:lnTo>
+                  <a:lnTo>
+                    <a:pt x="1290094" y="6858000"/>
+                  </a:lnTo>
+                  <a:lnTo>
+                    <a:pt x="0" y="6858000"/>
+                  </a:lnTo>
+                  <a:lnTo>
+                    <a:pt x="1019735" y="0"/>
+                  </a:lnTo>
+                  <a:close/>
+                </a:path>
+              </a:pathLst>
+            </a:custGeom>
+            <a:solidFill>
+              <a:schemeClr val="accent1">
+                <a:lumMod val="60000"/>
+                <a:lumOff val="40000"/>
+                <a:alpha val="70000"/>
+              </a:schemeClr>
+            </a:solidFill>
+            <a:ln>
+              <a:noFill/>
+            </a:ln>
+            <a:effectLst/>
+          </p:spPr>
+          <p:style>
+            <a:lnRef idx="1">
+              <a:schemeClr val="accent1"/>
+            </a:lnRef>
+            <a:fillRef idx="3">
+              <a:schemeClr val="accent1"/>
+            </a:fillRef>
+            <a:effectRef idx="2">
+              <a:schemeClr val="accent1"/>
+            </a:effectRef>
+            <a:fontRef idx="minor">
+              <a:schemeClr val="lt1"/>
+            </a:fontRef>
+          </p:style>
+        </p:sp>
+        <p:sp>
+          <p:nvSpPr>
+            <p:cNvPr id="27" name="Rectangle 29"/>
+            <p:cNvSpPr/>
+            <p:nvPr/>
+          </p:nvSpPr>
+          <p:spPr>
+            <a:xfrm>
+              <a:off x="10938999" y="-8467"/>
+              <a:ext cx="1249825" cy="6866467"/>
+            </a:xfrm>
+            <a:custGeom>
+              <a:avLst/>
+              <a:gdLst/>
+              <a:ahLst/>
+              <a:cxnLst/>
+              <a:rect l="l" t="t" r="r" b="b"/>
+              <a:pathLst>
+                <a:path w="1249825" h="6858000">
+                  <a:moveTo>
+                    <a:pt x="0" y="0"/>
+                  </a:moveTo>
+                  <a:lnTo>
+                    <a:pt x="1249825" y="0"/>
+                  </a:lnTo>
+                  <a:lnTo>
+                    <a:pt x="1249825" y="6858000"/>
+                  </a:lnTo>
+                  <a:lnTo>
+                    <a:pt x="1109382" y="6858000"/>
+                  </a:lnTo>
+                  <a:lnTo>
+                    <a:pt x="0" y="0"/>
+                  </a:lnTo>
+                  <a:close/>
+                </a:path>
+              </a:pathLst>
+            </a:custGeom>
+            <a:solidFill>
+              <a:schemeClr val="accent1">
+                <a:alpha val="65000"/>
+              </a:schemeClr>
+            </a:solidFill>
+            <a:ln>
+              <a:noFill/>
+            </a:ln>
+            <a:effectLst/>
+          </p:spPr>
+          <p:style>
+            <a:lnRef idx="1">
+              <a:schemeClr val="accent1"/>
+            </a:lnRef>
+            <a:fillRef idx="3">
+              <a:schemeClr val="accent1"/>
+            </a:fillRef>
+            <a:effectRef idx="2">
+              <a:schemeClr val="accent1"/>
+            </a:effectRef>
+            <a:fontRef idx="minor">
+              <a:schemeClr val="lt1"/>
+            </a:fontRef>
+          </p:style>
+        </p:sp>
+        <p:sp>
+          <p:nvSpPr>
+            <p:cNvPr id="28" name="Isosceles Triangle 27"/>
+            <p:cNvSpPr/>
+            <p:nvPr/>
+          </p:nvSpPr>
+          <p:spPr>
+            <a:xfrm>
+              <a:off x="10371666" y="3589867"/>
+              <a:ext cx="1817159" cy="3268133"/>
+            </a:xfrm>
+            <a:prstGeom prst="triangle">
+              <a:avLst>
+                <a:gd name="adj" fmla="val 100000"/>
+              </a:avLst>
+            </a:prstGeom>
+            <a:solidFill>
+              <a:schemeClr val="accent1">
+                <a:alpha val="80000"/>
+              </a:schemeClr>
+            </a:solidFill>
+            <a:ln>
+              <a:noFill/>
+            </a:ln>
+            <a:effectLst/>
+          </p:spPr>
+          <p:style>
+            <a:lnRef idx="1">
+              <a:schemeClr val="accent1"/>
+            </a:lnRef>
+            <a:fillRef idx="3">
+              <a:schemeClr val="accent1"/>
+            </a:fillRef>
+            <a:effectRef idx="2">
+              <a:schemeClr val="accent1"/>
+            </a:effectRef>
+            <a:fontRef idx="minor">
+              <a:schemeClr val="lt1"/>
+            </a:fontRef>
+          </p:style>
+        </p:sp>
+        <p:sp>
+          <p:nvSpPr>
+            <p:cNvPr id="29" name="Isosceles Triangle 28"/>
+            <p:cNvSpPr/>
+            <p:nvPr/>
+          </p:nvSpPr>
+          <p:spPr>
+            <a:xfrm>
+              <a:off x="0" y="4013200"/>
+              <a:ext cx="448733" cy="2844800"/>
+            </a:xfrm>
+            <a:prstGeom prst="triangle">
+              <a:avLst>
+                <a:gd name="adj" fmla="val 0"/>
+              </a:avLst>
+            </a:prstGeom>
+            <a:solidFill>
+              <a:schemeClr val="accent1">
+                <a:alpha val="85000"/>
+              </a:schemeClr>
+            </a:solidFill>
+            <a:ln>
+              <a:noFill/>
+            </a:ln>
+            <a:effectLst/>
+          </p:spPr>
+          <p:style>
+            <a:lnRef idx="1">
+              <a:schemeClr val="accent1"/>
+            </a:lnRef>
+            <a:fillRef idx="3">
+              <a:schemeClr val="accent1"/>
+            </a:fillRef>
+            <a:effectRef idx="2">
+              <a:schemeClr val="accent1"/>
+            </a:effectRef>
+            <a:fontRef idx="minor">
+              <a:schemeClr val="lt1"/>
+            </a:fontRef>
+          </p:style>
+        </p:sp>
+      </p:grpSp>
+      <p:sp>
+        <p:nvSpPr>
+          <p:cNvPr id="2" name="Title Placeholder 1"/>
           <p:cNvSpPr>
             <a:spLocks noGrp="1"/>
           </p:cNvSpPr>
@@ -2784,15 +5740,15 @@
         </p:nvSpPr>
         <p:spPr>
           <a:xfrm>
-            <a:off x="838200" y="365125"/>
-            <a:ext cx="10515600" cy="1325563"/>
+            <a:off x="677334" y="609600"/>
+            <a:ext cx="8596668" cy="1320800"/>
           </a:xfrm>
           <a:prstGeom prst="rect">
             <a:avLst/>
           </a:prstGeom>
         </p:spPr>
         <p:txBody>
-          <a:bodyPr vert="horz" lIns="91440" tIns="45720" rIns="91440" bIns="45720" rtlCol="0" anchor="ctr">
+          <a:bodyPr vert="horz" lIns="91440" tIns="45720" rIns="91440" bIns="45720" rtlCol="0" anchor="t">
             <a:normAutofit/>
           </a:bodyPr>
           <a:lstStyle/>
@@ -2801,18 +5757,13 @@
               <a:rPr lang="en-US"/>
               <a:t>Click to edit Master title style</a:t>
             </a:r>
-          </a:p>
-        </p:txBody>
-      </p:sp>
-      <p:sp>
-        <p:nvSpPr>
-          <p:cNvPr id="3" name="Text Placeholder 2">
-            <a:extLst>
-              <a:ext uri="{FF2B5EF4-FFF2-40B4-BE49-F238E27FC236}">
-                <a16:creationId xmlns:a16="http://schemas.microsoft.com/office/drawing/2014/main" id="{D1FF8735-BA3C-8E40-81B6-A0458C80DB8F}"/>
-              </a:ext>
-            </a:extLst>
-          </p:cNvPr>
+            <a:endParaRPr lang="en-US" dirty="0"/>
+          </a:p>
+        </p:txBody>
+      </p:sp>
+      <p:sp>
+        <p:nvSpPr>
+          <p:cNvPr id="3" name="Text Placeholder 2"/>
           <p:cNvSpPr>
             <a:spLocks noGrp="1"/>
           </p:cNvSpPr>
@@ -2822,8 +5773,8 @@
         </p:nvSpPr>
         <p:spPr>
           <a:xfrm>
-            <a:off x="838200" y="1825625"/>
-            <a:ext cx="10515600" cy="4351338"/>
+            <a:off x="677334" y="2160589"/>
+            <a:ext cx="8596668" cy="3880773"/>
           </a:xfrm>
           <a:prstGeom prst="rect">
             <a:avLst/>
@@ -2868,18 +5819,13 @@
               <a:rPr lang="en-US"/>
               <a:t>Fifth level</a:t>
             </a:r>
-          </a:p>
-        </p:txBody>
-      </p:sp>
-      <p:sp>
-        <p:nvSpPr>
-          <p:cNvPr id="4" name="Date Placeholder 3">
-            <a:extLst>
-              <a:ext uri="{FF2B5EF4-FFF2-40B4-BE49-F238E27FC236}">
-                <a16:creationId xmlns:a16="http://schemas.microsoft.com/office/drawing/2014/main" id="{F0AC96E8-A06D-F941-9C61-4692BF23A904}"/>
-              </a:ext>
-            </a:extLst>
-          </p:cNvPr>
+            <a:endParaRPr lang="en-US" dirty="0"/>
+          </a:p>
+        </p:txBody>
+      </p:sp>
+      <p:sp>
+        <p:nvSpPr>
+          <p:cNvPr id="4" name="Date Placeholder 3"/>
           <p:cNvSpPr>
             <a:spLocks noGrp="1"/>
           </p:cNvSpPr>
@@ -2889,8 +5835,8 @@
         </p:nvSpPr>
         <p:spPr>
           <a:xfrm>
-            <a:off x="838200" y="6356350"/>
-            <a:ext cx="2743200" cy="365125"/>
+            <a:off x="7205133" y="6041362"/>
+            <a:ext cx="911939" cy="365125"/>
           </a:xfrm>
           <a:prstGeom prst="rect">
             <a:avLst/>
@@ -2899,8 +5845,8 @@
         <p:txBody>
           <a:bodyPr vert="horz" lIns="91440" tIns="45720" rIns="91440" bIns="45720" rtlCol="0" anchor="ctr"/>
           <a:lstStyle>
-            <a:lvl1pPr algn="l">
-              <a:defRPr sz="1200">
+            <a:lvl1pPr algn="r">
+              <a:defRPr sz="900">
                 <a:solidFill>
                   <a:schemeClr val="tx1">
                     <a:tint val="75000"/>
@@ -2912,7 +5858,7 @@
           <a:p>
             <a:fld id="{85B944F4-E588-A043-A758-57DBD1F647E3}" type="datetimeFigureOut">
               <a:rPr lang="en-US" smtClean="0"/>
-              <a:t>3/17/18</a:t>
+              <a:t>3/19/2018</a:t>
             </a:fld>
             <a:endParaRPr lang="en-US"/>
           </a:p>
@@ -2920,13 +5866,7 @@
       </p:sp>
       <p:sp>
         <p:nvSpPr>
-          <p:cNvPr id="5" name="Footer Placeholder 4">
-            <a:extLst>
-              <a:ext uri="{FF2B5EF4-FFF2-40B4-BE49-F238E27FC236}">
-                <a16:creationId xmlns:a16="http://schemas.microsoft.com/office/drawing/2014/main" id="{965B09A4-F86A-BA48-BE7E-6834BBC10181}"/>
-              </a:ext>
-            </a:extLst>
-          </p:cNvPr>
+          <p:cNvPr id="5" name="Footer Placeholder 4"/>
           <p:cNvSpPr>
             <a:spLocks noGrp="1"/>
           </p:cNvSpPr>
@@ -2936,8 +5876,8 @@
         </p:nvSpPr>
         <p:spPr>
           <a:xfrm>
-            <a:off x="4038600" y="6356350"/>
-            <a:ext cx="4114800" cy="365125"/>
+            <a:off x="677334" y="6041362"/>
+            <a:ext cx="6297612" cy="365125"/>
           </a:xfrm>
           <a:prstGeom prst="rect">
             <a:avLst/>
@@ -2946,8 +5886,8 @@
         <p:txBody>
           <a:bodyPr vert="horz" lIns="91440" tIns="45720" rIns="91440" bIns="45720" rtlCol="0" anchor="ctr"/>
           <a:lstStyle>
-            <a:lvl1pPr algn="ctr">
-              <a:defRPr sz="1200">
+            <a:lvl1pPr algn="l">
+              <a:defRPr sz="900">
                 <a:solidFill>
                   <a:schemeClr val="tx1">
                     <a:tint val="75000"/>
@@ -2963,13 +5903,7 @@
       </p:sp>
       <p:sp>
         <p:nvSpPr>
-          <p:cNvPr id="6" name="Slide Number Placeholder 5">
-            <a:extLst>
-              <a:ext uri="{FF2B5EF4-FFF2-40B4-BE49-F238E27FC236}">
-                <a16:creationId xmlns:a16="http://schemas.microsoft.com/office/drawing/2014/main" id="{47A122D9-1EBD-9A47-A2D3-8ADF0043C4B1}"/>
-              </a:ext>
-            </a:extLst>
-          </p:cNvPr>
+          <p:cNvPr id="6" name="Slide Number Placeholder 5"/>
           <p:cNvSpPr>
             <a:spLocks noGrp="1"/>
           </p:cNvSpPr>
@@ -2979,8 +5913,8 @@
         </p:nvSpPr>
         <p:spPr>
           <a:xfrm>
-            <a:off x="8610600" y="6356350"/>
-            <a:ext cx="2743200" cy="365125"/>
+            <a:off x="8590663" y="6041362"/>
+            <a:ext cx="683339" cy="365125"/>
           </a:xfrm>
           <a:prstGeom prst="rect">
             <a:avLst/>
@@ -2990,11 +5924,9 @@
           <a:bodyPr vert="horz" lIns="91440" tIns="45720" rIns="91440" bIns="45720" rtlCol="0" anchor="ctr"/>
           <a:lstStyle>
             <a:lvl1pPr algn="r">
-              <a:defRPr sz="1200">
+              <a:defRPr sz="900">
                 <a:solidFill>
-                  <a:schemeClr val="tx1">
-                    <a:tint val="75000"/>
-                  </a:schemeClr>
+                  <a:schemeClr val="accent1"/>
                 </a:solidFill>
               </a:defRPr>
             </a:lvl1pPr>
@@ -3011,201 +5943,322 @@
     </p:spTree>
     <p:extLst>
       <p:ext uri="{BB962C8B-B14F-4D97-AF65-F5344CB8AC3E}">
-        <p14:creationId xmlns:p14="http://schemas.microsoft.com/office/powerpoint/2010/main" val="3405184021"/>
+        <p14:creationId xmlns:p14="http://schemas.microsoft.com/office/powerpoint/2010/main" val="517583825"/>
       </p:ext>
     </p:extLst>
   </p:cSld>
   <p:clrMap bg1="lt1" tx1="dk1" bg2="lt2" tx2="dk2" accent1="accent1" accent2="accent2" accent3="accent3" accent4="accent4" accent5="accent5" accent6="accent6" hlink="hlink" folHlink="folHlink"/>
   <p:sldLayoutIdLst>
-    <p:sldLayoutId id="2147483649" r:id="rId1"/>
-    <p:sldLayoutId id="2147483650" r:id="rId2"/>
-    <p:sldLayoutId id="2147483651" r:id="rId3"/>
-    <p:sldLayoutId id="2147483652" r:id="rId4"/>
-    <p:sldLayoutId id="2147483653" r:id="rId5"/>
-    <p:sldLayoutId id="2147483654" r:id="rId6"/>
-    <p:sldLayoutId id="2147483655" r:id="rId7"/>
-    <p:sldLayoutId id="2147483656" r:id="rId8"/>
-    <p:sldLayoutId id="2147483657" r:id="rId9"/>
-    <p:sldLayoutId id="2147483658" r:id="rId10"/>
-    <p:sldLayoutId id="2147483659" r:id="rId11"/>
+    <p:sldLayoutId id="2147483661" r:id="rId1"/>
+    <p:sldLayoutId id="2147483662" r:id="rId2"/>
+    <p:sldLayoutId id="2147483663" r:id="rId3"/>
+    <p:sldLayoutId id="2147483664" r:id="rId4"/>
+    <p:sldLayoutId id="2147483665" r:id="rId5"/>
+    <p:sldLayoutId id="2147483666" r:id="rId6"/>
+    <p:sldLayoutId id="2147483667" r:id="rId7"/>
+    <p:sldLayoutId id="2147483668" r:id="rId8"/>
+    <p:sldLayoutId id="2147483669" r:id="rId9"/>
+    <p:sldLayoutId id="2147483670" r:id="rId10"/>
+    <p:sldLayoutId id="2147483671" r:id="rId11"/>
+    <p:sldLayoutId id="2147483672" r:id="rId12"/>
+    <p:sldLayoutId id="2147483673" r:id="rId13"/>
+    <p:sldLayoutId id="2147483674" r:id="rId14"/>
+    <p:sldLayoutId id="2147483675" r:id="rId15"/>
+    <p:sldLayoutId id="2147483676" r:id="rId16"/>
   </p:sldLayoutIdLst>
   <p:txStyles>
     <p:titleStyle>
-      <a:lvl1pPr algn="l" defTabSz="914400" rtl="0" eaLnBrk="1" latinLnBrk="0" hangingPunct="1">
-        <a:lnSpc>
-          <a:spcPct val="90000"/>
-        </a:lnSpc>
+      <a:lvl1pPr algn="l" defTabSz="457200" rtl="0" eaLnBrk="1" latinLnBrk="0" hangingPunct="1">
         <a:spcBef>
           <a:spcPct val="0"/>
         </a:spcBef>
         <a:buNone/>
-        <a:defRPr sz="4400" kern="1200">
+        <a:defRPr sz="3600" kern="1200">
           <a:solidFill>
-            <a:schemeClr val="tx1"/>
+            <a:schemeClr val="accent1"/>
           </a:solidFill>
           <a:latin typeface="+mj-lt"/>
           <a:ea typeface="+mj-ea"/>
           <a:cs typeface="+mj-cs"/>
         </a:defRPr>
       </a:lvl1pPr>
+      <a:lvl2pPr eaLnBrk="1" hangingPunct="1">
+        <a:defRPr>
+          <a:solidFill>
+            <a:schemeClr val="tx2"/>
+          </a:solidFill>
+        </a:defRPr>
+      </a:lvl2pPr>
+      <a:lvl3pPr eaLnBrk="1" hangingPunct="1">
+        <a:defRPr>
+          <a:solidFill>
+            <a:schemeClr val="tx2"/>
+          </a:solidFill>
+        </a:defRPr>
+      </a:lvl3pPr>
+      <a:lvl4pPr eaLnBrk="1" hangingPunct="1">
+        <a:defRPr>
+          <a:solidFill>
+            <a:schemeClr val="tx2"/>
+          </a:solidFill>
+        </a:defRPr>
+      </a:lvl4pPr>
+      <a:lvl5pPr eaLnBrk="1" hangingPunct="1">
+        <a:defRPr>
+          <a:solidFill>
+            <a:schemeClr val="tx2"/>
+          </a:solidFill>
+        </a:defRPr>
+      </a:lvl5pPr>
+      <a:lvl6pPr eaLnBrk="1" hangingPunct="1">
+        <a:defRPr>
+          <a:solidFill>
+            <a:schemeClr val="tx2"/>
+          </a:solidFill>
+        </a:defRPr>
+      </a:lvl6pPr>
+      <a:lvl7pPr eaLnBrk="1" hangingPunct="1">
+        <a:defRPr>
+          <a:solidFill>
+            <a:schemeClr val="tx2"/>
+          </a:solidFill>
+        </a:defRPr>
+      </a:lvl7pPr>
+      <a:lvl8pPr eaLnBrk="1" hangingPunct="1">
+        <a:defRPr>
+          <a:solidFill>
+            <a:schemeClr val="tx2"/>
+          </a:solidFill>
+        </a:defRPr>
+      </a:lvl8pPr>
+      <a:lvl9pPr eaLnBrk="1" hangingPunct="1">
+        <a:defRPr>
+          <a:solidFill>
+            <a:schemeClr val="tx2"/>
+          </a:solidFill>
+        </a:defRPr>
+      </a:lvl9pPr>
     </p:titleStyle>
     <p:bodyStyle>
-      <a:lvl1pPr marL="228600" indent="-228600" algn="l" defTabSz="914400" rtl="0" eaLnBrk="1" latinLnBrk="0" hangingPunct="1">
-        <a:lnSpc>
-          <a:spcPct val="90000"/>
-        </a:lnSpc>
+      <a:lvl1pPr marL="342900" indent="-342900" algn="l" defTabSz="457200" rtl="0" eaLnBrk="1" latinLnBrk="0" hangingPunct="1">
         <a:spcBef>
           <a:spcPts val="1000"/>
         </a:spcBef>
-        <a:buFont typeface="Arial" panose="020B0604020202020204" pitchFamily="34" charset="0"/>
-        <a:buChar char="•"/>
-        <a:defRPr sz="2800" kern="1200">
+        <a:spcAft>
+          <a:spcPts val="0"/>
+        </a:spcAft>
+        <a:buClr>
+          <a:schemeClr val="accent1"/>
+        </a:buClr>
+        <a:buSzPct val="80000"/>
+        <a:buFont typeface="Wingdings 3" charset="2"/>
+        <a:buChar char=""/>
+        <a:defRPr sz="1800" kern="1200">
           <a:solidFill>
-            <a:schemeClr val="tx1"/>
+            <a:schemeClr val="tx1">
+              <a:lumMod val="75000"/>
+              <a:lumOff val="25000"/>
+            </a:schemeClr>
           </a:solidFill>
           <a:latin typeface="+mn-lt"/>
           <a:ea typeface="+mn-ea"/>
           <a:cs typeface="+mn-cs"/>
         </a:defRPr>
       </a:lvl1pPr>
-      <a:lvl2pPr marL="685800" indent="-228600" algn="l" defTabSz="914400" rtl="0" eaLnBrk="1" latinLnBrk="0" hangingPunct="1">
-        <a:lnSpc>
-          <a:spcPct val="90000"/>
-        </a:lnSpc>
+      <a:lvl2pPr marL="742950" indent="-285750" algn="l" defTabSz="457200" rtl="0" eaLnBrk="1" latinLnBrk="0" hangingPunct="1">
         <a:spcBef>
-          <a:spcPts val="500"/>
+          <a:spcPts val="1000"/>
         </a:spcBef>
-        <a:buFont typeface="Arial" panose="020B0604020202020204" pitchFamily="34" charset="0"/>
-        <a:buChar char="•"/>
-        <a:defRPr sz="2400" kern="1200">
+        <a:spcAft>
+          <a:spcPts val="0"/>
+        </a:spcAft>
+        <a:buClr>
+          <a:schemeClr val="accent1"/>
+        </a:buClr>
+        <a:buSzPct val="80000"/>
+        <a:buFont typeface="Wingdings 3" charset="2"/>
+        <a:buChar char=""/>
+        <a:defRPr sz="1600" kern="1200">
           <a:solidFill>
-            <a:schemeClr val="tx1"/>
+            <a:schemeClr val="tx1">
+              <a:lumMod val="75000"/>
+              <a:lumOff val="25000"/>
+            </a:schemeClr>
           </a:solidFill>
           <a:latin typeface="+mn-lt"/>
           <a:ea typeface="+mn-ea"/>
           <a:cs typeface="+mn-cs"/>
         </a:defRPr>
       </a:lvl2pPr>
-      <a:lvl3pPr marL="1143000" indent="-228600" algn="l" defTabSz="914400" rtl="0" eaLnBrk="1" latinLnBrk="0" hangingPunct="1">
-        <a:lnSpc>
-          <a:spcPct val="90000"/>
-        </a:lnSpc>
+      <a:lvl3pPr marL="1143000" indent="-228600" algn="l" defTabSz="457200" rtl="0" eaLnBrk="1" latinLnBrk="0" hangingPunct="1">
         <a:spcBef>
-          <a:spcPts val="500"/>
+          <a:spcPts val="1000"/>
         </a:spcBef>
-        <a:buFont typeface="Arial" panose="020B0604020202020204" pitchFamily="34" charset="0"/>
-        <a:buChar char="•"/>
-        <a:defRPr sz="2000" kern="1200">
+        <a:spcAft>
+          <a:spcPts val="0"/>
+        </a:spcAft>
+        <a:buClr>
+          <a:schemeClr val="accent1"/>
+        </a:buClr>
+        <a:buSzPct val="80000"/>
+        <a:buFont typeface="Wingdings 3" charset="2"/>
+        <a:buChar char=""/>
+        <a:defRPr sz="1400" kern="1200">
           <a:solidFill>
-            <a:schemeClr val="tx1"/>
+            <a:schemeClr val="tx1">
+              <a:lumMod val="75000"/>
+              <a:lumOff val="25000"/>
+            </a:schemeClr>
           </a:solidFill>
           <a:latin typeface="+mn-lt"/>
           <a:ea typeface="+mn-ea"/>
           <a:cs typeface="+mn-cs"/>
         </a:defRPr>
       </a:lvl3pPr>
-      <a:lvl4pPr marL="1600200" indent="-228600" algn="l" defTabSz="914400" rtl="0" eaLnBrk="1" latinLnBrk="0" hangingPunct="1">
-        <a:lnSpc>
-          <a:spcPct val="90000"/>
-        </a:lnSpc>
+      <a:lvl4pPr marL="1600200" indent="-228600" algn="l" defTabSz="457200" rtl="0" eaLnBrk="1" latinLnBrk="0" hangingPunct="1">
         <a:spcBef>
-          <a:spcPts val="500"/>
+          <a:spcPts val="1000"/>
         </a:spcBef>
-        <a:buFont typeface="Arial" panose="020B0604020202020204" pitchFamily="34" charset="0"/>
-        <a:buChar char="•"/>
-        <a:defRPr sz="1800" kern="1200">
+        <a:spcAft>
+          <a:spcPts val="0"/>
+        </a:spcAft>
+        <a:buClr>
+          <a:schemeClr val="accent1"/>
+        </a:buClr>
+        <a:buSzPct val="80000"/>
+        <a:buFont typeface="Wingdings 3" charset="2"/>
+        <a:buChar char=""/>
+        <a:defRPr sz="1200" kern="1200">
           <a:solidFill>
-            <a:schemeClr val="tx1"/>
+            <a:schemeClr val="tx1">
+              <a:lumMod val="75000"/>
+              <a:lumOff val="25000"/>
+            </a:schemeClr>
           </a:solidFill>
           <a:latin typeface="+mn-lt"/>
           <a:ea typeface="+mn-ea"/>
           <a:cs typeface="+mn-cs"/>
         </a:defRPr>
       </a:lvl4pPr>
-      <a:lvl5pPr marL="2057400" indent="-228600" algn="l" defTabSz="914400" rtl="0" eaLnBrk="1" latinLnBrk="0" hangingPunct="1">
-        <a:lnSpc>
-          <a:spcPct val="90000"/>
-        </a:lnSpc>
+      <a:lvl5pPr marL="2057400" indent="-228600" algn="l" defTabSz="457200" rtl="0" eaLnBrk="1" latinLnBrk="0" hangingPunct="1">
         <a:spcBef>
-          <a:spcPts val="500"/>
+          <a:spcPts val="1000"/>
         </a:spcBef>
-        <a:buFont typeface="Arial" panose="020B0604020202020204" pitchFamily="34" charset="0"/>
-        <a:buChar char="•"/>
-        <a:defRPr sz="1800" kern="1200">
+        <a:spcAft>
+          <a:spcPts val="0"/>
+        </a:spcAft>
+        <a:buClr>
+          <a:schemeClr val="accent1"/>
+        </a:buClr>
+        <a:buSzPct val="80000"/>
+        <a:buFont typeface="Wingdings 3" charset="2"/>
+        <a:buChar char=""/>
+        <a:defRPr sz="1200" kern="1200">
           <a:solidFill>
-            <a:schemeClr val="tx1"/>
+            <a:schemeClr val="tx1">
+              <a:lumMod val="75000"/>
+              <a:lumOff val="25000"/>
+            </a:schemeClr>
           </a:solidFill>
           <a:latin typeface="+mn-lt"/>
           <a:ea typeface="+mn-ea"/>
           <a:cs typeface="+mn-cs"/>
         </a:defRPr>
       </a:lvl5pPr>
-      <a:lvl6pPr marL="2514600" indent="-228600" algn="l" defTabSz="914400" rtl="0" eaLnBrk="1" latinLnBrk="0" hangingPunct="1">
-        <a:lnSpc>
-          <a:spcPct val="90000"/>
-        </a:lnSpc>
+      <a:lvl6pPr marL="2514600" indent="-228600" algn="l" defTabSz="457200" rtl="0" eaLnBrk="1" latinLnBrk="0" hangingPunct="1">
         <a:spcBef>
-          <a:spcPts val="500"/>
+          <a:spcPts val="1000"/>
         </a:spcBef>
-        <a:buFont typeface="Arial" panose="020B0604020202020204" pitchFamily="34" charset="0"/>
-        <a:buChar char="•"/>
-        <a:defRPr sz="1800" kern="1200">
+        <a:spcAft>
+          <a:spcPts val="0"/>
+        </a:spcAft>
+        <a:buClr>
+          <a:schemeClr val="accent1"/>
+        </a:buClr>
+        <a:buSzPct val="80000"/>
+        <a:buFont typeface="Wingdings 3" charset="2"/>
+        <a:buChar char=""/>
+        <a:defRPr sz="1200" kern="1200">
           <a:solidFill>
-            <a:schemeClr val="tx1"/>
+            <a:schemeClr val="tx1">
+              <a:lumMod val="75000"/>
+              <a:lumOff val="25000"/>
+            </a:schemeClr>
           </a:solidFill>
           <a:latin typeface="+mn-lt"/>
           <a:ea typeface="+mn-ea"/>
           <a:cs typeface="+mn-cs"/>
         </a:defRPr>
       </a:lvl6pPr>
-      <a:lvl7pPr marL="2971800" indent="-228600" algn="l" defTabSz="914400" rtl="0" eaLnBrk="1" latinLnBrk="0" hangingPunct="1">
-        <a:lnSpc>
-          <a:spcPct val="90000"/>
-        </a:lnSpc>
+      <a:lvl7pPr marL="2971800" indent="-228600" algn="l" defTabSz="457200" rtl="0" eaLnBrk="1" latinLnBrk="0" hangingPunct="1">
         <a:spcBef>
-          <a:spcPts val="500"/>
+          <a:spcPts val="1000"/>
         </a:spcBef>
-        <a:buFont typeface="Arial" panose="020B0604020202020204" pitchFamily="34" charset="0"/>
-        <a:buChar char="•"/>
-        <a:defRPr sz="1800" kern="1200">
+        <a:spcAft>
+          <a:spcPts val="0"/>
+        </a:spcAft>
+        <a:buClr>
+          <a:schemeClr val="accent1"/>
+        </a:buClr>
+        <a:buSzPct val="80000"/>
+        <a:buFont typeface="Wingdings 3" charset="2"/>
+        <a:buChar char=""/>
+        <a:defRPr sz="1200" kern="1200">
           <a:solidFill>
-            <a:schemeClr val="tx1"/>
+            <a:schemeClr val="tx1">
+              <a:lumMod val="75000"/>
+              <a:lumOff val="25000"/>
+            </a:schemeClr>
           </a:solidFill>
           <a:latin typeface="+mn-lt"/>
           <a:ea typeface="+mn-ea"/>
           <a:cs typeface="+mn-cs"/>
         </a:defRPr>
       </a:lvl7pPr>
-      <a:lvl8pPr marL="3429000" indent="-228600" algn="l" defTabSz="914400" rtl="0" eaLnBrk="1" latinLnBrk="0" hangingPunct="1">
-        <a:lnSpc>
-          <a:spcPct val="90000"/>
-        </a:lnSpc>
+      <a:lvl8pPr marL="3429000" indent="-228600" algn="l" defTabSz="457200" rtl="0" eaLnBrk="1" latinLnBrk="0" hangingPunct="1">
         <a:spcBef>
-          <a:spcPts val="500"/>
+          <a:spcPts val="1000"/>
         </a:spcBef>
-        <a:buFont typeface="Arial" panose="020B0604020202020204" pitchFamily="34" charset="0"/>
-        <a:buChar char="•"/>
-        <a:defRPr sz="1800" kern="1200">
+        <a:spcAft>
+          <a:spcPts val="0"/>
+        </a:spcAft>
+        <a:buClr>
+          <a:schemeClr val="accent1"/>
+        </a:buClr>
+        <a:buSzPct val="80000"/>
+        <a:buFont typeface="Wingdings 3" charset="2"/>
+        <a:buChar char=""/>
+        <a:defRPr sz="1200" kern="1200">
           <a:solidFill>
-            <a:schemeClr val="tx1"/>
+            <a:schemeClr val="tx1">
+              <a:lumMod val="75000"/>
+              <a:lumOff val="25000"/>
+            </a:schemeClr>
           </a:solidFill>
           <a:latin typeface="+mn-lt"/>
           <a:ea typeface="+mn-ea"/>
           <a:cs typeface="+mn-cs"/>
         </a:defRPr>
       </a:lvl8pPr>
-      <a:lvl9pPr marL="3886200" indent="-228600" algn="l" defTabSz="914400" rtl="0" eaLnBrk="1" latinLnBrk="0" hangingPunct="1">
-        <a:lnSpc>
-          <a:spcPct val="90000"/>
-        </a:lnSpc>
+      <a:lvl9pPr marL="3886200" indent="-228600" algn="l" defTabSz="457200" rtl="0" eaLnBrk="1" latinLnBrk="0" hangingPunct="1">
         <a:spcBef>
-          <a:spcPts val="500"/>
+          <a:spcPts val="1000"/>
         </a:spcBef>
-        <a:buFont typeface="Arial" panose="020B0604020202020204" pitchFamily="34" charset="0"/>
-        <a:buChar char="•"/>
-        <a:defRPr sz="1800" kern="1200">
+        <a:spcAft>
+          <a:spcPts val="0"/>
+        </a:spcAft>
+        <a:buClr>
+          <a:schemeClr val="accent1"/>
+        </a:buClr>
+        <a:buSzPct val="80000"/>
+        <a:buFont typeface="Wingdings 3" charset="2"/>
+        <a:buChar char=""/>
+        <a:defRPr sz="1200" kern="1200">
           <a:solidFill>
-            <a:schemeClr val="tx1"/>
+            <a:schemeClr val="tx1">
+              <a:lumMod val="75000"/>
+              <a:lumOff val="25000"/>
+            </a:schemeClr>
           </a:solidFill>
           <a:latin typeface="+mn-lt"/>
           <a:ea typeface="+mn-ea"/>
@@ -3217,7 +6270,7 @@
       <a:defPPr>
         <a:defRPr lang="en-US"/>
       </a:defPPr>
-      <a:lvl1pPr marL="0" algn="l" defTabSz="914400" rtl="0" eaLnBrk="1" latinLnBrk="0" hangingPunct="1">
+      <a:lvl1pPr marL="0" algn="l" defTabSz="457200" rtl="0" eaLnBrk="1" latinLnBrk="0" hangingPunct="1">
         <a:defRPr sz="1800" kern="1200">
           <a:solidFill>
             <a:schemeClr val="tx1"/>
@@ -3227,7 +6280,7 @@
           <a:cs typeface="+mn-cs"/>
         </a:defRPr>
       </a:lvl1pPr>
-      <a:lvl2pPr marL="457200" algn="l" defTabSz="914400" rtl="0" eaLnBrk="1" latinLnBrk="0" hangingPunct="1">
+      <a:lvl2pPr marL="457200" algn="l" defTabSz="457200" rtl="0" eaLnBrk="1" latinLnBrk="0" hangingPunct="1">
         <a:defRPr sz="1800" kern="1200">
           <a:solidFill>
             <a:schemeClr val="tx1"/>
@@ -3237,7 +6290,7 @@
           <a:cs typeface="+mn-cs"/>
         </a:defRPr>
       </a:lvl2pPr>
-      <a:lvl3pPr marL="914400" algn="l" defTabSz="914400" rtl="0" eaLnBrk="1" latinLnBrk="0" hangingPunct="1">
+      <a:lvl3pPr marL="914400" algn="l" defTabSz="457200" rtl="0" eaLnBrk="1" latinLnBrk="0" hangingPunct="1">
         <a:defRPr sz="1800" kern="1200">
           <a:solidFill>
             <a:schemeClr val="tx1"/>
@@ -3247,7 +6300,7 @@
           <a:cs typeface="+mn-cs"/>
         </a:defRPr>
       </a:lvl3pPr>
-      <a:lvl4pPr marL="1371600" algn="l" defTabSz="914400" rtl="0" eaLnBrk="1" latinLnBrk="0" hangingPunct="1">
+      <a:lvl4pPr marL="1371600" algn="l" defTabSz="457200" rtl="0" eaLnBrk="1" latinLnBrk="0" hangingPunct="1">
         <a:defRPr sz="1800" kern="1200">
           <a:solidFill>
             <a:schemeClr val="tx1"/>
@@ -3257,7 +6310,7 @@
           <a:cs typeface="+mn-cs"/>
         </a:defRPr>
       </a:lvl4pPr>
-      <a:lvl5pPr marL="1828800" algn="l" defTabSz="914400" rtl="0" eaLnBrk="1" latinLnBrk="0" hangingPunct="1">
+      <a:lvl5pPr marL="1828800" algn="l" defTabSz="457200" rtl="0" eaLnBrk="1" latinLnBrk="0" hangingPunct="1">
         <a:defRPr sz="1800" kern="1200">
           <a:solidFill>
             <a:schemeClr val="tx1"/>
@@ -3267,7 +6320,7 @@
           <a:cs typeface="+mn-cs"/>
         </a:defRPr>
       </a:lvl5pPr>
-      <a:lvl6pPr marL="2286000" algn="l" defTabSz="914400" rtl="0" eaLnBrk="1" latinLnBrk="0" hangingPunct="1">
+      <a:lvl6pPr marL="2286000" algn="l" defTabSz="457200" rtl="0" eaLnBrk="1" latinLnBrk="0" hangingPunct="1">
         <a:defRPr sz="1800" kern="1200">
           <a:solidFill>
             <a:schemeClr val="tx1"/>
@@ -3277,7 +6330,7 @@
           <a:cs typeface="+mn-cs"/>
         </a:defRPr>
       </a:lvl6pPr>
-      <a:lvl7pPr marL="2743200" algn="l" defTabSz="914400" rtl="0" eaLnBrk="1" latinLnBrk="0" hangingPunct="1">
+      <a:lvl7pPr marL="2743200" algn="l" defTabSz="457200" rtl="0" eaLnBrk="1" latinLnBrk="0" hangingPunct="1">
         <a:defRPr sz="1800" kern="1200">
           <a:solidFill>
             <a:schemeClr val="tx1"/>
@@ -3287,7 +6340,7 @@
           <a:cs typeface="+mn-cs"/>
         </a:defRPr>
       </a:lvl7pPr>
-      <a:lvl8pPr marL="3200400" algn="l" defTabSz="914400" rtl="0" eaLnBrk="1" latinLnBrk="0" hangingPunct="1">
+      <a:lvl8pPr marL="3200400" algn="l" defTabSz="457200" rtl="0" eaLnBrk="1" latinLnBrk="0" hangingPunct="1">
         <a:defRPr sz="1800" kern="1200">
           <a:solidFill>
             <a:schemeClr val="tx1"/>
@@ -3297,7 +6350,7 @@
           <a:cs typeface="+mn-cs"/>
         </a:defRPr>
       </a:lvl8pPr>
-      <a:lvl9pPr marL="3657600" algn="l" defTabSz="914400" rtl="0" eaLnBrk="1" latinLnBrk="0" hangingPunct="1">
+      <a:lvl9pPr marL="3657600" algn="l" defTabSz="457200" rtl="0" eaLnBrk="1" latinLnBrk="0" hangingPunct="1">
         <a:defRPr sz="1800" kern="1200">
           <a:solidFill>
             <a:schemeClr val="tx1"/>
@@ -3386,7 +6439,7 @@
         </p:spPr>
         <p:txBody>
           <a:bodyPr>
-            <a:normAutofit lnSpcReduction="10000"/>
+            <a:normAutofit/>
           </a:bodyPr>
           <a:lstStyle/>
           <a:p>
@@ -3520,6 +6573,155 @@
 </p:sld>
 </file>
 
+<file path=ppt/slides/slide10.xml><?xml version="1.0" encoding="utf-8"?>
+<p:sld xmlns:a="http://schemas.openxmlformats.org/drawingml/2006/main" xmlns:r="http://schemas.openxmlformats.org/officeDocument/2006/relationships" xmlns:p="http://schemas.openxmlformats.org/presentationml/2006/main">
+  <p:cSld>
+    <p:spTree>
+      <p:nvGrpSpPr>
+        <p:cNvPr id="1" name=""/>
+        <p:cNvGrpSpPr/>
+        <p:nvPr/>
+      </p:nvGrpSpPr>
+      <p:grpSpPr>
+        <a:xfrm>
+          <a:off x="0" y="0"/>
+          <a:ext cx="0" cy="0"/>
+          <a:chOff x="0" y="0"/>
+          <a:chExt cx="0" cy="0"/>
+        </a:xfrm>
+      </p:grpSpPr>
+      <p:pic>
+        <p:nvPicPr>
+          <p:cNvPr id="5" name="Content Placeholder 4">
+            <a:extLst>
+              <a:ext uri="{FF2B5EF4-FFF2-40B4-BE49-F238E27FC236}">
+                <a16:creationId xmlns:a16="http://schemas.microsoft.com/office/drawing/2014/main" id="{03E80F81-C445-234E-8D47-34F121A65D60}"/>
+              </a:ext>
+            </a:extLst>
+          </p:cNvPr>
+          <p:cNvPicPr>
+            <a:picLocks noGrp="1" noChangeAspect="1"/>
+          </p:cNvPicPr>
+          <p:nvPr>
+            <p:ph idx="1"/>
+          </p:nvPr>
+        </p:nvPicPr>
+        <p:blipFill>
+          <a:blip r:embed="rId2"/>
+          <a:stretch>
+            <a:fillRect/>
+          </a:stretch>
+        </p:blipFill>
+        <p:spPr>
+          <a:xfrm>
+            <a:off x="2599979" y="1362752"/>
+            <a:ext cx="6634515" cy="4284791"/>
+          </a:xfrm>
+        </p:spPr>
+      </p:pic>
+      <p:sp>
+        <p:nvSpPr>
+          <p:cNvPr id="6" name="TextBox 5">
+            <a:extLst>
+              <a:ext uri="{FF2B5EF4-FFF2-40B4-BE49-F238E27FC236}">
+                <a16:creationId xmlns:a16="http://schemas.microsoft.com/office/drawing/2014/main" id="{7338766B-8CCC-E447-BD13-6E763821F813}"/>
+              </a:ext>
+            </a:extLst>
+          </p:cNvPr>
+          <p:cNvSpPr txBox="1"/>
+          <p:nvPr/>
+        </p:nvSpPr>
+        <p:spPr>
+          <a:xfrm>
+            <a:off x="4212640" y="6468082"/>
+            <a:ext cx="7358743" cy="246221"/>
+          </a:xfrm>
+          <a:prstGeom prst="rect">
+            <a:avLst/>
+          </a:prstGeom>
+          <a:noFill/>
+        </p:spPr>
+        <p:txBody>
+          <a:bodyPr wrap="square" rtlCol="0">
+            <a:spAutoFit/>
+          </a:bodyPr>
+          <a:lstStyle/>
+          <a:p>
+            <a:r>
+              <a:rPr lang="en-US" sz="1000" dirty="0"/>
+              <a:t>http://</a:t>
+            </a:r>
+            <a:r>
+              <a:rPr lang="en-US" sz="1000" dirty="0" err="1"/>
+              <a:t>www.dnrec.delaware.gov</a:t>
+            </a:r>
+            <a:r>
+              <a:rPr lang="en-US" sz="1000" dirty="0"/>
+              <a:t>/volunteer/Pages/</a:t>
+            </a:r>
+            <a:r>
+              <a:rPr lang="en-US" sz="1000" dirty="0" err="1"/>
+              <a:t>AQvolunteers.aspx</a:t>
+            </a:r>
+            <a:endParaRPr lang="en-US" sz="1000" dirty="0"/>
+          </a:p>
+        </p:txBody>
+      </p:sp>
+      <p:sp>
+        <p:nvSpPr>
+          <p:cNvPr id="7" name="TextBox 6">
+            <a:extLst>
+              <a:ext uri="{FF2B5EF4-FFF2-40B4-BE49-F238E27FC236}">
+                <a16:creationId xmlns:a16="http://schemas.microsoft.com/office/drawing/2014/main" id="{0502ECD0-6ADE-E04F-A440-F894834D72AB}"/>
+              </a:ext>
+            </a:extLst>
+          </p:cNvPr>
+          <p:cNvSpPr txBox="1"/>
+          <p:nvPr/>
+        </p:nvSpPr>
+        <p:spPr>
+          <a:xfrm>
+            <a:off x="4792337" y="1630496"/>
+            <a:ext cx="2677099" cy="492443"/>
+          </a:xfrm>
+          <a:prstGeom prst="rect">
+            <a:avLst/>
+          </a:prstGeom>
+          <a:noFill/>
+        </p:spPr>
+        <p:txBody>
+          <a:bodyPr wrap="square" rtlCol="0">
+            <a:spAutoFit/>
+          </a:bodyPr>
+          <a:lstStyle/>
+          <a:p>
+            <a:pPr algn="ctr"/>
+            <a:r>
+              <a:rPr lang="en-US" sz="2600" b="1" i="1" dirty="0">
+                <a:solidFill>
+                  <a:srgbClr val="C00000"/>
+                </a:solidFill>
+                <a:latin typeface="Apple Chancery" panose="03020702040506060504" pitchFamily="66" charset="-79"/>
+                <a:cs typeface="Apple Chancery" panose="03020702040506060504" pitchFamily="66" charset="-79"/>
+              </a:rPr>
+              <a:t>Q &amp; A</a:t>
+            </a:r>
+          </a:p>
+        </p:txBody>
+      </p:sp>
+    </p:spTree>
+    <p:extLst>
+      <p:ext uri="{BB962C8B-B14F-4D97-AF65-F5344CB8AC3E}">
+        <p14:creationId xmlns:p14="http://schemas.microsoft.com/office/powerpoint/2010/main" val="3918693780"/>
+      </p:ext>
+    </p:extLst>
+  </p:cSld>
+  <p:clrMapOvr>
+    <a:masterClrMapping/>
+  </p:clrMapOvr>
+</p:sld>
+</file>
+
 <file path=ppt/slides/slide2.xml><?xml version="1.0" encoding="utf-8"?>
 <p:sld xmlns:a="http://schemas.openxmlformats.org/drawingml/2006/main" xmlns:r="http://schemas.openxmlformats.org/officeDocument/2006/relationships" xmlns:p="http://schemas.openxmlformats.org/presentationml/2006/main">
   <p:cSld>
@@ -3977,25 +7179,17 @@
           <a:p>
             <a:r>
               <a:rPr lang="en-US" dirty="0"/>
-              <a:t>Key take </a:t>
-            </a:r>
-            <a:r>
-              <a:rPr lang="en-US" dirty="0" err="1"/>
-              <a:t>aways</a:t>
-            </a:r>
-            <a:r>
-              <a:rPr lang="en-US" dirty="0"/>
-              <a:t> [Yam]</a:t>
-            </a:r>
-          </a:p>
-        </p:txBody>
-      </p:sp>
-      <p:sp>
-        <p:nvSpPr>
-          <p:cNvPr id="3" name="Content Placeholder 2">
+              <a:t>Air Quality Index</a:t>
+            </a:r>
+          </a:p>
+        </p:txBody>
+      </p:sp>
+      <p:sp>
+        <p:nvSpPr>
+          <p:cNvPr id="4" name="Content Placeholder 3">
             <a:extLst>
               <a:ext uri="{FF2B5EF4-FFF2-40B4-BE49-F238E27FC236}">
-                <a16:creationId xmlns:a16="http://schemas.microsoft.com/office/drawing/2014/main" id="{67D83CFD-FDAE-9F44-9300-D077904D56B0}"/>
+                <a16:creationId xmlns:a16="http://schemas.microsoft.com/office/drawing/2014/main" id="{8DAA206A-7DB5-4C8D-A676-5733629BBA4D}"/>
               </a:ext>
             </a:extLst>
           </p:cNvPr>
@@ -4008,17 +7202,28 @@
         </p:nvSpPr>
         <p:spPr/>
         <p:txBody>
-          <a:bodyPr/>
+          <a:bodyPr>
+            <a:normAutofit/>
+          </a:bodyPr>
           <a:lstStyle/>
           <a:p>
-            <a:endParaRPr lang="en-US"/>
+            <a:r>
+              <a:rPr lang="en-US" sz="2000" dirty="0"/>
+              <a:t>An air quality index (AQI) is a number used by government agencies  to communicate to the public how polluted the air currently is or how polluted it is forecast to become. As the AQI increases, an increasingly large percentage of the population is likely to experience increasingly severe adverse health effects.[1] </a:t>
+            </a:r>
+          </a:p>
+          <a:p>
+            <a:r>
+              <a:rPr lang="en-US" sz="2000" dirty="0"/>
+              <a:t> EPA(United States Environmental Protection Agency) [2] calculates the AQI for five major air pollutants regulated by the Clean Air Act: ground-level ozone, particle pollution (also known as particulate matter(PM2.5,and PM10)), carbon monoxide, sulfur dioxide, and nitrogen dioxide. </a:t>
+            </a:r>
           </a:p>
         </p:txBody>
       </p:sp>
     </p:spTree>
     <p:extLst>
       <p:ext uri="{BB962C8B-B14F-4D97-AF65-F5344CB8AC3E}">
-        <p14:creationId xmlns:p14="http://schemas.microsoft.com/office/powerpoint/2010/main" val="1789689188"/>
+        <p14:creationId xmlns:p14="http://schemas.microsoft.com/office/powerpoint/2010/main" val="2063517021"/>
       </p:ext>
     </p:extLst>
   </p:cSld>
@@ -4050,7 +7255,7 @@
           <p:cNvPr id="2" name="Title 1">
             <a:extLst>
               <a:ext uri="{FF2B5EF4-FFF2-40B4-BE49-F238E27FC236}">
-                <a16:creationId xmlns:a16="http://schemas.microsoft.com/office/drawing/2014/main" id="{80999772-6DB8-394E-903D-A0C0B7F192CC}"/>
+                <a16:creationId xmlns:a16="http://schemas.microsoft.com/office/drawing/2014/main" id="{8A7C18E2-EB74-4835-9BA3-F21486DC21A1}"/>
               </a:ext>
             </a:extLst>
           </p:cNvPr>
@@ -4061,63 +7266,1232 @@
             <p:ph type="title"/>
           </p:nvPr>
         </p:nvSpPr>
-        <p:spPr/>
+        <p:spPr>
+          <a:xfrm>
+            <a:off x="677334" y="609600"/>
+            <a:ext cx="8596668" cy="898689"/>
+          </a:xfrm>
+        </p:spPr>
         <p:txBody>
           <a:bodyPr/>
           <a:lstStyle/>
           <a:p>
             <a:r>
               <a:rPr lang="en-US" dirty="0"/>
-              <a:t>Key take </a:t>
-            </a:r>
-            <a:r>
-              <a:rPr lang="en-US" dirty="0" err="1"/>
-              <a:t>aways</a:t>
-            </a:r>
-            <a:r>
-              <a:rPr lang="en-US" dirty="0"/>
-              <a:t> [</a:t>
-            </a:r>
-            <a:r>
-              <a:rPr lang="en-US" dirty="0" err="1"/>
-              <a:t>Vinu</a:t>
-            </a:r>
-            <a:r>
-              <a:rPr lang="en-US" dirty="0"/>
-              <a:t>]</a:t>
-            </a:r>
-          </a:p>
-        </p:txBody>
-      </p:sp>
-      <p:sp>
-        <p:nvSpPr>
-          <p:cNvPr id="3" name="Content Placeholder 2">
+              <a:t>Data representing in tabular form</a:t>
+            </a:r>
+          </a:p>
+        </p:txBody>
+      </p:sp>
+      <p:graphicFrame>
+        <p:nvGraphicFramePr>
+          <p:cNvPr id="6" name="Content Placeholder 5">
             <a:extLst>
               <a:ext uri="{FF2B5EF4-FFF2-40B4-BE49-F238E27FC236}">
-                <a16:creationId xmlns:a16="http://schemas.microsoft.com/office/drawing/2014/main" id="{67D83CFD-FDAE-9F44-9300-D077904D56B0}"/>
+                <a16:creationId xmlns:a16="http://schemas.microsoft.com/office/drawing/2014/main" id="{5613626C-CDEC-4395-9F64-D0A912C20BB2}"/>
               </a:ext>
             </a:extLst>
           </p:cNvPr>
-          <p:cNvSpPr>
-            <a:spLocks noGrp="1"/>
-          </p:cNvSpPr>
+          <p:cNvGraphicFramePr>
+            <a:graphicFrameLocks noGrp="1"/>
+          </p:cNvGraphicFramePr>
           <p:nvPr>
             <p:ph idx="1"/>
-          </p:nvPr>
-        </p:nvSpPr>
-        <p:spPr/>
-        <p:txBody>
-          <a:bodyPr/>
-          <a:lstStyle/>
-          <a:p>
-            <a:endParaRPr lang="en-US"/>
-          </a:p>
-        </p:txBody>
-      </p:sp>
+            <p:extLst>
+              <p:ext uri="{D42A27DB-BD31-4B8C-83A1-F6EECF244321}">
+                <p14:modId xmlns:p14="http://schemas.microsoft.com/office/powerpoint/2010/main" val="3214621640"/>
+              </p:ext>
+            </p:extLst>
+          </p:nvPr>
+        </p:nvGraphicFramePr>
+        <p:xfrm>
+          <a:off x="2309568" y="1825625"/>
+          <a:ext cx="7117235" cy="4621095"/>
+        </p:xfrm>
+        <a:graphic>
+          <a:graphicData uri="http://schemas.openxmlformats.org/drawingml/2006/table">
+            <a:tbl>
+              <a:tblPr/>
+              <a:tblGrid>
+                <a:gridCol w="1009537">
+                  <a:extLst>
+                    <a:ext uri="{9D8B030D-6E8A-4147-A177-3AD203B41FA5}">
+                      <a16:colId xmlns:a16="http://schemas.microsoft.com/office/drawing/2014/main" val="332034054"/>
+                    </a:ext>
+                  </a:extLst>
+                </a:gridCol>
+                <a:gridCol w="1215188">
+                  <a:extLst>
+                    <a:ext uri="{9D8B030D-6E8A-4147-A177-3AD203B41FA5}">
+                      <a16:colId xmlns:a16="http://schemas.microsoft.com/office/drawing/2014/main" val="777036782"/>
+                    </a:ext>
+                  </a:extLst>
+                </a:gridCol>
+                <a:gridCol w="942680">
+                  <a:extLst>
+                    <a:ext uri="{9D8B030D-6E8A-4147-A177-3AD203B41FA5}">
+                      <a16:colId xmlns:a16="http://schemas.microsoft.com/office/drawing/2014/main" val="4236767662"/>
+                    </a:ext>
+                  </a:extLst>
+                </a:gridCol>
+                <a:gridCol w="1178351">
+                  <a:extLst>
+                    <a:ext uri="{9D8B030D-6E8A-4147-A177-3AD203B41FA5}">
+                      <a16:colId xmlns:a16="http://schemas.microsoft.com/office/drawing/2014/main" val="4239258076"/>
+                    </a:ext>
+                  </a:extLst>
+                </a:gridCol>
+                <a:gridCol w="989550">
+                  <a:extLst>
+                    <a:ext uri="{9D8B030D-6E8A-4147-A177-3AD203B41FA5}">
+                      <a16:colId xmlns:a16="http://schemas.microsoft.com/office/drawing/2014/main" val="4191109449"/>
+                    </a:ext>
+                  </a:extLst>
+                </a:gridCol>
+                <a:gridCol w="1781929">
+                  <a:extLst>
+                    <a:ext uri="{9D8B030D-6E8A-4147-A177-3AD203B41FA5}">
+                      <a16:colId xmlns:a16="http://schemas.microsoft.com/office/drawing/2014/main" val="1598174266"/>
+                    </a:ext>
+                  </a:extLst>
+                </a:gridCol>
+              </a:tblGrid>
+              <a:tr h="209283">
+                <a:tc>
+                  <a:txBody>
+                    <a:bodyPr/>
+                    <a:lstStyle/>
+                    <a:p>
+                      <a:pPr algn="r" fontAlgn="ctr"/>
+                      <a:r>
+                        <a:rPr lang="en-US" sz="1400" b="1" dirty="0">
+                          <a:effectLst/>
+                        </a:rPr>
+                        <a:t>Measure Id</a:t>
+                      </a:r>
+                    </a:p>
+                  </a:txBody>
+                  <a:tcPr marL="21800" marR="21800" marT="21800" marB="21800" anchor="ctr">
+                    <a:lnL>
+                      <a:noFill/>
+                    </a:lnL>
+                    <a:lnR>
+                      <a:noFill/>
+                    </a:lnR>
+                    <a:lnT>
+                      <a:noFill/>
+                    </a:lnT>
+                    <a:lnB>
+                      <a:noFill/>
+                    </a:lnB>
+                  </a:tcPr>
+                </a:tc>
+                <a:tc>
+                  <a:txBody>
+                    <a:bodyPr/>
+                    <a:lstStyle/>
+                    <a:p>
+                      <a:pPr algn="r" fontAlgn="ctr"/>
+                      <a:r>
+                        <a:rPr lang="en-US" sz="1400" b="1" dirty="0">
+                          <a:effectLst/>
+                        </a:rPr>
+                        <a:t>Measure Name</a:t>
+                      </a:r>
+                    </a:p>
+                  </a:txBody>
+                  <a:tcPr marL="21800" marR="21800" marT="21800" marB="21800" anchor="ctr">
+                    <a:lnL>
+                      <a:noFill/>
+                    </a:lnL>
+                    <a:lnR>
+                      <a:noFill/>
+                    </a:lnR>
+                    <a:lnT>
+                      <a:noFill/>
+                    </a:lnT>
+                    <a:lnB>
+                      <a:noFill/>
+                    </a:lnB>
+                  </a:tcPr>
+                </a:tc>
+                <a:tc>
+                  <a:txBody>
+                    <a:bodyPr/>
+                    <a:lstStyle/>
+                    <a:p>
+                      <a:pPr algn="r" fontAlgn="ctr"/>
+                      <a:r>
+                        <a:rPr lang="en-US" sz="1400" b="1" dirty="0">
+                          <a:effectLst/>
+                        </a:rPr>
+                        <a:t>State Name</a:t>
+                      </a:r>
+                    </a:p>
+                  </a:txBody>
+                  <a:tcPr marL="21800" marR="21800" marT="21800" marB="21800" anchor="ctr">
+                    <a:lnL>
+                      <a:noFill/>
+                    </a:lnL>
+                    <a:lnR>
+                      <a:noFill/>
+                    </a:lnR>
+                    <a:lnT>
+                      <a:noFill/>
+                    </a:lnT>
+                    <a:lnB>
+                      <a:noFill/>
+                    </a:lnB>
+                  </a:tcPr>
+                </a:tc>
+                <a:tc>
+                  <a:txBody>
+                    <a:bodyPr/>
+                    <a:lstStyle/>
+                    <a:p>
+                      <a:pPr algn="r" fontAlgn="ctr"/>
+                      <a:r>
+                        <a:rPr lang="en-US" sz="1400" b="1" dirty="0">
+                          <a:effectLst/>
+                        </a:rPr>
+                        <a:t>Report Year</a:t>
+                      </a:r>
+                    </a:p>
+                  </a:txBody>
+                  <a:tcPr marL="21800" marR="21800" marT="21800" marB="21800" anchor="ctr">
+                    <a:lnL>
+                      <a:noFill/>
+                    </a:lnL>
+                    <a:lnR>
+                      <a:noFill/>
+                    </a:lnR>
+                    <a:lnT>
+                      <a:noFill/>
+                    </a:lnT>
+                    <a:lnB>
+                      <a:noFill/>
+                    </a:lnB>
+                  </a:tcPr>
+                </a:tc>
+                <a:tc>
+                  <a:txBody>
+                    <a:bodyPr/>
+                    <a:lstStyle/>
+                    <a:p>
+                      <a:pPr algn="r" fontAlgn="ctr"/>
+                      <a:r>
+                        <a:rPr lang="en-US" sz="1400" b="1" dirty="0">
+                          <a:effectLst/>
+                        </a:rPr>
+                        <a:t>                                       Value</a:t>
+                      </a:r>
+                    </a:p>
+                  </a:txBody>
+                  <a:tcPr marL="21800" marR="21800" marT="21800" marB="21800" anchor="ctr">
+                    <a:lnL>
+                      <a:noFill/>
+                    </a:lnL>
+                    <a:lnR>
+                      <a:noFill/>
+                    </a:lnR>
+                    <a:lnT>
+                      <a:noFill/>
+                    </a:lnT>
+                    <a:lnB>
+                      <a:noFill/>
+                    </a:lnB>
+                  </a:tcPr>
+                </a:tc>
+                <a:tc>
+                  <a:txBody>
+                    <a:bodyPr/>
+                    <a:lstStyle/>
+                    <a:p>
+                      <a:endParaRPr lang="en-US" sz="1400" dirty="0"/>
+                    </a:p>
+                    <a:p>
+                      <a:r>
+                        <a:rPr lang="en-US" sz="1400" b="1" dirty="0"/>
+                        <a:t>Income</a:t>
+                      </a:r>
+                    </a:p>
+                  </a:txBody>
+                  <a:tcPr marL="52321" marR="52321" marT="26160" marB="26160">
+                    <a:lnL>
+                      <a:noFill/>
+                    </a:lnL>
+                  </a:tcPr>
+                </a:tc>
+                <a:extLst>
+                  <a:ext uri="{0D108BD9-81ED-4DB2-BD59-A6C34878D82A}">
+                    <a16:rowId xmlns:a16="http://schemas.microsoft.com/office/drawing/2014/main" val="2783723435"/>
+                  </a:ext>
+                </a:extLst>
+              </a:tr>
+              <a:tr h="828411">
+                <a:tc>
+                  <a:txBody>
+                    <a:bodyPr/>
+                    <a:lstStyle/>
+                    <a:p>
+                      <a:pPr algn="r" fontAlgn="ctr"/>
+                      <a:r>
+                        <a:rPr lang="en-US" sz="1400" b="1" dirty="0">
+                          <a:effectLst/>
+                        </a:rPr>
+                        <a:t>83</a:t>
+                      </a:r>
+                    </a:p>
+                  </a:txBody>
+                  <a:tcPr marL="21800" marR="21800" marT="21800" marB="21800" anchor="ctr">
+                    <a:lnL>
+                      <a:noFill/>
+                    </a:lnL>
+                    <a:lnR>
+                      <a:noFill/>
+                    </a:lnR>
+                    <a:lnT>
+                      <a:noFill/>
+                    </a:lnT>
+                    <a:lnB>
+                      <a:noFill/>
+                    </a:lnB>
+                    <a:solidFill>
+                      <a:srgbClr val="F5F5F5"/>
+                    </a:solidFill>
+                  </a:tcPr>
+                </a:tc>
+                <a:tc>
+                  <a:txBody>
+                    <a:bodyPr/>
+                    <a:lstStyle/>
+                    <a:p>
+                      <a:pPr algn="r" fontAlgn="ctr"/>
+                      <a:r>
+                        <a:rPr lang="en-US" sz="1400" dirty="0">
+                          <a:effectLst/>
+                        </a:rPr>
+                        <a:t>Ozone Concentration</a:t>
+                      </a:r>
+                    </a:p>
+                  </a:txBody>
+                  <a:tcPr marL="21800" marR="21800" marT="21800" marB="21800" anchor="ctr">
+                    <a:lnL>
+                      <a:noFill/>
+                    </a:lnL>
+                    <a:lnR>
+                      <a:noFill/>
+                    </a:lnR>
+                    <a:lnT>
+                      <a:noFill/>
+                    </a:lnT>
+                    <a:lnB>
+                      <a:noFill/>
+                    </a:lnB>
+                    <a:solidFill>
+                      <a:srgbClr val="F5F5F5"/>
+                    </a:solidFill>
+                  </a:tcPr>
+                </a:tc>
+                <a:tc>
+                  <a:txBody>
+                    <a:bodyPr/>
+                    <a:lstStyle/>
+                    <a:p>
+                      <a:pPr algn="r" fontAlgn="ctr"/>
+                      <a:r>
+                        <a:rPr lang="en-US" sz="1400" dirty="0">
+                          <a:effectLst/>
+                        </a:rPr>
+                        <a:t>California</a:t>
+                      </a:r>
+                    </a:p>
+                  </a:txBody>
+                  <a:tcPr marL="21800" marR="21800" marT="21800" marB="21800" anchor="ctr">
+                    <a:lnL>
+                      <a:noFill/>
+                    </a:lnL>
+                    <a:lnR>
+                      <a:noFill/>
+                    </a:lnR>
+                    <a:lnT>
+                      <a:noFill/>
+                    </a:lnT>
+                    <a:lnB>
+                      <a:noFill/>
+                    </a:lnB>
+                    <a:solidFill>
+                      <a:srgbClr val="F5F5F5"/>
+                    </a:solidFill>
+                  </a:tcPr>
+                </a:tc>
+                <a:tc>
+                  <a:txBody>
+                    <a:bodyPr/>
+                    <a:lstStyle/>
+                    <a:p>
+                      <a:pPr algn="r" fontAlgn="ctr"/>
+                      <a:r>
+                        <a:rPr lang="en-US" sz="1400" dirty="0">
+                          <a:effectLst/>
+                        </a:rPr>
+                        <a:t>2015</a:t>
+                      </a:r>
+                    </a:p>
+                  </a:txBody>
+                  <a:tcPr marL="21800" marR="21800" marT="21800" marB="21800" anchor="ctr">
+                    <a:lnL>
+                      <a:noFill/>
+                    </a:lnL>
+                    <a:lnR>
+                      <a:noFill/>
+                    </a:lnR>
+                    <a:lnT>
+                      <a:noFill/>
+                    </a:lnT>
+                    <a:lnB>
+                      <a:noFill/>
+                    </a:lnB>
+                    <a:solidFill>
+                      <a:srgbClr val="F5F5F5"/>
+                    </a:solidFill>
+                  </a:tcPr>
+                </a:tc>
+                <a:tc>
+                  <a:txBody>
+                    <a:bodyPr/>
+                    <a:lstStyle/>
+                    <a:p>
+                      <a:pPr algn="r" fontAlgn="ctr"/>
+                      <a:r>
+                        <a:rPr lang="en-US" sz="1400" dirty="0">
+                          <a:effectLst/>
+                        </a:rPr>
+                        <a:t>11.47</a:t>
+                      </a:r>
+                    </a:p>
+                  </a:txBody>
+                  <a:tcPr marL="21800" marR="21800" marT="21800" marB="21800" anchor="ctr">
+                    <a:lnL>
+                      <a:noFill/>
+                    </a:lnL>
+                    <a:lnR>
+                      <a:noFill/>
+                    </a:lnR>
+                    <a:lnT>
+                      <a:noFill/>
+                    </a:lnT>
+                    <a:lnB>
+                      <a:noFill/>
+                    </a:lnB>
+                    <a:solidFill>
+                      <a:srgbClr val="F5F5F5"/>
+                    </a:solidFill>
+                  </a:tcPr>
+                </a:tc>
+                <a:tc>
+                  <a:txBody>
+                    <a:bodyPr/>
+                    <a:lstStyle/>
+                    <a:p>
+                      <a:pPr algn="r" fontAlgn="ctr"/>
+                      <a:r>
+                        <a:rPr lang="en-US" sz="1400" dirty="0">
+                          <a:effectLst/>
+                        </a:rPr>
+                        <a:t>$67k</a:t>
+                      </a:r>
+                    </a:p>
+                  </a:txBody>
+                  <a:tcPr marL="21800" marR="21800" marT="21800" marB="21800" anchor="ctr">
+                    <a:lnL>
+                      <a:noFill/>
+                    </a:lnL>
+                    <a:lnR>
+                      <a:noFill/>
+                    </a:lnR>
+                    <a:lnB>
+                      <a:noFill/>
+                    </a:lnB>
+                    <a:solidFill>
+                      <a:srgbClr val="F5F5F5"/>
+                    </a:solidFill>
+                  </a:tcPr>
+                </a:tc>
+                <a:extLst>
+                  <a:ext uri="{0D108BD9-81ED-4DB2-BD59-A6C34878D82A}">
+                    <a16:rowId xmlns:a16="http://schemas.microsoft.com/office/drawing/2014/main" val="772086744"/>
+                  </a:ext>
+                </a:extLst>
+              </a:tr>
+              <a:tr h="828411">
+                <a:tc>
+                  <a:txBody>
+                    <a:bodyPr/>
+                    <a:lstStyle/>
+                    <a:p>
+                      <a:pPr algn="r" fontAlgn="ctr"/>
+                      <a:r>
+                        <a:rPr lang="en-US" sz="1400" b="1" dirty="0">
+                          <a:effectLst/>
+                        </a:rPr>
+                        <a:t>83</a:t>
+                      </a:r>
+                    </a:p>
+                  </a:txBody>
+                  <a:tcPr marL="21800" marR="21800" marT="21800" marB="21800" anchor="ctr">
+                    <a:lnL>
+                      <a:noFill/>
+                    </a:lnL>
+                    <a:lnR>
+                      <a:noFill/>
+                    </a:lnR>
+                    <a:lnT>
+                      <a:noFill/>
+                    </a:lnT>
+                    <a:lnB>
+                      <a:noFill/>
+                    </a:lnB>
+                  </a:tcPr>
+                </a:tc>
+                <a:tc>
+                  <a:txBody>
+                    <a:bodyPr/>
+                    <a:lstStyle/>
+                    <a:p>
+                      <a:pPr algn="r" fontAlgn="ctr"/>
+                      <a:r>
+                        <a:rPr lang="en-US" sz="1400" dirty="0">
+                          <a:effectLst/>
+                        </a:rPr>
+                        <a:t>Ozone Concentration</a:t>
+                      </a:r>
+                    </a:p>
+                  </a:txBody>
+                  <a:tcPr marL="21800" marR="21800" marT="21800" marB="21800" anchor="ctr">
+                    <a:lnL>
+                      <a:noFill/>
+                    </a:lnL>
+                    <a:lnR>
+                      <a:noFill/>
+                    </a:lnR>
+                    <a:lnT>
+                      <a:noFill/>
+                    </a:lnT>
+                    <a:lnB>
+                      <a:noFill/>
+                    </a:lnB>
+                  </a:tcPr>
+                </a:tc>
+                <a:tc>
+                  <a:txBody>
+                    <a:bodyPr/>
+                    <a:lstStyle/>
+                    <a:p>
+                      <a:pPr algn="r" fontAlgn="ctr"/>
+                      <a:r>
+                        <a:rPr lang="en-US" sz="1400" dirty="0">
+                          <a:effectLst/>
+                        </a:rPr>
+                        <a:t>Nevada</a:t>
+                      </a:r>
+                    </a:p>
+                  </a:txBody>
+                  <a:tcPr marL="21800" marR="21800" marT="21800" marB="21800" anchor="ctr">
+                    <a:lnL>
+                      <a:noFill/>
+                    </a:lnL>
+                    <a:lnR>
+                      <a:noFill/>
+                    </a:lnR>
+                    <a:lnT>
+                      <a:noFill/>
+                    </a:lnT>
+                    <a:lnB>
+                      <a:noFill/>
+                    </a:lnB>
+                  </a:tcPr>
+                </a:tc>
+                <a:tc>
+                  <a:txBody>
+                    <a:bodyPr/>
+                    <a:lstStyle/>
+                    <a:p>
+                      <a:pPr algn="r" fontAlgn="ctr"/>
+                      <a:r>
+                        <a:rPr lang="en-US" sz="1400" dirty="0">
+                          <a:effectLst/>
+                        </a:rPr>
+                        <a:t>2015</a:t>
+                      </a:r>
+                    </a:p>
+                  </a:txBody>
+                  <a:tcPr marL="21800" marR="21800" marT="21800" marB="21800" anchor="ctr">
+                    <a:lnL>
+                      <a:noFill/>
+                    </a:lnL>
+                    <a:lnR>
+                      <a:noFill/>
+                    </a:lnR>
+                    <a:lnT>
+                      <a:noFill/>
+                    </a:lnT>
+                    <a:lnB>
+                      <a:noFill/>
+                    </a:lnB>
+                  </a:tcPr>
+                </a:tc>
+                <a:tc>
+                  <a:txBody>
+                    <a:bodyPr/>
+                    <a:lstStyle/>
+                    <a:p>
+                      <a:pPr algn="r" fontAlgn="ctr"/>
+                      <a:r>
+                        <a:rPr lang="en-US" sz="1400" dirty="0">
+                          <a:effectLst/>
+                        </a:rPr>
+                        <a:t>3.5</a:t>
+                      </a:r>
+                    </a:p>
+                  </a:txBody>
+                  <a:tcPr marL="21800" marR="21800" marT="21800" marB="21800" anchor="ctr">
+                    <a:lnL>
+                      <a:noFill/>
+                    </a:lnL>
+                    <a:lnR>
+                      <a:noFill/>
+                    </a:lnR>
+                    <a:lnT>
+                      <a:noFill/>
+                    </a:lnT>
+                    <a:lnB>
+                      <a:noFill/>
+                    </a:lnB>
+                  </a:tcPr>
+                </a:tc>
+                <a:tc>
+                  <a:txBody>
+                    <a:bodyPr/>
+                    <a:lstStyle/>
+                    <a:p>
+                      <a:pPr algn="r" fontAlgn="ctr"/>
+                      <a:r>
+                        <a:rPr lang="en-US" sz="1400" dirty="0">
+                          <a:effectLst/>
+                        </a:rPr>
+                        <a:t>$55k</a:t>
+                      </a:r>
+                    </a:p>
+                  </a:txBody>
+                  <a:tcPr marL="21800" marR="21800" marT="21800" marB="21800" anchor="ctr">
+                    <a:lnL>
+                      <a:noFill/>
+                    </a:lnL>
+                    <a:lnR>
+                      <a:noFill/>
+                    </a:lnR>
+                    <a:lnT>
+                      <a:noFill/>
+                    </a:lnT>
+                    <a:lnB>
+                      <a:noFill/>
+                    </a:lnB>
+                  </a:tcPr>
+                </a:tc>
+                <a:extLst>
+                  <a:ext uri="{0D108BD9-81ED-4DB2-BD59-A6C34878D82A}">
+                    <a16:rowId xmlns:a16="http://schemas.microsoft.com/office/drawing/2014/main" val="2808834250"/>
+                  </a:ext>
+                </a:extLst>
+              </a:tr>
+              <a:tr h="828411">
+                <a:tc>
+                  <a:txBody>
+                    <a:bodyPr/>
+                    <a:lstStyle/>
+                    <a:p>
+                      <a:pPr algn="r" fontAlgn="ctr"/>
+                      <a:r>
+                        <a:rPr lang="en-US" sz="1400" b="1" dirty="0">
+                          <a:effectLst/>
+                        </a:rPr>
+                        <a:t>83</a:t>
+                      </a:r>
+                    </a:p>
+                  </a:txBody>
+                  <a:tcPr marL="21800" marR="21800" marT="21800" marB="21800" anchor="ctr">
+                    <a:lnL>
+                      <a:noFill/>
+                    </a:lnL>
+                    <a:lnR>
+                      <a:noFill/>
+                    </a:lnR>
+                    <a:lnT>
+                      <a:noFill/>
+                    </a:lnT>
+                    <a:lnB>
+                      <a:noFill/>
+                    </a:lnB>
+                    <a:solidFill>
+                      <a:srgbClr val="F5F5F5"/>
+                    </a:solidFill>
+                  </a:tcPr>
+                </a:tc>
+                <a:tc>
+                  <a:txBody>
+                    <a:bodyPr/>
+                    <a:lstStyle/>
+                    <a:p>
+                      <a:pPr algn="r" fontAlgn="ctr"/>
+                      <a:r>
+                        <a:rPr lang="en-US" sz="1400" dirty="0">
+                          <a:effectLst/>
+                        </a:rPr>
+                        <a:t>Ozone Concentration</a:t>
+                      </a:r>
+                    </a:p>
+                  </a:txBody>
+                  <a:tcPr marL="21800" marR="21800" marT="21800" marB="21800" anchor="ctr">
+                    <a:lnL>
+                      <a:noFill/>
+                    </a:lnL>
+                    <a:lnR>
+                      <a:noFill/>
+                    </a:lnR>
+                    <a:lnT>
+                      <a:noFill/>
+                    </a:lnT>
+                    <a:lnB>
+                      <a:noFill/>
+                    </a:lnB>
+                    <a:solidFill>
+                      <a:srgbClr val="F5F5F5"/>
+                    </a:solidFill>
+                  </a:tcPr>
+                </a:tc>
+                <a:tc>
+                  <a:txBody>
+                    <a:bodyPr/>
+                    <a:lstStyle/>
+                    <a:p>
+                      <a:pPr algn="r" fontAlgn="ctr"/>
+                      <a:r>
+                        <a:rPr lang="en-US" sz="1400" dirty="0">
+                          <a:effectLst/>
+                        </a:rPr>
+                        <a:t>New Jersey</a:t>
+                      </a:r>
+                    </a:p>
+                  </a:txBody>
+                  <a:tcPr marL="21800" marR="21800" marT="21800" marB="21800" anchor="ctr">
+                    <a:lnL>
+                      <a:noFill/>
+                    </a:lnL>
+                    <a:lnR>
+                      <a:noFill/>
+                    </a:lnR>
+                    <a:lnT>
+                      <a:noFill/>
+                    </a:lnT>
+                    <a:lnB>
+                      <a:noFill/>
+                    </a:lnB>
+                    <a:solidFill>
+                      <a:srgbClr val="F5F5F5"/>
+                    </a:solidFill>
+                  </a:tcPr>
+                </a:tc>
+                <a:tc>
+                  <a:txBody>
+                    <a:bodyPr/>
+                    <a:lstStyle/>
+                    <a:p>
+                      <a:pPr algn="r" fontAlgn="ctr"/>
+                      <a:r>
+                        <a:rPr lang="en-US" sz="1400" dirty="0">
+                          <a:effectLst/>
+                        </a:rPr>
+                        <a:t>2015</a:t>
+                      </a:r>
+                    </a:p>
+                  </a:txBody>
+                  <a:tcPr marL="21800" marR="21800" marT="21800" marB="21800" anchor="ctr">
+                    <a:lnL>
+                      <a:noFill/>
+                    </a:lnL>
+                    <a:lnR>
+                      <a:noFill/>
+                    </a:lnR>
+                    <a:lnT>
+                      <a:noFill/>
+                    </a:lnT>
+                    <a:lnB>
+                      <a:noFill/>
+                    </a:lnB>
+                    <a:solidFill>
+                      <a:srgbClr val="F5F5F5"/>
+                    </a:solidFill>
+                  </a:tcPr>
+                </a:tc>
+                <a:tc>
+                  <a:txBody>
+                    <a:bodyPr/>
+                    <a:lstStyle/>
+                    <a:p>
+                      <a:pPr algn="r" fontAlgn="ctr"/>
+                      <a:r>
+                        <a:rPr lang="en-US" sz="1400" dirty="0">
+                          <a:effectLst/>
+                        </a:rPr>
+                        <a:t>1.7</a:t>
+                      </a:r>
+                    </a:p>
+                  </a:txBody>
+                  <a:tcPr marL="21800" marR="21800" marT="21800" marB="21800" anchor="ctr">
+                    <a:lnL>
+                      <a:noFill/>
+                    </a:lnL>
+                    <a:lnR>
+                      <a:noFill/>
+                    </a:lnR>
+                    <a:lnT>
+                      <a:noFill/>
+                    </a:lnT>
+                    <a:lnB>
+                      <a:noFill/>
+                    </a:lnB>
+                    <a:solidFill>
+                      <a:srgbClr val="F5F5F5"/>
+                    </a:solidFill>
+                  </a:tcPr>
+                </a:tc>
+                <a:tc>
+                  <a:txBody>
+                    <a:bodyPr/>
+                    <a:lstStyle/>
+                    <a:p>
+                      <a:pPr algn="r" fontAlgn="ctr"/>
+                      <a:r>
+                        <a:rPr lang="en-US" sz="1400" dirty="0">
+                          <a:effectLst/>
+                        </a:rPr>
+                        <a:t>$76k</a:t>
+                      </a:r>
+                    </a:p>
+                  </a:txBody>
+                  <a:tcPr marL="21800" marR="21800" marT="21800" marB="21800" anchor="ctr">
+                    <a:lnL>
+                      <a:noFill/>
+                    </a:lnL>
+                    <a:lnR>
+                      <a:noFill/>
+                    </a:lnR>
+                    <a:lnT>
+                      <a:noFill/>
+                    </a:lnT>
+                    <a:lnB>
+                      <a:noFill/>
+                    </a:lnB>
+                    <a:solidFill>
+                      <a:srgbClr val="F5F5F5"/>
+                    </a:solidFill>
+                  </a:tcPr>
+                </a:tc>
+                <a:extLst>
+                  <a:ext uri="{0D108BD9-81ED-4DB2-BD59-A6C34878D82A}">
+                    <a16:rowId xmlns:a16="http://schemas.microsoft.com/office/drawing/2014/main" val="4157145681"/>
+                  </a:ext>
+                </a:extLst>
+              </a:tr>
+              <a:tr h="828411">
+                <a:tc>
+                  <a:txBody>
+                    <a:bodyPr/>
+                    <a:lstStyle/>
+                    <a:p>
+                      <a:pPr algn="r" fontAlgn="ctr"/>
+                      <a:r>
+                        <a:rPr lang="en-US" sz="1400" b="1" dirty="0">
+                          <a:effectLst/>
+                        </a:rPr>
+                        <a:t>83</a:t>
+                      </a:r>
+                    </a:p>
+                  </a:txBody>
+                  <a:tcPr marL="21800" marR="21800" marT="21800" marB="21800" anchor="ctr">
+                    <a:lnL>
+                      <a:noFill/>
+                    </a:lnL>
+                    <a:lnR>
+                      <a:noFill/>
+                    </a:lnR>
+                    <a:lnT>
+                      <a:noFill/>
+                    </a:lnT>
+                    <a:lnB>
+                      <a:noFill/>
+                    </a:lnB>
+                  </a:tcPr>
+                </a:tc>
+                <a:tc>
+                  <a:txBody>
+                    <a:bodyPr/>
+                    <a:lstStyle/>
+                    <a:p>
+                      <a:pPr algn="r" fontAlgn="ctr"/>
+                      <a:r>
+                        <a:rPr lang="en-US" sz="1400" dirty="0">
+                          <a:effectLst/>
+                        </a:rPr>
+                        <a:t>Ozone Concentration</a:t>
+                      </a:r>
+                    </a:p>
+                  </a:txBody>
+                  <a:tcPr marL="21800" marR="21800" marT="21800" marB="21800" anchor="ctr">
+                    <a:lnL>
+                      <a:noFill/>
+                    </a:lnL>
+                    <a:lnR>
+                      <a:noFill/>
+                    </a:lnR>
+                    <a:lnT>
+                      <a:noFill/>
+                    </a:lnT>
+                    <a:lnB>
+                      <a:noFill/>
+                    </a:lnB>
+                  </a:tcPr>
+                </a:tc>
+                <a:tc>
+                  <a:txBody>
+                    <a:bodyPr/>
+                    <a:lstStyle/>
+                    <a:p>
+                      <a:pPr algn="r" fontAlgn="ctr"/>
+                      <a:r>
+                        <a:rPr lang="en-US" sz="1400" dirty="0">
+                          <a:effectLst/>
+                        </a:rPr>
+                        <a:t>Rhode Island</a:t>
+                      </a:r>
+                    </a:p>
+                  </a:txBody>
+                  <a:tcPr marL="21800" marR="21800" marT="21800" marB="21800" anchor="ctr">
+                    <a:lnL>
+                      <a:noFill/>
+                    </a:lnL>
+                    <a:lnR>
+                      <a:noFill/>
+                    </a:lnR>
+                    <a:lnT>
+                      <a:noFill/>
+                    </a:lnT>
+                    <a:lnB>
+                      <a:noFill/>
+                    </a:lnB>
+                  </a:tcPr>
+                </a:tc>
+                <a:tc>
+                  <a:txBody>
+                    <a:bodyPr/>
+                    <a:lstStyle/>
+                    <a:p>
+                      <a:pPr algn="r" fontAlgn="ctr"/>
+                      <a:r>
+                        <a:rPr lang="en-US" sz="1400" dirty="0">
+                          <a:effectLst/>
+                        </a:rPr>
+                        <a:t>2015</a:t>
+                      </a:r>
+                    </a:p>
+                  </a:txBody>
+                  <a:tcPr marL="21800" marR="21800" marT="21800" marB="21800" anchor="ctr">
+                    <a:lnL>
+                      <a:noFill/>
+                    </a:lnL>
+                    <a:lnR>
+                      <a:noFill/>
+                    </a:lnR>
+                    <a:lnT>
+                      <a:noFill/>
+                    </a:lnT>
+                    <a:lnB>
+                      <a:noFill/>
+                    </a:lnB>
+                  </a:tcPr>
+                </a:tc>
+                <a:tc>
+                  <a:txBody>
+                    <a:bodyPr/>
+                    <a:lstStyle/>
+                    <a:p>
+                      <a:pPr algn="r" fontAlgn="ctr"/>
+                      <a:r>
+                        <a:rPr lang="en-US" sz="1400" dirty="0">
+                          <a:effectLst/>
+                        </a:rPr>
+                        <a:t>3.7</a:t>
+                      </a:r>
+                    </a:p>
+                  </a:txBody>
+                  <a:tcPr marL="21800" marR="21800" marT="21800" marB="21800" anchor="ctr">
+                    <a:lnL>
+                      <a:noFill/>
+                    </a:lnL>
+                    <a:lnR>
+                      <a:noFill/>
+                    </a:lnR>
+                    <a:lnT>
+                      <a:noFill/>
+                    </a:lnT>
+                    <a:lnB>
+                      <a:noFill/>
+                    </a:lnB>
+                  </a:tcPr>
+                </a:tc>
+                <a:tc>
+                  <a:txBody>
+                    <a:bodyPr/>
+                    <a:lstStyle/>
+                    <a:p>
+                      <a:pPr algn="r" fontAlgn="ctr"/>
+                      <a:r>
+                        <a:rPr lang="en-US" sz="1400" dirty="0">
+                          <a:effectLst/>
+                        </a:rPr>
+                        <a:t>$59k</a:t>
+                      </a:r>
+                    </a:p>
+                  </a:txBody>
+                  <a:tcPr marL="21800" marR="21800" marT="21800" marB="21800" anchor="ctr">
+                    <a:lnL>
+                      <a:noFill/>
+                    </a:lnL>
+                    <a:lnR>
+                      <a:noFill/>
+                    </a:lnR>
+                    <a:lnT>
+                      <a:noFill/>
+                    </a:lnT>
+                    <a:lnB>
+                      <a:noFill/>
+                    </a:lnB>
+                  </a:tcPr>
+                </a:tc>
+                <a:extLst>
+                  <a:ext uri="{0D108BD9-81ED-4DB2-BD59-A6C34878D82A}">
+                    <a16:rowId xmlns:a16="http://schemas.microsoft.com/office/drawing/2014/main" val="3147861558"/>
+                  </a:ext>
+                </a:extLst>
+              </a:tr>
+              <a:tr h="828411">
+                <a:tc>
+                  <a:txBody>
+                    <a:bodyPr/>
+                    <a:lstStyle/>
+                    <a:p>
+                      <a:pPr algn="r" fontAlgn="ctr"/>
+                      <a:r>
+                        <a:rPr lang="en-US" sz="1400" b="1" dirty="0">
+                          <a:effectLst/>
+                        </a:rPr>
+                        <a:t>83</a:t>
+                      </a:r>
+                    </a:p>
+                  </a:txBody>
+                  <a:tcPr marL="21800" marR="21800" marT="21800" marB="21800" anchor="ctr">
+                    <a:lnL>
+                      <a:noFill/>
+                    </a:lnL>
+                    <a:lnR>
+                      <a:noFill/>
+                    </a:lnR>
+                    <a:lnT>
+                      <a:noFill/>
+                    </a:lnT>
+                    <a:lnB>
+                      <a:noFill/>
+                    </a:lnB>
+                    <a:solidFill>
+                      <a:srgbClr val="F5F5F5"/>
+                    </a:solidFill>
+                  </a:tcPr>
+                </a:tc>
+                <a:tc>
+                  <a:txBody>
+                    <a:bodyPr/>
+                    <a:lstStyle/>
+                    <a:p>
+                      <a:pPr algn="r" fontAlgn="ctr"/>
+                      <a:r>
+                        <a:rPr lang="en-US" sz="1400" dirty="0">
+                          <a:effectLst/>
+                        </a:rPr>
+                        <a:t>Ozone Concentration</a:t>
+                      </a:r>
+                    </a:p>
+                  </a:txBody>
+                  <a:tcPr marL="21800" marR="21800" marT="21800" marB="21800" anchor="ctr">
+                    <a:lnL>
+                      <a:noFill/>
+                    </a:lnL>
+                    <a:lnR>
+                      <a:noFill/>
+                    </a:lnR>
+                    <a:lnT>
+                      <a:noFill/>
+                    </a:lnT>
+                    <a:lnB>
+                      <a:noFill/>
+                    </a:lnB>
+                    <a:solidFill>
+                      <a:srgbClr val="F5F5F5"/>
+                    </a:solidFill>
+                  </a:tcPr>
+                </a:tc>
+                <a:tc>
+                  <a:txBody>
+                    <a:bodyPr/>
+                    <a:lstStyle/>
+                    <a:p>
+                      <a:pPr algn="r" fontAlgn="ctr"/>
+                      <a:r>
+                        <a:rPr lang="en-US" sz="1400" dirty="0">
+                          <a:effectLst/>
+                        </a:rPr>
+                        <a:t>South Dakota</a:t>
+                      </a:r>
+                    </a:p>
+                  </a:txBody>
+                  <a:tcPr marL="21800" marR="21800" marT="21800" marB="21800" anchor="ctr">
+                    <a:lnL>
+                      <a:noFill/>
+                    </a:lnL>
+                    <a:lnR>
+                      <a:noFill/>
+                    </a:lnR>
+                    <a:lnT>
+                      <a:noFill/>
+                    </a:lnT>
+                    <a:lnB>
+                      <a:noFill/>
+                    </a:lnB>
+                    <a:solidFill>
+                      <a:srgbClr val="F5F5F5"/>
+                    </a:solidFill>
+                  </a:tcPr>
+                </a:tc>
+                <a:tc>
+                  <a:txBody>
+                    <a:bodyPr/>
+                    <a:lstStyle/>
+                    <a:p>
+                      <a:pPr algn="r" fontAlgn="ctr"/>
+                      <a:r>
+                        <a:rPr lang="en-US" sz="1400" dirty="0">
+                          <a:effectLst/>
+                        </a:rPr>
+                        <a:t>2015</a:t>
+                      </a:r>
+                    </a:p>
+                  </a:txBody>
+                  <a:tcPr marL="21800" marR="21800" marT="21800" marB="21800" anchor="ctr">
+                    <a:lnL>
+                      <a:noFill/>
+                    </a:lnL>
+                    <a:lnR>
+                      <a:noFill/>
+                    </a:lnR>
+                    <a:lnT>
+                      <a:noFill/>
+                    </a:lnT>
+                    <a:lnB>
+                      <a:noFill/>
+                    </a:lnB>
+                    <a:solidFill>
+                      <a:srgbClr val="F5F5F5"/>
+                    </a:solidFill>
+                  </a:tcPr>
+                </a:tc>
+                <a:tc>
+                  <a:txBody>
+                    <a:bodyPr/>
+                    <a:lstStyle/>
+                    <a:p>
+                      <a:pPr algn="r" fontAlgn="ctr"/>
+                      <a:r>
+                        <a:rPr lang="en-US" sz="1400" dirty="0">
+                          <a:effectLst/>
+                        </a:rPr>
+                        <a:t>2.5</a:t>
+                      </a:r>
+                    </a:p>
+                  </a:txBody>
+                  <a:tcPr marL="21800" marR="21800" marT="21800" marB="21800" anchor="ctr">
+                    <a:lnL>
+                      <a:noFill/>
+                    </a:lnL>
+                    <a:lnR>
+                      <a:noFill/>
+                    </a:lnR>
+                    <a:lnT>
+                      <a:noFill/>
+                    </a:lnT>
+                    <a:lnB>
+                      <a:noFill/>
+                    </a:lnB>
+                    <a:solidFill>
+                      <a:srgbClr val="F5F5F5"/>
+                    </a:solidFill>
+                  </a:tcPr>
+                </a:tc>
+                <a:tc>
+                  <a:txBody>
+                    <a:bodyPr/>
+                    <a:lstStyle/>
+                    <a:p>
+                      <a:pPr algn="r" fontAlgn="ctr"/>
+                      <a:r>
+                        <a:rPr lang="en-US" sz="1400" dirty="0">
+                          <a:effectLst/>
+                        </a:rPr>
+                        <a:t>$51k</a:t>
+                      </a:r>
+                    </a:p>
+                  </a:txBody>
+                  <a:tcPr marL="21800" marR="21800" marT="21800" marB="21800" anchor="ctr">
+                    <a:lnL>
+                      <a:noFill/>
+                    </a:lnL>
+                    <a:lnR>
+                      <a:noFill/>
+                    </a:lnR>
+                    <a:lnT>
+                      <a:noFill/>
+                    </a:lnT>
+                    <a:lnB>
+                      <a:noFill/>
+                    </a:lnB>
+                    <a:solidFill>
+                      <a:srgbClr val="F5F5F5"/>
+                    </a:solidFill>
+                  </a:tcPr>
+                </a:tc>
+                <a:extLst>
+                  <a:ext uri="{0D108BD9-81ED-4DB2-BD59-A6C34878D82A}">
+                    <a16:rowId xmlns:a16="http://schemas.microsoft.com/office/drawing/2014/main" val="35416497"/>
+                  </a:ext>
+                </a:extLst>
+              </a:tr>
+            </a:tbl>
+          </a:graphicData>
+        </a:graphic>
+      </p:graphicFrame>
     </p:spTree>
     <p:extLst>
       <p:ext uri="{BB962C8B-B14F-4D97-AF65-F5344CB8AC3E}">
-        <p14:creationId xmlns:p14="http://schemas.microsoft.com/office/powerpoint/2010/main" val="2063517021"/>
+        <p14:creationId xmlns:p14="http://schemas.microsoft.com/office/powerpoint/2010/main" val="3829420350"/>
       </p:ext>
     </p:extLst>
   </p:cSld>
@@ -4144,75 +8518,270 @@
           <a:chExt cx="0" cy="0"/>
         </a:xfrm>
       </p:grpSpPr>
-      <p:sp>
-        <p:nvSpPr>
-          <p:cNvPr id="2" name="Title 1">
+      <p:pic>
+        <p:nvPicPr>
+          <p:cNvPr id="5" name="Content Placeholder 4">
             <a:extLst>
               <a:ext uri="{FF2B5EF4-FFF2-40B4-BE49-F238E27FC236}">
-                <a16:creationId xmlns:a16="http://schemas.microsoft.com/office/drawing/2014/main" id="{DABCC3E3-E243-AD42-B10E-C07AB97B5A91}"/>
+                <a16:creationId xmlns:a16="http://schemas.microsoft.com/office/drawing/2014/main" id="{A45DB37E-B893-42C2-8701-05B719167CC2}"/>
               </a:ext>
             </a:extLst>
           </p:cNvPr>
-          <p:cNvSpPr>
-            <a:spLocks noGrp="1"/>
-          </p:cNvSpPr>
-          <p:nvPr>
-            <p:ph type="title"/>
-          </p:nvPr>
-        </p:nvSpPr>
-        <p:spPr/>
-        <p:txBody>
-          <a:bodyPr/>
-          <a:lstStyle/>
-          <a:p>
-            <a:r>
-              <a:rPr lang="en-US" dirty="0"/>
-              <a:t>Summary of all outputs</a:t>
-            </a:r>
-          </a:p>
-        </p:txBody>
-      </p:sp>
-      <p:sp>
-        <p:nvSpPr>
-          <p:cNvPr id="3" name="Content Placeholder 2">
+          <p:cNvPicPr>
+            <a:picLocks noGrp="1" noChangeAspect="1"/>
+          </p:cNvPicPr>
+          <p:nvPr>
+            <p:ph idx="1"/>
+          </p:nvPr>
+        </p:nvPicPr>
+        <p:blipFill>
+          <a:blip r:embed="rId2"/>
+          <a:stretch>
+            <a:fillRect/>
+          </a:stretch>
+        </p:blipFill>
+        <p:spPr>
+          <a:xfrm>
+            <a:off x="207384" y="1282045"/>
+            <a:ext cx="11689243" cy="5669280"/>
+          </a:xfrm>
+        </p:spPr>
+      </p:pic>
+      <p:sp>
+        <p:nvSpPr>
+          <p:cNvPr id="6" name="Rectangle 5">
             <a:extLst>
               <a:ext uri="{FF2B5EF4-FFF2-40B4-BE49-F238E27FC236}">
-                <a16:creationId xmlns:a16="http://schemas.microsoft.com/office/drawing/2014/main" id="{C5145D40-1BF8-FC49-8996-000AEFBE3D12}"/>
+                <a16:creationId xmlns:a16="http://schemas.microsoft.com/office/drawing/2014/main" id="{BAF4FF0F-8D1D-4EAD-BB64-6A08DC457F83}"/>
               </a:ext>
             </a:extLst>
           </p:cNvPr>
-          <p:cNvSpPr>
-            <a:spLocks noGrp="1"/>
-          </p:cNvSpPr>
-          <p:nvPr>
-            <p:ph idx="1"/>
-          </p:nvPr>
-        </p:nvSpPr>
-        <p:spPr/>
-        <p:txBody>
-          <a:bodyPr/>
+          <p:cNvSpPr/>
+          <p:nvPr/>
+        </p:nvSpPr>
+        <p:spPr>
+          <a:xfrm>
+            <a:off x="1343317" y="2208683"/>
+            <a:ext cx="1414021" cy="307777"/>
+          </a:xfrm>
+          <a:prstGeom prst="rect">
+            <a:avLst/>
+          </a:prstGeom>
+        </p:spPr>
+        <p:style>
+          <a:lnRef idx="2">
+            <a:schemeClr val="accent1">
+              <a:shade val="50000"/>
+            </a:schemeClr>
+          </a:lnRef>
+          <a:fillRef idx="1">
+            <a:schemeClr val="accent1"/>
+          </a:fillRef>
+          <a:effectRef idx="0">
+            <a:schemeClr val="accent1"/>
+          </a:effectRef>
+          <a:fontRef idx="minor">
+            <a:schemeClr val="lt1"/>
+          </a:fontRef>
+        </p:style>
+        <p:txBody>
+          <a:bodyPr rtlCol="0" anchor="ctr"/>
           <a:lstStyle/>
           <a:p>
-            <a:pPr marL="457200" indent="-457200">
-              <a:buAutoNum type="arabicPeriod"/>
-            </a:pPr>
-            <a:r>
-              <a:rPr lang="en-US" sz="2400" dirty="0"/>
-              <a:t>Incomplete data from one source (Air Quality) made it difficult to find relationships between more complete data sets (census), but the data that we found showed that generally the more populous areas had worse air quality</a:t>
-            </a:r>
-          </a:p>
-          <a:p>
-            <a:pPr marL="514350" indent="-514350">
-              <a:buAutoNum type="arabicPeriod"/>
-            </a:pPr>
-            <a:endParaRPr lang="en-US" dirty="0"/>
+            <a:pPr algn="ctr"/>
+            <a:r>
+              <a:rPr lang="en-US" dirty="0"/>
+              <a:t>$67k,11.47</a:t>
+            </a:r>
+          </a:p>
+        </p:txBody>
+      </p:sp>
+      <p:sp>
+        <p:nvSpPr>
+          <p:cNvPr id="8" name="Rectangle 7">
+            <a:extLst>
+              <a:ext uri="{FF2B5EF4-FFF2-40B4-BE49-F238E27FC236}">
+                <a16:creationId xmlns:a16="http://schemas.microsoft.com/office/drawing/2014/main" id="{3A4A61FE-8442-4408-BB1D-5AF8AF32F760}"/>
+              </a:ext>
+            </a:extLst>
+          </p:cNvPr>
+          <p:cNvSpPr/>
+          <p:nvPr/>
+        </p:nvSpPr>
+        <p:spPr>
+          <a:xfrm>
+            <a:off x="4993061" y="4551410"/>
+            <a:ext cx="1414021" cy="307777"/>
+          </a:xfrm>
+          <a:prstGeom prst="rect">
+            <a:avLst/>
+          </a:prstGeom>
+        </p:spPr>
+        <p:style>
+          <a:lnRef idx="2">
+            <a:schemeClr val="accent1">
+              <a:shade val="50000"/>
+            </a:schemeClr>
+          </a:lnRef>
+          <a:fillRef idx="1">
+            <a:schemeClr val="accent1"/>
+          </a:fillRef>
+          <a:effectRef idx="0">
+            <a:schemeClr val="accent1"/>
+          </a:effectRef>
+          <a:fontRef idx="minor">
+            <a:schemeClr val="lt1"/>
+          </a:fontRef>
+        </p:style>
+        <p:txBody>
+          <a:bodyPr rtlCol="0" anchor="ctr"/>
+          <a:lstStyle/>
+          <a:p>
+            <a:pPr algn="ctr"/>
+            <a:r>
+              <a:rPr lang="en-US" dirty="0"/>
+              <a:t>$55k,3.5</a:t>
+            </a:r>
+          </a:p>
+        </p:txBody>
+      </p:sp>
+      <p:sp>
+        <p:nvSpPr>
+          <p:cNvPr id="9" name="Rectangle 8">
+            <a:extLst>
+              <a:ext uri="{FF2B5EF4-FFF2-40B4-BE49-F238E27FC236}">
+                <a16:creationId xmlns:a16="http://schemas.microsoft.com/office/drawing/2014/main" id="{45A21252-76D5-4030-89A4-2114D3CE9787}"/>
+              </a:ext>
+            </a:extLst>
+          </p:cNvPr>
+          <p:cNvSpPr/>
+          <p:nvPr/>
+        </p:nvSpPr>
+        <p:spPr>
+          <a:xfrm>
+            <a:off x="5187880" y="5238161"/>
+            <a:ext cx="1414021" cy="307777"/>
+          </a:xfrm>
+          <a:prstGeom prst="rect">
+            <a:avLst/>
+          </a:prstGeom>
+        </p:spPr>
+        <p:style>
+          <a:lnRef idx="2">
+            <a:schemeClr val="accent1">
+              <a:shade val="50000"/>
+            </a:schemeClr>
+          </a:lnRef>
+          <a:fillRef idx="1">
+            <a:schemeClr val="accent1"/>
+          </a:fillRef>
+          <a:effectRef idx="0">
+            <a:schemeClr val="accent1"/>
+          </a:effectRef>
+          <a:fontRef idx="minor">
+            <a:schemeClr val="lt1"/>
+          </a:fontRef>
+        </p:style>
+        <p:txBody>
+          <a:bodyPr rtlCol="0" anchor="ctr"/>
+          <a:lstStyle/>
+          <a:p>
+            <a:pPr algn="ctr"/>
+            <a:r>
+              <a:rPr lang="en-US" dirty="0"/>
+              <a:t>$76k,1.07</a:t>
+            </a:r>
+          </a:p>
+        </p:txBody>
+      </p:sp>
+      <p:sp>
+        <p:nvSpPr>
+          <p:cNvPr id="10" name="Rectangle 9">
+            <a:extLst>
+              <a:ext uri="{FF2B5EF4-FFF2-40B4-BE49-F238E27FC236}">
+                <a16:creationId xmlns:a16="http://schemas.microsoft.com/office/drawing/2014/main" id="{B7A0F73D-9138-49C6-AC85-FC889F48CD09}"/>
+              </a:ext>
+            </a:extLst>
+          </p:cNvPr>
+          <p:cNvSpPr/>
+          <p:nvPr/>
+        </p:nvSpPr>
+        <p:spPr>
+          <a:xfrm>
+            <a:off x="6897275" y="4551409"/>
+            <a:ext cx="1414021" cy="307777"/>
+          </a:xfrm>
+          <a:prstGeom prst="rect">
+            <a:avLst/>
+          </a:prstGeom>
+        </p:spPr>
+        <p:style>
+          <a:lnRef idx="2">
+            <a:schemeClr val="accent1">
+              <a:shade val="50000"/>
+            </a:schemeClr>
+          </a:lnRef>
+          <a:fillRef idx="1">
+            <a:schemeClr val="accent1"/>
+          </a:fillRef>
+          <a:effectRef idx="0">
+            <a:schemeClr val="accent1"/>
+          </a:effectRef>
+          <a:fontRef idx="minor">
+            <a:schemeClr val="lt1"/>
+          </a:fontRef>
+        </p:style>
+        <p:txBody>
+          <a:bodyPr rtlCol="0" anchor="ctr"/>
+          <a:lstStyle/>
+          <a:p>
+            <a:pPr algn="ctr"/>
+            <a:r>
+              <a:rPr lang="en-US" dirty="0"/>
+              <a:t>$59k,3.7</a:t>
+            </a:r>
+          </a:p>
+        </p:txBody>
+      </p:sp>
+      <p:sp>
+        <p:nvSpPr>
+          <p:cNvPr id="11" name="Title 1">
+            <a:extLst>
+              <a:ext uri="{FF2B5EF4-FFF2-40B4-BE49-F238E27FC236}">
+                <a16:creationId xmlns:a16="http://schemas.microsoft.com/office/drawing/2014/main" id="{D31FFBD0-8402-48C1-B1C3-0202DE6FCEBF}"/>
+              </a:ext>
+            </a:extLst>
+          </p:cNvPr>
+          <p:cNvSpPr>
+            <a:spLocks noGrp="1"/>
+          </p:cNvSpPr>
+          <p:nvPr>
+            <p:ph type="title"/>
+          </p:nvPr>
+        </p:nvSpPr>
+        <p:spPr>
+          <a:xfrm>
+            <a:off x="677863" y="609600"/>
+            <a:ext cx="11218764" cy="577850"/>
+          </a:xfrm>
+        </p:spPr>
+        <p:txBody>
+          <a:bodyPr>
+            <a:normAutofit fontScale="90000"/>
+          </a:bodyPr>
+          <a:lstStyle/>
+          <a:p>
+            <a:r>
+              <a:rPr lang="en-US" dirty="0"/>
+              <a:t>Co-relation Between Income and AQI in the year 2015 </a:t>
+            </a:r>
           </a:p>
         </p:txBody>
       </p:sp>
     </p:spTree>
     <p:extLst>
       <p:ext uri="{BB962C8B-B14F-4D97-AF65-F5344CB8AC3E}">
-        <p14:creationId xmlns:p14="http://schemas.microsoft.com/office/powerpoint/2010/main" val="2020607231"/>
+        <p14:creationId xmlns:p14="http://schemas.microsoft.com/office/powerpoint/2010/main" val="1421015412"/>
       </p:ext>
     </p:extLst>
   </p:cSld>
@@ -4239,129 +8808,75 @@
           <a:chExt cx="0" cy="0"/>
         </a:xfrm>
       </p:grpSpPr>
-      <p:pic>
-        <p:nvPicPr>
-          <p:cNvPr id="5" name="Content Placeholder 4">
+      <p:sp>
+        <p:nvSpPr>
+          <p:cNvPr id="2" name="Title 1">
             <a:extLst>
               <a:ext uri="{FF2B5EF4-FFF2-40B4-BE49-F238E27FC236}">
-                <a16:creationId xmlns:a16="http://schemas.microsoft.com/office/drawing/2014/main" id="{03E80F81-C445-234E-8D47-34F121A65D60}"/>
+                <a16:creationId xmlns:a16="http://schemas.microsoft.com/office/drawing/2014/main" id="{DABCC3E3-E243-AD42-B10E-C07AB97B5A91}"/>
               </a:ext>
             </a:extLst>
           </p:cNvPr>
-          <p:cNvPicPr>
-            <a:picLocks noGrp="1" noChangeAspect="1"/>
-          </p:cNvPicPr>
-          <p:nvPr>
-            <p:ph idx="1"/>
-          </p:nvPr>
-        </p:nvPicPr>
-        <p:blipFill>
-          <a:blip r:embed="rId2"/>
-          <a:stretch>
-            <a:fillRect/>
-          </a:stretch>
-        </p:blipFill>
-        <p:spPr>
-          <a:xfrm>
-            <a:off x="2599979" y="1362752"/>
-            <a:ext cx="6634515" cy="4284791"/>
-          </a:xfrm>
-        </p:spPr>
-      </p:pic>
-      <p:sp>
-        <p:nvSpPr>
-          <p:cNvPr id="6" name="TextBox 5">
+          <p:cNvSpPr>
+            <a:spLocks noGrp="1"/>
+          </p:cNvSpPr>
+          <p:nvPr>
+            <p:ph type="title"/>
+          </p:nvPr>
+        </p:nvSpPr>
+        <p:spPr/>
+        <p:txBody>
+          <a:bodyPr/>
+          <a:lstStyle/>
+          <a:p>
+            <a:r>
+              <a:rPr lang="en-US" dirty="0"/>
+              <a:t>Summary of all outputs</a:t>
+            </a:r>
+          </a:p>
+        </p:txBody>
+      </p:sp>
+      <p:sp>
+        <p:nvSpPr>
+          <p:cNvPr id="3" name="Content Placeholder 2">
             <a:extLst>
               <a:ext uri="{FF2B5EF4-FFF2-40B4-BE49-F238E27FC236}">
-                <a16:creationId xmlns:a16="http://schemas.microsoft.com/office/drawing/2014/main" id="{7338766B-8CCC-E447-BD13-6E763821F813}"/>
+                <a16:creationId xmlns:a16="http://schemas.microsoft.com/office/drawing/2014/main" id="{C5145D40-1BF8-FC49-8996-000AEFBE3D12}"/>
               </a:ext>
             </a:extLst>
           </p:cNvPr>
-          <p:cNvSpPr txBox="1"/>
-          <p:nvPr/>
-        </p:nvSpPr>
-        <p:spPr>
-          <a:xfrm>
-            <a:off x="4212640" y="6468082"/>
-            <a:ext cx="7358743" cy="246221"/>
-          </a:xfrm>
-          <a:prstGeom prst="rect">
-            <a:avLst/>
-          </a:prstGeom>
-          <a:noFill/>
-        </p:spPr>
-        <p:txBody>
-          <a:bodyPr wrap="square" rtlCol="0">
-            <a:spAutoFit/>
-          </a:bodyPr>
+          <p:cNvSpPr>
+            <a:spLocks noGrp="1"/>
+          </p:cNvSpPr>
+          <p:nvPr>
+            <p:ph idx="1"/>
+          </p:nvPr>
+        </p:nvSpPr>
+        <p:spPr/>
+        <p:txBody>
+          <a:bodyPr/>
           <a:lstStyle/>
           <a:p>
-            <a:r>
-              <a:rPr lang="en-US" sz="1000" dirty="0"/>
-              <a:t>http://</a:t>
-            </a:r>
-            <a:r>
-              <a:rPr lang="en-US" sz="1000" dirty="0" err="1"/>
-              <a:t>www.dnrec.delaware.gov</a:t>
-            </a:r>
-            <a:r>
-              <a:rPr lang="en-US" sz="1000" dirty="0"/>
-              <a:t>/volunteer/Pages/</a:t>
-            </a:r>
-            <a:r>
-              <a:rPr lang="en-US" sz="1000" dirty="0" err="1"/>
-              <a:t>AQvolunteers.aspx</a:t>
-            </a:r>
-            <a:endParaRPr lang="en-US" sz="1000" dirty="0"/>
-          </a:p>
-        </p:txBody>
-      </p:sp>
-      <p:sp>
-        <p:nvSpPr>
-          <p:cNvPr id="7" name="TextBox 6">
-            <a:extLst>
-              <a:ext uri="{FF2B5EF4-FFF2-40B4-BE49-F238E27FC236}">
-                <a16:creationId xmlns:a16="http://schemas.microsoft.com/office/drawing/2014/main" id="{0502ECD0-6ADE-E04F-A440-F894834D72AB}"/>
-              </a:ext>
-            </a:extLst>
-          </p:cNvPr>
-          <p:cNvSpPr txBox="1"/>
-          <p:nvPr/>
-        </p:nvSpPr>
-        <p:spPr>
-          <a:xfrm>
-            <a:off x="4792337" y="1630496"/>
-            <a:ext cx="2677099" cy="492443"/>
-          </a:xfrm>
-          <a:prstGeom prst="rect">
-            <a:avLst/>
-          </a:prstGeom>
-          <a:noFill/>
-        </p:spPr>
-        <p:txBody>
-          <a:bodyPr wrap="square" rtlCol="0">
-            <a:spAutoFit/>
-          </a:bodyPr>
-          <a:lstStyle/>
-          <a:p>
-            <a:pPr algn="ctr"/>
-            <a:r>
-              <a:rPr lang="en-US" sz="2600" b="1" i="1" dirty="0">
-                <a:solidFill>
-                  <a:srgbClr val="C00000"/>
-                </a:solidFill>
-                <a:latin typeface="Apple Chancery" panose="03020702040506060504" pitchFamily="66" charset="-79"/>
-                <a:cs typeface="Apple Chancery" panose="03020702040506060504" pitchFamily="66" charset="-79"/>
-              </a:rPr>
-              <a:t>Q &amp; A</a:t>
-            </a:r>
+            <a:pPr marL="457200" indent="-457200">
+              <a:buAutoNum type="arabicPeriod"/>
+            </a:pPr>
+            <a:r>
+              <a:rPr lang="en-US" sz="2400" dirty="0"/>
+              <a:t>Incomplete data from one source (Air Quality) made it difficult to find relationships between more complete data sets (census).</a:t>
+            </a:r>
+          </a:p>
+          <a:p>
+            <a:pPr marL="514350" indent="-514350">
+              <a:buAutoNum type="arabicPeriod"/>
+            </a:pPr>
+            <a:endParaRPr lang="en-US" dirty="0"/>
           </a:p>
         </p:txBody>
       </p:sp>
     </p:spTree>
     <p:extLst>
       <p:ext uri="{BB962C8B-B14F-4D97-AF65-F5344CB8AC3E}">
-        <p14:creationId xmlns:p14="http://schemas.microsoft.com/office/powerpoint/2010/main" val="3918693780"/>
+        <p14:creationId xmlns:p14="http://schemas.microsoft.com/office/powerpoint/2010/main" val="2020607231"/>
       </p:ext>
     </p:extLst>
   </p:cSld>
@@ -4372,6 +8887,558 @@
 </file>
 
 <file path=ppt/theme/theme1.xml><?xml version="1.0" encoding="utf-8"?>
+<a:theme xmlns:a="http://schemas.openxmlformats.org/drawingml/2006/main" name="Facet">
+  <a:themeElements>
+    <a:clrScheme name="Facet">
+      <a:dk1>
+        <a:sysClr val="windowText" lastClr="000000"/>
+      </a:dk1>
+      <a:lt1>
+        <a:sysClr val="window" lastClr="FFFFFF"/>
+      </a:lt1>
+      <a:dk2>
+        <a:srgbClr val="2C3C43"/>
+      </a:dk2>
+      <a:lt2>
+        <a:srgbClr val="EBEBEB"/>
+      </a:lt2>
+      <a:accent1>
+        <a:srgbClr val="90C226"/>
+      </a:accent1>
+      <a:accent2>
+        <a:srgbClr val="54A021"/>
+      </a:accent2>
+      <a:accent3>
+        <a:srgbClr val="E6B91E"/>
+      </a:accent3>
+      <a:accent4>
+        <a:srgbClr val="E76618"/>
+      </a:accent4>
+      <a:accent5>
+        <a:srgbClr val="C42F1A"/>
+      </a:accent5>
+      <a:accent6>
+        <a:srgbClr val="918655"/>
+      </a:accent6>
+      <a:hlink>
+        <a:srgbClr val="99CA3C"/>
+      </a:hlink>
+      <a:folHlink>
+        <a:srgbClr val="B9D181"/>
+      </a:folHlink>
+    </a:clrScheme>
+    <a:fontScheme name="Facet">
+      <a:majorFont>
+        <a:latin typeface="Trebuchet MS" panose="020B0603020202020204"/>
+        <a:ea typeface=""/>
+        <a:cs typeface=""/>
+        <a:font script="Jpan" typeface="メイリオ"/>
+        <a:font script="Hang" typeface="맑은 고딕"/>
+        <a:font script="Hans" typeface="方正姚体"/>
+        <a:font script="Hant" typeface="微軟正黑體"/>
+        <a:font script="Arab" typeface="Tahoma"/>
+        <a:font script="Hebr" typeface="Arial"/>
+        <a:font script="Thai" typeface="Cordia New"/>
+        <a:font script="Ethi" typeface="Nyala"/>
+        <a:font script="Beng" typeface="Vrinda"/>
+        <a:font script="Gujr" typeface="Shruti"/>
+        <a:font script="Khmr" typeface="DaunPenh"/>
+        <a:font script="Knda" typeface="Tunga"/>
+        <a:font script="Guru" typeface="Raavi"/>
+        <a:font script="Cans" typeface="Euphemia"/>
+        <a:font script="Cher" typeface="Plantagenet Cherokee"/>
+        <a:font script="Yiii" typeface="Microsoft Yi Baiti"/>
+        <a:font script="Tibt" typeface="Microsoft Himalaya"/>
+        <a:font script="Thaa" typeface="MV Boli"/>
+        <a:font script="Deva" typeface="Mangal"/>
+        <a:font script="Telu" typeface="Gautami"/>
+        <a:font script="Taml" typeface="Latha"/>
+        <a:font script="Syrc" typeface="Estrangelo Edessa"/>
+        <a:font script="Orya" typeface="Kalinga"/>
+        <a:font script="Mlym" typeface="Kartika"/>
+        <a:font script="Laoo" typeface="DokChampa"/>
+        <a:font script="Sinh" typeface="Iskoola Pota"/>
+        <a:font script="Mong" typeface="Mongolian Baiti"/>
+        <a:font script="Viet" typeface="Tahoma"/>
+        <a:font script="Uigh" typeface="Microsoft Uighur"/>
+        <a:font script="Geor" typeface="Sylfaen"/>
+      </a:majorFont>
+      <a:minorFont>
+        <a:latin typeface="Trebuchet MS" panose="020B0603020202020204"/>
+        <a:ea typeface=""/>
+        <a:cs typeface=""/>
+        <a:font script="Jpan" typeface="メイリオ"/>
+        <a:font script="Hang" typeface="HY그래픽M"/>
+        <a:font script="Hans" typeface="华文新魏"/>
+        <a:font script="Hant" typeface="微軟正黑體"/>
+        <a:font script="Arab" typeface="Tahoma"/>
+        <a:font script="Hebr" typeface="Gisha"/>
+        <a:font script="Thai" typeface="IrisUPC"/>
+        <a:font script="Ethi" typeface="Nyala"/>
+        <a:font script="Beng" typeface="Vrinda"/>
+        <a:font script="Gujr" typeface="Shruti"/>
+        <a:font script="Khmr" typeface="DaunPenh"/>
+        <a:font script="Knda" typeface="Tunga"/>
+        <a:font script="Guru" typeface="Raavi"/>
+        <a:font script="Cans" typeface="Euphemia"/>
+        <a:font script="Cher" typeface="Plantagenet Cherokee"/>
+        <a:font script="Yiii" typeface="Microsoft Yi Baiti"/>
+        <a:font script="Tibt" typeface="Microsoft Himalaya"/>
+        <a:font script="Thaa" typeface="MV Boli"/>
+        <a:font script="Deva" typeface="Mangal"/>
+        <a:font script="Telu" typeface="Gautami"/>
+        <a:font script="Taml" typeface="Latha"/>
+        <a:font script="Syrc" typeface="Estrangelo Edessa"/>
+        <a:font script="Orya" typeface="Kalinga"/>
+        <a:font script="Mlym" typeface="Kartika"/>
+        <a:font script="Laoo" typeface="DokChampa"/>
+        <a:font script="Sinh" typeface="Iskoola Pota"/>
+        <a:font script="Mong" typeface="Mongolian Baiti"/>
+        <a:font script="Viet" typeface="Arial"/>
+        <a:font script="Uigh" typeface="Microsoft Uighur"/>
+        <a:font script="Geor" typeface="Sylfaen"/>
+      </a:minorFont>
+    </a:fontScheme>
+    <a:fmtScheme name="Facet">
+      <a:fillStyleLst>
+        <a:solidFill>
+          <a:schemeClr val="phClr"/>
+        </a:solidFill>
+        <a:gradFill rotWithShape="1">
+          <a:gsLst>
+            <a:gs pos="0">
+              <a:schemeClr val="phClr">
+                <a:tint val="65000"/>
+                <a:lumMod val="110000"/>
+              </a:schemeClr>
+            </a:gs>
+            <a:gs pos="88000">
+              <a:schemeClr val="phClr">
+                <a:tint val="90000"/>
+              </a:schemeClr>
+            </a:gs>
+          </a:gsLst>
+          <a:lin ang="5400000" scaled="0"/>
+        </a:gradFill>
+        <a:gradFill rotWithShape="1">
+          <a:gsLst>
+            <a:gs pos="0">
+              <a:schemeClr val="phClr">
+                <a:tint val="96000"/>
+                <a:lumMod val="100000"/>
+              </a:schemeClr>
+            </a:gs>
+            <a:gs pos="78000">
+              <a:schemeClr val="phClr">
+                <a:shade val="94000"/>
+                <a:lumMod val="94000"/>
+              </a:schemeClr>
+            </a:gs>
+          </a:gsLst>
+          <a:lin ang="5400000" scaled="0"/>
+        </a:gradFill>
+      </a:fillStyleLst>
+      <a:lnStyleLst>
+        <a:ln w="12700" cap="rnd" cmpd="sng" algn="ctr">
+          <a:solidFill>
+            <a:schemeClr val="phClr"/>
+          </a:solidFill>
+          <a:prstDash val="solid"/>
+        </a:ln>
+        <a:ln w="19050" cap="rnd" cmpd="sng" algn="ctr">
+          <a:solidFill>
+            <a:schemeClr val="phClr"/>
+          </a:solidFill>
+          <a:prstDash val="solid"/>
+        </a:ln>
+        <a:ln w="25400" cap="rnd" cmpd="sng" algn="ctr">
+          <a:solidFill>
+            <a:schemeClr val="phClr"/>
+          </a:solidFill>
+          <a:prstDash val="solid"/>
+        </a:ln>
+      </a:lnStyleLst>
+      <a:effectStyleLst>
+        <a:effectStyle>
+          <a:effectLst/>
+        </a:effectStyle>
+        <a:effectStyle>
+          <a:effectLst>
+            <a:outerShdw blurRad="38100" dist="25400" dir="5400000" rotWithShape="0">
+              <a:srgbClr val="000000">
+                <a:alpha val="35000"/>
+              </a:srgbClr>
+            </a:outerShdw>
+          </a:effectLst>
+        </a:effectStyle>
+        <a:effectStyle>
+          <a:effectLst>
+            <a:outerShdw blurRad="50800" dist="38100" dir="5400000" rotWithShape="0">
+              <a:srgbClr val="000000">
+                <a:alpha val="35000"/>
+              </a:srgbClr>
+            </a:outerShdw>
+          </a:effectLst>
+          <a:scene3d>
+            <a:camera prst="orthographicFront">
+              <a:rot lat="0" lon="0" rev="0"/>
+            </a:camera>
+            <a:lightRig rig="threePt" dir="tl"/>
+          </a:scene3d>
+          <a:sp3d prstMaterial="plastic">
+            <a:bevelT w="0" h="0"/>
+          </a:sp3d>
+        </a:effectStyle>
+      </a:effectStyleLst>
+      <a:bgFillStyleLst>
+        <a:solidFill>
+          <a:schemeClr val="phClr"/>
+        </a:solidFill>
+        <a:gradFill rotWithShape="1">
+          <a:gsLst>
+            <a:gs pos="0">
+              <a:schemeClr val="phClr">
+                <a:tint val="90000"/>
+                <a:lumMod val="104000"/>
+              </a:schemeClr>
+            </a:gs>
+            <a:gs pos="94000">
+              <a:schemeClr val="phClr">
+                <a:shade val="96000"/>
+                <a:lumMod val="82000"/>
+              </a:schemeClr>
+            </a:gs>
+          </a:gsLst>
+          <a:lin ang="5400000" scaled="0"/>
+        </a:gradFill>
+        <a:gradFill rotWithShape="1">
+          <a:gsLst>
+            <a:gs pos="0">
+              <a:schemeClr val="phClr">
+                <a:tint val="90000"/>
+                <a:lumMod val="110000"/>
+              </a:schemeClr>
+            </a:gs>
+            <a:gs pos="100000">
+              <a:schemeClr val="phClr">
+                <a:shade val="94000"/>
+                <a:lumMod val="96000"/>
+              </a:schemeClr>
+            </a:gs>
+          </a:gsLst>
+          <a:path path="circle">
+            <a:fillToRect l="50000" t="50000" r="100000" b="100000"/>
+          </a:path>
+        </a:gradFill>
+      </a:bgFillStyleLst>
+    </a:fmtScheme>
+  </a:themeElements>
+  <a:objectDefaults/>
+  <a:extraClrSchemeLst/>
+  <a:extLst>
+    <a:ext uri="{05A4C25C-085E-4340-85A3-A5531E510DB2}">
+      <thm15:themeFamily xmlns:thm15="http://schemas.microsoft.com/office/thememl/2012/main" name="Facet" id="{C0C680CD-088A-49FC-A102-D699147F32B2}" vid="{CFBC31BA-B70F-4F30-BCAA-4F3011E16C4D}"/>
+    </a:ext>
+  </a:extLst>
+</a:theme>
+</file>
+
+<file path=ppt/theme/theme2.xml><?xml version="1.0" encoding="utf-8"?>
+<a:theme xmlns:a="http://schemas.openxmlformats.org/drawingml/2006/main" name="Office Theme">
+  <a:themeElements>
+    <a:clrScheme name="Office">
+      <a:dk1>
+        <a:sysClr val="windowText" lastClr="000000"/>
+      </a:dk1>
+      <a:lt1>
+        <a:sysClr val="window" lastClr="FFFFFF"/>
+      </a:lt1>
+      <a:dk2>
+        <a:srgbClr val="44546A"/>
+      </a:dk2>
+      <a:lt2>
+        <a:srgbClr val="E7E6E6"/>
+      </a:lt2>
+      <a:accent1>
+        <a:srgbClr val="4472C4"/>
+      </a:accent1>
+      <a:accent2>
+        <a:srgbClr val="ED7D31"/>
+      </a:accent2>
+      <a:accent3>
+        <a:srgbClr val="A5A5A5"/>
+      </a:accent3>
+      <a:accent4>
+        <a:srgbClr val="FFC000"/>
+      </a:accent4>
+      <a:accent5>
+        <a:srgbClr val="5B9BD5"/>
+      </a:accent5>
+      <a:accent6>
+        <a:srgbClr val="70AD47"/>
+      </a:accent6>
+      <a:hlink>
+        <a:srgbClr val="0563C1"/>
+      </a:hlink>
+      <a:folHlink>
+        <a:srgbClr val="954F72"/>
+      </a:folHlink>
+    </a:clrScheme>
+    <a:fontScheme name="Office">
+      <a:majorFont>
+        <a:latin typeface="Calibri Light" panose="020F0302020204030204"/>
+        <a:ea typeface=""/>
+        <a:cs typeface=""/>
+        <a:font script="Jpan" typeface="游ゴシック Light"/>
+        <a:font script="Hang" typeface="맑은 고딕"/>
+        <a:font script="Hans" typeface="等线 Light"/>
+        <a:font script="Hant" typeface="新細明體"/>
+        <a:font script="Arab" typeface="Times New Roman"/>
+        <a:font script="Hebr" typeface="Times New Roman"/>
+        <a:font script="Thai" typeface="Angsana New"/>
+        <a:font script="Ethi" typeface="Nyala"/>
+        <a:font script="Beng" typeface="Vrinda"/>
+        <a:font script="Gujr" typeface="Shruti"/>
+        <a:font script="Khmr" typeface="MoolBoran"/>
+        <a:font script="Knda" typeface="Tunga"/>
+        <a:font script="Guru" typeface="Raavi"/>
+        <a:font script="Cans" typeface="Euphemia"/>
+        <a:font script="Cher" typeface="Plantagenet Cherokee"/>
+        <a:font script="Yiii" typeface="Microsoft Yi Baiti"/>
+        <a:font script="Tibt" typeface="Microsoft Himalaya"/>
+        <a:font script="Thaa" typeface="MV Boli"/>
+        <a:font script="Deva" typeface="Mangal"/>
+        <a:font script="Telu" typeface="Gautami"/>
+        <a:font script="Taml" typeface="Latha"/>
+        <a:font script="Syrc" typeface="Estrangelo Edessa"/>
+        <a:font script="Orya" typeface="Kalinga"/>
+        <a:font script="Mlym" typeface="Kartika"/>
+        <a:font script="Laoo" typeface="DokChampa"/>
+        <a:font script="Sinh" typeface="Iskoola Pota"/>
+        <a:font script="Mong" typeface="Mongolian Baiti"/>
+        <a:font script="Viet" typeface="Times New Roman"/>
+        <a:font script="Uigh" typeface="Microsoft Uighur"/>
+        <a:font script="Geor" typeface="Sylfaen"/>
+        <a:font script="Armn" typeface="Arial"/>
+        <a:font script="Bugi" typeface="Leelawadee UI"/>
+        <a:font script="Bopo" typeface="Microsoft JhengHei"/>
+        <a:font script="Java" typeface="Javanese Text"/>
+        <a:font script="Lisu" typeface="Segoe UI"/>
+        <a:font script="Mymr" typeface="Myanmar Text"/>
+        <a:font script="Nkoo" typeface="Ebrima"/>
+        <a:font script="Olck" typeface="Nirmala UI"/>
+        <a:font script="Osma" typeface="Ebrima"/>
+        <a:font script="Phag" typeface="Phagspa"/>
+        <a:font script="Syrn" typeface="Estrangelo Edessa"/>
+        <a:font script="Syrj" typeface="Estrangelo Edessa"/>
+        <a:font script="Syre" typeface="Estrangelo Edessa"/>
+        <a:font script="Sora" typeface="Nirmala UI"/>
+        <a:font script="Tale" typeface="Microsoft Tai Le"/>
+        <a:font script="Talu" typeface="Microsoft New Tai Lue"/>
+        <a:font script="Tfng" typeface="Ebrima"/>
+      </a:majorFont>
+      <a:minorFont>
+        <a:latin typeface="Calibri" panose="020F0502020204030204"/>
+        <a:ea typeface=""/>
+        <a:cs typeface=""/>
+        <a:font script="Jpan" typeface="游ゴシック"/>
+        <a:font script="Hang" typeface="맑은 고딕"/>
+        <a:font script="Hans" typeface="等线"/>
+        <a:font script="Hant" typeface="新細明體"/>
+        <a:font script="Arab" typeface="Arial"/>
+        <a:font script="Hebr" typeface="Arial"/>
+        <a:font script="Thai" typeface="Cordia New"/>
+        <a:font script="Ethi" typeface="Nyala"/>
+        <a:font script="Beng" typeface="Vrinda"/>
+        <a:font script="Gujr" typeface="Shruti"/>
+        <a:font script="Khmr" typeface="DaunPenh"/>
+        <a:font script="Knda" typeface="Tunga"/>
+        <a:font script="Guru" typeface="Raavi"/>
+        <a:font script="Cans" typeface="Euphemia"/>
+        <a:font script="Cher" typeface="Plantagenet Cherokee"/>
+        <a:font script="Yiii" typeface="Microsoft Yi Baiti"/>
+        <a:font script="Tibt" typeface="Microsoft Himalaya"/>
+        <a:font script="Thaa" typeface="MV Boli"/>
+        <a:font script="Deva" typeface="Mangal"/>
+        <a:font script="Telu" typeface="Gautami"/>
+        <a:font script="Taml" typeface="Latha"/>
+        <a:font script="Syrc" typeface="Estrangelo Edessa"/>
+        <a:font script="Orya" typeface="Kalinga"/>
+        <a:font script="Mlym" typeface="Kartika"/>
+        <a:font script="Laoo" typeface="DokChampa"/>
+        <a:font script="Sinh" typeface="Iskoola Pota"/>
+        <a:font script="Mong" typeface="Mongolian Baiti"/>
+        <a:font script="Viet" typeface="Arial"/>
+        <a:font script="Uigh" typeface="Microsoft Uighur"/>
+        <a:font script="Geor" typeface="Sylfaen"/>
+        <a:font script="Armn" typeface="Arial"/>
+        <a:font script="Bugi" typeface="Leelawadee UI"/>
+        <a:font script="Bopo" typeface="Microsoft JhengHei"/>
+        <a:font script="Java" typeface="Javanese Text"/>
+        <a:font script="Lisu" typeface="Segoe UI"/>
+        <a:font script="Mymr" typeface="Myanmar Text"/>
+        <a:font script="Nkoo" typeface="Ebrima"/>
+        <a:font script="Olck" typeface="Nirmala UI"/>
+        <a:font script="Osma" typeface="Ebrima"/>
+        <a:font script="Phag" typeface="Phagspa"/>
+        <a:font script="Syrn" typeface="Estrangelo Edessa"/>
+        <a:font script="Syrj" typeface="Estrangelo Edessa"/>
+        <a:font script="Syre" typeface="Estrangelo Edessa"/>
+        <a:font script="Sora" typeface="Nirmala UI"/>
+        <a:font script="Tale" typeface="Microsoft Tai Le"/>
+        <a:font script="Talu" typeface="Microsoft New Tai Lue"/>
+        <a:font script="Tfng" typeface="Ebrima"/>
+      </a:minorFont>
+    </a:fontScheme>
+    <a:fmtScheme name="Office">
+      <a:fillStyleLst>
+        <a:solidFill>
+          <a:schemeClr val="phClr"/>
+        </a:solidFill>
+        <a:gradFill rotWithShape="1">
+          <a:gsLst>
+            <a:gs pos="0">
+              <a:schemeClr val="phClr">
+                <a:lumMod val="110000"/>
+                <a:satMod val="105000"/>
+                <a:tint val="67000"/>
+              </a:schemeClr>
+            </a:gs>
+            <a:gs pos="50000">
+              <a:schemeClr val="phClr">
+                <a:lumMod val="105000"/>
+                <a:satMod val="103000"/>
+                <a:tint val="73000"/>
+              </a:schemeClr>
+            </a:gs>
+            <a:gs pos="100000">
+              <a:schemeClr val="phClr">
+                <a:lumMod val="105000"/>
+                <a:satMod val="109000"/>
+                <a:tint val="81000"/>
+              </a:schemeClr>
+            </a:gs>
+          </a:gsLst>
+          <a:lin ang="5400000" scaled="0"/>
+        </a:gradFill>
+        <a:gradFill rotWithShape="1">
+          <a:gsLst>
+            <a:gs pos="0">
+              <a:schemeClr val="phClr">
+                <a:satMod val="103000"/>
+                <a:lumMod val="102000"/>
+                <a:tint val="94000"/>
+              </a:schemeClr>
+            </a:gs>
+            <a:gs pos="50000">
+              <a:schemeClr val="phClr">
+                <a:satMod val="110000"/>
+                <a:lumMod val="100000"/>
+                <a:shade val="100000"/>
+              </a:schemeClr>
+            </a:gs>
+            <a:gs pos="100000">
+              <a:schemeClr val="phClr">
+                <a:lumMod val="99000"/>
+                <a:satMod val="120000"/>
+                <a:shade val="78000"/>
+              </a:schemeClr>
+            </a:gs>
+          </a:gsLst>
+          <a:lin ang="5400000" scaled="0"/>
+        </a:gradFill>
+      </a:fillStyleLst>
+      <a:lnStyleLst>
+        <a:ln w="6350" cap="flat" cmpd="sng" algn="ctr">
+          <a:solidFill>
+            <a:schemeClr val="phClr"/>
+          </a:solidFill>
+          <a:prstDash val="solid"/>
+          <a:miter lim="800000"/>
+        </a:ln>
+        <a:ln w="12700" cap="flat" cmpd="sng" algn="ctr">
+          <a:solidFill>
+            <a:schemeClr val="phClr"/>
+          </a:solidFill>
+          <a:prstDash val="solid"/>
+          <a:miter lim="800000"/>
+        </a:ln>
+        <a:ln w="19050" cap="flat" cmpd="sng" algn="ctr">
+          <a:solidFill>
+            <a:schemeClr val="phClr"/>
+          </a:solidFill>
+          <a:prstDash val="solid"/>
+          <a:miter lim="800000"/>
+        </a:ln>
+      </a:lnStyleLst>
+      <a:effectStyleLst>
+        <a:effectStyle>
+          <a:effectLst/>
+        </a:effectStyle>
+        <a:effectStyle>
+          <a:effectLst/>
+        </a:effectStyle>
+        <a:effectStyle>
+          <a:effectLst>
+            <a:outerShdw blurRad="57150" dist="19050" dir="5400000" algn="ctr" rotWithShape="0">
+              <a:srgbClr val="000000">
+                <a:alpha val="63000"/>
+              </a:srgbClr>
+            </a:outerShdw>
+          </a:effectLst>
+        </a:effectStyle>
+      </a:effectStyleLst>
+      <a:bgFillStyleLst>
+        <a:solidFill>
+          <a:schemeClr val="phClr"/>
+        </a:solidFill>
+        <a:solidFill>
+          <a:schemeClr val="phClr">
+            <a:tint val="95000"/>
+            <a:satMod val="170000"/>
+          </a:schemeClr>
+        </a:solidFill>
+        <a:gradFill rotWithShape="1">
+          <a:gsLst>
+            <a:gs pos="0">
+              <a:schemeClr val="phClr">
+                <a:tint val="93000"/>
+                <a:satMod val="150000"/>
+                <a:shade val="98000"/>
+                <a:lumMod val="102000"/>
+              </a:schemeClr>
+            </a:gs>
+            <a:gs pos="50000">
+              <a:schemeClr val="phClr">
+                <a:tint val="98000"/>
+                <a:satMod val="130000"/>
+                <a:shade val="90000"/>
+                <a:lumMod val="103000"/>
+              </a:schemeClr>
+            </a:gs>
+            <a:gs pos="100000">
+              <a:schemeClr val="phClr">
+                <a:shade val="63000"/>
+                <a:satMod val="120000"/>
+              </a:schemeClr>
+            </a:gs>
+          </a:gsLst>
+          <a:lin ang="5400000" scaled="0"/>
+        </a:gradFill>
+      </a:bgFillStyleLst>
+    </a:fmtScheme>
+  </a:themeElements>
+  <a:objectDefaults/>
+  <a:extraClrSchemeLst/>
+  <a:extLst>
+    <a:ext uri="{05A4C25C-085E-4340-85A3-A5531E510DB2}">
+      <thm15:themeFamily xmlns:thm15="http://schemas.microsoft.com/office/thememl/2012/main" name="Office Theme" id="{62F939B6-93AF-4DB8-9C6B-D6C7DFDC589F}" vid="{4A3C46E8-61CC-4603-A589-7422A47A8E4A}"/>
+    </a:ext>
+  </a:extLst>
+</a:theme>
+</file>
+
+<file path=ppt/theme/theme3.xml><?xml version="1.0" encoding="utf-8"?>
 <a:theme xmlns:a="http://schemas.openxmlformats.org/drawingml/2006/main" name="Office Theme">
   <a:themeElements>
     <a:clrScheme name="Office">

--- a/City_health_ppt.pptx
+++ b/City_health_ppt.pptx
@@ -1387,7 +1387,7 @@
           <a:p>
             <a:fld id="{85B944F4-E588-A043-A758-57DBD1F647E3}" type="datetimeFigureOut">
               <a:rPr lang="en-US" smtClean="0"/>
-              <a:t>3/19/2018</a:t>
+              <a:t>3/20/2018</a:t>
             </a:fld>
             <a:endParaRPr lang="en-US"/>
           </a:p>
@@ -1638,7 +1638,7 @@
           <a:p>
             <a:fld id="{85B944F4-E588-A043-A758-57DBD1F647E3}" type="datetimeFigureOut">
               <a:rPr lang="en-US" smtClean="0"/>
-              <a:t>3/19/2018</a:t>
+              <a:t>3/20/2018</a:t>
             </a:fld>
             <a:endParaRPr lang="en-US"/>
           </a:p>
@@ -1952,7 +1952,7 @@
           <a:p>
             <a:fld id="{85B944F4-E588-A043-A758-57DBD1F647E3}" type="datetimeFigureOut">
               <a:rPr lang="en-US" smtClean="0"/>
-              <a:t>3/19/2018</a:t>
+              <a:t>3/20/2018</a:t>
             </a:fld>
             <a:endParaRPr lang="en-US"/>
           </a:p>
@@ -2293,7 +2293,7 @@
           <a:p>
             <a:fld id="{85B944F4-E588-A043-A758-57DBD1F647E3}" type="datetimeFigureOut">
               <a:rPr lang="en-US" smtClean="0"/>
-              <a:t>3/19/2018</a:t>
+              <a:t>3/20/2018</a:t>
             </a:fld>
             <a:endParaRPr lang="en-US"/>
           </a:p>
@@ -2607,7 +2607,7 @@
           <a:p>
             <a:fld id="{85B944F4-E588-A043-A758-57DBD1F647E3}" type="datetimeFigureOut">
               <a:rPr lang="en-US" smtClean="0"/>
-              <a:t>3/19/2018</a:t>
+              <a:t>3/20/2018</a:t>
             </a:fld>
             <a:endParaRPr lang="en-US"/>
           </a:p>
@@ -3000,7 +3000,7 @@
           <a:p>
             <a:fld id="{85B944F4-E588-A043-A758-57DBD1F647E3}" type="datetimeFigureOut">
               <a:rPr lang="en-US" smtClean="0"/>
-              <a:t>3/19/2018</a:t>
+              <a:t>3/20/2018</a:t>
             </a:fld>
             <a:endParaRPr lang="en-US"/>
           </a:p>
@@ -3170,7 +3170,7 @@
           <a:p>
             <a:fld id="{85B944F4-E588-A043-A758-57DBD1F647E3}" type="datetimeFigureOut">
               <a:rPr lang="en-US" smtClean="0"/>
-              <a:t>3/19/2018</a:t>
+              <a:t>3/20/2018</a:t>
             </a:fld>
             <a:endParaRPr lang="en-US"/>
           </a:p>
@@ -3350,7 +3350,7 @@
           <a:p>
             <a:fld id="{85B944F4-E588-A043-A758-57DBD1F647E3}" type="datetimeFigureOut">
               <a:rPr lang="en-US" smtClean="0"/>
-              <a:t>3/19/2018</a:t>
+              <a:t>3/20/2018</a:t>
             </a:fld>
             <a:endParaRPr lang="en-US"/>
           </a:p>
@@ -3526,7 +3526,7 @@
           <a:p>
             <a:fld id="{85B944F4-E588-A043-A758-57DBD1F647E3}" type="datetimeFigureOut">
               <a:rPr lang="en-US" smtClean="0"/>
-              <a:t>3/19/2018</a:t>
+              <a:t>3/20/2018</a:t>
             </a:fld>
             <a:endParaRPr lang="en-US"/>
           </a:p>
@@ -3773,7 +3773,7 @@
           <a:p>
             <a:fld id="{85B944F4-E588-A043-A758-57DBD1F647E3}" type="datetimeFigureOut">
               <a:rPr lang="en-US" smtClean="0"/>
-              <a:t>3/19/2018</a:t>
+              <a:t>3/20/2018</a:t>
             </a:fld>
             <a:endParaRPr lang="en-US"/>
           </a:p>
@@ -4005,7 +4005,7 @@
           <a:p>
             <a:fld id="{85B944F4-E588-A043-A758-57DBD1F647E3}" type="datetimeFigureOut">
               <a:rPr lang="en-US" smtClean="0"/>
-              <a:t>3/19/2018</a:t>
+              <a:t>3/20/2018</a:t>
             </a:fld>
             <a:endParaRPr lang="en-US"/>
           </a:p>
@@ -4379,7 +4379,7 @@
           <a:p>
             <a:fld id="{85B944F4-E588-A043-A758-57DBD1F647E3}" type="datetimeFigureOut">
               <a:rPr lang="en-US" smtClean="0"/>
-              <a:t>3/19/2018</a:t>
+              <a:t>3/20/2018</a:t>
             </a:fld>
             <a:endParaRPr lang="en-US"/>
           </a:p>
@@ -4502,7 +4502,7 @@
           <a:p>
             <a:fld id="{85B944F4-E588-A043-A758-57DBD1F647E3}" type="datetimeFigureOut">
               <a:rPr lang="en-US" smtClean="0"/>
-              <a:t>3/19/2018</a:t>
+              <a:t>3/20/2018</a:t>
             </a:fld>
             <a:endParaRPr lang="en-US"/>
           </a:p>
@@ -4597,7 +4597,7 @@
           <a:p>
             <a:fld id="{85B944F4-E588-A043-A758-57DBD1F647E3}" type="datetimeFigureOut">
               <a:rPr lang="en-US" smtClean="0"/>
-              <a:t>3/19/2018</a:t>
+              <a:t>3/20/2018</a:t>
             </a:fld>
             <a:endParaRPr lang="en-US"/>
           </a:p>
@@ -4852,7 +4852,7 @@
           <a:p>
             <a:fld id="{85B944F4-E588-A043-A758-57DBD1F647E3}" type="datetimeFigureOut">
               <a:rPr lang="en-US" smtClean="0"/>
-              <a:t>3/19/2018</a:t>
+              <a:t>3/20/2018</a:t>
             </a:fld>
             <a:endParaRPr lang="en-US"/>
           </a:p>
@@ -5115,7 +5115,7 @@
           <a:p>
             <a:fld id="{85B944F4-E588-A043-A758-57DBD1F647E3}" type="datetimeFigureOut">
               <a:rPr lang="en-US" smtClean="0"/>
-              <a:t>3/19/2018</a:t>
+              <a:t>3/20/2018</a:t>
             </a:fld>
             <a:endParaRPr lang="en-US"/>
           </a:p>
@@ -5858,7 +5858,7 @@
           <a:p>
             <a:fld id="{85B944F4-E588-A043-A758-57DBD1F647E3}" type="datetimeFigureOut">
               <a:rPr lang="en-US" smtClean="0"/>
-              <a:t>3/19/2018</a:t>
+              <a:t>3/20/2018</a:t>
             </a:fld>
             <a:endParaRPr lang="en-US"/>
           </a:p>
@@ -8708,7 +8708,7 @@
         </p:nvSpPr>
         <p:spPr>
           <a:xfrm>
-            <a:off x="6897275" y="4551409"/>
+            <a:off x="6897275" y="4551410"/>
             <a:ext cx="1414021" cy="307777"/>
           </a:xfrm>
           <a:prstGeom prst="rect">

--- a/City_health_ppt.pptx
+++ b/City_health_ppt.pptx
@@ -121,7 +121,7 @@
   </p:defaultTextStyle>
   <p:extLst>
     <p:ext uri="{EFAFB233-063F-42B5-8137-9DF3F51BA10A}">
-      <p15:sldGuideLst xmlns:p15="http://schemas.microsoft.com/office/powerpoint/2012/main"/>
+      <p15:sldGuideLst xmlns:p15="http://schemas.microsoft.com/office/powerpoint/2012/main" xmlns=""/>
     </p:ext>
   </p:extLst>
 </p:presentation>
@@ -154,7 +154,7 @@
           <p:cNvPr id="2" name="Header Placeholder 1">
             <a:extLst>
               <a:ext uri="{FF2B5EF4-FFF2-40B4-BE49-F238E27FC236}">
-                <a16:creationId xmlns:a16="http://schemas.microsoft.com/office/drawing/2014/main" id="{D410C7F9-899E-4CFD-91E2-95CDA174B130}"/>
+                <a16:creationId xmlns:a16="http://schemas.microsoft.com/office/drawing/2014/main" xmlns="" id="{D410C7F9-899E-4CFD-91E2-95CDA174B130}"/>
               </a:ext>
             </a:extLst>
           </p:cNvPr>
@@ -191,7 +191,7 @@
           <p:cNvPr id="3" name="Date Placeholder 2">
             <a:extLst>
               <a:ext uri="{FF2B5EF4-FFF2-40B4-BE49-F238E27FC236}">
-                <a16:creationId xmlns:a16="http://schemas.microsoft.com/office/drawing/2014/main" id="{43B46195-6C6D-42B9-B0C0-64B01F1376AE}"/>
+                <a16:creationId xmlns:a16="http://schemas.microsoft.com/office/drawing/2014/main" xmlns="" id="{43B46195-6C6D-42B9-B0C0-64B01F1376AE}"/>
               </a:ext>
             </a:extLst>
           </p:cNvPr>
@@ -232,7 +232,7 @@
           <p:cNvPr id="4" name="Footer Placeholder 3">
             <a:extLst>
               <a:ext uri="{FF2B5EF4-FFF2-40B4-BE49-F238E27FC236}">
-                <a16:creationId xmlns:a16="http://schemas.microsoft.com/office/drawing/2014/main" id="{9DA8D180-CD0C-4023-A607-06A1A5D5BE57}"/>
+                <a16:creationId xmlns:a16="http://schemas.microsoft.com/office/drawing/2014/main" xmlns="" id="{9DA8D180-CD0C-4023-A607-06A1A5D5BE57}"/>
               </a:ext>
             </a:extLst>
           </p:cNvPr>
@@ -269,7 +269,7 @@
           <p:cNvPr id="5" name="Slide Number Placeholder 4">
             <a:extLst>
               <a:ext uri="{FF2B5EF4-FFF2-40B4-BE49-F238E27FC236}">
-                <a16:creationId xmlns:a16="http://schemas.microsoft.com/office/drawing/2014/main" id="{E294435A-6B41-41A9-BF26-16C29BA92774}"/>
+                <a16:creationId xmlns:a16="http://schemas.microsoft.com/office/drawing/2014/main" xmlns="" id="{E294435A-6B41-41A9-BF26-16C29BA92774}"/>
               </a:ext>
             </a:extLst>
           </p:cNvPr>
@@ -6387,7 +6387,7 @@
           <p:cNvPr id="2" name="Title 1">
             <a:extLst>
               <a:ext uri="{FF2B5EF4-FFF2-40B4-BE49-F238E27FC236}">
-                <a16:creationId xmlns:a16="http://schemas.microsoft.com/office/drawing/2014/main" id="{F2D700E7-C2A1-9640-A979-8E81E6E4DACE}"/>
+                <a16:creationId xmlns:a16="http://schemas.microsoft.com/office/drawing/2014/main" xmlns="" id="{F2D700E7-C2A1-9640-A979-8E81E6E4DACE}"/>
               </a:ext>
             </a:extLst>
           </p:cNvPr>
@@ -6420,7 +6420,7 @@
           <p:cNvPr id="3" name="Subtitle 2">
             <a:extLst>
               <a:ext uri="{FF2B5EF4-FFF2-40B4-BE49-F238E27FC236}">
-                <a16:creationId xmlns:a16="http://schemas.microsoft.com/office/drawing/2014/main" id="{D0DBBB09-8BD6-4848-8C92-DDD2A418F7E1}"/>
+                <a16:creationId xmlns:a16="http://schemas.microsoft.com/office/drawing/2014/main" xmlns="" id="{D0DBBB09-8BD6-4848-8C92-DDD2A418F7E1}"/>
               </a:ext>
             </a:extLst>
           </p:cNvPr>
@@ -6475,7 +6475,7 @@
           <p:cNvPr id="4" name="Content Placeholder 4">
             <a:extLst>
               <a:ext uri="{FF2B5EF4-FFF2-40B4-BE49-F238E27FC236}">
-                <a16:creationId xmlns:a16="http://schemas.microsoft.com/office/drawing/2014/main" id="{B65B8A39-F193-B841-AD79-2B8283A48E51}"/>
+                <a16:creationId xmlns:a16="http://schemas.microsoft.com/office/drawing/2014/main" xmlns="" id="{B65B8A39-F193-B841-AD79-2B8283A48E51}"/>
               </a:ext>
             </a:extLst>
           </p:cNvPr>
@@ -6505,7 +6505,7 @@
           <p:cNvPr id="6" name="Picture 5">
             <a:extLst>
               <a:ext uri="{FF2B5EF4-FFF2-40B4-BE49-F238E27FC236}">
-                <a16:creationId xmlns:a16="http://schemas.microsoft.com/office/drawing/2014/main" id="{DC0FB01F-F84C-EB4C-A402-3E47585902ED}"/>
+                <a16:creationId xmlns:a16="http://schemas.microsoft.com/office/drawing/2014/main" xmlns="" id="{DC0FB01F-F84C-EB4C-A402-3E47585902ED}"/>
               </a:ext>
             </a:extLst>
           </p:cNvPr>
@@ -6535,7 +6535,7 @@
           <p:cNvPr id="8" name="Picture 7">
             <a:extLst>
               <a:ext uri="{FF2B5EF4-FFF2-40B4-BE49-F238E27FC236}">
-                <a16:creationId xmlns:a16="http://schemas.microsoft.com/office/drawing/2014/main" id="{60AD6C8A-FB60-914E-8750-F142A71552A1}"/>
+                <a16:creationId xmlns:a16="http://schemas.microsoft.com/office/drawing/2014/main" xmlns="" id="{60AD6C8A-FB60-914E-8750-F142A71552A1}"/>
               </a:ext>
             </a:extLst>
           </p:cNvPr>
@@ -6595,7 +6595,7 @@
           <p:cNvPr id="5" name="Content Placeholder 4">
             <a:extLst>
               <a:ext uri="{FF2B5EF4-FFF2-40B4-BE49-F238E27FC236}">
-                <a16:creationId xmlns:a16="http://schemas.microsoft.com/office/drawing/2014/main" id="{03E80F81-C445-234E-8D47-34F121A65D60}"/>
+                <a16:creationId xmlns:a16="http://schemas.microsoft.com/office/drawing/2014/main" xmlns="" id="{03E80F81-C445-234E-8D47-34F121A65D60}"/>
               </a:ext>
             </a:extLst>
           </p:cNvPr>
@@ -6624,7 +6624,7 @@
           <p:cNvPr id="6" name="TextBox 5">
             <a:extLst>
               <a:ext uri="{FF2B5EF4-FFF2-40B4-BE49-F238E27FC236}">
-                <a16:creationId xmlns:a16="http://schemas.microsoft.com/office/drawing/2014/main" id="{7338766B-8CCC-E447-BD13-6E763821F813}"/>
+                <a16:creationId xmlns:a16="http://schemas.microsoft.com/office/drawing/2014/main" xmlns="" id="{7338766B-8CCC-E447-BD13-6E763821F813}"/>
               </a:ext>
             </a:extLst>
           </p:cNvPr>
@@ -6672,7 +6672,7 @@
           <p:cNvPr id="7" name="TextBox 6">
             <a:extLst>
               <a:ext uri="{FF2B5EF4-FFF2-40B4-BE49-F238E27FC236}">
-                <a16:creationId xmlns:a16="http://schemas.microsoft.com/office/drawing/2014/main" id="{0502ECD0-6ADE-E04F-A440-F894834D72AB}"/>
+                <a16:creationId xmlns:a16="http://schemas.microsoft.com/office/drawing/2014/main" xmlns="" id="{0502ECD0-6ADE-E04F-A440-F894834D72AB}"/>
               </a:ext>
             </a:extLst>
           </p:cNvPr>
@@ -6744,7 +6744,7 @@
           <p:cNvPr id="2" name="Title 1">
             <a:extLst>
               <a:ext uri="{FF2B5EF4-FFF2-40B4-BE49-F238E27FC236}">
-                <a16:creationId xmlns:a16="http://schemas.microsoft.com/office/drawing/2014/main" id="{DE82EF8E-871B-B64C-A8E2-324C38CE4DD7}"/>
+                <a16:creationId xmlns:a16="http://schemas.microsoft.com/office/drawing/2014/main" xmlns="" id="{DE82EF8E-871B-B64C-A8E2-324C38CE4DD7}"/>
               </a:ext>
             </a:extLst>
           </p:cNvPr>
@@ -6772,7 +6772,7 @@
           <p:cNvPr id="3" name="Content Placeholder 2">
             <a:extLst>
               <a:ext uri="{FF2B5EF4-FFF2-40B4-BE49-F238E27FC236}">
-                <a16:creationId xmlns:a16="http://schemas.microsoft.com/office/drawing/2014/main" id="{EBD4BB73-E0C0-AA41-A234-5AE493F76391}"/>
+                <a16:creationId xmlns:a16="http://schemas.microsoft.com/office/drawing/2014/main" xmlns="" id="{EBD4BB73-E0C0-AA41-A234-5AE493F76391}"/>
               </a:ext>
             </a:extLst>
           </p:cNvPr>
@@ -6878,7 +6878,7 @@
           <p:cNvPr id="2" name="Title 1">
             <a:extLst>
               <a:ext uri="{FF2B5EF4-FFF2-40B4-BE49-F238E27FC236}">
-                <a16:creationId xmlns:a16="http://schemas.microsoft.com/office/drawing/2014/main" id="{4A9FEF1B-F02C-1D4C-A8A0-61EEEDEFB10A}"/>
+                <a16:creationId xmlns:a16="http://schemas.microsoft.com/office/drawing/2014/main" xmlns="" id="{4A9FEF1B-F02C-1D4C-A8A0-61EEEDEFB10A}"/>
               </a:ext>
             </a:extLst>
           </p:cNvPr>
@@ -6906,7 +6906,7 @@
           <p:cNvPr id="3" name="Content Placeholder 2">
             <a:extLst>
               <a:ext uri="{FF2B5EF4-FFF2-40B4-BE49-F238E27FC236}">
-                <a16:creationId xmlns:a16="http://schemas.microsoft.com/office/drawing/2014/main" id="{CBF80364-4233-E248-8706-D0A914AB68AE}"/>
+                <a16:creationId xmlns:a16="http://schemas.microsoft.com/office/drawing/2014/main" xmlns="" id="{CBF80364-4233-E248-8706-D0A914AB68AE}"/>
               </a:ext>
             </a:extLst>
           </p:cNvPr>
@@ -6979,7 +6979,7 @@
           <p:cNvPr id="2" name="Title 1">
             <a:extLst>
               <a:ext uri="{FF2B5EF4-FFF2-40B4-BE49-F238E27FC236}">
-                <a16:creationId xmlns:a16="http://schemas.microsoft.com/office/drawing/2014/main" id="{80999772-6DB8-394E-903D-A0C0B7F192CC}"/>
+                <a16:creationId xmlns:a16="http://schemas.microsoft.com/office/drawing/2014/main" xmlns="" id="{80999772-6DB8-394E-903D-A0C0B7F192CC}"/>
               </a:ext>
             </a:extLst>
           </p:cNvPr>
@@ -6997,15 +6997,15 @@
           <a:p>
             <a:r>
               <a:rPr lang="en-US" dirty="0"/>
-              <a:t>Key take </a:t>
-            </a:r>
-            <a:r>
-              <a:rPr lang="en-US" dirty="0" err="1"/>
-              <a:t>aways</a:t>
+              <a:t>Key </a:t>
+            </a:r>
+            <a:r>
+              <a:rPr lang="en-US" dirty="0" smtClean="0"/>
+              <a:t>takeaways </a:t>
             </a:r>
             <a:r>
               <a:rPr lang="en-US" dirty="0"/>
-              <a:t> [Adam]</a:t>
+              <a:t>[Adam]</a:t>
             </a:r>
           </a:p>
         </p:txBody>
@@ -7015,7 +7015,7 @@
           <p:cNvPr id="3" name="Content Placeholder 2">
             <a:extLst>
               <a:ext uri="{FF2B5EF4-FFF2-40B4-BE49-F238E27FC236}">
-                <a16:creationId xmlns:a16="http://schemas.microsoft.com/office/drawing/2014/main" id="{67D83CFD-FDAE-9F44-9300-D077904D56B0}"/>
+                <a16:creationId xmlns:a16="http://schemas.microsoft.com/office/drawing/2014/main" xmlns="" id="{67D83CFD-FDAE-9F44-9300-D077904D56B0}"/>
               </a:ext>
             </a:extLst>
           </p:cNvPr>
@@ -7026,12 +7026,43 @@
             <p:ph idx="1"/>
           </p:nvPr>
         </p:nvSpPr>
-        <p:spPr/>
+        <p:spPr>
+          <a:xfrm>
+            <a:off x="677333" y="1631851"/>
+            <a:ext cx="9549879" cy="4409511"/>
+          </a:xfrm>
+        </p:spPr>
         <p:txBody>
           <a:bodyPr/>
           <a:lstStyle/>
           <a:p>
-            <a:endParaRPr lang="en-US"/>
+            <a:r>
+              <a:rPr lang="en-US" dirty="0" smtClean="0"/>
+              <a:t>I started this project wanting to look at the relationship between air quality, health, and economic information.</a:t>
+            </a:r>
+          </a:p>
+          <a:p>
+            <a:r>
+              <a:rPr lang="en-US" dirty="0" smtClean="0"/>
+              <a:t>As I started aggregating data sets for the three factors, I quickly saw that the analysis would only be as good as the least complete data set. I saw this by checking the length of the merged data frames.</a:t>
+            </a:r>
+          </a:p>
+          <a:p>
+            <a:r>
+              <a:rPr lang="en-US" dirty="0" smtClean="0"/>
+              <a:t>This prompted me to make a visual representation of the most complete data set we had (census). Once I had the population information on a map, it was fairly easy to change variables, so I looked at the air quality data and saw a large portion of the map fall off, but was still able to see the inverse correlation between county population and air quality.</a:t>
+            </a:r>
+          </a:p>
+          <a:p>
+            <a:r>
+              <a:rPr lang="en-US" dirty="0" smtClean="0"/>
+              <a:t>I chose to include a map with all of the air quality monitor stations to show the driver of the blank pieces of data and used shading to indicate where large amounts of data </a:t>
+            </a:r>
+            <a:r>
+              <a:rPr lang="en-US" smtClean="0"/>
+              <a:t>were recorded.</a:t>
+            </a:r>
+            <a:endParaRPr lang="en-US" dirty="0"/>
           </a:p>
         </p:txBody>
       </p:sp>
@@ -7070,7 +7101,7 @@
           <p:cNvPr id="2" name="Title 1">
             <a:extLst>
               <a:ext uri="{FF2B5EF4-FFF2-40B4-BE49-F238E27FC236}">
-                <a16:creationId xmlns:a16="http://schemas.microsoft.com/office/drawing/2014/main" id="{80999772-6DB8-394E-903D-A0C0B7F192CC}"/>
+                <a16:creationId xmlns:a16="http://schemas.microsoft.com/office/drawing/2014/main" xmlns="" id="{80999772-6DB8-394E-903D-A0C0B7F192CC}"/>
               </a:ext>
             </a:extLst>
           </p:cNvPr>
@@ -7106,7 +7137,7 @@
           <p:cNvPr id="3" name="Content Placeholder 2">
             <a:extLst>
               <a:ext uri="{FF2B5EF4-FFF2-40B4-BE49-F238E27FC236}">
-                <a16:creationId xmlns:a16="http://schemas.microsoft.com/office/drawing/2014/main" id="{67D83CFD-FDAE-9F44-9300-D077904D56B0}"/>
+                <a16:creationId xmlns:a16="http://schemas.microsoft.com/office/drawing/2014/main" xmlns="" id="{67D83CFD-FDAE-9F44-9300-D077904D56B0}"/>
               </a:ext>
             </a:extLst>
           </p:cNvPr>
@@ -7161,7 +7192,7 @@
           <p:cNvPr id="2" name="Title 1">
             <a:extLst>
               <a:ext uri="{FF2B5EF4-FFF2-40B4-BE49-F238E27FC236}">
-                <a16:creationId xmlns:a16="http://schemas.microsoft.com/office/drawing/2014/main" id="{80999772-6DB8-394E-903D-A0C0B7F192CC}"/>
+                <a16:creationId xmlns:a16="http://schemas.microsoft.com/office/drawing/2014/main" xmlns="" id="{80999772-6DB8-394E-903D-A0C0B7F192CC}"/>
               </a:ext>
             </a:extLst>
           </p:cNvPr>
@@ -7189,7 +7220,7 @@
           <p:cNvPr id="4" name="Content Placeholder 3">
             <a:extLst>
               <a:ext uri="{FF2B5EF4-FFF2-40B4-BE49-F238E27FC236}">
-                <a16:creationId xmlns:a16="http://schemas.microsoft.com/office/drawing/2014/main" id="{8DAA206A-7DB5-4C8D-A676-5733629BBA4D}"/>
+                <a16:creationId xmlns:a16="http://schemas.microsoft.com/office/drawing/2014/main" xmlns="" id="{8DAA206A-7DB5-4C8D-A676-5733629BBA4D}"/>
               </a:ext>
             </a:extLst>
           </p:cNvPr>
@@ -7255,7 +7286,7 @@
           <p:cNvPr id="2" name="Title 1">
             <a:extLst>
               <a:ext uri="{FF2B5EF4-FFF2-40B4-BE49-F238E27FC236}">
-                <a16:creationId xmlns:a16="http://schemas.microsoft.com/office/drawing/2014/main" id="{8A7C18E2-EB74-4835-9BA3-F21486DC21A1}"/>
+                <a16:creationId xmlns:a16="http://schemas.microsoft.com/office/drawing/2014/main" xmlns="" id="{8A7C18E2-EB74-4835-9BA3-F21486DC21A1}"/>
               </a:ext>
             </a:extLst>
           </p:cNvPr>
@@ -7288,7 +7319,7 @@
           <p:cNvPr id="6" name="Content Placeholder 5">
             <a:extLst>
               <a:ext uri="{FF2B5EF4-FFF2-40B4-BE49-F238E27FC236}">
-                <a16:creationId xmlns:a16="http://schemas.microsoft.com/office/drawing/2014/main" id="{5613626C-CDEC-4395-9F64-D0A912C20BB2}"/>
+                <a16:creationId xmlns:a16="http://schemas.microsoft.com/office/drawing/2014/main" xmlns="" id="{5613626C-CDEC-4395-9F64-D0A912C20BB2}"/>
               </a:ext>
             </a:extLst>
           </p:cNvPr>
@@ -7316,42 +7347,42 @@
                 <a:gridCol w="1009537">
                   <a:extLst>
                     <a:ext uri="{9D8B030D-6E8A-4147-A177-3AD203B41FA5}">
-                      <a16:colId xmlns:a16="http://schemas.microsoft.com/office/drawing/2014/main" val="332034054"/>
+                      <a16:colId xmlns:a16="http://schemas.microsoft.com/office/drawing/2014/main" xmlns="" val="332034054"/>
                     </a:ext>
                   </a:extLst>
                 </a:gridCol>
                 <a:gridCol w="1215188">
                   <a:extLst>
                     <a:ext uri="{9D8B030D-6E8A-4147-A177-3AD203B41FA5}">
-                      <a16:colId xmlns:a16="http://schemas.microsoft.com/office/drawing/2014/main" val="777036782"/>
+                      <a16:colId xmlns:a16="http://schemas.microsoft.com/office/drawing/2014/main" xmlns="" val="777036782"/>
                     </a:ext>
                   </a:extLst>
                 </a:gridCol>
                 <a:gridCol w="942680">
                   <a:extLst>
                     <a:ext uri="{9D8B030D-6E8A-4147-A177-3AD203B41FA5}">
-                      <a16:colId xmlns:a16="http://schemas.microsoft.com/office/drawing/2014/main" val="4236767662"/>
+                      <a16:colId xmlns:a16="http://schemas.microsoft.com/office/drawing/2014/main" xmlns="" val="4236767662"/>
                     </a:ext>
                   </a:extLst>
                 </a:gridCol>
                 <a:gridCol w="1178351">
                   <a:extLst>
                     <a:ext uri="{9D8B030D-6E8A-4147-A177-3AD203B41FA5}">
-                      <a16:colId xmlns:a16="http://schemas.microsoft.com/office/drawing/2014/main" val="4239258076"/>
+                      <a16:colId xmlns:a16="http://schemas.microsoft.com/office/drawing/2014/main" xmlns="" val="4239258076"/>
                     </a:ext>
                   </a:extLst>
                 </a:gridCol>
                 <a:gridCol w="989550">
                   <a:extLst>
                     <a:ext uri="{9D8B030D-6E8A-4147-A177-3AD203B41FA5}">
-                      <a16:colId xmlns:a16="http://schemas.microsoft.com/office/drawing/2014/main" val="4191109449"/>
+                      <a16:colId xmlns:a16="http://schemas.microsoft.com/office/drawing/2014/main" xmlns="" val="4191109449"/>
                     </a:ext>
                   </a:extLst>
                 </a:gridCol>
                 <a:gridCol w="1781929">
                   <a:extLst>
                     <a:ext uri="{9D8B030D-6E8A-4147-A177-3AD203B41FA5}">
-                      <a16:colId xmlns:a16="http://schemas.microsoft.com/office/drawing/2014/main" val="1598174266"/>
+                      <a16:colId xmlns:a16="http://schemas.microsoft.com/office/drawing/2014/main" xmlns="" val="1598174266"/>
                     </a:ext>
                   </a:extLst>
                 </a:gridCol>
@@ -7524,7 +7555,7 @@
                 </a:tc>
                 <a:extLst>
                   <a:ext uri="{0D108BD9-81ED-4DB2-BD59-A6C34878D82A}">
-                    <a16:rowId xmlns:a16="http://schemas.microsoft.com/office/drawing/2014/main" val="2783723435"/>
+                    <a16:rowId xmlns:a16="http://schemas.microsoft.com/office/drawing/2014/main" xmlns="" val="2783723435"/>
                   </a:ext>
                 </a:extLst>
               </a:tr>
@@ -7720,7 +7751,7 @@
                 </a:tc>
                 <a:extLst>
                   <a:ext uri="{0D108BD9-81ED-4DB2-BD59-A6C34878D82A}">
-                    <a16:rowId xmlns:a16="http://schemas.microsoft.com/office/drawing/2014/main" val="772086744"/>
+                    <a16:rowId xmlns:a16="http://schemas.microsoft.com/office/drawing/2014/main" xmlns="" val="772086744"/>
                   </a:ext>
                 </a:extLst>
               </a:tr>
@@ -7901,7 +7932,7 @@
                 </a:tc>
                 <a:extLst>
                   <a:ext uri="{0D108BD9-81ED-4DB2-BD59-A6C34878D82A}">
-                    <a16:rowId xmlns:a16="http://schemas.microsoft.com/office/drawing/2014/main" val="2808834250"/>
+                    <a16:rowId xmlns:a16="http://schemas.microsoft.com/office/drawing/2014/main" xmlns="" val="2808834250"/>
                   </a:ext>
                 </a:extLst>
               </a:tr>
@@ -8100,7 +8131,7 @@
                 </a:tc>
                 <a:extLst>
                   <a:ext uri="{0D108BD9-81ED-4DB2-BD59-A6C34878D82A}">
-                    <a16:rowId xmlns:a16="http://schemas.microsoft.com/office/drawing/2014/main" val="4157145681"/>
+                    <a16:rowId xmlns:a16="http://schemas.microsoft.com/office/drawing/2014/main" xmlns="" val="4157145681"/>
                   </a:ext>
                 </a:extLst>
               </a:tr>
@@ -8281,7 +8312,7 @@
                 </a:tc>
                 <a:extLst>
                   <a:ext uri="{0D108BD9-81ED-4DB2-BD59-A6C34878D82A}">
-                    <a16:rowId xmlns:a16="http://schemas.microsoft.com/office/drawing/2014/main" val="3147861558"/>
+                    <a16:rowId xmlns:a16="http://schemas.microsoft.com/office/drawing/2014/main" xmlns="" val="3147861558"/>
                   </a:ext>
                 </a:extLst>
               </a:tr>
@@ -8480,7 +8511,7 @@
                 </a:tc>
                 <a:extLst>
                   <a:ext uri="{0D108BD9-81ED-4DB2-BD59-A6C34878D82A}">
-                    <a16:rowId xmlns:a16="http://schemas.microsoft.com/office/drawing/2014/main" val="35416497"/>
+                    <a16:rowId xmlns:a16="http://schemas.microsoft.com/office/drawing/2014/main" xmlns="" val="35416497"/>
                   </a:ext>
                 </a:extLst>
               </a:tr>
@@ -8523,7 +8554,7 @@
           <p:cNvPr id="5" name="Content Placeholder 4">
             <a:extLst>
               <a:ext uri="{FF2B5EF4-FFF2-40B4-BE49-F238E27FC236}">
-                <a16:creationId xmlns:a16="http://schemas.microsoft.com/office/drawing/2014/main" id="{A45DB37E-B893-42C2-8701-05B719167CC2}"/>
+                <a16:creationId xmlns:a16="http://schemas.microsoft.com/office/drawing/2014/main" xmlns="" id="{A45DB37E-B893-42C2-8701-05B719167CC2}"/>
               </a:ext>
             </a:extLst>
           </p:cNvPr>
@@ -8552,7 +8583,7 @@
           <p:cNvPr id="6" name="Rectangle 5">
             <a:extLst>
               <a:ext uri="{FF2B5EF4-FFF2-40B4-BE49-F238E27FC236}">
-                <a16:creationId xmlns:a16="http://schemas.microsoft.com/office/drawing/2014/main" id="{BAF4FF0F-8D1D-4EAD-BB64-6A08DC457F83}"/>
+                <a16:creationId xmlns:a16="http://schemas.microsoft.com/office/drawing/2014/main" xmlns="" id="{BAF4FF0F-8D1D-4EAD-BB64-6A08DC457F83}"/>
               </a:ext>
             </a:extLst>
           </p:cNvPr>
@@ -8601,7 +8632,7 @@
           <p:cNvPr id="8" name="Rectangle 7">
             <a:extLst>
               <a:ext uri="{FF2B5EF4-FFF2-40B4-BE49-F238E27FC236}">
-                <a16:creationId xmlns:a16="http://schemas.microsoft.com/office/drawing/2014/main" id="{3A4A61FE-8442-4408-BB1D-5AF8AF32F760}"/>
+                <a16:creationId xmlns:a16="http://schemas.microsoft.com/office/drawing/2014/main" xmlns="" id="{3A4A61FE-8442-4408-BB1D-5AF8AF32F760}"/>
               </a:ext>
             </a:extLst>
           </p:cNvPr>
@@ -8650,7 +8681,7 @@
           <p:cNvPr id="9" name="Rectangle 8">
             <a:extLst>
               <a:ext uri="{FF2B5EF4-FFF2-40B4-BE49-F238E27FC236}">
-                <a16:creationId xmlns:a16="http://schemas.microsoft.com/office/drawing/2014/main" id="{45A21252-76D5-4030-89A4-2114D3CE9787}"/>
+                <a16:creationId xmlns:a16="http://schemas.microsoft.com/office/drawing/2014/main" xmlns="" id="{45A21252-76D5-4030-89A4-2114D3CE9787}"/>
               </a:ext>
             </a:extLst>
           </p:cNvPr>
@@ -8699,7 +8730,7 @@
           <p:cNvPr id="10" name="Rectangle 9">
             <a:extLst>
               <a:ext uri="{FF2B5EF4-FFF2-40B4-BE49-F238E27FC236}">
-                <a16:creationId xmlns:a16="http://schemas.microsoft.com/office/drawing/2014/main" id="{B7A0F73D-9138-49C6-AC85-FC889F48CD09}"/>
+                <a16:creationId xmlns:a16="http://schemas.microsoft.com/office/drawing/2014/main" xmlns="" id="{B7A0F73D-9138-49C6-AC85-FC889F48CD09}"/>
               </a:ext>
             </a:extLst>
           </p:cNvPr>
@@ -8708,7 +8739,7 @@
         </p:nvSpPr>
         <p:spPr>
           <a:xfrm>
-            <a:off x="6897275" y="4551410"/>
+            <a:off x="6897275" y="4551409"/>
             <a:ext cx="1414021" cy="307777"/>
           </a:xfrm>
           <a:prstGeom prst="rect">
@@ -8748,7 +8779,7 @@
           <p:cNvPr id="11" name="Title 1">
             <a:extLst>
               <a:ext uri="{FF2B5EF4-FFF2-40B4-BE49-F238E27FC236}">
-                <a16:creationId xmlns:a16="http://schemas.microsoft.com/office/drawing/2014/main" id="{D31FFBD0-8402-48C1-B1C3-0202DE6FCEBF}"/>
+                <a16:creationId xmlns:a16="http://schemas.microsoft.com/office/drawing/2014/main" xmlns="" id="{D31FFBD0-8402-48C1-B1C3-0202DE6FCEBF}"/>
               </a:ext>
             </a:extLst>
           </p:cNvPr>
@@ -8813,7 +8844,7 @@
           <p:cNvPr id="2" name="Title 1">
             <a:extLst>
               <a:ext uri="{FF2B5EF4-FFF2-40B4-BE49-F238E27FC236}">
-                <a16:creationId xmlns:a16="http://schemas.microsoft.com/office/drawing/2014/main" id="{DABCC3E3-E243-AD42-B10E-C07AB97B5A91}"/>
+                <a16:creationId xmlns:a16="http://schemas.microsoft.com/office/drawing/2014/main" xmlns="" id="{DABCC3E3-E243-AD42-B10E-C07AB97B5A91}"/>
               </a:ext>
             </a:extLst>
           </p:cNvPr>
@@ -8841,7 +8872,7 @@
           <p:cNvPr id="3" name="Content Placeholder 2">
             <a:extLst>
               <a:ext uri="{FF2B5EF4-FFF2-40B4-BE49-F238E27FC236}">
-                <a16:creationId xmlns:a16="http://schemas.microsoft.com/office/drawing/2014/main" id="{C5145D40-1BF8-FC49-8996-000AEFBE3D12}"/>
+                <a16:creationId xmlns:a16="http://schemas.microsoft.com/office/drawing/2014/main" xmlns="" id="{C5145D40-1BF8-FC49-8996-000AEFBE3D12}"/>
               </a:ext>
             </a:extLst>
           </p:cNvPr>
@@ -9137,7 +9168,7 @@
   <a:extraClrSchemeLst/>
   <a:extLst>
     <a:ext uri="{05A4C25C-085E-4340-85A3-A5531E510DB2}">
-      <thm15:themeFamily xmlns:thm15="http://schemas.microsoft.com/office/thememl/2012/main" name="Facet" id="{C0C680CD-088A-49FC-A102-D699147F32B2}" vid="{CFBC31BA-B70F-4F30-BCAA-4F3011E16C4D}"/>
+      <thm15:themeFamily xmlns:thm15="http://schemas.microsoft.com/office/thememl/2012/main" xmlns="" name="Facet" id="{C0C680CD-088A-49FC-A102-D699147F32B2}" vid="{CFBC31BA-B70F-4F30-BCAA-4F3011E16C4D}"/>
     </a:ext>
   </a:extLst>
 </a:theme>
@@ -9432,7 +9463,7 @@
   <a:extraClrSchemeLst/>
   <a:extLst>
     <a:ext uri="{05A4C25C-085E-4340-85A3-A5531E510DB2}">
-      <thm15:themeFamily xmlns:thm15="http://schemas.microsoft.com/office/thememl/2012/main" name="Office Theme" id="{62F939B6-93AF-4DB8-9C6B-D6C7DFDC589F}" vid="{4A3C46E8-61CC-4603-A589-7422A47A8E4A}"/>
+      <thm15:themeFamily xmlns:thm15="http://schemas.microsoft.com/office/thememl/2012/main" xmlns="" name="Office Theme" id="{62F939B6-93AF-4DB8-9C6B-D6C7DFDC589F}" vid="{4A3C46E8-61CC-4603-A589-7422A47A8E4A}"/>
     </a:ext>
   </a:extLst>
 </a:theme>
@@ -9727,7 +9758,7 @@
   <a:extraClrSchemeLst/>
   <a:extLst>
     <a:ext uri="{05A4C25C-085E-4340-85A3-A5531E510DB2}">
-      <thm15:themeFamily xmlns:thm15="http://schemas.microsoft.com/office/thememl/2012/main" name="Office Theme" id="{62F939B6-93AF-4DB8-9C6B-D6C7DFDC589F}" vid="{4A3C46E8-61CC-4603-A589-7422A47A8E4A}"/>
+      <thm15:themeFamily xmlns:thm15="http://schemas.microsoft.com/office/thememl/2012/main" xmlns="" name="Office Theme" id="{62F939B6-93AF-4DB8-9C6B-D6C7DFDC589F}" vid="{4A3C46E8-61CC-4603-A589-7422A47A8E4A}"/>
     </a:ext>
   </a:extLst>
 </a:theme>
